--- a/assets/images/citylearn_systems.pptx
+++ b/assets/images/citylearn_systems.pptx
@@ -5,17 +5,16 @@
     <p:sldMasterId id="2147483648" r:id="rId1"/>
   </p:sldMasterIdLst>
   <p:notesMasterIdLst>
-    <p:notesMasterId r:id="rId7"/>
+    <p:notesMasterId r:id="rId6"/>
   </p:notesMasterIdLst>
   <p:handoutMasterIdLst>
-    <p:handoutMasterId r:id="rId8"/>
+    <p:handoutMasterId r:id="rId7"/>
   </p:handoutMasterIdLst>
   <p:sldIdLst>
-    <p:sldId id="832" r:id="rId2"/>
-    <p:sldId id="833" r:id="rId3"/>
-    <p:sldId id="834" r:id="rId4"/>
-    <p:sldId id="836" r:id="rId5"/>
-    <p:sldId id="837" r:id="rId6"/>
+    <p:sldId id="833" r:id="rId2"/>
+    <p:sldId id="834" r:id="rId3"/>
+    <p:sldId id="836" r:id="rId4"/>
+    <p:sldId id="837" r:id="rId5"/>
   </p:sldIdLst>
   <p:sldSz cx="12192000" cy="6858000"/>
   <p:notesSz cx="7099300" cy="10234613"/>
@@ -159,2958 +158,6 @@
 </p:cmAuthorLst>
 </file>
 
-<file path=ppt/diagrams/colors1.xml><?xml version="1.0" encoding="utf-8"?>
-<dgm:colorsDef xmlns:dgm="http://schemas.openxmlformats.org/drawingml/2006/diagram" xmlns:a="http://schemas.openxmlformats.org/drawingml/2006/main" uniqueId="urn:microsoft.com/office/officeart/2005/8/colors/accent1_2">
-  <dgm:title val=""/>
-  <dgm:desc val=""/>
-  <dgm:catLst>
-    <dgm:cat type="accent1" pri="11200"/>
-  </dgm:catLst>
-  <dgm:styleLbl name="node0">
-    <dgm:fillClrLst meth="repeat">
-      <a:schemeClr val="accent1"/>
-    </dgm:fillClrLst>
-    <dgm:linClrLst meth="repeat">
-      <a:schemeClr val="lt1"/>
-    </dgm:linClrLst>
-    <dgm:effectClrLst/>
-    <dgm:txLinClrLst/>
-    <dgm:txFillClrLst/>
-    <dgm:txEffectClrLst/>
-  </dgm:styleLbl>
-  <dgm:styleLbl name="alignNode1">
-    <dgm:fillClrLst meth="repeat">
-      <a:schemeClr val="accent1"/>
-    </dgm:fillClrLst>
-    <dgm:linClrLst meth="repeat">
-      <a:schemeClr val="accent1"/>
-    </dgm:linClrLst>
-    <dgm:effectClrLst/>
-    <dgm:txLinClrLst/>
-    <dgm:txFillClrLst/>
-    <dgm:txEffectClrLst/>
-  </dgm:styleLbl>
-  <dgm:styleLbl name="node1">
-    <dgm:fillClrLst meth="repeat">
-      <a:schemeClr val="accent1"/>
-    </dgm:fillClrLst>
-    <dgm:linClrLst meth="repeat">
-      <a:schemeClr val="lt1"/>
-    </dgm:linClrLst>
-    <dgm:effectClrLst/>
-    <dgm:txLinClrLst/>
-    <dgm:txFillClrLst/>
-    <dgm:txEffectClrLst/>
-  </dgm:styleLbl>
-  <dgm:styleLbl name="lnNode1">
-    <dgm:fillClrLst meth="repeat">
-      <a:schemeClr val="accent1"/>
-    </dgm:fillClrLst>
-    <dgm:linClrLst meth="repeat">
-      <a:schemeClr val="lt1"/>
-    </dgm:linClrLst>
-    <dgm:effectClrLst/>
-    <dgm:txLinClrLst/>
-    <dgm:txFillClrLst/>
-    <dgm:txEffectClrLst/>
-  </dgm:styleLbl>
-  <dgm:styleLbl name="vennNode1">
-    <dgm:fillClrLst meth="repeat">
-      <a:schemeClr val="accent1">
-        <a:alpha val="50000"/>
-      </a:schemeClr>
-    </dgm:fillClrLst>
-    <dgm:linClrLst meth="repeat">
-      <a:schemeClr val="lt1"/>
-    </dgm:linClrLst>
-    <dgm:effectClrLst/>
-    <dgm:txLinClrLst/>
-    <dgm:txFillClrLst/>
-    <dgm:txEffectClrLst/>
-  </dgm:styleLbl>
-  <dgm:styleLbl name="node2">
-    <dgm:fillClrLst meth="repeat">
-      <a:schemeClr val="accent1"/>
-    </dgm:fillClrLst>
-    <dgm:linClrLst meth="repeat">
-      <a:schemeClr val="lt1"/>
-    </dgm:linClrLst>
-    <dgm:effectClrLst/>
-    <dgm:txLinClrLst/>
-    <dgm:txFillClrLst/>
-    <dgm:txEffectClrLst/>
-  </dgm:styleLbl>
-  <dgm:styleLbl name="node3">
-    <dgm:fillClrLst meth="repeat">
-      <a:schemeClr val="accent1"/>
-    </dgm:fillClrLst>
-    <dgm:linClrLst meth="repeat">
-      <a:schemeClr val="lt1"/>
-    </dgm:linClrLst>
-    <dgm:effectClrLst/>
-    <dgm:txLinClrLst/>
-    <dgm:txFillClrLst/>
-    <dgm:txEffectClrLst/>
-  </dgm:styleLbl>
-  <dgm:styleLbl name="node4">
-    <dgm:fillClrLst meth="repeat">
-      <a:schemeClr val="accent1"/>
-    </dgm:fillClrLst>
-    <dgm:linClrLst meth="repeat">
-      <a:schemeClr val="lt1"/>
-    </dgm:linClrLst>
-    <dgm:effectClrLst/>
-    <dgm:txLinClrLst/>
-    <dgm:txFillClrLst/>
-    <dgm:txEffectClrLst/>
-  </dgm:styleLbl>
-  <dgm:styleLbl name="fgImgPlace1">
-    <dgm:fillClrLst meth="repeat">
-      <a:schemeClr val="accent1">
-        <a:tint val="50000"/>
-      </a:schemeClr>
-    </dgm:fillClrLst>
-    <dgm:linClrLst meth="repeat">
-      <a:schemeClr val="lt1"/>
-    </dgm:linClrLst>
-    <dgm:effectClrLst/>
-    <dgm:txLinClrLst/>
-    <dgm:txFillClrLst meth="repeat">
-      <a:schemeClr val="lt1"/>
-    </dgm:txFillClrLst>
-    <dgm:txEffectClrLst/>
-  </dgm:styleLbl>
-  <dgm:styleLbl name="alignImgPlace1">
-    <dgm:fillClrLst meth="repeat">
-      <a:schemeClr val="accent1">
-        <a:tint val="50000"/>
-      </a:schemeClr>
-    </dgm:fillClrLst>
-    <dgm:linClrLst meth="repeat">
-      <a:schemeClr val="lt1"/>
-    </dgm:linClrLst>
-    <dgm:effectClrLst/>
-    <dgm:txLinClrLst/>
-    <dgm:txFillClrLst meth="repeat">
-      <a:schemeClr val="lt1"/>
-    </dgm:txFillClrLst>
-    <dgm:txEffectClrLst/>
-  </dgm:styleLbl>
-  <dgm:styleLbl name="bgImgPlace1">
-    <dgm:fillClrLst meth="repeat">
-      <a:schemeClr val="accent1">
-        <a:tint val="50000"/>
-      </a:schemeClr>
-    </dgm:fillClrLst>
-    <dgm:linClrLst meth="repeat">
-      <a:schemeClr val="lt1"/>
-    </dgm:linClrLst>
-    <dgm:effectClrLst/>
-    <dgm:txLinClrLst/>
-    <dgm:txFillClrLst meth="repeat">
-      <a:schemeClr val="lt1"/>
-    </dgm:txFillClrLst>
-    <dgm:txEffectClrLst/>
-  </dgm:styleLbl>
-  <dgm:styleLbl name="sibTrans2D1">
-    <dgm:fillClrLst meth="repeat">
-      <a:schemeClr val="accent1">
-        <a:tint val="60000"/>
-      </a:schemeClr>
-    </dgm:fillClrLst>
-    <dgm:linClrLst meth="repeat">
-      <a:schemeClr val="accent1">
-        <a:tint val="60000"/>
-      </a:schemeClr>
-    </dgm:linClrLst>
-    <dgm:effectClrLst/>
-    <dgm:txLinClrLst/>
-    <dgm:txFillClrLst/>
-    <dgm:txEffectClrLst/>
-  </dgm:styleLbl>
-  <dgm:styleLbl name="fgSibTrans2D1">
-    <dgm:fillClrLst meth="repeat">
-      <a:schemeClr val="accent1">
-        <a:tint val="60000"/>
-      </a:schemeClr>
-    </dgm:fillClrLst>
-    <dgm:linClrLst meth="repeat">
-      <a:schemeClr val="accent1">
-        <a:tint val="60000"/>
-      </a:schemeClr>
-    </dgm:linClrLst>
-    <dgm:effectClrLst/>
-    <dgm:txLinClrLst/>
-    <dgm:txFillClrLst/>
-    <dgm:txEffectClrLst/>
-  </dgm:styleLbl>
-  <dgm:styleLbl name="bgSibTrans2D1">
-    <dgm:fillClrLst meth="repeat">
-      <a:schemeClr val="accent1">
-        <a:tint val="60000"/>
-      </a:schemeClr>
-    </dgm:fillClrLst>
-    <dgm:linClrLst meth="repeat">
-      <a:schemeClr val="accent1">
-        <a:tint val="60000"/>
-      </a:schemeClr>
-    </dgm:linClrLst>
-    <dgm:effectClrLst/>
-    <dgm:txLinClrLst/>
-    <dgm:txFillClrLst/>
-    <dgm:txEffectClrLst/>
-  </dgm:styleLbl>
-  <dgm:styleLbl name="sibTrans1D1">
-    <dgm:fillClrLst meth="repeat">
-      <a:schemeClr val="accent1"/>
-    </dgm:fillClrLst>
-    <dgm:linClrLst meth="repeat">
-      <a:schemeClr val="accent1"/>
-    </dgm:linClrLst>
-    <dgm:effectClrLst/>
-    <dgm:txLinClrLst/>
-    <dgm:txFillClrLst meth="repeat">
-      <a:schemeClr val="tx1"/>
-    </dgm:txFillClrLst>
-    <dgm:txEffectClrLst/>
-  </dgm:styleLbl>
-  <dgm:styleLbl name="callout">
-    <dgm:fillClrLst meth="repeat">
-      <a:schemeClr val="accent1"/>
-    </dgm:fillClrLst>
-    <dgm:linClrLst meth="repeat">
-      <a:schemeClr val="accent1">
-        <a:tint val="50000"/>
-      </a:schemeClr>
-    </dgm:linClrLst>
-    <dgm:effectClrLst/>
-    <dgm:txLinClrLst/>
-    <dgm:txFillClrLst meth="repeat">
-      <a:schemeClr val="tx1"/>
-    </dgm:txFillClrLst>
-    <dgm:txEffectClrLst/>
-  </dgm:styleLbl>
-  <dgm:styleLbl name="asst0">
-    <dgm:fillClrLst meth="repeat">
-      <a:schemeClr val="accent1"/>
-    </dgm:fillClrLst>
-    <dgm:linClrLst meth="repeat">
-      <a:schemeClr val="lt1"/>
-    </dgm:linClrLst>
-    <dgm:effectClrLst/>
-    <dgm:txLinClrLst/>
-    <dgm:txFillClrLst/>
-    <dgm:txEffectClrLst/>
-  </dgm:styleLbl>
-  <dgm:styleLbl name="asst1">
-    <dgm:fillClrLst meth="repeat">
-      <a:schemeClr val="accent1"/>
-    </dgm:fillClrLst>
-    <dgm:linClrLst meth="repeat">
-      <a:schemeClr val="lt1"/>
-    </dgm:linClrLst>
-    <dgm:effectClrLst/>
-    <dgm:txLinClrLst/>
-    <dgm:txFillClrLst/>
-    <dgm:txEffectClrLst/>
-  </dgm:styleLbl>
-  <dgm:styleLbl name="asst2">
-    <dgm:fillClrLst meth="repeat">
-      <a:schemeClr val="accent1"/>
-    </dgm:fillClrLst>
-    <dgm:linClrLst meth="repeat">
-      <a:schemeClr val="lt1"/>
-    </dgm:linClrLst>
-    <dgm:effectClrLst/>
-    <dgm:txLinClrLst/>
-    <dgm:txFillClrLst/>
-    <dgm:txEffectClrLst/>
-  </dgm:styleLbl>
-  <dgm:styleLbl name="asst3">
-    <dgm:fillClrLst meth="repeat">
-      <a:schemeClr val="accent1"/>
-    </dgm:fillClrLst>
-    <dgm:linClrLst meth="repeat">
-      <a:schemeClr val="lt1"/>
-    </dgm:linClrLst>
-    <dgm:effectClrLst/>
-    <dgm:txLinClrLst/>
-    <dgm:txFillClrLst/>
-    <dgm:txEffectClrLst/>
-  </dgm:styleLbl>
-  <dgm:styleLbl name="asst4">
-    <dgm:fillClrLst meth="repeat">
-      <a:schemeClr val="accent1"/>
-    </dgm:fillClrLst>
-    <dgm:linClrLst meth="repeat">
-      <a:schemeClr val="lt1"/>
-    </dgm:linClrLst>
-    <dgm:effectClrLst/>
-    <dgm:txLinClrLst/>
-    <dgm:txFillClrLst/>
-    <dgm:txEffectClrLst/>
-  </dgm:styleLbl>
-  <dgm:styleLbl name="parChTrans2D1">
-    <dgm:fillClrLst meth="repeat">
-      <a:schemeClr val="accent1">
-        <a:tint val="60000"/>
-      </a:schemeClr>
-    </dgm:fillClrLst>
-    <dgm:linClrLst meth="repeat">
-      <a:schemeClr val="accent1">
-        <a:tint val="60000"/>
-      </a:schemeClr>
-    </dgm:linClrLst>
-    <dgm:effectClrLst/>
-    <dgm:txLinClrLst/>
-    <dgm:txFillClrLst meth="repeat">
-      <a:schemeClr val="lt1"/>
-    </dgm:txFillClrLst>
-    <dgm:txEffectClrLst/>
-  </dgm:styleLbl>
-  <dgm:styleLbl name="parChTrans2D2">
-    <dgm:fillClrLst meth="repeat">
-      <a:schemeClr val="accent1"/>
-    </dgm:fillClrLst>
-    <dgm:linClrLst meth="repeat">
-      <a:schemeClr val="accent1"/>
-    </dgm:linClrLst>
-    <dgm:effectClrLst/>
-    <dgm:txLinClrLst/>
-    <dgm:txFillClrLst meth="repeat">
-      <a:schemeClr val="lt1"/>
-    </dgm:txFillClrLst>
-    <dgm:txEffectClrLst/>
-  </dgm:styleLbl>
-  <dgm:styleLbl name="parChTrans2D3">
-    <dgm:fillClrLst meth="repeat">
-      <a:schemeClr val="accent1"/>
-    </dgm:fillClrLst>
-    <dgm:linClrLst meth="repeat">
-      <a:schemeClr val="accent1"/>
-    </dgm:linClrLst>
-    <dgm:effectClrLst/>
-    <dgm:txLinClrLst/>
-    <dgm:txFillClrLst meth="repeat">
-      <a:schemeClr val="lt1"/>
-    </dgm:txFillClrLst>
-    <dgm:txEffectClrLst/>
-  </dgm:styleLbl>
-  <dgm:styleLbl name="parChTrans2D4">
-    <dgm:fillClrLst meth="repeat">
-      <a:schemeClr val="accent1"/>
-    </dgm:fillClrLst>
-    <dgm:linClrLst meth="repeat">
-      <a:schemeClr val="accent1"/>
-    </dgm:linClrLst>
-    <dgm:effectClrLst/>
-    <dgm:txLinClrLst/>
-    <dgm:txFillClrLst meth="repeat">
-      <a:schemeClr val="lt1"/>
-    </dgm:txFillClrLst>
-    <dgm:txEffectClrLst/>
-  </dgm:styleLbl>
-  <dgm:styleLbl name="parChTrans1D1">
-    <dgm:fillClrLst meth="repeat">
-      <a:schemeClr val="accent1"/>
-    </dgm:fillClrLst>
-    <dgm:linClrLst meth="repeat">
-      <a:schemeClr val="accent1">
-        <a:shade val="60000"/>
-      </a:schemeClr>
-    </dgm:linClrLst>
-    <dgm:effectClrLst/>
-    <dgm:txLinClrLst/>
-    <dgm:txFillClrLst meth="repeat">
-      <a:schemeClr val="tx1"/>
-    </dgm:txFillClrLst>
-    <dgm:txEffectClrLst/>
-  </dgm:styleLbl>
-  <dgm:styleLbl name="parChTrans1D2">
-    <dgm:fillClrLst meth="repeat">
-      <a:schemeClr val="accent1"/>
-    </dgm:fillClrLst>
-    <dgm:linClrLst meth="repeat">
-      <a:schemeClr val="accent1">
-        <a:shade val="60000"/>
-      </a:schemeClr>
-    </dgm:linClrLst>
-    <dgm:effectClrLst/>
-    <dgm:txLinClrLst/>
-    <dgm:txFillClrLst meth="repeat">
-      <a:schemeClr val="tx1"/>
-    </dgm:txFillClrLst>
-    <dgm:txEffectClrLst/>
-  </dgm:styleLbl>
-  <dgm:styleLbl name="parChTrans1D3">
-    <dgm:fillClrLst meth="repeat">
-      <a:schemeClr val="accent1"/>
-    </dgm:fillClrLst>
-    <dgm:linClrLst meth="repeat">
-      <a:schemeClr val="accent1">
-        <a:shade val="80000"/>
-      </a:schemeClr>
-    </dgm:linClrLst>
-    <dgm:effectClrLst/>
-    <dgm:txLinClrLst/>
-    <dgm:txFillClrLst meth="repeat">
-      <a:schemeClr val="tx1"/>
-    </dgm:txFillClrLst>
-    <dgm:txEffectClrLst/>
-  </dgm:styleLbl>
-  <dgm:styleLbl name="parChTrans1D4">
-    <dgm:fillClrLst meth="repeat">
-      <a:schemeClr val="accent1"/>
-    </dgm:fillClrLst>
-    <dgm:linClrLst meth="repeat">
-      <a:schemeClr val="accent1">
-        <a:shade val="80000"/>
-      </a:schemeClr>
-    </dgm:linClrLst>
-    <dgm:effectClrLst/>
-    <dgm:txLinClrLst/>
-    <dgm:txFillClrLst meth="repeat">
-      <a:schemeClr val="tx1"/>
-    </dgm:txFillClrLst>
-    <dgm:txEffectClrLst/>
-  </dgm:styleLbl>
-  <dgm:styleLbl name="fgAcc1">
-    <dgm:fillClrLst meth="repeat">
-      <a:schemeClr val="lt1">
-        <a:alpha val="90000"/>
-      </a:schemeClr>
-    </dgm:fillClrLst>
-    <dgm:linClrLst meth="repeat">
-      <a:schemeClr val="accent1"/>
-    </dgm:linClrLst>
-    <dgm:effectClrLst/>
-    <dgm:txLinClrLst/>
-    <dgm:txFillClrLst meth="repeat">
-      <a:schemeClr val="dk1"/>
-    </dgm:txFillClrLst>
-    <dgm:txEffectClrLst/>
-  </dgm:styleLbl>
-  <dgm:styleLbl name="conFgAcc1">
-    <dgm:fillClrLst meth="repeat">
-      <a:schemeClr val="lt1">
-        <a:alpha val="90000"/>
-      </a:schemeClr>
-    </dgm:fillClrLst>
-    <dgm:linClrLst meth="repeat">
-      <a:schemeClr val="accent1"/>
-    </dgm:linClrLst>
-    <dgm:effectClrLst/>
-    <dgm:txLinClrLst/>
-    <dgm:txFillClrLst meth="repeat">
-      <a:schemeClr val="dk1"/>
-    </dgm:txFillClrLst>
-    <dgm:txEffectClrLst/>
-  </dgm:styleLbl>
-  <dgm:styleLbl name="alignAcc1">
-    <dgm:fillClrLst meth="repeat">
-      <a:schemeClr val="lt1">
-        <a:alpha val="90000"/>
-      </a:schemeClr>
-    </dgm:fillClrLst>
-    <dgm:linClrLst meth="repeat">
-      <a:schemeClr val="accent1"/>
-    </dgm:linClrLst>
-    <dgm:effectClrLst/>
-    <dgm:txLinClrLst/>
-    <dgm:txFillClrLst meth="repeat">
-      <a:schemeClr val="dk1"/>
-    </dgm:txFillClrLst>
-    <dgm:txEffectClrLst/>
-  </dgm:styleLbl>
-  <dgm:styleLbl name="trAlignAcc1">
-    <dgm:fillClrLst meth="repeat">
-      <a:schemeClr val="lt1">
-        <a:alpha val="40000"/>
-      </a:schemeClr>
-    </dgm:fillClrLst>
-    <dgm:linClrLst meth="repeat">
-      <a:schemeClr val="accent1"/>
-    </dgm:linClrLst>
-    <dgm:effectClrLst/>
-    <dgm:txLinClrLst/>
-    <dgm:txFillClrLst meth="repeat">
-      <a:schemeClr val="dk1"/>
-    </dgm:txFillClrLst>
-    <dgm:txEffectClrLst/>
-  </dgm:styleLbl>
-  <dgm:styleLbl name="bgAcc1">
-    <dgm:fillClrLst meth="repeat">
-      <a:schemeClr val="lt1">
-        <a:alpha val="90000"/>
-      </a:schemeClr>
-    </dgm:fillClrLst>
-    <dgm:linClrLst meth="repeat">
-      <a:schemeClr val="accent1"/>
-    </dgm:linClrLst>
-    <dgm:effectClrLst/>
-    <dgm:txLinClrLst/>
-    <dgm:txFillClrLst meth="repeat">
-      <a:schemeClr val="dk1"/>
-    </dgm:txFillClrLst>
-    <dgm:txEffectClrLst/>
-  </dgm:styleLbl>
-  <dgm:styleLbl name="solidFgAcc1">
-    <dgm:fillClrLst meth="repeat">
-      <a:schemeClr val="lt1"/>
-    </dgm:fillClrLst>
-    <dgm:linClrLst meth="repeat">
-      <a:schemeClr val="accent1"/>
-    </dgm:linClrLst>
-    <dgm:effectClrLst/>
-    <dgm:txLinClrLst/>
-    <dgm:txFillClrLst meth="repeat">
-      <a:schemeClr val="dk1"/>
-    </dgm:txFillClrLst>
-    <dgm:txEffectClrLst/>
-  </dgm:styleLbl>
-  <dgm:styleLbl name="solidAlignAcc1">
-    <dgm:fillClrLst meth="repeat">
-      <a:schemeClr val="lt1"/>
-    </dgm:fillClrLst>
-    <dgm:linClrLst meth="repeat">
-      <a:schemeClr val="accent1"/>
-    </dgm:linClrLst>
-    <dgm:effectClrLst/>
-    <dgm:txLinClrLst/>
-    <dgm:txFillClrLst meth="repeat">
-      <a:schemeClr val="dk1"/>
-    </dgm:txFillClrLst>
-    <dgm:txEffectClrLst/>
-  </dgm:styleLbl>
-  <dgm:styleLbl name="solidBgAcc1">
-    <dgm:fillClrLst meth="repeat">
-      <a:schemeClr val="lt1"/>
-    </dgm:fillClrLst>
-    <dgm:linClrLst meth="repeat">
-      <a:schemeClr val="accent1"/>
-    </dgm:linClrLst>
-    <dgm:effectClrLst/>
-    <dgm:txLinClrLst/>
-    <dgm:txFillClrLst meth="repeat">
-      <a:schemeClr val="dk1"/>
-    </dgm:txFillClrLst>
-    <dgm:txEffectClrLst/>
-  </dgm:styleLbl>
-  <dgm:styleLbl name="fgAccFollowNode1">
-    <dgm:fillClrLst meth="repeat">
-      <a:schemeClr val="accent1">
-        <a:alpha val="90000"/>
-        <a:tint val="40000"/>
-      </a:schemeClr>
-    </dgm:fillClrLst>
-    <dgm:linClrLst meth="repeat">
-      <a:schemeClr val="accent1">
-        <a:alpha val="90000"/>
-        <a:tint val="40000"/>
-      </a:schemeClr>
-    </dgm:linClrLst>
-    <dgm:effectClrLst/>
-    <dgm:txLinClrLst/>
-    <dgm:txFillClrLst meth="repeat">
-      <a:schemeClr val="dk1"/>
-    </dgm:txFillClrLst>
-    <dgm:txEffectClrLst/>
-  </dgm:styleLbl>
-  <dgm:styleLbl name="alignAccFollowNode1">
-    <dgm:fillClrLst meth="repeat">
-      <a:schemeClr val="accent1">
-        <a:alpha val="90000"/>
-        <a:tint val="40000"/>
-      </a:schemeClr>
-    </dgm:fillClrLst>
-    <dgm:linClrLst meth="repeat">
-      <a:schemeClr val="accent1">
-        <a:alpha val="90000"/>
-        <a:tint val="40000"/>
-      </a:schemeClr>
-    </dgm:linClrLst>
-    <dgm:effectClrLst/>
-    <dgm:txLinClrLst/>
-    <dgm:txFillClrLst meth="repeat">
-      <a:schemeClr val="dk1"/>
-    </dgm:txFillClrLst>
-    <dgm:txEffectClrLst/>
-  </dgm:styleLbl>
-  <dgm:styleLbl name="bgAccFollowNode1">
-    <dgm:fillClrLst meth="repeat">
-      <a:schemeClr val="accent1">
-        <a:alpha val="90000"/>
-        <a:tint val="40000"/>
-      </a:schemeClr>
-    </dgm:fillClrLst>
-    <dgm:linClrLst meth="repeat">
-      <a:schemeClr val="accent1">
-        <a:alpha val="90000"/>
-        <a:tint val="40000"/>
-      </a:schemeClr>
-    </dgm:linClrLst>
-    <dgm:effectClrLst/>
-    <dgm:txLinClrLst/>
-    <dgm:txFillClrLst meth="repeat">
-      <a:schemeClr val="dk1"/>
-    </dgm:txFillClrLst>
-    <dgm:txEffectClrLst/>
-  </dgm:styleLbl>
-  <dgm:styleLbl name="fgAcc0">
-    <dgm:fillClrLst meth="repeat">
-      <a:schemeClr val="lt1">
-        <a:alpha val="90000"/>
-      </a:schemeClr>
-    </dgm:fillClrLst>
-    <dgm:linClrLst meth="repeat">
-      <a:schemeClr val="accent1"/>
-    </dgm:linClrLst>
-    <dgm:effectClrLst/>
-    <dgm:txLinClrLst/>
-    <dgm:txFillClrLst meth="repeat">
-      <a:schemeClr val="dk1"/>
-    </dgm:txFillClrLst>
-    <dgm:txEffectClrLst/>
-  </dgm:styleLbl>
-  <dgm:styleLbl name="fgAcc2">
-    <dgm:fillClrLst meth="repeat">
-      <a:schemeClr val="lt1">
-        <a:alpha val="90000"/>
-      </a:schemeClr>
-    </dgm:fillClrLst>
-    <dgm:linClrLst meth="repeat">
-      <a:schemeClr val="accent1"/>
-    </dgm:linClrLst>
-    <dgm:effectClrLst/>
-    <dgm:txLinClrLst/>
-    <dgm:txFillClrLst meth="repeat">
-      <a:schemeClr val="dk1"/>
-    </dgm:txFillClrLst>
-    <dgm:txEffectClrLst/>
-  </dgm:styleLbl>
-  <dgm:styleLbl name="fgAcc3">
-    <dgm:fillClrLst meth="repeat">
-      <a:schemeClr val="lt1">
-        <a:alpha val="90000"/>
-      </a:schemeClr>
-    </dgm:fillClrLst>
-    <dgm:linClrLst meth="repeat">
-      <a:schemeClr val="accent1"/>
-    </dgm:linClrLst>
-    <dgm:effectClrLst/>
-    <dgm:txLinClrLst/>
-    <dgm:txFillClrLst meth="repeat">
-      <a:schemeClr val="dk1"/>
-    </dgm:txFillClrLst>
-    <dgm:txEffectClrLst/>
-  </dgm:styleLbl>
-  <dgm:styleLbl name="fgAcc4">
-    <dgm:fillClrLst meth="repeat">
-      <a:schemeClr val="lt1">
-        <a:alpha val="90000"/>
-      </a:schemeClr>
-    </dgm:fillClrLst>
-    <dgm:linClrLst meth="repeat">
-      <a:schemeClr val="accent1"/>
-    </dgm:linClrLst>
-    <dgm:effectClrLst/>
-    <dgm:txLinClrLst/>
-    <dgm:txFillClrLst meth="repeat">
-      <a:schemeClr val="dk1"/>
-    </dgm:txFillClrLst>
-    <dgm:txEffectClrLst/>
-  </dgm:styleLbl>
-  <dgm:styleLbl name="bgShp">
-    <dgm:fillClrLst meth="repeat">
-      <a:schemeClr val="accent1">
-        <a:tint val="40000"/>
-      </a:schemeClr>
-    </dgm:fillClrLst>
-    <dgm:linClrLst meth="repeat">
-      <a:schemeClr val="accent1"/>
-    </dgm:linClrLst>
-    <dgm:effectClrLst/>
-    <dgm:txLinClrLst/>
-    <dgm:txFillClrLst meth="repeat">
-      <a:schemeClr val="dk1"/>
-    </dgm:txFillClrLst>
-    <dgm:txEffectClrLst/>
-  </dgm:styleLbl>
-  <dgm:styleLbl name="dkBgShp">
-    <dgm:fillClrLst meth="repeat">
-      <a:schemeClr val="accent1">
-        <a:shade val="80000"/>
-      </a:schemeClr>
-    </dgm:fillClrLst>
-    <dgm:linClrLst meth="repeat">
-      <a:schemeClr val="accent1"/>
-    </dgm:linClrLst>
-    <dgm:effectClrLst/>
-    <dgm:txLinClrLst/>
-    <dgm:txFillClrLst meth="repeat">
-      <a:schemeClr val="lt1"/>
-    </dgm:txFillClrLst>
-    <dgm:txEffectClrLst/>
-  </dgm:styleLbl>
-  <dgm:styleLbl name="trBgShp">
-    <dgm:fillClrLst meth="repeat">
-      <a:schemeClr val="accent1">
-        <a:tint val="50000"/>
-        <a:alpha val="40000"/>
-      </a:schemeClr>
-    </dgm:fillClrLst>
-    <dgm:linClrLst meth="repeat">
-      <a:schemeClr val="accent1"/>
-    </dgm:linClrLst>
-    <dgm:effectClrLst/>
-    <dgm:txLinClrLst/>
-    <dgm:txFillClrLst meth="repeat">
-      <a:schemeClr val="lt1"/>
-    </dgm:txFillClrLst>
-    <dgm:txEffectClrLst/>
-  </dgm:styleLbl>
-  <dgm:styleLbl name="fgShp">
-    <dgm:fillClrLst meth="repeat">
-      <a:schemeClr val="accent1">
-        <a:tint val="60000"/>
-      </a:schemeClr>
-    </dgm:fillClrLst>
-    <dgm:linClrLst meth="repeat">
-      <a:schemeClr val="lt1"/>
-    </dgm:linClrLst>
-    <dgm:effectClrLst/>
-    <dgm:txLinClrLst/>
-    <dgm:txFillClrLst meth="repeat">
-      <a:schemeClr val="dk1"/>
-    </dgm:txFillClrLst>
-    <dgm:txEffectClrLst/>
-  </dgm:styleLbl>
-  <dgm:styleLbl name="revTx">
-    <dgm:fillClrLst meth="repeat">
-      <a:schemeClr val="lt1">
-        <a:alpha val="0"/>
-      </a:schemeClr>
-    </dgm:fillClrLst>
-    <dgm:linClrLst meth="repeat">
-      <a:schemeClr val="dk1">
-        <a:alpha val="0"/>
-      </a:schemeClr>
-    </dgm:linClrLst>
-    <dgm:effectClrLst/>
-    <dgm:txLinClrLst/>
-    <dgm:txFillClrLst meth="repeat">
-      <a:schemeClr val="tx1"/>
-    </dgm:txFillClrLst>
-    <dgm:txEffectClrLst/>
-  </dgm:styleLbl>
-</dgm:colorsDef>
-</file>
-
-<file path=ppt/diagrams/data1.xml><?xml version="1.0" encoding="utf-8"?>
-<dgm:dataModel xmlns:dgm="http://schemas.openxmlformats.org/drawingml/2006/diagram" xmlns:a="http://schemas.openxmlformats.org/drawingml/2006/main">
-  <dgm:ptLst>
-    <dgm:pt modelId="{EDB0404D-2E9E-423D-8345-7A0378095DA3}" type="doc">
-      <dgm:prSet loTypeId="urn:microsoft.com/office/officeart/2005/8/layout/process1" loCatId="process" qsTypeId="urn:microsoft.com/office/officeart/2005/8/quickstyle/simple1" qsCatId="simple" csTypeId="urn:microsoft.com/office/officeart/2005/8/colors/accent1_2" csCatId="accent1" phldr="1"/>
-      <dgm:spPr/>
-    </dgm:pt>
-    <dgm:pt modelId="{398C9C76-0299-4213-B5CC-1C2DD464ABD7}">
-      <dgm:prSet phldrT="[Text]"/>
-      <dgm:spPr>
-        <a:solidFill>
-          <a:schemeClr val="accent1">
-            <a:lumMod val="60000"/>
-            <a:lumOff val="40000"/>
-          </a:schemeClr>
-        </a:solidFill>
-      </dgm:spPr>
-      <dgm:t>
-        <a:bodyPr/>
-        <a:lstStyle/>
-        <a:p>
-          <a:r>
-            <a:rPr lang="en-CA" dirty="0"/>
-            <a:t>1. Typical neighborhood generation</a:t>
-          </a:r>
-        </a:p>
-      </dgm:t>
-    </dgm:pt>
-    <dgm:pt modelId="{5A1EA4EB-A4B4-402D-97FD-A51912CA4C1B}" type="parTrans" cxnId="{5F8EB73D-AD4D-45AB-8D18-970218A11B1D}">
-      <dgm:prSet/>
-      <dgm:spPr/>
-      <dgm:t>
-        <a:bodyPr/>
-        <a:lstStyle/>
-        <a:p>
-          <a:endParaRPr lang="en-CA"/>
-        </a:p>
-      </dgm:t>
-    </dgm:pt>
-    <dgm:pt modelId="{D88ABA20-E062-4CCC-BC55-2427F96854C3}" type="sibTrans" cxnId="{5F8EB73D-AD4D-45AB-8D18-970218A11B1D}">
-      <dgm:prSet/>
-      <dgm:spPr/>
-      <dgm:t>
-        <a:bodyPr/>
-        <a:lstStyle/>
-        <a:p>
-          <a:endParaRPr lang="en-CA"/>
-        </a:p>
-      </dgm:t>
-    </dgm:pt>
-    <dgm:pt modelId="{46A4D29D-5194-4709-96ED-05BD9A78119C}">
-      <dgm:prSet phldrT="[Text]"/>
-      <dgm:spPr>
-        <a:solidFill>
-          <a:schemeClr val="accent1">
-            <a:lumMod val="60000"/>
-            <a:lumOff val="40000"/>
-          </a:schemeClr>
-        </a:solidFill>
-      </dgm:spPr>
-      <dgm:t>
-        <a:bodyPr/>
-        <a:lstStyle/>
-        <a:p>
-          <a:r>
-            <a:rPr lang="en-CA" dirty="0"/>
-            <a:t>2. Typical thermostat setpoint profiles</a:t>
-          </a:r>
-        </a:p>
-      </dgm:t>
-    </dgm:pt>
-    <dgm:pt modelId="{91D0D764-B7AE-4C6B-8453-E5C6D7DEB2F2}" type="sibTrans" cxnId="{8D3953CF-B677-400A-BD84-E2EE7CB6F18D}">
-      <dgm:prSet/>
-      <dgm:spPr/>
-      <dgm:t>
-        <a:bodyPr/>
-        <a:lstStyle/>
-        <a:p>
-          <a:endParaRPr lang="en-CA"/>
-        </a:p>
-      </dgm:t>
-    </dgm:pt>
-    <dgm:pt modelId="{ED37431A-B816-4D4A-A0CB-5FB1F4EBAA39}" type="parTrans" cxnId="{8D3953CF-B677-400A-BD84-E2EE7CB6F18D}">
-      <dgm:prSet/>
-      <dgm:spPr/>
-      <dgm:t>
-        <a:bodyPr/>
-        <a:lstStyle/>
-        <a:p>
-          <a:endParaRPr lang="en-CA"/>
-        </a:p>
-      </dgm:t>
-    </dgm:pt>
-    <dgm:pt modelId="{181E5DE0-253F-4751-9A82-6B6CB79627BE}">
-      <dgm:prSet phldrT="[Text]"/>
-      <dgm:spPr>
-        <a:solidFill>
-          <a:schemeClr val="accent1">
-            <a:lumMod val="60000"/>
-            <a:lumOff val="40000"/>
-          </a:schemeClr>
-        </a:solidFill>
-      </dgm:spPr>
-      <dgm:t>
-        <a:bodyPr/>
-        <a:lstStyle/>
-        <a:p>
-          <a:r>
-            <a:rPr lang="en-CA" dirty="0"/>
-            <a:t>3. Data-driven LSTM models to link heat pump action and indoor air temperature </a:t>
-          </a:r>
-        </a:p>
-      </dgm:t>
-    </dgm:pt>
-    <dgm:pt modelId="{9F74F996-CF89-4EE6-B6C3-12D200D20444}" type="sibTrans" cxnId="{B4CDC3E9-8C8E-4CF6-8ADE-1494E5E4D130}">
-      <dgm:prSet/>
-      <dgm:spPr/>
-      <dgm:t>
-        <a:bodyPr/>
-        <a:lstStyle/>
-        <a:p>
-          <a:endParaRPr lang="en-CA"/>
-        </a:p>
-      </dgm:t>
-    </dgm:pt>
-    <dgm:pt modelId="{207F445C-10FF-4FD2-9822-AFA4C598E130}" type="parTrans" cxnId="{B4CDC3E9-8C8E-4CF6-8ADE-1494E5E4D130}">
-      <dgm:prSet/>
-      <dgm:spPr/>
-      <dgm:t>
-        <a:bodyPr/>
-        <a:lstStyle/>
-        <a:p>
-          <a:endParaRPr lang="en-CA"/>
-        </a:p>
-      </dgm:t>
-    </dgm:pt>
-    <dgm:pt modelId="{9FEECF01-FEB4-4C51-ABF0-F08CF26AA674}">
-      <dgm:prSet/>
-      <dgm:spPr>
-        <a:solidFill>
-          <a:schemeClr val="accent1">
-            <a:lumMod val="60000"/>
-            <a:lumOff val="40000"/>
-          </a:schemeClr>
-        </a:solidFill>
-      </dgm:spPr>
-      <dgm:t>
-        <a:bodyPr/>
-        <a:lstStyle/>
-        <a:p>
-          <a:r>
-            <a:rPr lang="en-CA" dirty="0"/>
-            <a:t>4. Create occupant-thermostat interaction model(s)</a:t>
-          </a:r>
-        </a:p>
-      </dgm:t>
-    </dgm:pt>
-    <dgm:pt modelId="{A7378AE6-216C-4F69-BFA4-E5D67AAC587C}" type="sibTrans" cxnId="{D7FF2873-3535-4839-B276-D1B436F14F42}">
-      <dgm:prSet/>
-      <dgm:spPr/>
-      <dgm:t>
-        <a:bodyPr/>
-        <a:lstStyle/>
-        <a:p>
-          <a:endParaRPr lang="en-CA"/>
-        </a:p>
-      </dgm:t>
-    </dgm:pt>
-    <dgm:pt modelId="{98B93B35-BAF0-42ED-94E7-A783B5185ED3}" type="parTrans" cxnId="{D7FF2873-3535-4839-B276-D1B436F14F42}">
-      <dgm:prSet/>
-      <dgm:spPr/>
-      <dgm:t>
-        <a:bodyPr/>
-        <a:lstStyle/>
-        <a:p>
-          <a:endParaRPr lang="en-CA"/>
-        </a:p>
-      </dgm:t>
-    </dgm:pt>
-    <dgm:pt modelId="{EFE7A850-0B6B-46D7-B9EB-5ACCD6E762DA}">
-      <dgm:prSet/>
-      <dgm:spPr>
-        <a:solidFill>
-          <a:schemeClr val="accent1">
-            <a:lumMod val="60000"/>
-            <a:lumOff val="40000"/>
-          </a:schemeClr>
-        </a:solidFill>
-      </dgm:spPr>
-      <dgm:t>
-        <a:bodyPr/>
-        <a:lstStyle/>
-        <a:p>
-          <a:r>
-            <a:rPr lang="en-CA" dirty="0"/>
-            <a:t>5. Analyze DR for neighborhoods and different types of occupants</a:t>
-          </a:r>
-        </a:p>
-      </dgm:t>
-    </dgm:pt>
-    <dgm:pt modelId="{A45D392F-7CAA-4200-928A-7A993DA1D463}" type="sibTrans" cxnId="{26CF7A3E-567E-485C-A7C2-DCCC7C3ED7AE}">
-      <dgm:prSet/>
-      <dgm:spPr/>
-      <dgm:t>
-        <a:bodyPr/>
-        <a:lstStyle/>
-        <a:p>
-          <a:endParaRPr lang="en-CA"/>
-        </a:p>
-      </dgm:t>
-    </dgm:pt>
-    <dgm:pt modelId="{9F84C72C-6E0D-43EC-9A5E-FF262300983B}" type="parTrans" cxnId="{26CF7A3E-567E-485C-A7C2-DCCC7C3ED7AE}">
-      <dgm:prSet/>
-      <dgm:spPr/>
-      <dgm:t>
-        <a:bodyPr/>
-        <a:lstStyle/>
-        <a:p>
-          <a:endParaRPr lang="en-CA"/>
-        </a:p>
-      </dgm:t>
-    </dgm:pt>
-    <dgm:pt modelId="{7537A668-8279-418E-8328-B31EE490738C}" type="pres">
-      <dgm:prSet presAssocID="{EDB0404D-2E9E-423D-8345-7A0378095DA3}" presName="Name0" presStyleCnt="0">
-        <dgm:presLayoutVars>
-          <dgm:dir/>
-          <dgm:resizeHandles val="exact"/>
-        </dgm:presLayoutVars>
-      </dgm:prSet>
-      <dgm:spPr/>
-    </dgm:pt>
-    <dgm:pt modelId="{5918A3E1-D217-4E48-B568-CCF4FD256528}" type="pres">
-      <dgm:prSet presAssocID="{398C9C76-0299-4213-B5CC-1C2DD464ABD7}" presName="node" presStyleLbl="node1" presStyleIdx="0" presStyleCnt="5">
-        <dgm:presLayoutVars>
-          <dgm:bulletEnabled val="1"/>
-        </dgm:presLayoutVars>
-      </dgm:prSet>
-      <dgm:spPr/>
-    </dgm:pt>
-    <dgm:pt modelId="{6733A1BB-8D80-4274-AA16-145FD4E82FC9}" type="pres">
-      <dgm:prSet presAssocID="{D88ABA20-E062-4CCC-BC55-2427F96854C3}" presName="sibTrans" presStyleLbl="sibTrans2D1" presStyleIdx="0" presStyleCnt="4"/>
-      <dgm:spPr/>
-    </dgm:pt>
-    <dgm:pt modelId="{1A9A7A50-F03F-4607-A15E-EA6D0186F40B}" type="pres">
-      <dgm:prSet presAssocID="{D88ABA20-E062-4CCC-BC55-2427F96854C3}" presName="connectorText" presStyleLbl="sibTrans2D1" presStyleIdx="0" presStyleCnt="4"/>
-      <dgm:spPr/>
-    </dgm:pt>
-    <dgm:pt modelId="{AF9E0129-D15E-47CF-89B4-BEC526D39B4F}" type="pres">
-      <dgm:prSet presAssocID="{46A4D29D-5194-4709-96ED-05BD9A78119C}" presName="node" presStyleLbl="node1" presStyleIdx="1" presStyleCnt="5">
-        <dgm:presLayoutVars>
-          <dgm:bulletEnabled val="1"/>
-        </dgm:presLayoutVars>
-      </dgm:prSet>
-      <dgm:spPr/>
-    </dgm:pt>
-    <dgm:pt modelId="{572D13A2-1A89-4752-86B2-65CC11A49157}" type="pres">
-      <dgm:prSet presAssocID="{91D0D764-B7AE-4C6B-8453-E5C6D7DEB2F2}" presName="sibTrans" presStyleLbl="sibTrans2D1" presStyleIdx="1" presStyleCnt="4"/>
-      <dgm:spPr/>
-    </dgm:pt>
-    <dgm:pt modelId="{A043CFC9-4729-49C5-BCDF-D91FAC260347}" type="pres">
-      <dgm:prSet presAssocID="{91D0D764-B7AE-4C6B-8453-E5C6D7DEB2F2}" presName="connectorText" presStyleLbl="sibTrans2D1" presStyleIdx="1" presStyleCnt="4"/>
-      <dgm:spPr/>
-    </dgm:pt>
-    <dgm:pt modelId="{EC1B1B97-EFC0-4FCF-BA1B-41849E2D0C44}" type="pres">
-      <dgm:prSet presAssocID="{181E5DE0-253F-4751-9A82-6B6CB79627BE}" presName="node" presStyleLbl="node1" presStyleIdx="2" presStyleCnt="5">
-        <dgm:presLayoutVars>
-          <dgm:bulletEnabled val="1"/>
-        </dgm:presLayoutVars>
-      </dgm:prSet>
-      <dgm:spPr/>
-    </dgm:pt>
-    <dgm:pt modelId="{87DB9369-E531-44ED-9218-E9C547E7AB0A}" type="pres">
-      <dgm:prSet presAssocID="{9F74F996-CF89-4EE6-B6C3-12D200D20444}" presName="sibTrans" presStyleLbl="sibTrans2D1" presStyleIdx="2" presStyleCnt="4"/>
-      <dgm:spPr/>
-    </dgm:pt>
-    <dgm:pt modelId="{8727DCC5-E3D8-4D67-910F-B154F61A2EA9}" type="pres">
-      <dgm:prSet presAssocID="{9F74F996-CF89-4EE6-B6C3-12D200D20444}" presName="connectorText" presStyleLbl="sibTrans2D1" presStyleIdx="2" presStyleCnt="4"/>
-      <dgm:spPr/>
-    </dgm:pt>
-    <dgm:pt modelId="{0CD8877B-0F2A-4483-BCFD-7E547B04F4B9}" type="pres">
-      <dgm:prSet presAssocID="{9FEECF01-FEB4-4C51-ABF0-F08CF26AA674}" presName="node" presStyleLbl="node1" presStyleIdx="3" presStyleCnt="5">
-        <dgm:presLayoutVars>
-          <dgm:bulletEnabled val="1"/>
-        </dgm:presLayoutVars>
-      </dgm:prSet>
-      <dgm:spPr/>
-    </dgm:pt>
-    <dgm:pt modelId="{C29C1772-6EFB-4381-87B6-99A2162B79A5}" type="pres">
-      <dgm:prSet presAssocID="{A7378AE6-216C-4F69-BFA4-E5D67AAC587C}" presName="sibTrans" presStyleLbl="sibTrans2D1" presStyleIdx="3" presStyleCnt="4"/>
-      <dgm:spPr/>
-    </dgm:pt>
-    <dgm:pt modelId="{7DDA2D7B-9CD0-4A72-8BD9-9D722DFD7B0B}" type="pres">
-      <dgm:prSet presAssocID="{A7378AE6-216C-4F69-BFA4-E5D67AAC587C}" presName="connectorText" presStyleLbl="sibTrans2D1" presStyleIdx="3" presStyleCnt="4"/>
-      <dgm:spPr/>
-    </dgm:pt>
-    <dgm:pt modelId="{3A608495-23B1-4AE2-947E-EAD094BBFEF1}" type="pres">
-      <dgm:prSet presAssocID="{EFE7A850-0B6B-46D7-B9EB-5ACCD6E762DA}" presName="node" presStyleLbl="node1" presStyleIdx="4" presStyleCnt="5">
-        <dgm:presLayoutVars>
-          <dgm:bulletEnabled val="1"/>
-        </dgm:presLayoutVars>
-      </dgm:prSet>
-      <dgm:spPr/>
-    </dgm:pt>
-  </dgm:ptLst>
-  <dgm:cxnLst>
-    <dgm:cxn modelId="{E212A91D-2C21-461F-B5D1-CC696BD4E31F}" type="presOf" srcId="{A7378AE6-216C-4F69-BFA4-E5D67AAC587C}" destId="{7DDA2D7B-9CD0-4A72-8BD9-9D722DFD7B0B}" srcOrd="1" destOrd="0" presId="urn:microsoft.com/office/officeart/2005/8/layout/process1"/>
-    <dgm:cxn modelId="{9C18672F-D9AC-4FD2-9372-2895A2555ABF}" type="presOf" srcId="{D88ABA20-E062-4CCC-BC55-2427F96854C3}" destId="{6733A1BB-8D80-4274-AA16-145FD4E82FC9}" srcOrd="0" destOrd="0" presId="urn:microsoft.com/office/officeart/2005/8/layout/process1"/>
-    <dgm:cxn modelId="{4B4D2E31-C283-46FB-9C39-A76597AFCB92}" type="presOf" srcId="{91D0D764-B7AE-4C6B-8453-E5C6D7DEB2F2}" destId="{A043CFC9-4729-49C5-BCDF-D91FAC260347}" srcOrd="1" destOrd="0" presId="urn:microsoft.com/office/officeart/2005/8/layout/process1"/>
-    <dgm:cxn modelId="{CADDDD38-BDD3-4C9C-9077-BE5DFDB18306}" type="presOf" srcId="{181E5DE0-253F-4751-9A82-6B6CB79627BE}" destId="{EC1B1B97-EFC0-4FCF-BA1B-41849E2D0C44}" srcOrd="0" destOrd="0" presId="urn:microsoft.com/office/officeart/2005/8/layout/process1"/>
-    <dgm:cxn modelId="{5F8EB73D-AD4D-45AB-8D18-970218A11B1D}" srcId="{EDB0404D-2E9E-423D-8345-7A0378095DA3}" destId="{398C9C76-0299-4213-B5CC-1C2DD464ABD7}" srcOrd="0" destOrd="0" parTransId="{5A1EA4EB-A4B4-402D-97FD-A51912CA4C1B}" sibTransId="{D88ABA20-E062-4CCC-BC55-2427F96854C3}"/>
-    <dgm:cxn modelId="{26CF7A3E-567E-485C-A7C2-DCCC7C3ED7AE}" srcId="{EDB0404D-2E9E-423D-8345-7A0378095DA3}" destId="{EFE7A850-0B6B-46D7-B9EB-5ACCD6E762DA}" srcOrd="4" destOrd="0" parTransId="{9F84C72C-6E0D-43EC-9A5E-FF262300983B}" sibTransId="{A45D392F-7CAA-4200-928A-7A993DA1D463}"/>
-    <dgm:cxn modelId="{DF878143-F8F7-4A96-91AF-71F4DFCF5203}" type="presOf" srcId="{EDB0404D-2E9E-423D-8345-7A0378095DA3}" destId="{7537A668-8279-418E-8328-B31EE490738C}" srcOrd="0" destOrd="0" presId="urn:microsoft.com/office/officeart/2005/8/layout/process1"/>
-    <dgm:cxn modelId="{F8DD6548-EA4E-411D-972F-F7C2C91CB82C}" type="presOf" srcId="{A7378AE6-216C-4F69-BFA4-E5D67AAC587C}" destId="{C29C1772-6EFB-4381-87B6-99A2162B79A5}" srcOrd="0" destOrd="0" presId="urn:microsoft.com/office/officeart/2005/8/layout/process1"/>
-    <dgm:cxn modelId="{9F1B0A60-9C7A-4F8A-A904-F5E5914EE77F}" type="presOf" srcId="{9FEECF01-FEB4-4C51-ABF0-F08CF26AA674}" destId="{0CD8877B-0F2A-4483-BCFD-7E547B04F4B9}" srcOrd="0" destOrd="0" presId="urn:microsoft.com/office/officeart/2005/8/layout/process1"/>
-    <dgm:cxn modelId="{661AD764-8E31-4E6B-A022-CE68FA4A1E2E}" type="presOf" srcId="{398C9C76-0299-4213-B5CC-1C2DD464ABD7}" destId="{5918A3E1-D217-4E48-B568-CCF4FD256528}" srcOrd="0" destOrd="0" presId="urn:microsoft.com/office/officeart/2005/8/layout/process1"/>
-    <dgm:cxn modelId="{D7FF2873-3535-4839-B276-D1B436F14F42}" srcId="{EDB0404D-2E9E-423D-8345-7A0378095DA3}" destId="{9FEECF01-FEB4-4C51-ABF0-F08CF26AA674}" srcOrd="3" destOrd="0" parTransId="{98B93B35-BAF0-42ED-94E7-A783B5185ED3}" sibTransId="{A7378AE6-216C-4F69-BFA4-E5D67AAC587C}"/>
-    <dgm:cxn modelId="{94A37999-8FC4-4AFC-93C0-8EC1C6247364}" type="presOf" srcId="{91D0D764-B7AE-4C6B-8453-E5C6D7DEB2F2}" destId="{572D13A2-1A89-4752-86B2-65CC11A49157}" srcOrd="0" destOrd="0" presId="urn:microsoft.com/office/officeart/2005/8/layout/process1"/>
-    <dgm:cxn modelId="{2BB6609E-4BEE-4256-81F2-38E7ED34BCBA}" type="presOf" srcId="{D88ABA20-E062-4CCC-BC55-2427F96854C3}" destId="{1A9A7A50-F03F-4607-A15E-EA6D0186F40B}" srcOrd="1" destOrd="0" presId="urn:microsoft.com/office/officeart/2005/8/layout/process1"/>
-    <dgm:cxn modelId="{0AC947B5-23F8-4A3C-8871-DC86DDF3D2B2}" type="presOf" srcId="{EFE7A850-0B6B-46D7-B9EB-5ACCD6E762DA}" destId="{3A608495-23B1-4AE2-947E-EAD094BBFEF1}" srcOrd="0" destOrd="0" presId="urn:microsoft.com/office/officeart/2005/8/layout/process1"/>
-    <dgm:cxn modelId="{8D3953CF-B677-400A-BD84-E2EE7CB6F18D}" srcId="{EDB0404D-2E9E-423D-8345-7A0378095DA3}" destId="{46A4D29D-5194-4709-96ED-05BD9A78119C}" srcOrd="1" destOrd="0" parTransId="{ED37431A-B816-4D4A-A0CB-5FB1F4EBAA39}" sibTransId="{91D0D764-B7AE-4C6B-8453-E5C6D7DEB2F2}"/>
-    <dgm:cxn modelId="{B4CDC3E9-8C8E-4CF6-8ADE-1494E5E4D130}" srcId="{EDB0404D-2E9E-423D-8345-7A0378095DA3}" destId="{181E5DE0-253F-4751-9A82-6B6CB79627BE}" srcOrd="2" destOrd="0" parTransId="{207F445C-10FF-4FD2-9822-AFA4C598E130}" sibTransId="{9F74F996-CF89-4EE6-B6C3-12D200D20444}"/>
-    <dgm:cxn modelId="{056FA1F1-3F33-4A74-B0AB-CD0CCFAEF60A}" type="presOf" srcId="{46A4D29D-5194-4709-96ED-05BD9A78119C}" destId="{AF9E0129-D15E-47CF-89B4-BEC526D39B4F}" srcOrd="0" destOrd="0" presId="urn:microsoft.com/office/officeart/2005/8/layout/process1"/>
-    <dgm:cxn modelId="{50A740F5-9CE0-4BE4-8558-263B0407ADAE}" type="presOf" srcId="{9F74F996-CF89-4EE6-B6C3-12D200D20444}" destId="{8727DCC5-E3D8-4D67-910F-B154F61A2EA9}" srcOrd="1" destOrd="0" presId="urn:microsoft.com/office/officeart/2005/8/layout/process1"/>
-    <dgm:cxn modelId="{A08C9DF7-1BC8-46A8-82F5-05BAEC9F5517}" type="presOf" srcId="{9F74F996-CF89-4EE6-B6C3-12D200D20444}" destId="{87DB9369-E531-44ED-9218-E9C547E7AB0A}" srcOrd="0" destOrd="0" presId="urn:microsoft.com/office/officeart/2005/8/layout/process1"/>
-    <dgm:cxn modelId="{861C6562-09B7-414C-9AF6-21855C826A01}" type="presParOf" srcId="{7537A668-8279-418E-8328-B31EE490738C}" destId="{5918A3E1-D217-4E48-B568-CCF4FD256528}" srcOrd="0" destOrd="0" presId="urn:microsoft.com/office/officeart/2005/8/layout/process1"/>
-    <dgm:cxn modelId="{6BEE6E89-EACC-4AE9-A227-F78ADA7810D2}" type="presParOf" srcId="{7537A668-8279-418E-8328-B31EE490738C}" destId="{6733A1BB-8D80-4274-AA16-145FD4E82FC9}" srcOrd="1" destOrd="0" presId="urn:microsoft.com/office/officeart/2005/8/layout/process1"/>
-    <dgm:cxn modelId="{AE33163B-CBC3-49E5-B3C5-198761EFD9A2}" type="presParOf" srcId="{6733A1BB-8D80-4274-AA16-145FD4E82FC9}" destId="{1A9A7A50-F03F-4607-A15E-EA6D0186F40B}" srcOrd="0" destOrd="0" presId="urn:microsoft.com/office/officeart/2005/8/layout/process1"/>
-    <dgm:cxn modelId="{3C66A088-D138-4F88-BEF2-2149AC5B3E97}" type="presParOf" srcId="{7537A668-8279-418E-8328-B31EE490738C}" destId="{AF9E0129-D15E-47CF-89B4-BEC526D39B4F}" srcOrd="2" destOrd="0" presId="urn:microsoft.com/office/officeart/2005/8/layout/process1"/>
-    <dgm:cxn modelId="{72C0575D-5594-452C-BA73-02EB116156B0}" type="presParOf" srcId="{7537A668-8279-418E-8328-B31EE490738C}" destId="{572D13A2-1A89-4752-86B2-65CC11A49157}" srcOrd="3" destOrd="0" presId="urn:microsoft.com/office/officeart/2005/8/layout/process1"/>
-    <dgm:cxn modelId="{52CFFB1F-4FB7-42AE-9269-2DEF76BE76F5}" type="presParOf" srcId="{572D13A2-1A89-4752-86B2-65CC11A49157}" destId="{A043CFC9-4729-49C5-BCDF-D91FAC260347}" srcOrd="0" destOrd="0" presId="urn:microsoft.com/office/officeart/2005/8/layout/process1"/>
-    <dgm:cxn modelId="{D81956E5-4290-4C6E-8E9D-CC1D3658049B}" type="presParOf" srcId="{7537A668-8279-418E-8328-B31EE490738C}" destId="{EC1B1B97-EFC0-4FCF-BA1B-41849E2D0C44}" srcOrd="4" destOrd="0" presId="urn:microsoft.com/office/officeart/2005/8/layout/process1"/>
-    <dgm:cxn modelId="{683121B2-D962-4BEA-B763-68A50BA92791}" type="presParOf" srcId="{7537A668-8279-418E-8328-B31EE490738C}" destId="{87DB9369-E531-44ED-9218-E9C547E7AB0A}" srcOrd="5" destOrd="0" presId="urn:microsoft.com/office/officeart/2005/8/layout/process1"/>
-    <dgm:cxn modelId="{9A3F2122-4F15-44C9-9F3D-95A773314DBB}" type="presParOf" srcId="{87DB9369-E531-44ED-9218-E9C547E7AB0A}" destId="{8727DCC5-E3D8-4D67-910F-B154F61A2EA9}" srcOrd="0" destOrd="0" presId="urn:microsoft.com/office/officeart/2005/8/layout/process1"/>
-    <dgm:cxn modelId="{690247F3-032C-4D20-B458-23EAEE3819EB}" type="presParOf" srcId="{7537A668-8279-418E-8328-B31EE490738C}" destId="{0CD8877B-0F2A-4483-BCFD-7E547B04F4B9}" srcOrd="6" destOrd="0" presId="urn:microsoft.com/office/officeart/2005/8/layout/process1"/>
-    <dgm:cxn modelId="{7AC8CFCA-9DFB-472F-9BA3-7FA2779C15AA}" type="presParOf" srcId="{7537A668-8279-418E-8328-B31EE490738C}" destId="{C29C1772-6EFB-4381-87B6-99A2162B79A5}" srcOrd="7" destOrd="0" presId="urn:microsoft.com/office/officeart/2005/8/layout/process1"/>
-    <dgm:cxn modelId="{0F2C240B-E85A-4D0A-8AA8-60CDF7F14266}" type="presParOf" srcId="{C29C1772-6EFB-4381-87B6-99A2162B79A5}" destId="{7DDA2D7B-9CD0-4A72-8BD9-9D722DFD7B0B}" srcOrd="0" destOrd="0" presId="urn:microsoft.com/office/officeart/2005/8/layout/process1"/>
-    <dgm:cxn modelId="{08D4E4FF-ED96-460C-A18E-2DD6F244E815}" type="presParOf" srcId="{7537A668-8279-418E-8328-B31EE490738C}" destId="{3A608495-23B1-4AE2-947E-EAD094BBFEF1}" srcOrd="8" destOrd="0" presId="urn:microsoft.com/office/officeart/2005/8/layout/process1"/>
-  </dgm:cxnLst>
-  <dgm:bg/>
-  <dgm:whole/>
-  <dgm:extLst>
-    <a:ext uri="http://schemas.microsoft.com/office/drawing/2008/diagram">
-      <dsp:dataModelExt xmlns:dsp="http://schemas.microsoft.com/office/drawing/2008/diagram" relId="rId17" minVer="http://schemas.openxmlformats.org/drawingml/2006/diagram"/>
-    </a:ext>
-  </dgm:extLst>
-</dgm:dataModel>
-</file>
-
-<file path=ppt/diagrams/drawing1.xml><?xml version="1.0" encoding="utf-8"?>
-<dsp:drawing xmlns:dgm="http://schemas.openxmlformats.org/drawingml/2006/diagram" xmlns:dsp="http://schemas.microsoft.com/office/drawing/2008/diagram" xmlns:a="http://schemas.openxmlformats.org/drawingml/2006/main">
-  <dsp:spTree>
-    <dsp:nvGrpSpPr>
-      <dsp:cNvPr id="0" name=""/>
-      <dsp:cNvGrpSpPr/>
-    </dsp:nvGrpSpPr>
-    <dsp:grpSpPr/>
-    <dsp:sp modelId="{5918A3E1-D217-4E48-B568-CCF4FD256528}">
-      <dsp:nvSpPr>
-        <dsp:cNvPr id="0" name=""/>
-        <dsp:cNvSpPr/>
-      </dsp:nvSpPr>
-      <dsp:spPr>
-        <a:xfrm>
-          <a:off x="2976" y="171929"/>
-          <a:ext cx="922734" cy="968060"/>
-        </a:xfrm>
-        <a:prstGeom prst="roundRect">
-          <a:avLst>
-            <a:gd name="adj" fmla="val 10000"/>
-          </a:avLst>
-        </a:prstGeom>
-        <a:solidFill>
-          <a:schemeClr val="accent1">
-            <a:lumMod val="60000"/>
-            <a:lumOff val="40000"/>
-          </a:schemeClr>
-        </a:solidFill>
-        <a:ln w="25400" cap="flat" cmpd="sng" algn="ctr">
-          <a:solidFill>
-            <a:schemeClr val="lt1">
-              <a:hueOff val="0"/>
-              <a:satOff val="0"/>
-              <a:lumOff val="0"/>
-              <a:alphaOff val="0"/>
-            </a:schemeClr>
-          </a:solidFill>
-          <a:prstDash val="solid"/>
-        </a:ln>
-        <a:effectLst/>
-      </dsp:spPr>
-      <dsp:style>
-        <a:lnRef idx="2">
-          <a:scrgbClr r="0" g="0" b="0"/>
-        </a:lnRef>
-        <a:fillRef idx="1">
-          <a:scrgbClr r="0" g="0" b="0"/>
-        </a:fillRef>
-        <a:effectRef idx="0">
-          <a:scrgbClr r="0" g="0" b="0"/>
-        </a:effectRef>
-        <a:fontRef idx="minor">
-          <a:schemeClr val="lt1"/>
-        </a:fontRef>
-      </dsp:style>
-      <dsp:txBody>
-        <a:bodyPr spcFirstLastPara="0" vert="horz" wrap="square" lIns="38100" tIns="38100" rIns="38100" bIns="38100" numCol="1" spcCol="1270" anchor="ctr" anchorCtr="0">
-          <a:noAutofit/>
-        </a:bodyPr>
-        <a:lstStyle/>
-        <a:p>
-          <a:pPr marL="0" lvl="0" indent="0" algn="ctr" defTabSz="444500">
-            <a:lnSpc>
-              <a:spcPct val="90000"/>
-            </a:lnSpc>
-            <a:spcBef>
-              <a:spcPct val="0"/>
-            </a:spcBef>
-            <a:spcAft>
-              <a:spcPct val="35000"/>
-            </a:spcAft>
-            <a:buNone/>
-          </a:pPr>
-          <a:r>
-            <a:rPr lang="en-CA" sz="1000" kern="1200" dirty="0"/>
-            <a:t>1. Typical neighborhood generation</a:t>
-          </a:r>
-        </a:p>
-      </dsp:txBody>
-      <dsp:txXfrm>
-        <a:off x="30002" y="198955"/>
-        <a:ext cx="868682" cy="914008"/>
-      </dsp:txXfrm>
-    </dsp:sp>
-    <dsp:sp modelId="{6733A1BB-8D80-4274-AA16-145FD4E82FC9}">
-      <dsp:nvSpPr>
-        <dsp:cNvPr id="0" name=""/>
-        <dsp:cNvSpPr/>
-      </dsp:nvSpPr>
-      <dsp:spPr>
-        <a:xfrm>
-          <a:off x="1017984" y="541540"/>
-          <a:ext cx="195619" cy="228838"/>
-        </a:xfrm>
-        <a:prstGeom prst="rightArrow">
-          <a:avLst>
-            <a:gd name="adj1" fmla="val 60000"/>
-            <a:gd name="adj2" fmla="val 50000"/>
-          </a:avLst>
-        </a:prstGeom>
-        <a:solidFill>
-          <a:schemeClr val="accent1">
-            <a:tint val="60000"/>
-            <a:hueOff val="0"/>
-            <a:satOff val="0"/>
-            <a:lumOff val="0"/>
-            <a:alphaOff val="0"/>
-          </a:schemeClr>
-        </a:solidFill>
-        <a:ln>
-          <a:noFill/>
-        </a:ln>
-        <a:effectLst/>
-      </dsp:spPr>
-      <dsp:style>
-        <a:lnRef idx="0">
-          <a:scrgbClr r="0" g="0" b="0"/>
-        </a:lnRef>
-        <a:fillRef idx="1">
-          <a:scrgbClr r="0" g="0" b="0"/>
-        </a:fillRef>
-        <a:effectRef idx="0">
-          <a:scrgbClr r="0" g="0" b="0"/>
-        </a:effectRef>
-        <a:fontRef idx="minor">
-          <a:schemeClr val="lt1"/>
-        </a:fontRef>
-      </dsp:style>
-      <dsp:txBody>
-        <a:bodyPr spcFirstLastPara="0" vert="horz" wrap="square" lIns="0" tIns="0" rIns="0" bIns="0" numCol="1" spcCol="1270" anchor="ctr" anchorCtr="0">
-          <a:noAutofit/>
-        </a:bodyPr>
-        <a:lstStyle/>
-        <a:p>
-          <a:pPr marL="0" lvl="0" indent="0" algn="ctr" defTabSz="355600">
-            <a:lnSpc>
-              <a:spcPct val="90000"/>
-            </a:lnSpc>
-            <a:spcBef>
-              <a:spcPct val="0"/>
-            </a:spcBef>
-            <a:spcAft>
-              <a:spcPct val="35000"/>
-            </a:spcAft>
-            <a:buNone/>
-          </a:pPr>
-          <a:endParaRPr lang="en-CA" sz="800" kern="1200"/>
-        </a:p>
-      </dsp:txBody>
-      <dsp:txXfrm>
-        <a:off x="1017984" y="587308"/>
-        <a:ext cx="136933" cy="137302"/>
-      </dsp:txXfrm>
-    </dsp:sp>
-    <dsp:sp modelId="{AF9E0129-D15E-47CF-89B4-BEC526D39B4F}">
-      <dsp:nvSpPr>
-        <dsp:cNvPr id="0" name=""/>
-        <dsp:cNvSpPr/>
-      </dsp:nvSpPr>
-      <dsp:spPr>
-        <a:xfrm>
-          <a:off x="1294804" y="171929"/>
-          <a:ext cx="922734" cy="968060"/>
-        </a:xfrm>
-        <a:prstGeom prst="roundRect">
-          <a:avLst>
-            <a:gd name="adj" fmla="val 10000"/>
-          </a:avLst>
-        </a:prstGeom>
-        <a:solidFill>
-          <a:schemeClr val="accent1">
-            <a:lumMod val="60000"/>
-            <a:lumOff val="40000"/>
-          </a:schemeClr>
-        </a:solidFill>
-        <a:ln w="25400" cap="flat" cmpd="sng" algn="ctr">
-          <a:solidFill>
-            <a:schemeClr val="lt1">
-              <a:hueOff val="0"/>
-              <a:satOff val="0"/>
-              <a:lumOff val="0"/>
-              <a:alphaOff val="0"/>
-            </a:schemeClr>
-          </a:solidFill>
-          <a:prstDash val="solid"/>
-        </a:ln>
-        <a:effectLst/>
-      </dsp:spPr>
-      <dsp:style>
-        <a:lnRef idx="2">
-          <a:scrgbClr r="0" g="0" b="0"/>
-        </a:lnRef>
-        <a:fillRef idx="1">
-          <a:scrgbClr r="0" g="0" b="0"/>
-        </a:fillRef>
-        <a:effectRef idx="0">
-          <a:scrgbClr r="0" g="0" b="0"/>
-        </a:effectRef>
-        <a:fontRef idx="minor">
-          <a:schemeClr val="lt1"/>
-        </a:fontRef>
-      </dsp:style>
-      <dsp:txBody>
-        <a:bodyPr spcFirstLastPara="0" vert="horz" wrap="square" lIns="38100" tIns="38100" rIns="38100" bIns="38100" numCol="1" spcCol="1270" anchor="ctr" anchorCtr="0">
-          <a:noAutofit/>
-        </a:bodyPr>
-        <a:lstStyle/>
-        <a:p>
-          <a:pPr marL="0" lvl="0" indent="0" algn="ctr" defTabSz="444500">
-            <a:lnSpc>
-              <a:spcPct val="90000"/>
-            </a:lnSpc>
-            <a:spcBef>
-              <a:spcPct val="0"/>
-            </a:spcBef>
-            <a:spcAft>
-              <a:spcPct val="35000"/>
-            </a:spcAft>
-            <a:buNone/>
-          </a:pPr>
-          <a:r>
-            <a:rPr lang="en-CA" sz="1000" kern="1200" dirty="0"/>
-            <a:t>2. Typical thermostat setpoint profiles</a:t>
-          </a:r>
-        </a:p>
-      </dsp:txBody>
-      <dsp:txXfrm>
-        <a:off x="1321830" y="198955"/>
-        <a:ext cx="868682" cy="914008"/>
-      </dsp:txXfrm>
-    </dsp:sp>
-    <dsp:sp modelId="{572D13A2-1A89-4752-86B2-65CC11A49157}">
-      <dsp:nvSpPr>
-        <dsp:cNvPr id="0" name=""/>
-        <dsp:cNvSpPr/>
-      </dsp:nvSpPr>
-      <dsp:spPr>
-        <a:xfrm>
-          <a:off x="2309812" y="541540"/>
-          <a:ext cx="195619" cy="228838"/>
-        </a:xfrm>
-        <a:prstGeom prst="rightArrow">
-          <a:avLst>
-            <a:gd name="adj1" fmla="val 60000"/>
-            <a:gd name="adj2" fmla="val 50000"/>
-          </a:avLst>
-        </a:prstGeom>
-        <a:solidFill>
-          <a:schemeClr val="accent1">
-            <a:tint val="60000"/>
-            <a:hueOff val="0"/>
-            <a:satOff val="0"/>
-            <a:lumOff val="0"/>
-            <a:alphaOff val="0"/>
-          </a:schemeClr>
-        </a:solidFill>
-        <a:ln>
-          <a:noFill/>
-        </a:ln>
-        <a:effectLst/>
-      </dsp:spPr>
-      <dsp:style>
-        <a:lnRef idx="0">
-          <a:scrgbClr r="0" g="0" b="0"/>
-        </a:lnRef>
-        <a:fillRef idx="1">
-          <a:scrgbClr r="0" g="0" b="0"/>
-        </a:fillRef>
-        <a:effectRef idx="0">
-          <a:scrgbClr r="0" g="0" b="0"/>
-        </a:effectRef>
-        <a:fontRef idx="minor">
-          <a:schemeClr val="lt1"/>
-        </a:fontRef>
-      </dsp:style>
-      <dsp:txBody>
-        <a:bodyPr spcFirstLastPara="0" vert="horz" wrap="square" lIns="0" tIns="0" rIns="0" bIns="0" numCol="1" spcCol="1270" anchor="ctr" anchorCtr="0">
-          <a:noAutofit/>
-        </a:bodyPr>
-        <a:lstStyle/>
-        <a:p>
-          <a:pPr marL="0" lvl="0" indent="0" algn="ctr" defTabSz="355600">
-            <a:lnSpc>
-              <a:spcPct val="90000"/>
-            </a:lnSpc>
-            <a:spcBef>
-              <a:spcPct val="0"/>
-            </a:spcBef>
-            <a:spcAft>
-              <a:spcPct val="35000"/>
-            </a:spcAft>
-            <a:buNone/>
-          </a:pPr>
-          <a:endParaRPr lang="en-CA" sz="800" kern="1200"/>
-        </a:p>
-      </dsp:txBody>
-      <dsp:txXfrm>
-        <a:off x="2309812" y="587308"/>
-        <a:ext cx="136933" cy="137302"/>
-      </dsp:txXfrm>
-    </dsp:sp>
-    <dsp:sp modelId="{EC1B1B97-EFC0-4FCF-BA1B-41849E2D0C44}">
-      <dsp:nvSpPr>
-        <dsp:cNvPr id="0" name=""/>
-        <dsp:cNvSpPr/>
-      </dsp:nvSpPr>
-      <dsp:spPr>
-        <a:xfrm>
-          <a:off x="2586632" y="171929"/>
-          <a:ext cx="922734" cy="968060"/>
-        </a:xfrm>
-        <a:prstGeom prst="roundRect">
-          <a:avLst>
-            <a:gd name="adj" fmla="val 10000"/>
-          </a:avLst>
-        </a:prstGeom>
-        <a:solidFill>
-          <a:schemeClr val="accent1">
-            <a:lumMod val="60000"/>
-            <a:lumOff val="40000"/>
-          </a:schemeClr>
-        </a:solidFill>
-        <a:ln w="25400" cap="flat" cmpd="sng" algn="ctr">
-          <a:solidFill>
-            <a:schemeClr val="lt1">
-              <a:hueOff val="0"/>
-              <a:satOff val="0"/>
-              <a:lumOff val="0"/>
-              <a:alphaOff val="0"/>
-            </a:schemeClr>
-          </a:solidFill>
-          <a:prstDash val="solid"/>
-        </a:ln>
-        <a:effectLst/>
-      </dsp:spPr>
-      <dsp:style>
-        <a:lnRef idx="2">
-          <a:scrgbClr r="0" g="0" b="0"/>
-        </a:lnRef>
-        <a:fillRef idx="1">
-          <a:scrgbClr r="0" g="0" b="0"/>
-        </a:fillRef>
-        <a:effectRef idx="0">
-          <a:scrgbClr r="0" g="0" b="0"/>
-        </a:effectRef>
-        <a:fontRef idx="minor">
-          <a:schemeClr val="lt1"/>
-        </a:fontRef>
-      </dsp:style>
-      <dsp:txBody>
-        <a:bodyPr spcFirstLastPara="0" vert="horz" wrap="square" lIns="38100" tIns="38100" rIns="38100" bIns="38100" numCol="1" spcCol="1270" anchor="ctr" anchorCtr="0">
-          <a:noAutofit/>
-        </a:bodyPr>
-        <a:lstStyle/>
-        <a:p>
-          <a:pPr marL="0" lvl="0" indent="0" algn="ctr" defTabSz="444500">
-            <a:lnSpc>
-              <a:spcPct val="90000"/>
-            </a:lnSpc>
-            <a:spcBef>
-              <a:spcPct val="0"/>
-            </a:spcBef>
-            <a:spcAft>
-              <a:spcPct val="35000"/>
-            </a:spcAft>
-            <a:buNone/>
-          </a:pPr>
-          <a:r>
-            <a:rPr lang="en-CA" sz="1000" kern="1200" dirty="0"/>
-            <a:t>3. Data-driven LSTM models to link heat pump action and indoor air temperature </a:t>
-          </a:r>
-        </a:p>
-      </dsp:txBody>
-      <dsp:txXfrm>
-        <a:off x="2613658" y="198955"/>
-        <a:ext cx="868682" cy="914008"/>
-      </dsp:txXfrm>
-    </dsp:sp>
-    <dsp:sp modelId="{87DB9369-E531-44ED-9218-E9C547E7AB0A}">
-      <dsp:nvSpPr>
-        <dsp:cNvPr id="0" name=""/>
-        <dsp:cNvSpPr/>
-      </dsp:nvSpPr>
-      <dsp:spPr>
-        <a:xfrm>
-          <a:off x="3601640" y="541540"/>
-          <a:ext cx="195619" cy="228838"/>
-        </a:xfrm>
-        <a:prstGeom prst="rightArrow">
-          <a:avLst>
-            <a:gd name="adj1" fmla="val 60000"/>
-            <a:gd name="adj2" fmla="val 50000"/>
-          </a:avLst>
-        </a:prstGeom>
-        <a:solidFill>
-          <a:schemeClr val="accent1">
-            <a:tint val="60000"/>
-            <a:hueOff val="0"/>
-            <a:satOff val="0"/>
-            <a:lumOff val="0"/>
-            <a:alphaOff val="0"/>
-          </a:schemeClr>
-        </a:solidFill>
-        <a:ln>
-          <a:noFill/>
-        </a:ln>
-        <a:effectLst/>
-      </dsp:spPr>
-      <dsp:style>
-        <a:lnRef idx="0">
-          <a:scrgbClr r="0" g="0" b="0"/>
-        </a:lnRef>
-        <a:fillRef idx="1">
-          <a:scrgbClr r="0" g="0" b="0"/>
-        </a:fillRef>
-        <a:effectRef idx="0">
-          <a:scrgbClr r="0" g="0" b="0"/>
-        </a:effectRef>
-        <a:fontRef idx="minor">
-          <a:schemeClr val="lt1"/>
-        </a:fontRef>
-      </dsp:style>
-      <dsp:txBody>
-        <a:bodyPr spcFirstLastPara="0" vert="horz" wrap="square" lIns="0" tIns="0" rIns="0" bIns="0" numCol="1" spcCol="1270" anchor="ctr" anchorCtr="0">
-          <a:noAutofit/>
-        </a:bodyPr>
-        <a:lstStyle/>
-        <a:p>
-          <a:pPr marL="0" lvl="0" indent="0" algn="ctr" defTabSz="355600">
-            <a:lnSpc>
-              <a:spcPct val="90000"/>
-            </a:lnSpc>
-            <a:spcBef>
-              <a:spcPct val="0"/>
-            </a:spcBef>
-            <a:spcAft>
-              <a:spcPct val="35000"/>
-            </a:spcAft>
-            <a:buNone/>
-          </a:pPr>
-          <a:endParaRPr lang="en-CA" sz="800" kern="1200"/>
-        </a:p>
-      </dsp:txBody>
-      <dsp:txXfrm>
-        <a:off x="3601640" y="587308"/>
-        <a:ext cx="136933" cy="137302"/>
-      </dsp:txXfrm>
-    </dsp:sp>
-    <dsp:sp modelId="{0CD8877B-0F2A-4483-BCFD-7E547B04F4B9}">
-      <dsp:nvSpPr>
-        <dsp:cNvPr id="0" name=""/>
-        <dsp:cNvSpPr/>
-      </dsp:nvSpPr>
-      <dsp:spPr>
-        <a:xfrm>
-          <a:off x="3878460" y="171929"/>
-          <a:ext cx="922734" cy="968060"/>
-        </a:xfrm>
-        <a:prstGeom prst="roundRect">
-          <a:avLst>
-            <a:gd name="adj" fmla="val 10000"/>
-          </a:avLst>
-        </a:prstGeom>
-        <a:solidFill>
-          <a:schemeClr val="accent1">
-            <a:lumMod val="60000"/>
-            <a:lumOff val="40000"/>
-          </a:schemeClr>
-        </a:solidFill>
-        <a:ln w="25400" cap="flat" cmpd="sng" algn="ctr">
-          <a:solidFill>
-            <a:schemeClr val="lt1">
-              <a:hueOff val="0"/>
-              <a:satOff val="0"/>
-              <a:lumOff val="0"/>
-              <a:alphaOff val="0"/>
-            </a:schemeClr>
-          </a:solidFill>
-          <a:prstDash val="solid"/>
-        </a:ln>
-        <a:effectLst/>
-      </dsp:spPr>
-      <dsp:style>
-        <a:lnRef idx="2">
-          <a:scrgbClr r="0" g="0" b="0"/>
-        </a:lnRef>
-        <a:fillRef idx="1">
-          <a:scrgbClr r="0" g="0" b="0"/>
-        </a:fillRef>
-        <a:effectRef idx="0">
-          <a:scrgbClr r="0" g="0" b="0"/>
-        </a:effectRef>
-        <a:fontRef idx="minor">
-          <a:schemeClr val="lt1"/>
-        </a:fontRef>
-      </dsp:style>
-      <dsp:txBody>
-        <a:bodyPr spcFirstLastPara="0" vert="horz" wrap="square" lIns="38100" tIns="38100" rIns="38100" bIns="38100" numCol="1" spcCol="1270" anchor="ctr" anchorCtr="0">
-          <a:noAutofit/>
-        </a:bodyPr>
-        <a:lstStyle/>
-        <a:p>
-          <a:pPr marL="0" lvl="0" indent="0" algn="ctr" defTabSz="444500">
-            <a:lnSpc>
-              <a:spcPct val="90000"/>
-            </a:lnSpc>
-            <a:spcBef>
-              <a:spcPct val="0"/>
-            </a:spcBef>
-            <a:spcAft>
-              <a:spcPct val="35000"/>
-            </a:spcAft>
-            <a:buNone/>
-          </a:pPr>
-          <a:r>
-            <a:rPr lang="en-CA" sz="1000" kern="1200" dirty="0"/>
-            <a:t>4. Create occupant-thermostat interaction model(s)</a:t>
-          </a:r>
-        </a:p>
-      </dsp:txBody>
-      <dsp:txXfrm>
-        <a:off x="3905486" y="198955"/>
-        <a:ext cx="868682" cy="914008"/>
-      </dsp:txXfrm>
-    </dsp:sp>
-    <dsp:sp modelId="{C29C1772-6EFB-4381-87B6-99A2162B79A5}">
-      <dsp:nvSpPr>
-        <dsp:cNvPr id="0" name=""/>
-        <dsp:cNvSpPr/>
-      </dsp:nvSpPr>
-      <dsp:spPr>
-        <a:xfrm>
-          <a:off x="4893468" y="541540"/>
-          <a:ext cx="195619" cy="228838"/>
-        </a:xfrm>
-        <a:prstGeom prst="rightArrow">
-          <a:avLst>
-            <a:gd name="adj1" fmla="val 60000"/>
-            <a:gd name="adj2" fmla="val 50000"/>
-          </a:avLst>
-        </a:prstGeom>
-        <a:solidFill>
-          <a:schemeClr val="accent1">
-            <a:tint val="60000"/>
-            <a:hueOff val="0"/>
-            <a:satOff val="0"/>
-            <a:lumOff val="0"/>
-            <a:alphaOff val="0"/>
-          </a:schemeClr>
-        </a:solidFill>
-        <a:ln>
-          <a:noFill/>
-        </a:ln>
-        <a:effectLst/>
-      </dsp:spPr>
-      <dsp:style>
-        <a:lnRef idx="0">
-          <a:scrgbClr r="0" g="0" b="0"/>
-        </a:lnRef>
-        <a:fillRef idx="1">
-          <a:scrgbClr r="0" g="0" b="0"/>
-        </a:fillRef>
-        <a:effectRef idx="0">
-          <a:scrgbClr r="0" g="0" b="0"/>
-        </a:effectRef>
-        <a:fontRef idx="minor">
-          <a:schemeClr val="lt1"/>
-        </a:fontRef>
-      </dsp:style>
-      <dsp:txBody>
-        <a:bodyPr spcFirstLastPara="0" vert="horz" wrap="square" lIns="0" tIns="0" rIns="0" bIns="0" numCol="1" spcCol="1270" anchor="ctr" anchorCtr="0">
-          <a:noAutofit/>
-        </a:bodyPr>
-        <a:lstStyle/>
-        <a:p>
-          <a:pPr marL="0" lvl="0" indent="0" algn="ctr" defTabSz="355600">
-            <a:lnSpc>
-              <a:spcPct val="90000"/>
-            </a:lnSpc>
-            <a:spcBef>
-              <a:spcPct val="0"/>
-            </a:spcBef>
-            <a:spcAft>
-              <a:spcPct val="35000"/>
-            </a:spcAft>
-            <a:buNone/>
-          </a:pPr>
-          <a:endParaRPr lang="en-CA" sz="800" kern="1200"/>
-        </a:p>
-      </dsp:txBody>
-      <dsp:txXfrm>
-        <a:off x="4893468" y="587308"/>
-        <a:ext cx="136933" cy="137302"/>
-      </dsp:txXfrm>
-    </dsp:sp>
-    <dsp:sp modelId="{3A608495-23B1-4AE2-947E-EAD094BBFEF1}">
-      <dsp:nvSpPr>
-        <dsp:cNvPr id="0" name=""/>
-        <dsp:cNvSpPr/>
-      </dsp:nvSpPr>
-      <dsp:spPr>
-        <a:xfrm>
-          <a:off x="5170289" y="171929"/>
-          <a:ext cx="922734" cy="968060"/>
-        </a:xfrm>
-        <a:prstGeom prst="roundRect">
-          <a:avLst>
-            <a:gd name="adj" fmla="val 10000"/>
-          </a:avLst>
-        </a:prstGeom>
-        <a:solidFill>
-          <a:schemeClr val="accent1">
-            <a:lumMod val="60000"/>
-            <a:lumOff val="40000"/>
-          </a:schemeClr>
-        </a:solidFill>
-        <a:ln w="25400" cap="flat" cmpd="sng" algn="ctr">
-          <a:solidFill>
-            <a:schemeClr val="lt1">
-              <a:hueOff val="0"/>
-              <a:satOff val="0"/>
-              <a:lumOff val="0"/>
-              <a:alphaOff val="0"/>
-            </a:schemeClr>
-          </a:solidFill>
-          <a:prstDash val="solid"/>
-        </a:ln>
-        <a:effectLst/>
-      </dsp:spPr>
-      <dsp:style>
-        <a:lnRef idx="2">
-          <a:scrgbClr r="0" g="0" b="0"/>
-        </a:lnRef>
-        <a:fillRef idx="1">
-          <a:scrgbClr r="0" g="0" b="0"/>
-        </a:fillRef>
-        <a:effectRef idx="0">
-          <a:scrgbClr r="0" g="0" b="0"/>
-        </a:effectRef>
-        <a:fontRef idx="minor">
-          <a:schemeClr val="lt1"/>
-        </a:fontRef>
-      </dsp:style>
-      <dsp:txBody>
-        <a:bodyPr spcFirstLastPara="0" vert="horz" wrap="square" lIns="38100" tIns="38100" rIns="38100" bIns="38100" numCol="1" spcCol="1270" anchor="ctr" anchorCtr="0">
-          <a:noAutofit/>
-        </a:bodyPr>
-        <a:lstStyle/>
-        <a:p>
-          <a:pPr marL="0" lvl="0" indent="0" algn="ctr" defTabSz="444500">
-            <a:lnSpc>
-              <a:spcPct val="90000"/>
-            </a:lnSpc>
-            <a:spcBef>
-              <a:spcPct val="0"/>
-            </a:spcBef>
-            <a:spcAft>
-              <a:spcPct val="35000"/>
-            </a:spcAft>
-            <a:buNone/>
-          </a:pPr>
-          <a:r>
-            <a:rPr lang="en-CA" sz="1000" kern="1200" dirty="0"/>
-            <a:t>5. Analyze DR for neighborhoods and different types of occupants</a:t>
-          </a:r>
-        </a:p>
-      </dsp:txBody>
-      <dsp:txXfrm>
-        <a:off x="5197315" y="198955"/>
-        <a:ext cx="868682" cy="914008"/>
-      </dsp:txXfrm>
-    </dsp:sp>
-  </dsp:spTree>
-</dsp:drawing>
-</file>
-
-<file path=ppt/diagrams/layout1.xml><?xml version="1.0" encoding="utf-8"?>
-<dgm:layoutDef xmlns:dgm="http://schemas.openxmlformats.org/drawingml/2006/diagram" xmlns:a="http://schemas.openxmlformats.org/drawingml/2006/main" uniqueId="urn:microsoft.com/office/officeart/2005/8/layout/process1">
-  <dgm:title val=""/>
-  <dgm:desc val=""/>
-  <dgm:catLst>
-    <dgm:cat type="process" pri="1000"/>
-    <dgm:cat type="convert" pri="15000"/>
-  </dgm:catLst>
-  <dgm:sampData useDef="1">
-    <dgm:dataModel>
-      <dgm:ptLst/>
-      <dgm:bg/>
-      <dgm:whole/>
-    </dgm:dataModel>
-  </dgm:sampData>
-  <dgm:styleData>
-    <dgm:dataModel>
-      <dgm:ptLst>
-        <dgm:pt modelId="0" type="doc"/>
-        <dgm:pt modelId="1"/>
-        <dgm:pt modelId="2"/>
-      </dgm:ptLst>
-      <dgm:cxnLst>
-        <dgm:cxn modelId="3" srcId="0" destId="1" srcOrd="0" destOrd="0"/>
-        <dgm:cxn modelId="4" srcId="0" destId="2" srcOrd="1" destOrd="0"/>
-      </dgm:cxnLst>
-      <dgm:bg/>
-      <dgm:whole/>
-    </dgm:dataModel>
-  </dgm:styleData>
-  <dgm:clrData>
-    <dgm:dataModel>
-      <dgm:ptLst>
-        <dgm:pt modelId="0" type="doc"/>
-        <dgm:pt modelId="1"/>
-        <dgm:pt modelId="2"/>
-        <dgm:pt modelId="3"/>
-        <dgm:pt modelId="4"/>
-      </dgm:ptLst>
-      <dgm:cxnLst>
-        <dgm:cxn modelId="5" srcId="0" destId="1" srcOrd="0" destOrd="0"/>
-        <dgm:cxn modelId="6" srcId="0" destId="2" srcOrd="1" destOrd="0"/>
-        <dgm:cxn modelId="7" srcId="0" destId="3" srcOrd="2" destOrd="0"/>
-        <dgm:cxn modelId="8" srcId="0" destId="4" srcOrd="3" destOrd="0"/>
-      </dgm:cxnLst>
-      <dgm:bg/>
-      <dgm:whole/>
-    </dgm:dataModel>
-  </dgm:clrData>
-  <dgm:layoutNode name="Name0">
-    <dgm:varLst>
-      <dgm:dir/>
-      <dgm:resizeHandles val="exact"/>
-    </dgm:varLst>
-    <dgm:choose name="Name1">
-      <dgm:if name="Name2" func="var" arg="dir" op="equ" val="norm">
-        <dgm:alg type="lin"/>
-      </dgm:if>
-      <dgm:else name="Name3">
-        <dgm:alg type="lin">
-          <dgm:param type="linDir" val="fromR"/>
-        </dgm:alg>
-      </dgm:else>
-    </dgm:choose>
-    <dgm:shape xmlns:r="http://schemas.openxmlformats.org/officeDocument/2006/relationships" r:blip="">
-      <dgm:adjLst/>
-    </dgm:shape>
-    <dgm:presOf/>
-    <dgm:constrLst>
-      <dgm:constr type="w" for="ch" ptType="node" refType="w"/>
-      <dgm:constr type="h" for="ch" ptType="node" op="equ"/>
-      <dgm:constr type="primFontSz" for="ch" ptType="node" op="equ" val="65"/>
-      <dgm:constr type="w" for="ch" ptType="sibTrans" refType="w" refFor="ch" refPtType="node" op="equ" fact="0.4"/>
-      <dgm:constr type="h" for="ch" ptType="sibTrans" op="equ"/>
-      <dgm:constr type="primFontSz" for="des" forName="connectorText" op="equ" val="55"/>
-      <dgm:constr type="primFontSz" for="des" forName="connectorText" refType="primFontSz" refFor="ch" refPtType="node" op="lte" fact="0.8"/>
-    </dgm:constrLst>
-    <dgm:ruleLst/>
-    <dgm:forEach name="nodesForEach" axis="ch" ptType="node">
-      <dgm:layoutNode name="node">
-        <dgm:varLst>
-          <dgm:bulletEnabled val="1"/>
-        </dgm:varLst>
-        <dgm:alg type="tx"/>
-        <dgm:shape xmlns:r="http://schemas.openxmlformats.org/officeDocument/2006/relationships" type="roundRect" r:blip="">
-          <dgm:adjLst>
-            <dgm:adj idx="1" val="0.1"/>
-          </dgm:adjLst>
-        </dgm:shape>
-        <dgm:presOf axis="desOrSelf" ptType="node"/>
-        <dgm:constrLst>
-          <dgm:constr type="h" refType="w" fact="0.6"/>
-          <dgm:constr type="tMarg" refType="primFontSz" fact="0.3"/>
-          <dgm:constr type="bMarg" refType="primFontSz" fact="0.3"/>
-          <dgm:constr type="lMarg" refType="primFontSz" fact="0.3"/>
-          <dgm:constr type="rMarg" refType="primFontSz" fact="0.3"/>
-        </dgm:constrLst>
-        <dgm:ruleLst>
-          <dgm:rule type="primFontSz" val="18" fact="NaN" max="NaN"/>
-          <dgm:rule type="h" val="NaN" fact="1.5" max="NaN"/>
-          <dgm:rule type="primFontSz" val="5" fact="NaN" max="NaN"/>
-          <dgm:rule type="h" val="INF" fact="NaN" max="NaN"/>
-        </dgm:ruleLst>
-      </dgm:layoutNode>
-      <dgm:forEach name="sibTransForEach" axis="followSib" ptType="sibTrans" cnt="1">
-        <dgm:layoutNode name="sibTrans">
-          <dgm:alg type="conn">
-            <dgm:param type="begPts" val="auto"/>
-            <dgm:param type="endPts" val="auto"/>
-          </dgm:alg>
-          <dgm:shape xmlns:r="http://schemas.openxmlformats.org/officeDocument/2006/relationships" type="conn" r:blip="">
-            <dgm:adjLst/>
-          </dgm:shape>
-          <dgm:presOf axis="self"/>
-          <dgm:constrLst>
-            <dgm:constr type="h" refType="w" fact="0.62"/>
-            <dgm:constr type="connDist"/>
-            <dgm:constr type="begPad" refType="connDist" fact="0.25"/>
-            <dgm:constr type="endPad" refType="connDist" fact="0.22"/>
-          </dgm:constrLst>
-          <dgm:ruleLst/>
-          <dgm:layoutNode name="connectorText">
-            <dgm:alg type="tx">
-              <dgm:param type="autoTxRot" val="grav"/>
-            </dgm:alg>
-            <dgm:shape xmlns:r="http://schemas.openxmlformats.org/officeDocument/2006/relationships" type="conn" r:blip="" hideGeom="1">
-              <dgm:adjLst/>
-            </dgm:shape>
-            <dgm:presOf axis="self"/>
-            <dgm:constrLst>
-              <dgm:constr type="lMarg"/>
-              <dgm:constr type="rMarg"/>
-              <dgm:constr type="tMarg"/>
-              <dgm:constr type="bMarg"/>
-            </dgm:constrLst>
-            <dgm:ruleLst>
-              <dgm:rule type="primFontSz" val="5" fact="NaN" max="NaN"/>
-            </dgm:ruleLst>
-          </dgm:layoutNode>
-        </dgm:layoutNode>
-      </dgm:forEach>
-    </dgm:forEach>
-  </dgm:layoutNode>
-</dgm:layoutDef>
-</file>
-
-<file path=ppt/diagrams/quickStyle1.xml><?xml version="1.0" encoding="utf-8"?>
-<dgm:styleDef xmlns:dgm="http://schemas.openxmlformats.org/drawingml/2006/diagram" xmlns:a="http://schemas.openxmlformats.org/drawingml/2006/main" uniqueId="urn:microsoft.com/office/officeart/2005/8/quickstyle/simple1">
-  <dgm:title val=""/>
-  <dgm:desc val=""/>
-  <dgm:catLst>
-    <dgm:cat type="simple" pri="10100"/>
-  </dgm:catLst>
-  <dgm:scene3d>
-    <a:camera prst="orthographicFront"/>
-    <a:lightRig rig="threePt" dir="t"/>
-  </dgm:scene3d>
-  <dgm:styleLbl name="node0">
-    <dgm:scene3d>
-      <a:camera prst="orthographicFront"/>
-      <a:lightRig rig="threePt" dir="t"/>
-    </dgm:scene3d>
-    <dgm:sp3d/>
-    <dgm:txPr/>
-    <dgm:style>
-      <a:lnRef idx="2">
-        <a:scrgbClr r="0" g="0" b="0"/>
-      </a:lnRef>
-      <a:fillRef idx="1">
-        <a:scrgbClr r="0" g="0" b="0"/>
-      </a:fillRef>
-      <a:effectRef idx="0">
-        <a:scrgbClr r="0" g="0" b="0"/>
-      </a:effectRef>
-      <a:fontRef idx="minor">
-        <a:schemeClr val="lt1"/>
-      </a:fontRef>
-    </dgm:style>
-  </dgm:styleLbl>
-  <dgm:styleLbl name="lnNode1">
-    <dgm:scene3d>
-      <a:camera prst="orthographicFront"/>
-      <a:lightRig rig="threePt" dir="t"/>
-    </dgm:scene3d>
-    <dgm:sp3d/>
-    <dgm:txPr/>
-    <dgm:style>
-      <a:lnRef idx="2">
-        <a:scrgbClr r="0" g="0" b="0"/>
-      </a:lnRef>
-      <a:fillRef idx="1">
-        <a:scrgbClr r="0" g="0" b="0"/>
-      </a:fillRef>
-      <a:effectRef idx="0">
-        <a:scrgbClr r="0" g="0" b="0"/>
-      </a:effectRef>
-      <a:fontRef idx="minor">
-        <a:schemeClr val="lt1"/>
-      </a:fontRef>
-    </dgm:style>
-  </dgm:styleLbl>
-  <dgm:styleLbl name="vennNode1">
-    <dgm:scene3d>
-      <a:camera prst="orthographicFront"/>
-      <a:lightRig rig="threePt" dir="t"/>
-    </dgm:scene3d>
-    <dgm:sp3d/>
-    <dgm:txPr/>
-    <dgm:style>
-      <a:lnRef idx="2">
-        <a:scrgbClr r="0" g="0" b="0"/>
-      </a:lnRef>
-      <a:fillRef idx="1">
-        <a:scrgbClr r="0" g="0" b="0"/>
-      </a:fillRef>
-      <a:effectRef idx="0">
-        <a:scrgbClr r="0" g="0" b="0"/>
-      </a:effectRef>
-      <a:fontRef idx="minor">
-        <a:schemeClr val="tx1"/>
-      </a:fontRef>
-    </dgm:style>
-  </dgm:styleLbl>
-  <dgm:styleLbl name="alignNode1">
-    <dgm:scene3d>
-      <a:camera prst="orthographicFront"/>
-      <a:lightRig rig="threePt" dir="t"/>
-    </dgm:scene3d>
-    <dgm:sp3d/>
-    <dgm:txPr/>
-    <dgm:style>
-      <a:lnRef idx="2">
-        <a:scrgbClr r="0" g="0" b="0"/>
-      </a:lnRef>
-      <a:fillRef idx="1">
-        <a:scrgbClr r="0" g="0" b="0"/>
-      </a:fillRef>
-      <a:effectRef idx="0">
-        <a:scrgbClr r="0" g="0" b="0"/>
-      </a:effectRef>
-      <a:fontRef idx="minor">
-        <a:schemeClr val="lt1"/>
-      </a:fontRef>
-    </dgm:style>
-  </dgm:styleLbl>
-  <dgm:styleLbl name="node1">
-    <dgm:scene3d>
-      <a:camera prst="orthographicFront"/>
-      <a:lightRig rig="threePt" dir="t"/>
-    </dgm:scene3d>
-    <dgm:sp3d/>
-    <dgm:txPr/>
-    <dgm:style>
-      <a:lnRef idx="2">
-        <a:scrgbClr r="0" g="0" b="0"/>
-      </a:lnRef>
-      <a:fillRef idx="1">
-        <a:scrgbClr r="0" g="0" b="0"/>
-      </a:fillRef>
-      <a:effectRef idx="0">
-        <a:scrgbClr r="0" g="0" b="0"/>
-      </a:effectRef>
-      <a:fontRef idx="minor">
-        <a:schemeClr val="lt1"/>
-      </a:fontRef>
-    </dgm:style>
-  </dgm:styleLbl>
-  <dgm:styleLbl name="node2">
-    <dgm:scene3d>
-      <a:camera prst="orthographicFront"/>
-      <a:lightRig rig="threePt" dir="t"/>
-    </dgm:scene3d>
-    <dgm:sp3d/>
-    <dgm:txPr/>
-    <dgm:style>
-      <a:lnRef idx="2">
-        <a:scrgbClr r="0" g="0" b="0"/>
-      </a:lnRef>
-      <a:fillRef idx="1">
-        <a:scrgbClr r="0" g="0" b="0"/>
-      </a:fillRef>
-      <a:effectRef idx="0">
-        <a:scrgbClr r="0" g="0" b="0"/>
-      </a:effectRef>
-      <a:fontRef idx="minor">
-        <a:schemeClr val="lt1"/>
-      </a:fontRef>
-    </dgm:style>
-  </dgm:styleLbl>
-  <dgm:styleLbl name="node3">
-    <dgm:scene3d>
-      <a:camera prst="orthographicFront"/>
-      <a:lightRig rig="threePt" dir="t"/>
-    </dgm:scene3d>
-    <dgm:sp3d/>
-    <dgm:txPr/>
-    <dgm:style>
-      <a:lnRef idx="2">
-        <a:scrgbClr r="0" g="0" b="0"/>
-      </a:lnRef>
-      <a:fillRef idx="1">
-        <a:scrgbClr r="0" g="0" b="0"/>
-      </a:fillRef>
-      <a:effectRef idx="0">
-        <a:scrgbClr r="0" g="0" b="0"/>
-      </a:effectRef>
-      <a:fontRef idx="minor">
-        <a:schemeClr val="lt1"/>
-      </a:fontRef>
-    </dgm:style>
-  </dgm:styleLbl>
-  <dgm:styleLbl name="node4">
-    <dgm:scene3d>
-      <a:camera prst="orthographicFront"/>
-      <a:lightRig rig="threePt" dir="t"/>
-    </dgm:scene3d>
-    <dgm:sp3d/>
-    <dgm:txPr/>
-    <dgm:style>
-      <a:lnRef idx="2">
-        <a:scrgbClr r="0" g="0" b="0"/>
-      </a:lnRef>
-      <a:fillRef idx="1">
-        <a:scrgbClr r="0" g="0" b="0"/>
-      </a:fillRef>
-      <a:effectRef idx="0">
-        <a:scrgbClr r="0" g="0" b="0"/>
-      </a:effectRef>
-      <a:fontRef idx="minor">
-        <a:schemeClr val="lt1"/>
-      </a:fontRef>
-    </dgm:style>
-  </dgm:styleLbl>
-  <dgm:styleLbl name="fgImgPlace1">
-    <dgm:scene3d>
-      <a:camera prst="orthographicFront"/>
-      <a:lightRig rig="threePt" dir="t"/>
-    </dgm:scene3d>
-    <dgm:sp3d/>
-    <dgm:txPr/>
-    <dgm:style>
-      <a:lnRef idx="2">
-        <a:scrgbClr r="0" g="0" b="0"/>
-      </a:lnRef>
-      <a:fillRef idx="1">
-        <a:scrgbClr r="0" g="0" b="0"/>
-      </a:fillRef>
-      <a:effectRef idx="0">
-        <a:scrgbClr r="0" g="0" b="0"/>
-      </a:effectRef>
-      <a:fontRef idx="minor"/>
-    </dgm:style>
-  </dgm:styleLbl>
-  <dgm:styleLbl name="alignImgPlace1">
-    <dgm:scene3d>
-      <a:camera prst="orthographicFront"/>
-      <a:lightRig rig="threePt" dir="t"/>
-    </dgm:scene3d>
-    <dgm:sp3d/>
-    <dgm:txPr/>
-    <dgm:style>
-      <a:lnRef idx="2">
-        <a:scrgbClr r="0" g="0" b="0"/>
-      </a:lnRef>
-      <a:fillRef idx="1">
-        <a:scrgbClr r="0" g="0" b="0"/>
-      </a:fillRef>
-      <a:effectRef idx="0">
-        <a:scrgbClr r="0" g="0" b="0"/>
-      </a:effectRef>
-      <a:fontRef idx="minor"/>
-    </dgm:style>
-  </dgm:styleLbl>
-  <dgm:styleLbl name="bgImgPlace1">
-    <dgm:scene3d>
-      <a:camera prst="orthographicFront"/>
-      <a:lightRig rig="threePt" dir="t"/>
-    </dgm:scene3d>
-    <dgm:sp3d/>
-    <dgm:txPr/>
-    <dgm:style>
-      <a:lnRef idx="2">
-        <a:scrgbClr r="0" g="0" b="0"/>
-      </a:lnRef>
-      <a:fillRef idx="1">
-        <a:scrgbClr r="0" g="0" b="0"/>
-      </a:fillRef>
-      <a:effectRef idx="0">
-        <a:scrgbClr r="0" g="0" b="0"/>
-      </a:effectRef>
-      <a:fontRef idx="minor"/>
-    </dgm:style>
-  </dgm:styleLbl>
-  <dgm:styleLbl name="sibTrans2D1">
-    <dgm:scene3d>
-      <a:camera prst="orthographicFront"/>
-      <a:lightRig rig="threePt" dir="t"/>
-    </dgm:scene3d>
-    <dgm:sp3d/>
-    <dgm:txPr/>
-    <dgm:style>
-      <a:lnRef idx="0">
-        <a:scrgbClr r="0" g="0" b="0"/>
-      </a:lnRef>
-      <a:fillRef idx="1">
-        <a:scrgbClr r="0" g="0" b="0"/>
-      </a:fillRef>
-      <a:effectRef idx="0">
-        <a:scrgbClr r="0" g="0" b="0"/>
-      </a:effectRef>
-      <a:fontRef idx="minor">
-        <a:schemeClr val="lt1"/>
-      </a:fontRef>
-    </dgm:style>
-  </dgm:styleLbl>
-  <dgm:styleLbl name="fgSibTrans2D1">
-    <dgm:scene3d>
-      <a:camera prst="orthographicFront"/>
-      <a:lightRig rig="threePt" dir="t"/>
-    </dgm:scene3d>
-    <dgm:sp3d/>
-    <dgm:txPr/>
-    <dgm:style>
-      <a:lnRef idx="0">
-        <a:scrgbClr r="0" g="0" b="0"/>
-      </a:lnRef>
-      <a:fillRef idx="1">
-        <a:scrgbClr r="0" g="0" b="0"/>
-      </a:fillRef>
-      <a:effectRef idx="0">
-        <a:scrgbClr r="0" g="0" b="0"/>
-      </a:effectRef>
-      <a:fontRef idx="minor">
-        <a:schemeClr val="lt1"/>
-      </a:fontRef>
-    </dgm:style>
-  </dgm:styleLbl>
-  <dgm:styleLbl name="bgSibTrans2D1">
-    <dgm:scene3d>
-      <a:camera prst="orthographicFront"/>
-      <a:lightRig rig="threePt" dir="t"/>
-    </dgm:scene3d>
-    <dgm:sp3d/>
-    <dgm:txPr/>
-    <dgm:style>
-      <a:lnRef idx="0">
-        <a:scrgbClr r="0" g="0" b="0"/>
-      </a:lnRef>
-      <a:fillRef idx="1">
-        <a:scrgbClr r="0" g="0" b="0"/>
-      </a:fillRef>
-      <a:effectRef idx="0">
-        <a:scrgbClr r="0" g="0" b="0"/>
-      </a:effectRef>
-      <a:fontRef idx="minor">
-        <a:schemeClr val="lt1"/>
-      </a:fontRef>
-    </dgm:style>
-  </dgm:styleLbl>
-  <dgm:styleLbl name="sibTrans1D1">
-    <dgm:scene3d>
-      <a:camera prst="orthographicFront"/>
-      <a:lightRig rig="threePt" dir="t"/>
-    </dgm:scene3d>
-    <dgm:sp3d/>
-    <dgm:txPr/>
-    <dgm:style>
-      <a:lnRef idx="1">
-        <a:scrgbClr r="0" g="0" b="0"/>
-      </a:lnRef>
-      <a:fillRef idx="0">
-        <a:scrgbClr r="0" g="0" b="0"/>
-      </a:fillRef>
-      <a:effectRef idx="0">
-        <a:scrgbClr r="0" g="0" b="0"/>
-      </a:effectRef>
-      <a:fontRef idx="minor"/>
-    </dgm:style>
-  </dgm:styleLbl>
-  <dgm:styleLbl name="callout">
-    <dgm:scene3d>
-      <a:camera prst="orthographicFront"/>
-      <a:lightRig rig="threePt" dir="t"/>
-    </dgm:scene3d>
-    <dgm:sp3d/>
-    <dgm:txPr/>
-    <dgm:style>
-      <a:lnRef idx="2">
-        <a:scrgbClr r="0" g="0" b="0"/>
-      </a:lnRef>
-      <a:fillRef idx="1">
-        <a:scrgbClr r="0" g="0" b="0"/>
-      </a:fillRef>
-      <a:effectRef idx="0">
-        <a:scrgbClr r="0" g="0" b="0"/>
-      </a:effectRef>
-      <a:fontRef idx="minor"/>
-    </dgm:style>
-  </dgm:styleLbl>
-  <dgm:styleLbl name="asst0">
-    <dgm:scene3d>
-      <a:camera prst="orthographicFront"/>
-      <a:lightRig rig="threePt" dir="t"/>
-    </dgm:scene3d>
-    <dgm:sp3d/>
-    <dgm:txPr/>
-    <dgm:style>
-      <a:lnRef idx="2">
-        <a:scrgbClr r="0" g="0" b="0"/>
-      </a:lnRef>
-      <a:fillRef idx="1">
-        <a:scrgbClr r="0" g="0" b="0"/>
-      </a:fillRef>
-      <a:effectRef idx="0">
-        <a:scrgbClr r="0" g="0" b="0"/>
-      </a:effectRef>
-      <a:fontRef idx="minor">
-        <a:schemeClr val="lt1"/>
-      </a:fontRef>
-    </dgm:style>
-  </dgm:styleLbl>
-  <dgm:styleLbl name="asst1">
-    <dgm:scene3d>
-      <a:camera prst="orthographicFront"/>
-      <a:lightRig rig="threePt" dir="t"/>
-    </dgm:scene3d>
-    <dgm:sp3d/>
-    <dgm:txPr/>
-    <dgm:style>
-      <a:lnRef idx="2">
-        <a:scrgbClr r="0" g="0" b="0"/>
-      </a:lnRef>
-      <a:fillRef idx="1">
-        <a:scrgbClr r="0" g="0" b="0"/>
-      </a:fillRef>
-      <a:effectRef idx="0">
-        <a:scrgbClr r="0" g="0" b="0"/>
-      </a:effectRef>
-      <a:fontRef idx="minor">
-        <a:schemeClr val="lt1"/>
-      </a:fontRef>
-    </dgm:style>
-  </dgm:styleLbl>
-  <dgm:styleLbl name="asst2">
-    <dgm:scene3d>
-      <a:camera prst="orthographicFront"/>
-      <a:lightRig rig="threePt" dir="t"/>
-    </dgm:scene3d>
-    <dgm:sp3d/>
-    <dgm:txPr/>
-    <dgm:style>
-      <a:lnRef idx="2">
-        <a:scrgbClr r="0" g="0" b="0"/>
-      </a:lnRef>
-      <a:fillRef idx="1">
-        <a:scrgbClr r="0" g="0" b="0"/>
-      </a:fillRef>
-      <a:effectRef idx="0">
-        <a:scrgbClr r="0" g="0" b="0"/>
-      </a:effectRef>
-      <a:fontRef idx="minor">
-        <a:schemeClr val="lt1"/>
-      </a:fontRef>
-    </dgm:style>
-  </dgm:styleLbl>
-  <dgm:styleLbl name="asst3">
-    <dgm:scene3d>
-      <a:camera prst="orthographicFront"/>
-      <a:lightRig rig="threePt" dir="t"/>
-    </dgm:scene3d>
-    <dgm:sp3d/>
-    <dgm:txPr/>
-    <dgm:style>
-      <a:lnRef idx="2">
-        <a:scrgbClr r="0" g="0" b="0"/>
-      </a:lnRef>
-      <a:fillRef idx="1">
-        <a:scrgbClr r="0" g="0" b="0"/>
-      </a:fillRef>
-      <a:effectRef idx="0">
-        <a:scrgbClr r="0" g="0" b="0"/>
-      </a:effectRef>
-      <a:fontRef idx="minor">
-        <a:schemeClr val="lt1"/>
-      </a:fontRef>
-    </dgm:style>
-  </dgm:styleLbl>
-  <dgm:styleLbl name="asst4">
-    <dgm:scene3d>
-      <a:camera prst="orthographicFront"/>
-      <a:lightRig rig="threePt" dir="t"/>
-    </dgm:scene3d>
-    <dgm:sp3d/>
-    <dgm:txPr/>
-    <dgm:style>
-      <a:lnRef idx="2">
-        <a:scrgbClr r="0" g="0" b="0"/>
-      </a:lnRef>
-      <a:fillRef idx="1">
-        <a:scrgbClr r="0" g="0" b="0"/>
-      </a:fillRef>
-      <a:effectRef idx="0">
-        <a:scrgbClr r="0" g="0" b="0"/>
-      </a:effectRef>
-      <a:fontRef idx="minor">
-        <a:schemeClr val="lt1"/>
-      </a:fontRef>
-    </dgm:style>
-  </dgm:styleLbl>
-  <dgm:styleLbl name="parChTrans2D1">
-    <dgm:scene3d>
-      <a:camera prst="orthographicFront"/>
-      <a:lightRig rig="threePt" dir="t"/>
-    </dgm:scene3d>
-    <dgm:sp3d/>
-    <dgm:txPr/>
-    <dgm:style>
-      <a:lnRef idx="2">
-        <a:scrgbClr r="0" g="0" b="0"/>
-      </a:lnRef>
-      <a:fillRef idx="1">
-        <a:scrgbClr r="0" g="0" b="0"/>
-      </a:fillRef>
-      <a:effectRef idx="0">
-        <a:scrgbClr r="0" g="0" b="0"/>
-      </a:effectRef>
-      <a:fontRef idx="minor">
-        <a:schemeClr val="lt1"/>
-      </a:fontRef>
-    </dgm:style>
-  </dgm:styleLbl>
-  <dgm:styleLbl name="parChTrans2D2">
-    <dgm:scene3d>
-      <a:camera prst="orthographicFront"/>
-      <a:lightRig rig="threePt" dir="t"/>
-    </dgm:scene3d>
-    <dgm:sp3d/>
-    <dgm:txPr/>
-    <dgm:style>
-      <a:lnRef idx="2">
-        <a:scrgbClr r="0" g="0" b="0"/>
-      </a:lnRef>
-      <a:fillRef idx="1">
-        <a:scrgbClr r="0" g="0" b="0"/>
-      </a:fillRef>
-      <a:effectRef idx="0">
-        <a:scrgbClr r="0" g="0" b="0"/>
-      </a:effectRef>
-      <a:fontRef idx="minor">
-        <a:schemeClr val="lt1"/>
-      </a:fontRef>
-    </dgm:style>
-  </dgm:styleLbl>
-  <dgm:styleLbl name="parChTrans2D3">
-    <dgm:scene3d>
-      <a:camera prst="orthographicFront"/>
-      <a:lightRig rig="threePt" dir="t"/>
-    </dgm:scene3d>
-    <dgm:sp3d/>
-    <dgm:txPr/>
-    <dgm:style>
-      <a:lnRef idx="2">
-        <a:scrgbClr r="0" g="0" b="0"/>
-      </a:lnRef>
-      <a:fillRef idx="1">
-        <a:scrgbClr r="0" g="0" b="0"/>
-      </a:fillRef>
-      <a:effectRef idx="0">
-        <a:scrgbClr r="0" g="0" b="0"/>
-      </a:effectRef>
-      <a:fontRef idx="minor">
-        <a:schemeClr val="lt1"/>
-      </a:fontRef>
-    </dgm:style>
-  </dgm:styleLbl>
-  <dgm:styleLbl name="parChTrans2D4">
-    <dgm:scene3d>
-      <a:camera prst="orthographicFront"/>
-      <a:lightRig rig="threePt" dir="t"/>
-    </dgm:scene3d>
-    <dgm:sp3d/>
-    <dgm:txPr/>
-    <dgm:style>
-      <a:lnRef idx="2">
-        <a:scrgbClr r="0" g="0" b="0"/>
-      </a:lnRef>
-      <a:fillRef idx="1">
-        <a:scrgbClr r="0" g="0" b="0"/>
-      </a:fillRef>
-      <a:effectRef idx="0">
-        <a:scrgbClr r="0" g="0" b="0"/>
-      </a:effectRef>
-      <a:fontRef idx="minor">
-        <a:schemeClr val="lt1"/>
-      </a:fontRef>
-    </dgm:style>
-  </dgm:styleLbl>
-  <dgm:styleLbl name="parChTrans1D1">
-    <dgm:scene3d>
-      <a:camera prst="orthographicFront"/>
-      <a:lightRig rig="threePt" dir="t"/>
-    </dgm:scene3d>
-    <dgm:sp3d/>
-    <dgm:txPr/>
-    <dgm:style>
-      <a:lnRef idx="2">
-        <a:scrgbClr r="0" g="0" b="0"/>
-      </a:lnRef>
-      <a:fillRef idx="0">
-        <a:scrgbClr r="0" g="0" b="0"/>
-      </a:fillRef>
-      <a:effectRef idx="0">
-        <a:scrgbClr r="0" g="0" b="0"/>
-      </a:effectRef>
-      <a:fontRef idx="minor"/>
-    </dgm:style>
-  </dgm:styleLbl>
-  <dgm:styleLbl name="parChTrans1D2">
-    <dgm:scene3d>
-      <a:camera prst="orthographicFront"/>
-      <a:lightRig rig="threePt" dir="t"/>
-    </dgm:scene3d>
-    <dgm:sp3d/>
-    <dgm:txPr/>
-    <dgm:style>
-      <a:lnRef idx="2">
-        <a:scrgbClr r="0" g="0" b="0"/>
-      </a:lnRef>
-      <a:fillRef idx="0">
-        <a:scrgbClr r="0" g="0" b="0"/>
-      </a:fillRef>
-      <a:effectRef idx="0">
-        <a:scrgbClr r="0" g="0" b="0"/>
-      </a:effectRef>
-      <a:fontRef idx="minor"/>
-    </dgm:style>
-  </dgm:styleLbl>
-  <dgm:styleLbl name="parChTrans1D3">
-    <dgm:scene3d>
-      <a:camera prst="orthographicFront"/>
-      <a:lightRig rig="threePt" dir="t"/>
-    </dgm:scene3d>
-    <dgm:sp3d/>
-    <dgm:txPr/>
-    <dgm:style>
-      <a:lnRef idx="2">
-        <a:scrgbClr r="0" g="0" b="0"/>
-      </a:lnRef>
-      <a:fillRef idx="0">
-        <a:scrgbClr r="0" g="0" b="0"/>
-      </a:fillRef>
-      <a:effectRef idx="0">
-        <a:scrgbClr r="0" g="0" b="0"/>
-      </a:effectRef>
-      <a:fontRef idx="minor"/>
-    </dgm:style>
-  </dgm:styleLbl>
-  <dgm:styleLbl name="parChTrans1D4">
-    <dgm:scene3d>
-      <a:camera prst="orthographicFront"/>
-      <a:lightRig rig="threePt" dir="t"/>
-    </dgm:scene3d>
-    <dgm:sp3d/>
-    <dgm:txPr/>
-    <dgm:style>
-      <a:lnRef idx="2">
-        <a:scrgbClr r="0" g="0" b="0"/>
-      </a:lnRef>
-      <a:fillRef idx="0">
-        <a:scrgbClr r="0" g="0" b="0"/>
-      </a:fillRef>
-      <a:effectRef idx="0">
-        <a:scrgbClr r="0" g="0" b="0"/>
-      </a:effectRef>
-      <a:fontRef idx="minor"/>
-    </dgm:style>
-  </dgm:styleLbl>
-  <dgm:styleLbl name="fgAcc1">
-    <dgm:scene3d>
-      <a:camera prst="orthographicFront"/>
-      <a:lightRig rig="threePt" dir="t"/>
-    </dgm:scene3d>
-    <dgm:sp3d/>
-    <dgm:txPr/>
-    <dgm:style>
-      <a:lnRef idx="2">
-        <a:scrgbClr r="0" g="0" b="0"/>
-      </a:lnRef>
-      <a:fillRef idx="1">
-        <a:scrgbClr r="0" g="0" b="0"/>
-      </a:fillRef>
-      <a:effectRef idx="0">
-        <a:scrgbClr r="0" g="0" b="0"/>
-      </a:effectRef>
-      <a:fontRef idx="minor"/>
-    </dgm:style>
-  </dgm:styleLbl>
-  <dgm:styleLbl name="conFgAcc1">
-    <dgm:scene3d>
-      <a:camera prst="orthographicFront"/>
-      <a:lightRig rig="threePt" dir="t"/>
-    </dgm:scene3d>
-    <dgm:sp3d/>
-    <dgm:txPr/>
-    <dgm:style>
-      <a:lnRef idx="2">
-        <a:scrgbClr r="0" g="0" b="0"/>
-      </a:lnRef>
-      <a:fillRef idx="1">
-        <a:scrgbClr r="0" g="0" b="0"/>
-      </a:fillRef>
-      <a:effectRef idx="0">
-        <a:scrgbClr r="0" g="0" b="0"/>
-      </a:effectRef>
-      <a:fontRef idx="minor"/>
-    </dgm:style>
-  </dgm:styleLbl>
-  <dgm:styleLbl name="alignAcc1">
-    <dgm:scene3d>
-      <a:camera prst="orthographicFront"/>
-      <a:lightRig rig="threePt" dir="t"/>
-    </dgm:scene3d>
-    <dgm:sp3d/>
-    <dgm:txPr/>
-    <dgm:style>
-      <a:lnRef idx="2">
-        <a:scrgbClr r="0" g="0" b="0"/>
-      </a:lnRef>
-      <a:fillRef idx="1">
-        <a:scrgbClr r="0" g="0" b="0"/>
-      </a:fillRef>
-      <a:effectRef idx="0">
-        <a:scrgbClr r="0" g="0" b="0"/>
-      </a:effectRef>
-      <a:fontRef idx="minor"/>
-    </dgm:style>
-  </dgm:styleLbl>
-  <dgm:styleLbl name="trAlignAcc1">
-    <dgm:scene3d>
-      <a:camera prst="orthographicFront"/>
-      <a:lightRig rig="threePt" dir="t"/>
-    </dgm:scene3d>
-    <dgm:sp3d/>
-    <dgm:txPr/>
-    <dgm:style>
-      <a:lnRef idx="1">
-        <a:scrgbClr r="0" g="0" b="0"/>
-      </a:lnRef>
-      <a:fillRef idx="1">
-        <a:scrgbClr r="0" g="0" b="0"/>
-      </a:fillRef>
-      <a:effectRef idx="0">
-        <a:scrgbClr r="0" g="0" b="0"/>
-      </a:effectRef>
-      <a:fontRef idx="minor"/>
-    </dgm:style>
-  </dgm:styleLbl>
-  <dgm:styleLbl name="bgAcc1">
-    <dgm:scene3d>
-      <a:camera prst="orthographicFront"/>
-      <a:lightRig rig="threePt" dir="t"/>
-    </dgm:scene3d>
-    <dgm:sp3d/>
-    <dgm:txPr/>
-    <dgm:style>
-      <a:lnRef idx="2">
-        <a:scrgbClr r="0" g="0" b="0"/>
-      </a:lnRef>
-      <a:fillRef idx="1">
-        <a:scrgbClr r="0" g="0" b="0"/>
-      </a:fillRef>
-      <a:effectRef idx="0">
-        <a:scrgbClr r="0" g="0" b="0"/>
-      </a:effectRef>
-      <a:fontRef idx="minor"/>
-    </dgm:style>
-  </dgm:styleLbl>
-  <dgm:styleLbl name="solidFgAcc1">
-    <dgm:scene3d>
-      <a:camera prst="orthographicFront"/>
-      <a:lightRig rig="threePt" dir="t"/>
-    </dgm:scene3d>
-    <dgm:sp3d/>
-    <dgm:txPr/>
-    <dgm:style>
-      <a:lnRef idx="2">
-        <a:scrgbClr r="0" g="0" b="0"/>
-      </a:lnRef>
-      <a:fillRef idx="1">
-        <a:scrgbClr r="0" g="0" b="0"/>
-      </a:fillRef>
-      <a:effectRef idx="0">
-        <a:scrgbClr r="0" g="0" b="0"/>
-      </a:effectRef>
-      <a:fontRef idx="minor"/>
-    </dgm:style>
-  </dgm:styleLbl>
-  <dgm:styleLbl name="solidAlignAcc1">
-    <dgm:scene3d>
-      <a:camera prst="orthographicFront"/>
-      <a:lightRig rig="threePt" dir="t"/>
-    </dgm:scene3d>
-    <dgm:sp3d/>
-    <dgm:txPr/>
-    <dgm:style>
-      <a:lnRef idx="2">
-        <a:scrgbClr r="0" g="0" b="0"/>
-      </a:lnRef>
-      <a:fillRef idx="1">
-        <a:scrgbClr r="0" g="0" b="0"/>
-      </a:fillRef>
-      <a:effectRef idx="0">
-        <a:scrgbClr r="0" g="0" b="0"/>
-      </a:effectRef>
-      <a:fontRef idx="minor"/>
-    </dgm:style>
-  </dgm:styleLbl>
-  <dgm:styleLbl name="solidBgAcc1">
-    <dgm:scene3d>
-      <a:camera prst="orthographicFront"/>
-      <a:lightRig rig="threePt" dir="t"/>
-    </dgm:scene3d>
-    <dgm:sp3d/>
-    <dgm:txPr/>
-    <dgm:style>
-      <a:lnRef idx="2">
-        <a:scrgbClr r="0" g="0" b="0"/>
-      </a:lnRef>
-      <a:fillRef idx="1">
-        <a:scrgbClr r="0" g="0" b="0"/>
-      </a:fillRef>
-      <a:effectRef idx="0">
-        <a:scrgbClr r="0" g="0" b="0"/>
-      </a:effectRef>
-      <a:fontRef idx="minor"/>
-    </dgm:style>
-  </dgm:styleLbl>
-  <dgm:styleLbl name="fgAccFollowNode1">
-    <dgm:scene3d>
-      <a:camera prst="orthographicFront"/>
-      <a:lightRig rig="threePt" dir="t"/>
-    </dgm:scene3d>
-    <dgm:sp3d/>
-    <dgm:txPr/>
-    <dgm:style>
-      <a:lnRef idx="2">
-        <a:scrgbClr r="0" g="0" b="0"/>
-      </a:lnRef>
-      <a:fillRef idx="1">
-        <a:scrgbClr r="0" g="0" b="0"/>
-      </a:fillRef>
-      <a:effectRef idx="0">
-        <a:scrgbClr r="0" g="0" b="0"/>
-      </a:effectRef>
-      <a:fontRef idx="minor"/>
-    </dgm:style>
-  </dgm:styleLbl>
-  <dgm:styleLbl name="alignAccFollowNode1">
-    <dgm:scene3d>
-      <a:camera prst="orthographicFront"/>
-      <a:lightRig rig="threePt" dir="t"/>
-    </dgm:scene3d>
-    <dgm:sp3d/>
-    <dgm:txPr/>
-    <dgm:style>
-      <a:lnRef idx="2">
-        <a:scrgbClr r="0" g="0" b="0"/>
-      </a:lnRef>
-      <a:fillRef idx="1">
-        <a:scrgbClr r="0" g="0" b="0"/>
-      </a:fillRef>
-      <a:effectRef idx="0">
-        <a:scrgbClr r="0" g="0" b="0"/>
-      </a:effectRef>
-      <a:fontRef idx="minor"/>
-    </dgm:style>
-  </dgm:styleLbl>
-  <dgm:styleLbl name="bgAccFollowNode1">
-    <dgm:scene3d>
-      <a:camera prst="orthographicFront"/>
-      <a:lightRig rig="threePt" dir="t"/>
-    </dgm:scene3d>
-    <dgm:sp3d/>
-    <dgm:txPr/>
-    <dgm:style>
-      <a:lnRef idx="2">
-        <a:scrgbClr r="0" g="0" b="0"/>
-      </a:lnRef>
-      <a:fillRef idx="1">
-        <a:scrgbClr r="0" g="0" b="0"/>
-      </a:fillRef>
-      <a:effectRef idx="0">
-        <a:scrgbClr r="0" g="0" b="0"/>
-      </a:effectRef>
-      <a:fontRef idx="minor"/>
-    </dgm:style>
-  </dgm:styleLbl>
-  <dgm:styleLbl name="fgAcc0">
-    <dgm:scene3d>
-      <a:camera prst="orthographicFront"/>
-      <a:lightRig rig="threePt" dir="t"/>
-    </dgm:scene3d>
-    <dgm:sp3d/>
-    <dgm:txPr/>
-    <dgm:style>
-      <a:lnRef idx="2">
-        <a:scrgbClr r="0" g="0" b="0"/>
-      </a:lnRef>
-      <a:fillRef idx="1">
-        <a:scrgbClr r="0" g="0" b="0"/>
-      </a:fillRef>
-      <a:effectRef idx="0">
-        <a:scrgbClr r="0" g="0" b="0"/>
-      </a:effectRef>
-      <a:fontRef idx="minor"/>
-    </dgm:style>
-  </dgm:styleLbl>
-  <dgm:styleLbl name="fgAcc2">
-    <dgm:scene3d>
-      <a:camera prst="orthographicFront"/>
-      <a:lightRig rig="threePt" dir="t"/>
-    </dgm:scene3d>
-    <dgm:sp3d/>
-    <dgm:txPr/>
-    <dgm:style>
-      <a:lnRef idx="2">
-        <a:scrgbClr r="0" g="0" b="0"/>
-      </a:lnRef>
-      <a:fillRef idx="1">
-        <a:scrgbClr r="0" g="0" b="0"/>
-      </a:fillRef>
-      <a:effectRef idx="0">
-        <a:scrgbClr r="0" g="0" b="0"/>
-      </a:effectRef>
-      <a:fontRef idx="minor"/>
-    </dgm:style>
-  </dgm:styleLbl>
-  <dgm:styleLbl name="fgAcc3">
-    <dgm:scene3d>
-      <a:camera prst="orthographicFront"/>
-      <a:lightRig rig="threePt" dir="t"/>
-    </dgm:scene3d>
-    <dgm:sp3d/>
-    <dgm:txPr/>
-    <dgm:style>
-      <a:lnRef idx="2">
-        <a:scrgbClr r="0" g="0" b="0"/>
-      </a:lnRef>
-      <a:fillRef idx="1">
-        <a:scrgbClr r="0" g="0" b="0"/>
-      </a:fillRef>
-      <a:effectRef idx="0">
-        <a:scrgbClr r="0" g="0" b="0"/>
-      </a:effectRef>
-      <a:fontRef idx="minor"/>
-    </dgm:style>
-  </dgm:styleLbl>
-  <dgm:styleLbl name="fgAcc4">
-    <dgm:scene3d>
-      <a:camera prst="orthographicFront"/>
-      <a:lightRig rig="threePt" dir="t"/>
-    </dgm:scene3d>
-    <dgm:sp3d/>
-    <dgm:txPr/>
-    <dgm:style>
-      <a:lnRef idx="2">
-        <a:scrgbClr r="0" g="0" b="0"/>
-      </a:lnRef>
-      <a:fillRef idx="1">
-        <a:scrgbClr r="0" g="0" b="0"/>
-      </a:fillRef>
-      <a:effectRef idx="0">
-        <a:scrgbClr r="0" g="0" b="0"/>
-      </a:effectRef>
-      <a:fontRef idx="minor"/>
-    </dgm:style>
-  </dgm:styleLbl>
-  <dgm:styleLbl name="bgShp">
-    <dgm:scene3d>
-      <a:camera prst="orthographicFront"/>
-      <a:lightRig rig="threePt" dir="t"/>
-    </dgm:scene3d>
-    <dgm:sp3d/>
-    <dgm:txPr/>
-    <dgm:style>
-      <a:lnRef idx="0">
-        <a:scrgbClr r="0" g="0" b="0"/>
-      </a:lnRef>
-      <a:fillRef idx="1">
-        <a:scrgbClr r="0" g="0" b="0"/>
-      </a:fillRef>
-      <a:effectRef idx="0">
-        <a:scrgbClr r="0" g="0" b="0"/>
-      </a:effectRef>
-      <a:fontRef idx="minor"/>
-    </dgm:style>
-  </dgm:styleLbl>
-  <dgm:styleLbl name="dkBgShp">
-    <dgm:scene3d>
-      <a:camera prst="orthographicFront"/>
-      <a:lightRig rig="threePt" dir="t"/>
-    </dgm:scene3d>
-    <dgm:sp3d/>
-    <dgm:txPr/>
-    <dgm:style>
-      <a:lnRef idx="0">
-        <a:scrgbClr r="0" g="0" b="0"/>
-      </a:lnRef>
-      <a:fillRef idx="1">
-        <a:scrgbClr r="0" g="0" b="0"/>
-      </a:fillRef>
-      <a:effectRef idx="0">
-        <a:scrgbClr r="0" g="0" b="0"/>
-      </a:effectRef>
-      <a:fontRef idx="minor"/>
-    </dgm:style>
-  </dgm:styleLbl>
-  <dgm:styleLbl name="trBgShp">
-    <dgm:scene3d>
-      <a:camera prst="orthographicFront"/>
-      <a:lightRig rig="threePt" dir="t"/>
-    </dgm:scene3d>
-    <dgm:sp3d/>
-    <dgm:txPr/>
-    <dgm:style>
-      <a:lnRef idx="0">
-        <a:scrgbClr r="0" g="0" b="0"/>
-      </a:lnRef>
-      <a:fillRef idx="1">
-        <a:scrgbClr r="0" g="0" b="0"/>
-      </a:fillRef>
-      <a:effectRef idx="0">
-        <a:scrgbClr r="0" g="0" b="0"/>
-      </a:effectRef>
-      <a:fontRef idx="minor"/>
-    </dgm:style>
-  </dgm:styleLbl>
-  <dgm:styleLbl name="fgShp">
-    <dgm:scene3d>
-      <a:camera prst="orthographicFront"/>
-      <a:lightRig rig="threePt" dir="t"/>
-    </dgm:scene3d>
-    <dgm:sp3d/>
-    <dgm:txPr/>
-    <dgm:style>
-      <a:lnRef idx="2">
-        <a:scrgbClr r="0" g="0" b="0"/>
-      </a:lnRef>
-      <a:fillRef idx="1">
-        <a:scrgbClr r="0" g="0" b="0"/>
-      </a:fillRef>
-      <a:effectRef idx="0">
-        <a:scrgbClr r="0" g="0" b="0"/>
-      </a:effectRef>
-      <a:fontRef idx="minor"/>
-    </dgm:style>
-  </dgm:styleLbl>
-  <dgm:styleLbl name="revTx">
-    <dgm:scene3d>
-      <a:camera prst="orthographicFront"/>
-      <a:lightRig rig="threePt" dir="t"/>
-    </dgm:scene3d>
-    <dgm:sp3d/>
-    <dgm:txPr/>
-    <dgm:style>
-      <a:lnRef idx="0">
-        <a:scrgbClr r="0" g="0" b="0"/>
-      </a:lnRef>
-      <a:fillRef idx="0">
-        <a:scrgbClr r="0" g="0" b="0"/>
-      </a:fillRef>
-      <a:effectRef idx="0">
-        <a:scrgbClr r="0" g="0" b="0"/>
-      </a:effectRef>
-      <a:fontRef idx="minor"/>
-    </dgm:style>
-  </dgm:styleLbl>
-</dgm:styleDef>
-</file>
-
 <file path=ppt/handoutMasters/handoutMaster1.xml><?xml version="1.0" encoding="utf-8"?>
 <p:handoutMaster xmlns:a="http://schemas.openxmlformats.org/drawingml/2006/main" xmlns:r="http://schemas.openxmlformats.org/officeDocument/2006/relationships" xmlns:p="http://schemas.openxmlformats.org/presentationml/2006/main">
   <p:cSld>
@@ -3205,7 +252,7 @@
           <a:p>
             <a:fld id="{C375809C-1078-40E5-8D78-A06230988E2D}" type="datetimeFigureOut">
               <a:rPr lang="en-US" smtClean="0"/>
-              <a:t>3/12/23</a:t>
+              <a:t>3/14/23</a:t>
             </a:fld>
             <a:endParaRPr lang="en-US"/>
           </a:p>
@@ -3383,7 +430,7 @@
             <a:fld id="{2B843C7C-BC90-49F1-B4F6-A48532280559}" type="datetimeFigureOut">
               <a:rPr lang="de-DE" smtClean="0"/>
               <a:pPr/>
-              <a:t>12.03.23</a:t>
+              <a:t>14.03.23</a:t>
             </a:fld>
             <a:endParaRPr lang="de-DE"/>
           </a:p>
@@ -4556,10 +1603,10 @@
       </p:grpSpPr>
       <p:sp>
         <p:nvSpPr>
-          <p:cNvPr id="13" name="Rectangle: Rounded Corners 12">
-            <a:extLst>
-              <a:ext uri="{FF2B5EF4-FFF2-40B4-BE49-F238E27FC236}">
-                <a16:creationId xmlns:a16="http://schemas.microsoft.com/office/drawing/2014/main" id="{529C2E7E-D99B-44EE-B4BF-F6CC182D7B56}"/>
+          <p:cNvPr id="5" name="Rounded Rectangle 4">
+            <a:extLst>
+              <a:ext uri="{FF2B5EF4-FFF2-40B4-BE49-F238E27FC236}">
+                <a16:creationId xmlns:a16="http://schemas.microsoft.com/office/drawing/2014/main" id="{6C5A5726-E2AB-A72A-ECAD-70F42B3A4177}"/>
               </a:ext>
             </a:extLst>
           </p:cNvPr>
@@ -4567,19 +1614,26 @@
           <p:nvPr/>
         </p:nvSpPr>
         <p:spPr>
-          <a:xfrm>
-            <a:off x="5548086" y="1630416"/>
-            <a:ext cx="2348115" cy="1177671"/>
+          <a:xfrm rot="10800000">
+            <a:off x="2855641" y="631023"/>
+            <a:ext cx="3513180" cy="5606288"/>
           </a:xfrm>
           <a:prstGeom prst="roundRect">
-            <a:avLst/>
+            <a:avLst>
+              <a:gd name="adj" fmla="val 6867"/>
+            </a:avLst>
           </a:prstGeom>
           <a:solidFill>
-            <a:schemeClr val="accent6">
-              <a:lumMod val="40000"/>
-              <a:lumOff val="60000"/>
+            <a:schemeClr val="bg1">
+              <a:lumMod val="85000"/>
             </a:schemeClr>
           </a:solidFill>
+          <a:ln w="28575">
+            <a:solidFill>
+              <a:schemeClr val="tx1"/>
+            </a:solidFill>
+            <a:prstDash val="solid"/>
+          </a:ln>
         </p:spPr>
         <p:style>
           <a:lnRef idx="2">
@@ -4602,16 +1656,56 @@
           <a:lstStyle/>
           <a:p>
             <a:pPr algn="ctr"/>
-            <a:endParaRPr lang="en-CA"/>
-          </a:p>
-        </p:txBody>
-      </p:sp>
-      <p:sp>
-        <p:nvSpPr>
-          <p:cNvPr id="41" name="Rounded Rectangle 71">
-            <a:extLst>
-              <a:ext uri="{FF2B5EF4-FFF2-40B4-BE49-F238E27FC236}">
-                <a16:creationId xmlns:a16="http://schemas.microsoft.com/office/drawing/2014/main" id="{1A82CDE5-24FC-40CD-8BD7-4A2B99E24F12}"/>
+            <a:endParaRPr lang="en-US"/>
+          </a:p>
+        </p:txBody>
+      </p:sp>
+      <p:sp>
+        <p:nvSpPr>
+          <p:cNvPr id="6" name="TextBox 5">
+            <a:extLst>
+              <a:ext uri="{FF2B5EF4-FFF2-40B4-BE49-F238E27FC236}">
+                <a16:creationId xmlns:a16="http://schemas.microsoft.com/office/drawing/2014/main" id="{797CB7DB-245D-F7E7-5BFA-C5A2FCC5B5D9}"/>
+              </a:ext>
+            </a:extLst>
+          </p:cNvPr>
+          <p:cNvSpPr txBox="1"/>
+          <p:nvPr/>
+        </p:nvSpPr>
+        <p:spPr>
+          <a:xfrm>
+            <a:off x="4707086" y="692696"/>
+            <a:ext cx="1567954" cy="338554"/>
+          </a:xfrm>
+          <a:prstGeom prst="rect">
+            <a:avLst/>
+          </a:prstGeom>
+          <a:noFill/>
+        </p:spPr>
+        <p:txBody>
+          <a:bodyPr wrap="square" rtlCol="0">
+            <a:spAutoFit/>
+          </a:bodyPr>
+          <a:lstStyle/>
+          <a:p>
+            <a:pPr algn="ctr"/>
+            <a:r>
+              <a:rPr lang="en-US" sz="1600" b="1" dirty="0">
+                <a:solidFill>
+                  <a:schemeClr val="bg1"/>
+                </a:solidFill>
+              </a:rPr>
+              <a:t>Building N </a:t>
+            </a:r>
+          </a:p>
+        </p:txBody>
+      </p:sp>
+      <p:sp>
+        <p:nvSpPr>
+          <p:cNvPr id="33" name="Rounded Rectangle 32">
+            <a:extLst>
+              <a:ext uri="{FF2B5EF4-FFF2-40B4-BE49-F238E27FC236}">
+                <a16:creationId xmlns:a16="http://schemas.microsoft.com/office/drawing/2014/main" id="{BF90E792-2863-07B2-63EF-82251253A890}"/>
               </a:ext>
             </a:extLst>
           </p:cNvPr>
@@ -4619,24 +1713,25 @@
           <p:nvPr/>
         </p:nvSpPr>
         <p:spPr>
-          <a:xfrm>
-            <a:off x="7235399" y="3924200"/>
-            <a:ext cx="1534016" cy="1451030"/>
+          <a:xfrm rot="10800000">
+            <a:off x="3222882" y="984705"/>
+            <a:ext cx="3513180" cy="5606288"/>
           </a:xfrm>
           <a:prstGeom prst="roundRect">
-            <a:avLst/>
+            <a:avLst>
+              <a:gd name="adj" fmla="val 6867"/>
+            </a:avLst>
           </a:prstGeom>
           <a:solidFill>
-            <a:schemeClr val="accent6">
-              <a:lumMod val="40000"/>
-              <a:lumOff val="60000"/>
+            <a:schemeClr val="bg1">
+              <a:lumMod val="85000"/>
             </a:schemeClr>
           </a:solidFill>
           <a:ln w="28575">
             <a:solidFill>
               <a:schemeClr val="tx1"/>
             </a:solidFill>
-            <a:prstDash val="sysDot"/>
+            <a:prstDash val="solid"/>
           </a:ln>
         </p:spPr>
         <p:style>
@@ -4664,1381 +1759,12 @@
           </a:p>
         </p:txBody>
       </p:sp>
-      <p:grpSp>
-        <p:nvGrpSpPr>
-          <p:cNvPr id="3" name="Group 2">
-            <a:extLst>
-              <a:ext uri="{FF2B5EF4-FFF2-40B4-BE49-F238E27FC236}">
-                <a16:creationId xmlns:a16="http://schemas.microsoft.com/office/drawing/2014/main" id="{9486A8FE-B4D7-6848-80F1-7FA0A436C77F}"/>
-              </a:ext>
-            </a:extLst>
-          </p:cNvPr>
-          <p:cNvGrpSpPr/>
-          <p:nvPr/>
-        </p:nvGrpSpPr>
-        <p:grpSpPr>
-          <a:xfrm>
-            <a:off x="1731290" y="2438337"/>
-            <a:ext cx="5850824" cy="4104456"/>
-            <a:chOff x="2454958" y="961564"/>
-            <a:chExt cx="5850824" cy="4104456"/>
-          </a:xfrm>
-        </p:grpSpPr>
-        <p:sp>
-          <p:nvSpPr>
-            <p:cNvPr id="46" name="Rounded Rectangle 45">
-              <a:extLst>
-                <a:ext uri="{FF2B5EF4-FFF2-40B4-BE49-F238E27FC236}">
-                  <a16:creationId xmlns:a16="http://schemas.microsoft.com/office/drawing/2014/main" id="{C9EED1EA-8327-3445-B343-F3C11E9B5A8D}"/>
-                </a:ext>
-              </a:extLst>
-            </p:cNvPr>
-            <p:cNvSpPr/>
-            <p:nvPr/>
-          </p:nvSpPr>
-          <p:spPr>
-            <a:xfrm>
-              <a:off x="3923928" y="1764320"/>
-              <a:ext cx="1977630" cy="973585"/>
-            </a:xfrm>
-            <a:prstGeom prst="roundRect">
-              <a:avLst/>
-            </a:prstGeom>
-            <a:solidFill>
-              <a:schemeClr val="accent5">
-                <a:lumMod val="40000"/>
-                <a:lumOff val="60000"/>
-              </a:schemeClr>
-            </a:solidFill>
-            <a:ln w="28575">
-              <a:solidFill>
-                <a:schemeClr val="tx1"/>
-              </a:solidFill>
-              <a:prstDash val="sysDot"/>
-            </a:ln>
-          </p:spPr>
-          <p:style>
-            <a:lnRef idx="2">
-              <a:schemeClr val="accent1">
-                <a:shade val="50000"/>
-              </a:schemeClr>
-            </a:lnRef>
-            <a:fillRef idx="1">
-              <a:schemeClr val="accent1"/>
-            </a:fillRef>
-            <a:effectRef idx="0">
-              <a:schemeClr val="accent1"/>
-            </a:effectRef>
-            <a:fontRef idx="minor">
-              <a:schemeClr val="lt1"/>
-            </a:fontRef>
-          </p:style>
-          <p:txBody>
-            <a:bodyPr rtlCol="0" anchor="ctr"/>
-            <a:lstStyle/>
-            <a:p>
-              <a:pPr algn="ctr"/>
-              <a:endParaRPr lang="en-US"/>
-            </a:p>
-          </p:txBody>
-        </p:sp>
-        <p:sp>
-          <p:nvSpPr>
-            <p:cNvPr id="65" name="Rounded Rectangle 64">
-              <a:extLst>
-                <a:ext uri="{FF2B5EF4-FFF2-40B4-BE49-F238E27FC236}">
-                  <a16:creationId xmlns:a16="http://schemas.microsoft.com/office/drawing/2014/main" id="{C4243F02-FCEB-F244-AA07-BA49983506E2}"/>
-                </a:ext>
-              </a:extLst>
-            </p:cNvPr>
-            <p:cNvSpPr/>
-            <p:nvPr/>
-          </p:nvSpPr>
-          <p:spPr>
-            <a:xfrm rot="5400000">
-              <a:off x="3796661" y="1829642"/>
-              <a:ext cx="1003538" cy="3206258"/>
-            </a:xfrm>
-            <a:prstGeom prst="roundRect">
-              <a:avLst/>
-            </a:prstGeom>
-            <a:solidFill>
-              <a:schemeClr val="accent5">
-                <a:lumMod val="40000"/>
-                <a:lumOff val="60000"/>
-              </a:schemeClr>
-            </a:solidFill>
-            <a:ln w="28575">
-              <a:solidFill>
-                <a:srgbClr val="002060"/>
-              </a:solidFill>
-              <a:prstDash val="sysDot"/>
-            </a:ln>
-          </p:spPr>
-          <p:style>
-            <a:lnRef idx="2">
-              <a:schemeClr val="accent1">
-                <a:shade val="50000"/>
-              </a:schemeClr>
-            </a:lnRef>
-            <a:fillRef idx="1">
-              <a:schemeClr val="accent1"/>
-            </a:fillRef>
-            <a:effectRef idx="0">
-              <a:schemeClr val="accent1"/>
-            </a:effectRef>
-            <a:fontRef idx="minor">
-              <a:schemeClr val="lt1"/>
-            </a:fontRef>
-          </p:style>
-          <p:txBody>
-            <a:bodyPr rtlCol="0" anchor="ctr"/>
-            <a:lstStyle/>
-            <a:p>
-              <a:pPr algn="ctr"/>
-              <a:endParaRPr lang="en-US"/>
-            </a:p>
-          </p:txBody>
-        </p:sp>
-        <p:sp>
-          <p:nvSpPr>
-            <p:cNvPr id="48" name="Rounded Rectangle 47">
-              <a:extLst>
-                <a:ext uri="{FF2B5EF4-FFF2-40B4-BE49-F238E27FC236}">
-                  <a16:creationId xmlns:a16="http://schemas.microsoft.com/office/drawing/2014/main" id="{87FFD480-31EC-1142-91A8-CD99B8F29361}"/>
-                </a:ext>
-              </a:extLst>
-            </p:cNvPr>
-            <p:cNvSpPr/>
-            <p:nvPr/>
-          </p:nvSpPr>
-          <p:spPr>
-            <a:xfrm>
-              <a:off x="2695299" y="4092435"/>
-              <a:ext cx="3206259" cy="973585"/>
-            </a:xfrm>
-            <a:prstGeom prst="roundRect">
-              <a:avLst/>
-            </a:prstGeom>
-            <a:solidFill>
-              <a:schemeClr val="accent5">
-                <a:lumMod val="40000"/>
-                <a:lumOff val="60000"/>
-              </a:schemeClr>
-            </a:solidFill>
-            <a:ln w="28575">
-              <a:solidFill>
-                <a:schemeClr val="tx1"/>
-              </a:solidFill>
-              <a:prstDash val="sysDot"/>
-            </a:ln>
-          </p:spPr>
-          <p:style>
-            <a:lnRef idx="2">
-              <a:schemeClr val="accent1">
-                <a:shade val="50000"/>
-              </a:schemeClr>
-            </a:lnRef>
-            <a:fillRef idx="1">
-              <a:schemeClr val="accent1"/>
-            </a:fillRef>
-            <a:effectRef idx="0">
-              <a:schemeClr val="accent1"/>
-            </a:effectRef>
-            <a:fontRef idx="minor">
-              <a:schemeClr val="lt1"/>
-            </a:fontRef>
-          </p:style>
-          <p:txBody>
-            <a:bodyPr rtlCol="0" anchor="ctr"/>
-            <a:lstStyle/>
-            <a:p>
-              <a:pPr algn="ctr"/>
-              <a:endParaRPr lang="en-US"/>
-            </a:p>
-          </p:txBody>
-        </p:sp>
-        <p:pic>
-          <p:nvPicPr>
-            <p:cNvPr id="18" name="Picture 17" descr="Icon&#10;&#10;Description automatically generated">
-              <a:extLst>
-                <a:ext uri="{FF2B5EF4-FFF2-40B4-BE49-F238E27FC236}">
-                  <a16:creationId xmlns:a16="http://schemas.microsoft.com/office/drawing/2014/main" id="{DFC32E76-8391-9444-BDE1-21A6B5A24D86}"/>
-                </a:ext>
-              </a:extLst>
-            </p:cNvPr>
-            <p:cNvPicPr>
-              <a:picLocks noChangeAspect="1"/>
-            </p:cNvPicPr>
-            <p:nvPr/>
-          </p:nvPicPr>
-          <p:blipFill>
-            <a:blip r:embed="rId2" cstate="print">
-              <a:extLst>
-                <a:ext uri="{28A0092B-C50C-407E-A947-70E740481C1C}">
-                  <a14:useLocalDpi xmlns:a14="http://schemas.microsoft.com/office/drawing/2010/main" val="0"/>
-                </a:ext>
-              </a:extLst>
-            </a:blip>
-            <a:stretch>
-              <a:fillRect/>
-            </a:stretch>
-          </p:blipFill>
-          <p:spPr>
-            <a:xfrm>
-              <a:off x="5055024" y="4334556"/>
-              <a:ext cx="626445" cy="626445"/>
-            </a:xfrm>
-            <a:prstGeom prst="rect">
-              <a:avLst/>
-            </a:prstGeom>
-          </p:spPr>
-        </p:pic>
-        <p:pic>
-          <p:nvPicPr>
-            <p:cNvPr id="22" name="Picture 21" descr="Icon&#10;&#10;Description automatically generated">
-              <a:extLst>
-                <a:ext uri="{FF2B5EF4-FFF2-40B4-BE49-F238E27FC236}">
-                  <a16:creationId xmlns:a16="http://schemas.microsoft.com/office/drawing/2014/main" id="{90008645-C065-5147-AD8F-98C8059E55A7}"/>
-                </a:ext>
-              </a:extLst>
-            </p:cNvPr>
-            <p:cNvPicPr>
-              <a:picLocks noChangeAspect="1"/>
-            </p:cNvPicPr>
-            <p:nvPr/>
-          </p:nvPicPr>
-          <p:blipFill>
-            <a:blip r:embed="rId3" cstate="print">
-              <a:extLst>
-                <a:ext uri="{28A0092B-C50C-407E-A947-70E740481C1C}">
-                  <a14:useLocalDpi xmlns:a14="http://schemas.microsoft.com/office/drawing/2010/main" val="0"/>
-                </a:ext>
-              </a:extLst>
-            </a:blip>
-            <a:stretch>
-              <a:fillRect/>
-            </a:stretch>
-          </p:blipFill>
-          <p:spPr>
-            <a:xfrm rot="10800000">
-              <a:off x="2771801" y="4305277"/>
-              <a:ext cx="625465" cy="625465"/>
-            </a:xfrm>
-            <a:prstGeom prst="rect">
-              <a:avLst/>
-            </a:prstGeom>
-          </p:spPr>
-        </p:pic>
-        <p:pic>
-          <p:nvPicPr>
-            <p:cNvPr id="26" name="Picture 25" descr="A picture containing icon&#10;&#10;Description automatically generated">
-              <a:extLst>
-                <a:ext uri="{FF2B5EF4-FFF2-40B4-BE49-F238E27FC236}">
-                  <a16:creationId xmlns:a16="http://schemas.microsoft.com/office/drawing/2014/main" id="{361A1388-9314-AC48-BA59-69DB2D518C03}"/>
-                </a:ext>
-              </a:extLst>
-            </p:cNvPr>
-            <p:cNvPicPr>
-              <a:picLocks noChangeAspect="1"/>
-            </p:cNvPicPr>
-            <p:nvPr/>
-          </p:nvPicPr>
-          <p:blipFill>
-            <a:blip r:embed="rId4" cstate="print">
-              <a:extLst>
-                <a:ext uri="{28A0092B-C50C-407E-A947-70E740481C1C}">
-                  <a14:useLocalDpi xmlns:a14="http://schemas.microsoft.com/office/drawing/2010/main" val="0"/>
-                </a:ext>
-              </a:extLst>
-            </a:blip>
-            <a:stretch>
-              <a:fillRect/>
-            </a:stretch>
-          </p:blipFill>
-          <p:spPr>
-            <a:xfrm>
-              <a:off x="4981140" y="1973191"/>
-              <a:ext cx="814996" cy="768691"/>
-            </a:xfrm>
-            <a:prstGeom prst="rect">
-              <a:avLst/>
-            </a:prstGeom>
-          </p:spPr>
-        </p:pic>
-        <p:pic>
-          <p:nvPicPr>
-            <p:cNvPr id="30" name="Picture 29" descr="A picture containing icon&#10;&#10;Description automatically generated">
-              <a:extLst>
-                <a:ext uri="{FF2B5EF4-FFF2-40B4-BE49-F238E27FC236}">
-                  <a16:creationId xmlns:a16="http://schemas.microsoft.com/office/drawing/2014/main" id="{9D358902-D725-B145-BF33-3E2539609C4C}"/>
-                </a:ext>
-              </a:extLst>
-            </p:cNvPr>
-            <p:cNvPicPr>
-              <a:picLocks noChangeAspect="1"/>
-            </p:cNvPicPr>
-            <p:nvPr/>
-          </p:nvPicPr>
-          <p:blipFill>
-            <a:blip r:embed="rId5" cstate="print">
-              <a:extLst>
-                <a:ext uri="{28A0092B-C50C-407E-A947-70E740481C1C}">
-                  <a14:useLocalDpi xmlns:a14="http://schemas.microsoft.com/office/drawing/2010/main" val="0"/>
-                </a:ext>
-              </a:extLst>
-            </a:blip>
-            <a:stretch>
-              <a:fillRect/>
-            </a:stretch>
-          </p:blipFill>
-          <p:spPr>
-            <a:xfrm>
-              <a:off x="4139952" y="3187225"/>
-              <a:ext cx="692289" cy="692289"/>
-            </a:xfrm>
-            <a:prstGeom prst="rect">
-              <a:avLst/>
-            </a:prstGeom>
-          </p:spPr>
-        </p:pic>
-        <p:pic>
-          <p:nvPicPr>
-            <p:cNvPr id="34" name="Picture 33" descr="A picture containing rectangle&#10;&#10;Description automatically generated">
-              <a:extLst>
-                <a:ext uri="{FF2B5EF4-FFF2-40B4-BE49-F238E27FC236}">
-                  <a16:creationId xmlns:a16="http://schemas.microsoft.com/office/drawing/2014/main" id="{767B30FB-B965-D948-AAD9-B00F8CFCCC02}"/>
-                </a:ext>
-              </a:extLst>
-            </p:cNvPr>
-            <p:cNvPicPr>
-              <a:picLocks noChangeAspect="1"/>
-            </p:cNvPicPr>
-            <p:nvPr/>
-          </p:nvPicPr>
-          <p:blipFill>
-            <a:blip r:embed="rId6" cstate="print">
-              <a:extLst>
-                <a:ext uri="{28A0092B-C50C-407E-A947-70E740481C1C}">
-                  <a14:useLocalDpi xmlns:a14="http://schemas.microsoft.com/office/drawing/2010/main" val="0"/>
-                </a:ext>
-              </a:extLst>
-            </a:blip>
-            <a:stretch>
-              <a:fillRect/>
-            </a:stretch>
-          </p:blipFill>
-          <p:spPr>
-            <a:xfrm>
-              <a:off x="5037635" y="3193021"/>
-              <a:ext cx="686493" cy="686493"/>
-            </a:xfrm>
-            <a:prstGeom prst="rect">
-              <a:avLst/>
-            </a:prstGeom>
-          </p:spPr>
-        </p:pic>
-        <p:pic>
-          <p:nvPicPr>
-            <p:cNvPr id="45" name="Picture 44" descr="Icon&#10;&#10;Description automatically generated">
-              <a:extLst>
-                <a:ext uri="{FF2B5EF4-FFF2-40B4-BE49-F238E27FC236}">
-                  <a16:creationId xmlns:a16="http://schemas.microsoft.com/office/drawing/2014/main" id="{C9267087-CC13-8649-9F8D-1077529CF4C5}"/>
-                </a:ext>
-              </a:extLst>
-            </p:cNvPr>
-            <p:cNvPicPr>
-              <a:picLocks noChangeAspect="1"/>
-            </p:cNvPicPr>
-            <p:nvPr/>
-          </p:nvPicPr>
-          <p:blipFill>
-            <a:blip r:embed="rId7" cstate="print">
-              <a:extLst>
-                <a:ext uri="{28A0092B-C50C-407E-A947-70E740481C1C}">
-                  <a14:useLocalDpi xmlns:a14="http://schemas.microsoft.com/office/drawing/2010/main" val="0"/>
-                </a:ext>
-              </a:extLst>
-            </a:blip>
-            <a:stretch>
-              <a:fillRect/>
-            </a:stretch>
-          </p:blipFill>
-          <p:spPr>
-            <a:xfrm>
-              <a:off x="4045036" y="1870579"/>
-              <a:ext cx="814996" cy="814996"/>
-            </a:xfrm>
-            <a:prstGeom prst="rect">
-              <a:avLst/>
-            </a:prstGeom>
-          </p:spPr>
-        </p:pic>
-        <p:pic>
-          <p:nvPicPr>
-            <p:cNvPr id="47" name="Picture 46" descr="Icon&#10;&#10;Description automatically generated">
-              <a:extLst>
-                <a:ext uri="{FF2B5EF4-FFF2-40B4-BE49-F238E27FC236}">
-                  <a16:creationId xmlns:a16="http://schemas.microsoft.com/office/drawing/2014/main" id="{4F67AC45-B17E-A14F-9B10-F6C8D14E30DE}"/>
-                </a:ext>
-              </a:extLst>
-            </p:cNvPr>
-            <p:cNvPicPr>
-              <a:picLocks noChangeAspect="1"/>
-            </p:cNvPicPr>
-            <p:nvPr/>
-          </p:nvPicPr>
-          <p:blipFill>
-            <a:blip r:embed="rId8" cstate="print">
-              <a:extLst>
-                <a:ext uri="{28A0092B-C50C-407E-A947-70E740481C1C}">
-                  <a14:useLocalDpi xmlns:a14="http://schemas.microsoft.com/office/drawing/2010/main" val="0"/>
-                </a:ext>
-              </a:extLst>
-            </a:blip>
-            <a:stretch>
-              <a:fillRect/>
-            </a:stretch>
-          </p:blipFill>
-          <p:spPr>
-            <a:xfrm>
-              <a:off x="4283968" y="4259706"/>
-              <a:ext cx="626445" cy="687391"/>
-            </a:xfrm>
-            <a:prstGeom prst="rect">
-              <a:avLst/>
-            </a:prstGeom>
-          </p:spPr>
-        </p:pic>
-        <p:pic>
-          <p:nvPicPr>
-            <p:cNvPr id="52" name="Picture 51" descr="A picture containing text, clock&#10;&#10;Description automatically generated">
-              <a:extLst>
-                <a:ext uri="{FF2B5EF4-FFF2-40B4-BE49-F238E27FC236}">
-                  <a16:creationId xmlns:a16="http://schemas.microsoft.com/office/drawing/2014/main" id="{29786DD7-A38F-0C4E-9BD4-BC8A3E29B172}"/>
-                </a:ext>
-              </a:extLst>
-            </p:cNvPr>
-            <p:cNvPicPr>
-              <a:picLocks noChangeAspect="1"/>
-            </p:cNvPicPr>
-            <p:nvPr/>
-          </p:nvPicPr>
-          <p:blipFill>
-            <a:blip r:embed="rId9" cstate="print">
-              <a:extLst>
-                <a:ext uri="{28A0092B-C50C-407E-A947-70E740481C1C}">
-                  <a14:useLocalDpi xmlns:a14="http://schemas.microsoft.com/office/drawing/2010/main" val="0"/>
-                </a:ext>
-              </a:extLst>
-            </a:blip>
-            <a:stretch>
-              <a:fillRect/>
-            </a:stretch>
-          </p:blipFill>
-          <p:spPr>
-            <a:xfrm>
-              <a:off x="2925872" y="3140968"/>
-              <a:ext cx="669094" cy="669094"/>
-            </a:xfrm>
-            <a:prstGeom prst="rect">
-              <a:avLst/>
-            </a:prstGeom>
-            <a:solidFill>
-              <a:schemeClr val="accent1"/>
-            </a:solidFill>
-            <a:ln>
-              <a:solidFill>
-                <a:srgbClr val="00B050"/>
-              </a:solidFill>
-            </a:ln>
-          </p:spPr>
-        </p:pic>
-        <p:pic>
-          <p:nvPicPr>
-            <p:cNvPr id="54" name="Picture 53" descr="Shape&#10;&#10;Description automatically generated">
-              <a:extLst>
-                <a:ext uri="{FF2B5EF4-FFF2-40B4-BE49-F238E27FC236}">
-                  <a16:creationId xmlns:a16="http://schemas.microsoft.com/office/drawing/2014/main" id="{64B91B02-6553-EA47-8B62-D314BAF551C4}"/>
-                </a:ext>
-              </a:extLst>
-            </p:cNvPr>
-            <p:cNvPicPr>
-              <a:picLocks noChangeAspect="1"/>
-            </p:cNvPicPr>
-            <p:nvPr/>
-          </p:nvPicPr>
-          <p:blipFill>
-            <a:blip r:embed="rId10" cstate="print">
-              <a:extLst>
-                <a:ext uri="{28A0092B-C50C-407E-A947-70E740481C1C}">
-                  <a14:useLocalDpi xmlns:a14="http://schemas.microsoft.com/office/drawing/2010/main" val="0"/>
-                </a:ext>
-              </a:extLst>
-            </a:blip>
-            <a:stretch>
-              <a:fillRect/>
-            </a:stretch>
-          </p:blipFill>
-          <p:spPr>
-            <a:xfrm>
-              <a:off x="2909631" y="2217839"/>
-              <a:ext cx="658611" cy="658611"/>
-            </a:xfrm>
-            <a:prstGeom prst="rect">
-              <a:avLst/>
-            </a:prstGeom>
-            <a:solidFill>
-              <a:schemeClr val="accent1"/>
-            </a:solidFill>
-            <a:ln>
-              <a:solidFill>
-                <a:srgbClr val="00B050"/>
-              </a:solidFill>
-            </a:ln>
-          </p:spPr>
-        </p:pic>
-        <p:pic>
-          <p:nvPicPr>
-            <p:cNvPr id="57" name="Picture 56" descr="A picture containing text, clock&#10;&#10;Description automatically generated">
-              <a:extLst>
-                <a:ext uri="{FF2B5EF4-FFF2-40B4-BE49-F238E27FC236}">
-                  <a16:creationId xmlns:a16="http://schemas.microsoft.com/office/drawing/2014/main" id="{58318F54-6CDB-F446-9E02-23F62AE8C3F1}"/>
-                </a:ext>
-              </a:extLst>
-            </p:cNvPr>
-            <p:cNvPicPr>
-              <a:picLocks noChangeAspect="1"/>
-            </p:cNvPicPr>
-            <p:nvPr/>
-          </p:nvPicPr>
-          <p:blipFill>
-            <a:blip r:embed="rId11" cstate="print">
-              <a:extLst>
-                <a:ext uri="{28A0092B-C50C-407E-A947-70E740481C1C}">
-                  <a14:useLocalDpi xmlns:a14="http://schemas.microsoft.com/office/drawing/2010/main" val="0"/>
-                </a:ext>
-              </a:extLst>
-            </a:blip>
-            <a:stretch>
-              <a:fillRect/>
-            </a:stretch>
-          </p:blipFill>
-          <p:spPr>
-            <a:xfrm>
-              <a:off x="2924288" y="1492585"/>
-              <a:ext cx="629295" cy="629295"/>
-            </a:xfrm>
-            <a:prstGeom prst="rect">
-              <a:avLst/>
-            </a:prstGeom>
-            <a:solidFill>
-              <a:schemeClr val="accent1"/>
-            </a:solidFill>
-            <a:ln>
-              <a:solidFill>
-                <a:srgbClr val="00B050"/>
-              </a:solidFill>
-            </a:ln>
-          </p:spPr>
-        </p:pic>
-        <p:grpSp>
-          <p:nvGrpSpPr>
-            <p:cNvPr id="69" name="Group 68">
-              <a:extLst>
-                <a:ext uri="{FF2B5EF4-FFF2-40B4-BE49-F238E27FC236}">
-                  <a16:creationId xmlns:a16="http://schemas.microsoft.com/office/drawing/2014/main" id="{A5FC3CDA-FD24-6847-A36C-9B2F32C54352}"/>
-                </a:ext>
-              </a:extLst>
-            </p:cNvPr>
-            <p:cNvGrpSpPr>
-              <a:grpSpLocks noChangeAspect="1"/>
-            </p:cNvGrpSpPr>
-            <p:nvPr/>
-          </p:nvGrpSpPr>
-          <p:grpSpPr>
-            <a:xfrm>
-              <a:off x="6519817" y="2912440"/>
-              <a:ext cx="1288349" cy="1024127"/>
-              <a:chOff x="6914205" y="2934906"/>
-              <a:chExt cx="661609" cy="525923"/>
-            </a:xfrm>
-          </p:grpSpPr>
-          <p:sp>
-            <p:nvSpPr>
-              <p:cNvPr id="58" name="Oval 57">
-                <a:extLst>
-                  <a:ext uri="{FF2B5EF4-FFF2-40B4-BE49-F238E27FC236}">
-                    <a16:creationId xmlns:a16="http://schemas.microsoft.com/office/drawing/2014/main" id="{19BE93B2-9118-D84F-B938-70A1210CBE0B}"/>
-                  </a:ext>
-                </a:extLst>
-              </p:cNvPr>
-              <p:cNvSpPr/>
-              <p:nvPr/>
-            </p:nvSpPr>
-            <p:spPr>
-              <a:xfrm>
-                <a:off x="6976923" y="2934906"/>
-                <a:ext cx="525923" cy="525923"/>
-              </a:xfrm>
-              <a:prstGeom prst="ellipse">
-                <a:avLst/>
-              </a:prstGeom>
-              <a:solidFill>
-                <a:schemeClr val="accent5">
-                  <a:lumMod val="40000"/>
-                  <a:lumOff val="60000"/>
-                </a:schemeClr>
-              </a:solidFill>
-              <a:ln w="28575">
-                <a:solidFill>
-                  <a:schemeClr val="tx1"/>
-                </a:solidFill>
-                <a:prstDash val="sysDot"/>
-              </a:ln>
-            </p:spPr>
-            <p:style>
-              <a:lnRef idx="2">
-                <a:schemeClr val="accent1">
-                  <a:shade val="50000"/>
-                </a:schemeClr>
-              </a:lnRef>
-              <a:fillRef idx="1">
-                <a:schemeClr val="accent1"/>
-              </a:fillRef>
-              <a:effectRef idx="0">
-                <a:schemeClr val="accent1"/>
-              </a:effectRef>
-              <a:fontRef idx="minor">
-                <a:schemeClr val="lt1"/>
-              </a:fontRef>
-            </p:style>
-            <p:txBody>
-              <a:bodyPr rtlCol="0" anchor="ctr"/>
-              <a:lstStyle/>
-              <a:p>
-                <a:pPr algn="ctr"/>
-                <a:endParaRPr lang="en-US" dirty="0"/>
-              </a:p>
-            </p:txBody>
-          </p:sp>
-          <p:sp>
-            <p:nvSpPr>
-              <p:cNvPr id="66" name="TextBox 65">
-                <a:extLst>
-                  <a:ext uri="{FF2B5EF4-FFF2-40B4-BE49-F238E27FC236}">
-                    <a16:creationId xmlns:a16="http://schemas.microsoft.com/office/drawing/2014/main" id="{80D49B8D-4E17-DF4B-B258-5FD77810B91D}"/>
-                  </a:ext>
-                </a:extLst>
-              </p:cNvPr>
-              <p:cNvSpPr txBox="1"/>
-              <p:nvPr/>
-            </p:nvSpPr>
-            <p:spPr>
-              <a:xfrm>
-                <a:off x="6914205" y="2953850"/>
-                <a:ext cx="661609" cy="458355"/>
-              </a:xfrm>
-              <a:prstGeom prst="rect">
-                <a:avLst/>
-              </a:prstGeom>
-              <a:noFill/>
-            </p:spPr>
-            <p:txBody>
-              <a:bodyPr wrap="square" rtlCol="0">
-                <a:spAutoFit/>
-              </a:bodyPr>
-              <a:lstStyle/>
-              <a:p>
-                <a:pPr algn="ctr"/>
-                <a:r>
-                  <a:rPr lang="en-US" sz="1300" b="1" dirty="0"/>
-                  <a:t>Home </a:t>
-                </a:r>
-                <a:br>
-                  <a:rPr lang="en-US" sz="1300" b="1" dirty="0"/>
-                </a:br>
-                <a:r>
-                  <a:rPr lang="en-US" sz="1300" b="1" dirty="0"/>
-                  <a:t>Energy Management System</a:t>
-                </a:r>
-              </a:p>
-            </p:txBody>
-          </p:sp>
-        </p:grpSp>
-        <p:cxnSp>
-          <p:nvCxnSpPr>
-            <p:cNvPr id="71" name="Straight Arrow Connector 70">
-              <a:extLst>
-                <a:ext uri="{FF2B5EF4-FFF2-40B4-BE49-F238E27FC236}">
-                  <a16:creationId xmlns:a16="http://schemas.microsoft.com/office/drawing/2014/main" id="{C9E44FD8-4E63-084F-961B-88AE24E9876F}"/>
-                </a:ext>
-              </a:extLst>
-            </p:cNvPr>
-            <p:cNvCxnSpPr>
-              <a:cxnSpLocks/>
-            </p:cNvCxnSpPr>
-            <p:nvPr/>
-          </p:nvCxnSpPr>
-          <p:spPr>
-            <a:xfrm flipH="1">
-              <a:off x="5901560" y="3429000"/>
-              <a:ext cx="740387" cy="0"/>
-            </a:xfrm>
-            <a:prstGeom prst="straightConnector1">
-              <a:avLst/>
-            </a:prstGeom>
-            <a:ln w="28575">
-              <a:tailEnd type="triangle"/>
-            </a:ln>
-          </p:spPr>
-          <p:style>
-            <a:lnRef idx="1">
-              <a:schemeClr val="dk1"/>
-            </a:lnRef>
-            <a:fillRef idx="0">
-              <a:schemeClr val="dk1"/>
-            </a:fillRef>
-            <a:effectRef idx="0">
-              <a:schemeClr val="dk1"/>
-            </a:effectRef>
-            <a:fontRef idx="minor">
-              <a:schemeClr val="tx1"/>
-            </a:fontRef>
-          </p:style>
-        </p:cxnSp>
-        <p:sp>
-          <p:nvSpPr>
-            <p:cNvPr id="59" name="Rounded Rectangle 58">
-              <a:extLst>
-                <a:ext uri="{FF2B5EF4-FFF2-40B4-BE49-F238E27FC236}">
-                  <a16:creationId xmlns:a16="http://schemas.microsoft.com/office/drawing/2014/main" id="{2BBF70C8-6E7A-344B-B3E6-9914688657C1}"/>
-                </a:ext>
-              </a:extLst>
-            </p:cNvPr>
-            <p:cNvSpPr/>
-            <p:nvPr/>
-          </p:nvSpPr>
-          <p:spPr>
-            <a:xfrm rot="10800000">
-              <a:off x="2698194" y="961564"/>
-              <a:ext cx="1092618" cy="2969972"/>
-            </a:xfrm>
-            <a:prstGeom prst="roundRect">
-              <a:avLst/>
-            </a:prstGeom>
-            <a:noFill/>
-            <a:ln w="28575">
-              <a:solidFill>
-                <a:srgbClr val="00B050"/>
-              </a:solidFill>
-              <a:prstDash val="sysDot"/>
-            </a:ln>
-          </p:spPr>
-          <p:style>
-            <a:lnRef idx="2">
-              <a:schemeClr val="accent1">
-                <a:shade val="50000"/>
-              </a:schemeClr>
-            </a:lnRef>
-            <a:fillRef idx="1">
-              <a:schemeClr val="accent1"/>
-            </a:fillRef>
-            <a:effectRef idx="0">
-              <a:schemeClr val="accent1"/>
-            </a:effectRef>
-            <a:fontRef idx="minor">
-              <a:schemeClr val="lt1"/>
-            </a:fontRef>
-          </p:style>
-          <p:txBody>
-            <a:bodyPr rtlCol="0" anchor="ctr"/>
-            <a:lstStyle/>
-            <a:p>
-              <a:pPr algn="ctr"/>
-              <a:endParaRPr lang="en-US"/>
-            </a:p>
-          </p:txBody>
-        </p:sp>
-        <p:pic>
-          <p:nvPicPr>
-            <p:cNvPr id="91" name="Picture 90" descr="Icon&#10;&#10;Description automatically generated with medium confidence">
-              <a:extLst>
-                <a:ext uri="{FF2B5EF4-FFF2-40B4-BE49-F238E27FC236}">
-                  <a16:creationId xmlns:a16="http://schemas.microsoft.com/office/drawing/2014/main" id="{192A2240-2C54-F146-89BD-0345A91DD1D4}"/>
-                </a:ext>
-              </a:extLst>
-            </p:cNvPr>
-            <p:cNvPicPr>
-              <a:picLocks noChangeAspect="1"/>
-            </p:cNvPicPr>
-            <p:nvPr/>
-          </p:nvPicPr>
-          <p:blipFill>
-            <a:blip r:embed="rId12" cstate="print">
-              <a:extLst>
-                <a:ext uri="{28A0092B-C50C-407E-A947-70E740481C1C}">
-                  <a14:useLocalDpi xmlns:a14="http://schemas.microsoft.com/office/drawing/2010/main" val="0"/>
-                </a:ext>
-              </a:extLst>
-            </a:blip>
-            <a:stretch>
-              <a:fillRect/>
-            </a:stretch>
-          </p:blipFill>
-          <p:spPr>
-            <a:xfrm>
-              <a:off x="3275856" y="4282670"/>
-              <a:ext cx="687391" cy="687391"/>
-            </a:xfrm>
-            <a:prstGeom prst="rect">
-              <a:avLst/>
-            </a:prstGeom>
-          </p:spPr>
-        </p:pic>
-        <p:sp>
-          <p:nvSpPr>
-            <p:cNvPr id="92" name="TextBox 91">
-              <a:extLst>
-                <a:ext uri="{FF2B5EF4-FFF2-40B4-BE49-F238E27FC236}">
-                  <a16:creationId xmlns:a16="http://schemas.microsoft.com/office/drawing/2014/main" id="{9B7003EF-ADEA-7F45-A407-72B7FF1A2E41}"/>
-                </a:ext>
-              </a:extLst>
-            </p:cNvPr>
-            <p:cNvSpPr txBox="1"/>
-            <p:nvPr/>
-          </p:nvSpPr>
-          <p:spPr>
-            <a:xfrm>
-              <a:off x="5815784" y="3013502"/>
-              <a:ext cx="1008837" cy="430887"/>
-            </a:xfrm>
-            <a:prstGeom prst="rect">
-              <a:avLst/>
-            </a:prstGeom>
-            <a:noFill/>
-          </p:spPr>
-          <p:txBody>
-            <a:bodyPr wrap="square" rtlCol="0">
-              <a:spAutoFit/>
-            </a:bodyPr>
-            <a:lstStyle/>
-            <a:p>
-              <a:pPr algn="ctr"/>
-              <a:r>
-                <a:rPr lang="en-US" sz="1100" b="1" dirty="0"/>
-                <a:t>Charge/</a:t>
-              </a:r>
-            </a:p>
-            <a:p>
-              <a:pPr algn="ctr"/>
-              <a:r>
-                <a:rPr lang="en-US" sz="1100" b="1" dirty="0"/>
-                <a:t>Discharge</a:t>
-              </a:r>
-            </a:p>
-          </p:txBody>
-        </p:sp>
-        <p:sp>
-          <p:nvSpPr>
-            <p:cNvPr id="97" name="TextBox 96">
-              <a:extLst>
-                <a:ext uri="{FF2B5EF4-FFF2-40B4-BE49-F238E27FC236}">
-                  <a16:creationId xmlns:a16="http://schemas.microsoft.com/office/drawing/2014/main" id="{6C1E1EE8-AEEB-D14A-AF2F-75D0F5F0DA18}"/>
-                </a:ext>
-              </a:extLst>
-            </p:cNvPr>
-            <p:cNvSpPr txBox="1"/>
-            <p:nvPr/>
-          </p:nvSpPr>
-          <p:spPr>
-            <a:xfrm>
-              <a:off x="6075223" y="4140565"/>
-              <a:ext cx="2230559" cy="276999"/>
-            </a:xfrm>
-            <a:prstGeom prst="rect">
-              <a:avLst/>
-            </a:prstGeom>
-            <a:noFill/>
-          </p:spPr>
-          <p:txBody>
-            <a:bodyPr wrap="square" rtlCol="0">
-              <a:spAutoFit/>
-            </a:bodyPr>
-            <a:lstStyle/>
-            <a:p>
-              <a:pPr algn="ctr"/>
-              <a:r>
-                <a:rPr lang="en-US" sz="1200" b="1" dirty="0"/>
-                <a:t>Setpoint Schedule</a:t>
-              </a:r>
-            </a:p>
-          </p:txBody>
-        </p:sp>
-        <p:sp>
-          <p:nvSpPr>
-            <p:cNvPr id="100" name="TextBox 99">
-              <a:extLst>
-                <a:ext uri="{FF2B5EF4-FFF2-40B4-BE49-F238E27FC236}">
-                  <a16:creationId xmlns:a16="http://schemas.microsoft.com/office/drawing/2014/main" id="{726FCBAA-212F-5C4A-91E6-B84329B3E7AB}"/>
-                </a:ext>
-              </a:extLst>
-            </p:cNvPr>
-            <p:cNvSpPr txBox="1"/>
-            <p:nvPr/>
-          </p:nvSpPr>
-          <p:spPr>
-            <a:xfrm>
-              <a:off x="2454958" y="994808"/>
-              <a:ext cx="1567954" cy="492443"/>
-            </a:xfrm>
-            <a:prstGeom prst="rect">
-              <a:avLst/>
-            </a:prstGeom>
-            <a:noFill/>
-          </p:spPr>
-          <p:txBody>
-            <a:bodyPr wrap="square" rtlCol="0">
-              <a:spAutoFit/>
-            </a:bodyPr>
-            <a:lstStyle/>
-            <a:p>
-              <a:pPr algn="ctr"/>
-              <a:r>
-                <a:rPr lang="en-US" sz="1300" b="1" dirty="0">
-                  <a:solidFill>
-                    <a:srgbClr val="00B050"/>
-                  </a:solidFill>
-                </a:rPr>
-                <a:t>Electricity</a:t>
-              </a:r>
-              <a:br>
-                <a:rPr lang="en-US" sz="1300" b="1" dirty="0">
-                  <a:solidFill>
-                    <a:srgbClr val="00B050"/>
-                  </a:solidFill>
-                </a:rPr>
-              </a:br>
-              <a:r>
-                <a:rPr lang="en-US" sz="1300" b="1" dirty="0">
-                  <a:solidFill>
-                    <a:srgbClr val="00B050"/>
-                  </a:solidFill>
-                </a:rPr>
-                <a:t>Source</a:t>
-              </a:r>
-            </a:p>
-          </p:txBody>
-        </p:sp>
-        <p:sp>
-          <p:nvSpPr>
-            <p:cNvPr id="101" name="TextBox 100">
-              <a:extLst>
-                <a:ext uri="{FF2B5EF4-FFF2-40B4-BE49-F238E27FC236}">
-                  <a16:creationId xmlns:a16="http://schemas.microsoft.com/office/drawing/2014/main" id="{DF342DB9-6BAA-2A47-9561-FE5619719DF4}"/>
-                </a:ext>
-              </a:extLst>
-            </p:cNvPr>
-            <p:cNvSpPr txBox="1"/>
-            <p:nvPr/>
-          </p:nvSpPr>
-          <p:spPr>
-            <a:xfrm>
-              <a:off x="4426941" y="2905199"/>
-              <a:ext cx="1567954" cy="292388"/>
-            </a:xfrm>
-            <a:prstGeom prst="rect">
-              <a:avLst/>
-            </a:prstGeom>
-            <a:noFill/>
-          </p:spPr>
-          <p:txBody>
-            <a:bodyPr wrap="square" rtlCol="0">
-              <a:spAutoFit/>
-            </a:bodyPr>
-            <a:lstStyle/>
-            <a:p>
-              <a:pPr algn="ctr"/>
-              <a:r>
-                <a:rPr lang="en-US" sz="1300" b="1" dirty="0"/>
-                <a:t>Energy Storage</a:t>
-              </a:r>
-            </a:p>
-          </p:txBody>
-        </p:sp>
-        <p:sp>
-          <p:nvSpPr>
-            <p:cNvPr id="105" name="TextBox 104">
-              <a:extLst>
-                <a:ext uri="{FF2B5EF4-FFF2-40B4-BE49-F238E27FC236}">
-                  <a16:creationId xmlns:a16="http://schemas.microsoft.com/office/drawing/2014/main" id="{574F4CC3-7AB5-6C41-B6E5-CB9CC0C1F924}"/>
-                </a:ext>
-              </a:extLst>
-            </p:cNvPr>
-            <p:cNvSpPr txBox="1"/>
-            <p:nvPr/>
-          </p:nvSpPr>
-          <p:spPr>
-            <a:xfrm>
-              <a:off x="4634123" y="4070386"/>
-              <a:ext cx="1567954" cy="292388"/>
-            </a:xfrm>
-            <a:prstGeom prst="rect">
-              <a:avLst/>
-            </a:prstGeom>
-            <a:noFill/>
-          </p:spPr>
-          <p:txBody>
-            <a:bodyPr wrap="square" rtlCol="0">
-              <a:spAutoFit/>
-            </a:bodyPr>
-            <a:lstStyle/>
-            <a:p>
-              <a:pPr algn="ctr"/>
-              <a:r>
-                <a:rPr lang="en-US" sz="1300" b="1" dirty="0"/>
-                <a:t>End Use</a:t>
-              </a:r>
-            </a:p>
-          </p:txBody>
-        </p:sp>
-        <p:sp>
-          <p:nvSpPr>
-            <p:cNvPr id="49" name="TextBox 48">
-              <a:extLst>
-                <a:ext uri="{FF2B5EF4-FFF2-40B4-BE49-F238E27FC236}">
-                  <a16:creationId xmlns:a16="http://schemas.microsoft.com/office/drawing/2014/main" id="{048AE03A-19F3-F947-B67B-CFA930787DDA}"/>
-                </a:ext>
-              </a:extLst>
-            </p:cNvPr>
-            <p:cNvSpPr txBox="1"/>
-            <p:nvPr/>
-          </p:nvSpPr>
-          <p:spPr>
-            <a:xfrm>
-              <a:off x="4300190" y="1753652"/>
-              <a:ext cx="1567954" cy="292388"/>
-            </a:xfrm>
-            <a:prstGeom prst="rect">
-              <a:avLst/>
-            </a:prstGeom>
-            <a:noFill/>
-          </p:spPr>
-          <p:txBody>
-            <a:bodyPr wrap="square" rtlCol="0">
-              <a:spAutoFit/>
-            </a:bodyPr>
-            <a:lstStyle/>
-            <a:p>
-              <a:pPr algn="r"/>
-              <a:r>
-                <a:rPr lang="en-US" sz="1300" b="1" dirty="0"/>
-                <a:t>Heat Supply</a:t>
-              </a:r>
-            </a:p>
-          </p:txBody>
-        </p:sp>
-      </p:grpSp>
-      <p:sp>
-        <p:nvSpPr>
-          <p:cNvPr id="36" name="TextBox 35">
-            <a:extLst>
-              <a:ext uri="{FF2B5EF4-FFF2-40B4-BE49-F238E27FC236}">
-                <a16:creationId xmlns:a16="http://schemas.microsoft.com/office/drawing/2014/main" id="{F67D97C8-22CA-44D0-BAC7-2265B2D4EC2F}"/>
-              </a:ext>
-            </a:extLst>
-          </p:cNvPr>
-          <p:cNvSpPr txBox="1"/>
-          <p:nvPr/>
-        </p:nvSpPr>
-        <p:spPr>
-          <a:xfrm>
-            <a:off x="3352387" y="2828637"/>
-            <a:ext cx="1567954" cy="338554"/>
-          </a:xfrm>
-          <a:prstGeom prst="rect">
-            <a:avLst/>
-          </a:prstGeom>
-          <a:noFill/>
-        </p:spPr>
-        <p:txBody>
-          <a:bodyPr wrap="square" rtlCol="0">
-            <a:spAutoFit/>
-          </a:bodyPr>
-          <a:lstStyle/>
-          <a:p>
-            <a:pPr algn="ctr"/>
-            <a:r>
-              <a:rPr lang="en-US" sz="1600" b="1" dirty="0" err="1"/>
-              <a:t>CityLearn</a:t>
-            </a:r>
-            <a:endParaRPr lang="en-US" sz="1600" b="1" dirty="0"/>
-          </a:p>
-        </p:txBody>
-      </p:sp>
-      <p:sp>
-        <p:nvSpPr>
-          <p:cNvPr id="37" name="TextBox 36">
-            <a:extLst>
-              <a:ext uri="{FF2B5EF4-FFF2-40B4-BE49-F238E27FC236}">
-                <a16:creationId xmlns:a16="http://schemas.microsoft.com/office/drawing/2014/main" id="{6C22DC01-CFDE-4F05-8FAF-A79493B3C7DF}"/>
-              </a:ext>
-            </a:extLst>
-          </p:cNvPr>
-          <p:cNvSpPr txBox="1"/>
-          <p:nvPr/>
-        </p:nvSpPr>
-        <p:spPr>
-          <a:xfrm>
-            <a:off x="7226280" y="4133155"/>
-            <a:ext cx="1534016" cy="1077218"/>
-          </a:xfrm>
-          <a:prstGeom prst="rect">
-            <a:avLst/>
-          </a:prstGeom>
-          <a:noFill/>
-        </p:spPr>
-        <p:txBody>
-          <a:bodyPr wrap="square" rtlCol="0">
-            <a:spAutoFit/>
-          </a:bodyPr>
-          <a:lstStyle/>
-          <a:p>
-            <a:pPr algn="ctr"/>
-            <a:r>
-              <a:rPr lang="en-US" sz="1600" b="1" dirty="0" err="1"/>
-              <a:t>Ecobee</a:t>
-            </a:r>
-            <a:r>
-              <a:rPr lang="en-US" sz="1600" b="1" dirty="0"/>
-              <a:t>-driven occupant setpoint preferences</a:t>
-            </a:r>
-          </a:p>
-        </p:txBody>
-      </p:sp>
-      <p:sp>
-        <p:nvSpPr>
-          <p:cNvPr id="51" name="TextBox 50">
-            <a:extLst>
-              <a:ext uri="{FF2B5EF4-FFF2-40B4-BE49-F238E27FC236}">
-                <a16:creationId xmlns:a16="http://schemas.microsoft.com/office/drawing/2014/main" id="{2399E46A-A75B-4DD0-A79C-B3F57E213B85}"/>
-              </a:ext>
-            </a:extLst>
-          </p:cNvPr>
-          <p:cNvSpPr txBox="1"/>
-          <p:nvPr/>
-        </p:nvSpPr>
-        <p:spPr>
-          <a:xfrm>
-            <a:off x="5710353" y="6234955"/>
-            <a:ext cx="1499067" cy="276999"/>
-          </a:xfrm>
-          <a:prstGeom prst="rect">
-            <a:avLst/>
-          </a:prstGeom>
-          <a:noFill/>
-        </p:spPr>
-        <p:txBody>
-          <a:bodyPr wrap="square" rtlCol="0">
-            <a:spAutoFit/>
-          </a:bodyPr>
-          <a:lstStyle/>
-          <a:p>
-            <a:pPr algn="ctr"/>
-            <a:r>
-              <a:rPr lang="en-US" sz="1200" b="1" dirty="0"/>
-              <a:t>Setpoint Adjustment</a:t>
-            </a:r>
-          </a:p>
-        </p:txBody>
-      </p:sp>
-      <p:graphicFrame>
-        <p:nvGraphicFramePr>
-          <p:cNvPr id="5" name="Diagram 4">
-            <a:extLst>
-              <a:ext uri="{FF2B5EF4-FFF2-40B4-BE49-F238E27FC236}">
-                <a16:creationId xmlns:a16="http://schemas.microsoft.com/office/drawing/2014/main" id="{C34D771B-BF6C-DC55-16B5-7D0AFB1FB7E5}"/>
-              </a:ext>
-            </a:extLst>
-          </p:cNvPr>
-          <p:cNvGraphicFramePr/>
-          <p:nvPr>
-            <p:extLst>
-              <p:ext uri="{D42A27DB-BD31-4B8C-83A1-F6EECF244321}">
-                <p14:modId xmlns:p14="http://schemas.microsoft.com/office/powerpoint/2010/main" val="2585312159"/>
-              </p:ext>
-            </p:extLst>
-          </p:nvPr>
-        </p:nvGraphicFramePr>
-        <p:xfrm>
-          <a:off x="3048000" y="1524516"/>
-          <a:ext cx="6096000" cy="1311920"/>
-        </p:xfrm>
-        <a:graphic>
-          <a:graphicData uri="http://schemas.openxmlformats.org/drawingml/2006/diagram">
-            <dgm:relIds xmlns:dgm="http://schemas.openxmlformats.org/drawingml/2006/diagram" xmlns:r="http://schemas.openxmlformats.org/officeDocument/2006/relationships" r:dm="rId13" r:lo="rId14" r:qs="rId15" r:cs="rId16"/>
-          </a:graphicData>
-        </a:graphic>
-      </p:graphicFrame>
-      <p:pic>
-        <p:nvPicPr>
-          <p:cNvPr id="6" name="Graphic 5" descr="Checkmark with solid fill">
-            <a:extLst>
-              <a:ext uri="{FF2B5EF4-FFF2-40B4-BE49-F238E27FC236}">
-                <a16:creationId xmlns:a16="http://schemas.microsoft.com/office/drawing/2014/main" id="{05D7E160-520B-D7EE-8553-45734A3D068B}"/>
-              </a:ext>
-            </a:extLst>
-          </p:cNvPr>
-          <p:cNvPicPr>
-            <a:picLocks noChangeAspect="1"/>
-          </p:cNvPicPr>
-          <p:nvPr/>
-        </p:nvPicPr>
-        <p:blipFill>
-          <a:blip r:embed="rId18" cstate="print">
-            <a:extLst>
-              <a:ext uri="{28A0092B-C50C-407E-A947-70E740481C1C}">
-                <a14:useLocalDpi xmlns:a14="http://schemas.microsoft.com/office/drawing/2010/main" val="0"/>
-              </a:ext>
-              <a:ext uri="{96DAC541-7B7A-43D3-8B79-37D633B846F1}">
-                <asvg:svgBlip xmlns:asvg="http://schemas.microsoft.com/office/drawing/2016/SVG/main" r:embed="rId19"/>
-              </a:ext>
-            </a:extLst>
-          </a:blip>
-          <a:stretch>
-            <a:fillRect/>
-          </a:stretch>
-        </p:blipFill>
-        <p:spPr>
-          <a:xfrm>
-            <a:off x="4655840" y="1333286"/>
-            <a:ext cx="385192" cy="385192"/>
-          </a:xfrm>
-          <a:prstGeom prst="rect">
-            <a:avLst/>
-          </a:prstGeom>
-        </p:spPr>
-      </p:pic>
-      <p:pic>
-        <p:nvPicPr>
-          <p:cNvPr id="8" name="Graphic 7" descr="Checkmark with solid fill">
-            <a:extLst>
-              <a:ext uri="{FF2B5EF4-FFF2-40B4-BE49-F238E27FC236}">
-                <a16:creationId xmlns:a16="http://schemas.microsoft.com/office/drawing/2014/main" id="{8904260A-BDF6-79E0-0711-E34E1F282C00}"/>
-              </a:ext>
-            </a:extLst>
-          </p:cNvPr>
-          <p:cNvPicPr>
-            <a:picLocks noChangeAspect="1"/>
-          </p:cNvPicPr>
-          <p:nvPr/>
-        </p:nvPicPr>
-        <p:blipFill>
-          <a:blip r:embed="rId18" cstate="print">
-            <a:extLst>
-              <a:ext uri="{28A0092B-C50C-407E-A947-70E740481C1C}">
-                <a14:useLocalDpi xmlns:a14="http://schemas.microsoft.com/office/drawing/2010/main" val="0"/>
-              </a:ext>
-              <a:ext uri="{96DAC541-7B7A-43D3-8B79-37D633B846F1}">
-                <asvg:svgBlip xmlns:asvg="http://schemas.microsoft.com/office/drawing/2016/SVG/main" r:embed="rId19"/>
-              </a:ext>
-            </a:extLst>
-          </a:blip>
-          <a:stretch>
-            <a:fillRect/>
-          </a:stretch>
-        </p:blipFill>
-        <p:spPr>
-          <a:xfrm>
-            <a:off x="3359696" y="1331920"/>
-            <a:ext cx="385192" cy="385192"/>
-          </a:xfrm>
-          <a:prstGeom prst="rect">
-            <a:avLst/>
-          </a:prstGeom>
-        </p:spPr>
-      </p:pic>
-      <p:pic>
-        <p:nvPicPr>
-          <p:cNvPr id="11" name="Graphic 10" descr="Hourglass Finished with solid fill">
-            <a:extLst>
-              <a:ext uri="{FF2B5EF4-FFF2-40B4-BE49-F238E27FC236}">
-                <a16:creationId xmlns:a16="http://schemas.microsoft.com/office/drawing/2014/main" id="{56E8C514-CC06-B9CD-B8CC-BF0FFC9684B1}"/>
-              </a:ext>
-            </a:extLst>
-          </p:cNvPr>
-          <p:cNvPicPr>
-            <a:picLocks noChangeAspect="1"/>
-          </p:cNvPicPr>
-          <p:nvPr/>
-        </p:nvPicPr>
-        <p:blipFill>
-          <a:blip r:embed="rId20" cstate="print">
-            <a:extLst>
-              <a:ext uri="{28A0092B-C50C-407E-A947-70E740481C1C}">
-                <a14:useLocalDpi xmlns:a14="http://schemas.microsoft.com/office/drawing/2010/main" val="0"/>
-              </a:ext>
-              <a:ext uri="{96DAC541-7B7A-43D3-8B79-37D633B846F1}">
-                <asvg:svgBlip xmlns:asvg="http://schemas.microsoft.com/office/drawing/2016/SVG/main" r:embed="rId21"/>
-              </a:ext>
-            </a:extLst>
-          </a:blip>
-          <a:stretch>
-            <a:fillRect/>
-          </a:stretch>
-        </p:blipFill>
-        <p:spPr>
-          <a:xfrm rot="10800000">
-            <a:off x="5710353" y="1220815"/>
-            <a:ext cx="385647" cy="385647"/>
-          </a:xfrm>
-          <a:prstGeom prst="rect">
-            <a:avLst/>
-          </a:prstGeom>
-        </p:spPr>
-      </p:pic>
-      <p:sp>
-        <p:nvSpPr>
-          <p:cNvPr id="14" name="TextBox 13">
-            <a:extLst>
-              <a:ext uri="{FF2B5EF4-FFF2-40B4-BE49-F238E27FC236}">
-                <a16:creationId xmlns:a16="http://schemas.microsoft.com/office/drawing/2014/main" id="{9EAEFBB2-B6AE-E3FC-FE0B-896B8672DD70}"/>
-              </a:ext>
-            </a:extLst>
-          </p:cNvPr>
-          <p:cNvSpPr txBox="1"/>
-          <p:nvPr/>
-        </p:nvSpPr>
-        <p:spPr>
-          <a:xfrm>
-            <a:off x="5947596" y="1254328"/>
-            <a:ext cx="1567954" cy="338554"/>
-          </a:xfrm>
-          <a:prstGeom prst="rect">
-            <a:avLst/>
-          </a:prstGeom>
-          <a:noFill/>
-        </p:spPr>
-        <p:txBody>
-          <a:bodyPr wrap="square" rtlCol="0">
-            <a:spAutoFit/>
-          </a:bodyPr>
-          <a:lstStyle/>
-          <a:p>
-            <a:pPr algn="ctr"/>
-            <a:r>
-              <a:rPr lang="en-US" sz="1600" b="1" dirty="0"/>
-              <a:t>In Progress</a:t>
-            </a:r>
-          </a:p>
-        </p:txBody>
-      </p:sp>
-      <p:sp>
-        <p:nvSpPr>
-          <p:cNvPr id="15" name="Rounded Rectangle 71">
-            <a:extLst>
-              <a:ext uri="{FF2B5EF4-FFF2-40B4-BE49-F238E27FC236}">
-                <a16:creationId xmlns:a16="http://schemas.microsoft.com/office/drawing/2014/main" id="{736436AA-B29F-15B6-0D06-ED7ED137F5D3}"/>
+      <p:sp>
+        <p:nvSpPr>
+          <p:cNvPr id="46" name="Rounded Rectangle 45">
+            <a:extLst>
+              <a:ext uri="{FF2B5EF4-FFF2-40B4-BE49-F238E27FC236}">
+                <a16:creationId xmlns:a16="http://schemas.microsoft.com/office/drawing/2014/main" id="{C9EED1EA-8327-3445-B343-F3C11E9B5A8D}"/>
               </a:ext>
             </a:extLst>
           </p:cNvPr>
@@ -6047,22 +1773,20 @@
         </p:nvSpPr>
         <p:spPr>
           <a:xfrm>
-            <a:off x="8890916" y="3929517"/>
-            <a:ext cx="1534016" cy="1451030"/>
+            <a:off x="4603920" y="2095740"/>
+            <a:ext cx="1977630" cy="1092759"/>
           </a:xfrm>
           <a:prstGeom prst="roundRect">
             <a:avLst/>
           </a:prstGeom>
           <a:solidFill>
-            <a:schemeClr val="accent6">
-              <a:lumMod val="40000"/>
-              <a:lumOff val="60000"/>
+            <a:schemeClr val="accent4">
+              <a:lumMod val="60000"/>
+              <a:lumOff val="40000"/>
             </a:schemeClr>
           </a:solidFill>
           <a:ln w="28575">
-            <a:solidFill>
-              <a:schemeClr val="tx1"/>
-            </a:solidFill>
+            <a:noFill/>
             <a:prstDash val="sysDot"/>
           </a:ln>
         </p:spPr>
@@ -6093,179 +1817,28 @@
       </p:sp>
       <p:sp>
         <p:nvSpPr>
-          <p:cNvPr id="55" name="TextBox 54">
-            <a:extLst>
-              <a:ext uri="{FF2B5EF4-FFF2-40B4-BE49-F238E27FC236}">
-                <a16:creationId xmlns:a16="http://schemas.microsoft.com/office/drawing/2014/main" id="{CC57C6BA-20F5-4163-AAA6-F96188109A57}"/>
-              </a:ext>
-            </a:extLst>
-          </p:cNvPr>
-          <p:cNvSpPr txBox="1"/>
-          <p:nvPr/>
-        </p:nvSpPr>
-        <p:spPr>
-          <a:xfrm>
-            <a:off x="8886798" y="4010046"/>
-            <a:ext cx="1554295" cy="1323439"/>
-          </a:xfrm>
-          <a:prstGeom prst="rect">
-            <a:avLst/>
-          </a:prstGeom>
-          <a:noFill/>
-        </p:spPr>
-        <p:txBody>
-          <a:bodyPr wrap="square" rtlCol="0">
-            <a:spAutoFit/>
-          </a:bodyPr>
-          <a:lstStyle/>
-          <a:p>
-            <a:pPr algn="ctr"/>
-            <a:r>
-              <a:rPr lang="en-US" sz="1600" b="1" dirty="0"/>
-              <a:t>Dynamic occupant-thermostat interaction model</a:t>
-            </a:r>
-          </a:p>
-        </p:txBody>
-      </p:sp>
-      <p:cxnSp>
-        <p:nvCxnSpPr>
-          <p:cNvPr id="23" name="Connector: Elbow 22">
-            <a:extLst>
-              <a:ext uri="{FF2B5EF4-FFF2-40B4-BE49-F238E27FC236}">
-                <a16:creationId xmlns:a16="http://schemas.microsoft.com/office/drawing/2014/main" id="{5494E790-B6A6-960E-AA5D-83D4EB9110F1}"/>
-              </a:ext>
-            </a:extLst>
-          </p:cNvPr>
-          <p:cNvCxnSpPr>
-            <a:cxnSpLocks/>
-            <a:stCxn id="41" idx="2"/>
-          </p:cNvCxnSpPr>
-          <p:nvPr/>
-        </p:nvCxnSpPr>
+          <p:cNvPr id="65" name="Rounded Rectangle 64">
+            <a:extLst>
+              <a:ext uri="{FF2B5EF4-FFF2-40B4-BE49-F238E27FC236}">
+                <a16:creationId xmlns:a16="http://schemas.microsoft.com/office/drawing/2014/main" id="{C4243F02-FCEB-F244-AA07-BA49983506E2}"/>
+              </a:ext>
+            </a:extLst>
+          </p:cNvPr>
+          <p:cNvSpPr/>
+          <p:nvPr/>
+        </p:nvSpPr>
         <p:spPr>
           <a:xfrm rot="5400000">
-            <a:off x="6342276" y="4219964"/>
-            <a:ext cx="504867" cy="2815398"/>
-          </a:xfrm>
-          <a:prstGeom prst="bentConnector2">
-            <a:avLst/>
-          </a:prstGeom>
-          <a:ln w="28575">
-            <a:tailEnd type="triangle"/>
-          </a:ln>
-        </p:spPr>
-        <p:style>
-          <a:lnRef idx="1">
-            <a:schemeClr val="dk1"/>
-          </a:lnRef>
-          <a:fillRef idx="0">
-            <a:schemeClr val="dk1"/>
-          </a:fillRef>
-          <a:effectRef idx="0">
-            <a:schemeClr val="dk1"/>
-          </a:effectRef>
-          <a:fontRef idx="minor">
-            <a:schemeClr val="tx1"/>
-          </a:fontRef>
-        </p:style>
-      </p:cxnSp>
-      <p:cxnSp>
-        <p:nvCxnSpPr>
-          <p:cNvPr id="25" name="Connector: Elbow 24">
-            <a:extLst>
-              <a:ext uri="{FF2B5EF4-FFF2-40B4-BE49-F238E27FC236}">
-                <a16:creationId xmlns:a16="http://schemas.microsoft.com/office/drawing/2014/main" id="{798FECB1-273F-EF81-CDC3-442AE4751DF6}"/>
-              </a:ext>
-            </a:extLst>
-          </p:cNvPr>
-          <p:cNvCxnSpPr>
-            <a:cxnSpLocks/>
-            <a:stCxn id="15" idx="2"/>
-          </p:cNvCxnSpPr>
-          <p:nvPr/>
-        </p:nvCxnSpPr>
-        <p:spPr>
-          <a:xfrm rot="5400000">
-            <a:off x="6986006" y="3565393"/>
-            <a:ext cx="856765" cy="4487075"/>
-          </a:xfrm>
-          <a:prstGeom prst="bentConnector2">
-            <a:avLst/>
-          </a:prstGeom>
-          <a:ln w="28575">
-            <a:tailEnd type="triangle"/>
-          </a:ln>
-        </p:spPr>
-        <p:style>
-          <a:lnRef idx="1">
-            <a:schemeClr val="dk1"/>
-          </a:lnRef>
-          <a:fillRef idx="0">
-            <a:schemeClr val="dk1"/>
-          </a:fillRef>
-          <a:effectRef idx="0">
-            <a:schemeClr val="dk1"/>
-          </a:effectRef>
-          <a:fontRef idx="minor">
-            <a:schemeClr val="tx1"/>
-          </a:fontRef>
-        </p:style>
-      </p:cxnSp>
-    </p:spTree>
-    <p:extLst>
-      <p:ext uri="{BB962C8B-B14F-4D97-AF65-F5344CB8AC3E}">
-        <p14:creationId xmlns:p14="http://schemas.microsoft.com/office/powerpoint/2010/main" val="1730479708"/>
-      </p:ext>
-    </p:extLst>
-  </p:cSld>
-  <p:clrMapOvr>
-    <a:masterClrMapping/>
-  </p:clrMapOvr>
-</p:sld>
-</file>
-
-<file path=ppt/slides/slide2.xml><?xml version="1.0" encoding="utf-8"?>
-<p:sld xmlns:a="http://schemas.openxmlformats.org/drawingml/2006/main" xmlns:r="http://schemas.openxmlformats.org/officeDocument/2006/relationships" xmlns:p="http://schemas.openxmlformats.org/presentationml/2006/main">
-  <p:cSld>
-    <p:spTree>
-      <p:nvGrpSpPr>
-        <p:cNvPr id="1" name=""/>
-        <p:cNvGrpSpPr/>
-        <p:nvPr/>
-      </p:nvGrpSpPr>
-      <p:grpSpPr>
-        <a:xfrm>
-          <a:off x="0" y="0"/>
-          <a:ext cx="0" cy="0"/>
-          <a:chOff x="0" y="0"/>
-          <a:chExt cx="0" cy="0"/>
-        </a:xfrm>
-      </p:grpSpPr>
-      <p:sp>
-        <p:nvSpPr>
-          <p:cNvPr id="33" name="Rounded Rectangle 32">
-            <a:extLst>
-              <a:ext uri="{FF2B5EF4-FFF2-40B4-BE49-F238E27FC236}">
-                <a16:creationId xmlns:a16="http://schemas.microsoft.com/office/drawing/2014/main" id="{BF90E792-2863-07B2-63EF-82251253A890}"/>
-              </a:ext>
-            </a:extLst>
-          </p:cNvPr>
-          <p:cNvSpPr/>
-          <p:nvPr/>
-        </p:nvSpPr>
-        <p:spPr>
-          <a:xfrm rot="10800000">
-            <a:off x="3222882" y="325601"/>
-            <a:ext cx="3513180" cy="5606288"/>
+            <a:off x="4206352" y="2550886"/>
+            <a:ext cx="1561584" cy="3206258"/>
           </a:xfrm>
           <a:prstGeom prst="roundRect">
-            <a:avLst>
-              <a:gd name="adj" fmla="val 6867"/>
-            </a:avLst>
+            <a:avLst/>
           </a:prstGeom>
           <a:solidFill>
-            <a:schemeClr val="bg1">
-              <a:lumMod val="85000"/>
+            <a:schemeClr val="accent3">
+              <a:lumMod val="60000"/>
+              <a:lumOff val="40000"/>
             </a:schemeClr>
           </a:solidFill>
           <a:ln w="28575">
@@ -6300,10 +1873,10 @@
       </p:sp>
       <p:sp>
         <p:nvSpPr>
-          <p:cNvPr id="46" name="Rounded Rectangle 45">
-            <a:extLst>
-              <a:ext uri="{FF2B5EF4-FFF2-40B4-BE49-F238E27FC236}">
-                <a16:creationId xmlns:a16="http://schemas.microsoft.com/office/drawing/2014/main" id="{C9EED1EA-8327-3445-B343-F3C11E9B5A8D}"/>
+          <p:cNvPr id="48" name="Rounded Rectangle 47">
+            <a:extLst>
+              <a:ext uri="{FF2B5EF4-FFF2-40B4-BE49-F238E27FC236}">
+                <a16:creationId xmlns:a16="http://schemas.microsoft.com/office/drawing/2014/main" id="{87FFD480-31EC-1142-91A8-CD99B8F29361}"/>
               </a:ext>
             </a:extLst>
           </p:cNvPr>
@@ -6312,16 +1885,15 @@
         </p:nvSpPr>
         <p:spPr>
           <a:xfrm>
-            <a:off x="4603920" y="1436636"/>
-            <a:ext cx="1977630" cy="1092759"/>
+            <a:off x="3384014" y="5107378"/>
+            <a:ext cx="3206259" cy="1297418"/>
           </a:xfrm>
           <a:prstGeom prst="roundRect">
             <a:avLst/>
           </a:prstGeom>
           <a:solidFill>
-            <a:schemeClr val="accent4">
-              <a:lumMod val="60000"/>
-              <a:lumOff val="40000"/>
+            <a:schemeClr val="bg1">
+              <a:lumMod val="65000"/>
             </a:schemeClr>
           </a:solidFill>
           <a:ln w="28575">
@@ -6354,117 +1926,6 @@
           </a:p>
         </p:txBody>
       </p:sp>
-      <p:sp>
-        <p:nvSpPr>
-          <p:cNvPr id="65" name="Rounded Rectangle 64">
-            <a:extLst>
-              <a:ext uri="{FF2B5EF4-FFF2-40B4-BE49-F238E27FC236}">
-                <a16:creationId xmlns:a16="http://schemas.microsoft.com/office/drawing/2014/main" id="{C4243F02-FCEB-F244-AA07-BA49983506E2}"/>
-              </a:ext>
-            </a:extLst>
-          </p:cNvPr>
-          <p:cNvSpPr/>
-          <p:nvPr/>
-        </p:nvSpPr>
-        <p:spPr>
-          <a:xfrm rot="5400000">
-            <a:off x="4206352" y="1891782"/>
-            <a:ext cx="1561584" cy="3206258"/>
-          </a:xfrm>
-          <a:prstGeom prst="roundRect">
-            <a:avLst/>
-          </a:prstGeom>
-          <a:solidFill>
-            <a:schemeClr val="accent3">
-              <a:lumMod val="60000"/>
-              <a:lumOff val="40000"/>
-            </a:schemeClr>
-          </a:solidFill>
-          <a:ln w="28575">
-            <a:noFill/>
-            <a:prstDash val="sysDot"/>
-          </a:ln>
-        </p:spPr>
-        <p:style>
-          <a:lnRef idx="2">
-            <a:schemeClr val="accent1">
-              <a:shade val="50000"/>
-            </a:schemeClr>
-          </a:lnRef>
-          <a:fillRef idx="1">
-            <a:schemeClr val="accent1"/>
-          </a:fillRef>
-          <a:effectRef idx="0">
-            <a:schemeClr val="accent1"/>
-          </a:effectRef>
-          <a:fontRef idx="minor">
-            <a:schemeClr val="lt1"/>
-          </a:fontRef>
-        </p:style>
-        <p:txBody>
-          <a:bodyPr rtlCol="0" anchor="ctr"/>
-          <a:lstStyle/>
-          <a:p>
-            <a:pPr algn="ctr"/>
-            <a:endParaRPr lang="en-US"/>
-          </a:p>
-        </p:txBody>
-      </p:sp>
-      <p:sp>
-        <p:nvSpPr>
-          <p:cNvPr id="48" name="Rounded Rectangle 47">
-            <a:extLst>
-              <a:ext uri="{FF2B5EF4-FFF2-40B4-BE49-F238E27FC236}">
-                <a16:creationId xmlns:a16="http://schemas.microsoft.com/office/drawing/2014/main" id="{87FFD480-31EC-1142-91A8-CD99B8F29361}"/>
-              </a:ext>
-            </a:extLst>
-          </p:cNvPr>
-          <p:cNvSpPr/>
-          <p:nvPr/>
-        </p:nvSpPr>
-        <p:spPr>
-          <a:xfrm>
-            <a:off x="3384014" y="4448274"/>
-            <a:ext cx="3206259" cy="1297418"/>
-          </a:xfrm>
-          <a:prstGeom prst="roundRect">
-            <a:avLst/>
-          </a:prstGeom>
-          <a:solidFill>
-            <a:schemeClr val="bg1">
-              <a:lumMod val="65000"/>
-            </a:schemeClr>
-          </a:solidFill>
-          <a:ln w="28575">
-            <a:noFill/>
-            <a:prstDash val="sysDot"/>
-          </a:ln>
-        </p:spPr>
-        <p:style>
-          <a:lnRef idx="2">
-            <a:schemeClr val="accent1">
-              <a:shade val="50000"/>
-            </a:schemeClr>
-          </a:lnRef>
-          <a:fillRef idx="1">
-            <a:schemeClr val="accent1"/>
-          </a:fillRef>
-          <a:effectRef idx="0">
-            <a:schemeClr val="accent1"/>
-          </a:effectRef>
-          <a:fontRef idx="minor">
-            <a:schemeClr val="lt1"/>
-          </a:fontRef>
-        </p:style>
-        <p:txBody>
-          <a:bodyPr rtlCol="0" anchor="ctr"/>
-          <a:lstStyle/>
-          <a:p>
-            <a:pPr algn="ctr"/>
-            <a:endParaRPr lang="en-US"/>
-          </a:p>
-        </p:txBody>
-      </p:sp>
       <p:pic>
         <p:nvPicPr>
           <p:cNvPr id="18" name="Picture 17" descr="Icon&#10;&#10;Description automatically generated">
@@ -6493,7 +1954,7 @@
         </p:blipFill>
         <p:spPr>
           <a:xfrm>
-            <a:off x="5743739" y="4690396"/>
+            <a:off x="5743739" y="5349500"/>
             <a:ext cx="626445" cy="626445"/>
           </a:xfrm>
           <a:prstGeom prst="rect">
@@ -6529,7 +1990,7 @@
         </p:blipFill>
         <p:spPr>
           <a:xfrm rot="10800000">
-            <a:off x="3460516" y="4661117"/>
+            <a:off x="3460516" y="5320221"/>
             <a:ext cx="625465" cy="625465"/>
           </a:xfrm>
           <a:prstGeom prst="rect">
@@ -6565,7 +2026,7 @@
         </p:blipFill>
         <p:spPr>
           <a:xfrm>
-            <a:off x="5661132" y="1640547"/>
+            <a:off x="5661132" y="2299651"/>
             <a:ext cx="814996" cy="768691"/>
           </a:xfrm>
           <a:prstGeom prst="rect">
@@ -6608,7 +2069,7 @@
         </p:blipFill>
         <p:spPr>
           <a:xfrm>
-            <a:off x="4893922" y="3034207"/>
+            <a:off x="4893922" y="3693311"/>
             <a:ext cx="692289" cy="692289"/>
           </a:xfrm>
           <a:prstGeom prst="rect">
@@ -6644,7 +2105,7 @@
         </p:blipFill>
         <p:spPr>
           <a:xfrm>
-            <a:off x="5796430" y="3012903"/>
+            <a:off x="5796430" y="3672007"/>
             <a:ext cx="686493" cy="686493"/>
           </a:xfrm>
           <a:prstGeom prst="rect">
@@ -6680,7 +2141,7 @@
         </p:blipFill>
         <p:spPr>
           <a:xfrm>
-            <a:off x="4819944" y="1640546"/>
+            <a:off x="4819944" y="2299650"/>
             <a:ext cx="720080" cy="720080"/>
           </a:xfrm>
           <a:prstGeom prst="rect">
@@ -6716,7 +2177,7 @@
         </p:blipFill>
         <p:spPr>
           <a:xfrm>
-            <a:off x="4972683" y="4615546"/>
+            <a:off x="4972683" y="5274650"/>
             <a:ext cx="626445" cy="687391"/>
           </a:xfrm>
           <a:prstGeom prst="rect">
@@ -6753,7 +2214,7 @@
         </p:blipFill>
         <p:spPr>
           <a:xfrm>
-            <a:off x="3584801" y="3053410"/>
+            <a:off x="3584801" y="3712514"/>
             <a:ext cx="669094" cy="669094"/>
           </a:xfrm>
           <a:prstGeom prst="rect">
@@ -6794,7 +2255,7 @@
         </p:blipFill>
         <p:spPr>
           <a:xfrm>
-            <a:off x="3593447" y="1024805"/>
+            <a:off x="3593447" y="1683909"/>
             <a:ext cx="658611" cy="658611"/>
           </a:xfrm>
           <a:prstGeom prst="rect">
@@ -6835,7 +2296,7 @@
         </p:blipFill>
         <p:spPr>
           <a:xfrm>
-            <a:off x="3605963" y="1888901"/>
+            <a:off x="3605963" y="2548005"/>
             <a:ext cx="629295" cy="629295"/>
           </a:xfrm>
           <a:prstGeom prst="rect">
@@ -6863,7 +2324,7 @@
         </p:nvGrpSpPr>
         <p:grpSpPr>
           <a:xfrm>
-            <a:off x="7448143" y="2780929"/>
+            <a:off x="7448143" y="3440033"/>
             <a:ext cx="1026042" cy="1024127"/>
             <a:chOff x="6975940" y="2943131"/>
             <a:chExt cx="526906" cy="525923"/>
@@ -7000,7 +2461,7 @@
         </p:nvCxnSpPr>
         <p:spPr>
           <a:xfrm flipH="1">
-            <a:off x="6590274" y="3278921"/>
+            <a:off x="6590274" y="3938025"/>
             <a:ext cx="859788" cy="7837"/>
           </a:xfrm>
           <a:prstGeom prst="straightConnector1">
@@ -7039,7 +2500,7 @@
         </p:nvSpPr>
         <p:spPr>
           <a:xfrm rot="10800000">
-            <a:off x="3381381" y="520748"/>
+            <a:off x="3381381" y="1179852"/>
             <a:ext cx="1070934" cy="3766782"/>
           </a:xfrm>
           <a:prstGeom prst="roundRect">
@@ -7108,7 +2569,7 @@
         </p:blipFill>
         <p:spPr>
           <a:xfrm>
-            <a:off x="3964571" y="4638510"/>
+            <a:off x="3964571" y="5297614"/>
             <a:ext cx="687391" cy="687391"/>
           </a:xfrm>
           <a:prstGeom prst="rect">
@@ -7130,7 +2591,7 @@
         </p:nvSpPr>
         <p:spPr>
           <a:xfrm>
-            <a:off x="6599332" y="2810999"/>
+            <a:off x="6599332" y="3470103"/>
             <a:ext cx="1008837" cy="461665"/>
           </a:xfrm>
           <a:prstGeom prst="rect">
@@ -7173,7 +2634,7 @@
         </p:nvSpPr>
         <p:spPr>
           <a:xfrm>
-            <a:off x="3126886" y="520749"/>
+            <a:off x="3126886" y="1179853"/>
             <a:ext cx="1567954" cy="492443"/>
           </a:xfrm>
           <a:prstGeom prst="rect">
@@ -7216,7 +2677,7 @@
         </p:nvSpPr>
         <p:spPr>
           <a:xfrm>
-            <a:off x="5066271" y="2714118"/>
+            <a:off x="5066271" y="3373222"/>
             <a:ext cx="1567954" cy="292388"/>
           </a:xfrm>
           <a:prstGeom prst="rect">
@@ -7252,7 +2713,7 @@
         </p:nvSpPr>
         <p:spPr>
           <a:xfrm>
-            <a:off x="5322837" y="4426225"/>
+            <a:off x="5322837" y="5085329"/>
             <a:ext cx="1567954" cy="292388"/>
           </a:xfrm>
           <a:prstGeom prst="rect">
@@ -7288,7 +2749,7 @@
         </p:nvSpPr>
         <p:spPr>
           <a:xfrm>
-            <a:off x="4877155" y="1412776"/>
+            <a:off x="4877155" y="2071880"/>
             <a:ext cx="1567954" cy="292388"/>
           </a:xfrm>
           <a:prstGeom prst="rect">
@@ -7324,7 +2785,7 @@
         </p:nvSpPr>
         <p:spPr>
           <a:xfrm>
-            <a:off x="4647118" y="2291643"/>
+            <a:off x="4647118" y="2950747"/>
             <a:ext cx="1070934" cy="261610"/>
           </a:xfrm>
           <a:prstGeom prst="rect">
@@ -7366,7 +2827,7 @@
         </p:nvSpPr>
         <p:spPr>
           <a:xfrm>
-            <a:off x="5540024" y="2290662"/>
+            <a:off x="5540024" y="2949766"/>
             <a:ext cx="1070934" cy="261610"/>
           </a:xfrm>
           <a:prstGeom prst="rect">
@@ -7408,7 +2869,7 @@
         </p:nvSpPr>
         <p:spPr>
           <a:xfrm>
-            <a:off x="3581027" y="5314806"/>
+            <a:off x="3581027" y="5973910"/>
             <a:ext cx="1070934" cy="430887"/>
           </a:xfrm>
           <a:prstGeom prst="rect">
@@ -7469,7 +2930,7 @@
         </p:nvSpPr>
         <p:spPr>
           <a:xfrm>
-            <a:off x="4639343" y="5314806"/>
+            <a:off x="4639343" y="5973910"/>
             <a:ext cx="1070934" cy="430887"/>
           </a:xfrm>
           <a:prstGeom prst="rect">
@@ -7511,7 +2972,7 @@
         </p:nvSpPr>
         <p:spPr>
           <a:xfrm>
-            <a:off x="5571347" y="5303244"/>
+            <a:off x="5571347" y="5962348"/>
             <a:ext cx="1070934" cy="430887"/>
           </a:xfrm>
           <a:prstGeom prst="rect">
@@ -7553,7 +3014,7 @@
         </p:nvSpPr>
         <p:spPr>
           <a:xfrm>
-            <a:off x="5704008" y="3685575"/>
+            <a:off x="5704008" y="4344679"/>
             <a:ext cx="847929" cy="430887"/>
           </a:xfrm>
           <a:prstGeom prst="rect">
@@ -7614,7 +3075,7 @@
         </p:nvSpPr>
         <p:spPr>
           <a:xfrm>
-            <a:off x="4511824" y="3687366"/>
+            <a:off x="4511824" y="4346470"/>
             <a:ext cx="1296144" cy="600164"/>
           </a:xfrm>
           <a:prstGeom prst="rect">
@@ -7656,7 +3117,7 @@
         </p:nvSpPr>
         <p:spPr>
           <a:xfrm>
-            <a:off x="3503713" y="3684798"/>
+            <a:off x="3503713" y="4343902"/>
             <a:ext cx="847929" cy="261610"/>
           </a:xfrm>
           <a:prstGeom prst="rect">
@@ -7698,7 +3159,7 @@
         </p:nvSpPr>
         <p:spPr>
           <a:xfrm>
-            <a:off x="3492467" y="1642011"/>
+            <a:off x="3492467" y="2301115"/>
             <a:ext cx="847929" cy="261610"/>
           </a:xfrm>
           <a:prstGeom prst="rect">
@@ -7740,7 +3201,7 @@
         </p:nvSpPr>
         <p:spPr>
           <a:xfrm>
-            <a:off x="3496645" y="2495037"/>
+            <a:off x="3496645" y="3154141"/>
             <a:ext cx="847929" cy="261610"/>
           </a:xfrm>
           <a:prstGeom prst="rect">
@@ -7782,7 +3243,7 @@
         </p:nvSpPr>
         <p:spPr>
           <a:xfrm>
-            <a:off x="6599332" y="1700809"/>
+            <a:off x="6599332" y="2359913"/>
             <a:ext cx="1008837" cy="276999"/>
           </a:xfrm>
           <a:prstGeom prst="rect">
@@ -7822,7 +3283,7 @@
         </p:nvCxnSpPr>
         <p:spPr>
           <a:xfrm rot="16200000" flipV="1">
-            <a:off x="6871924" y="1692644"/>
+            <a:off x="6871924" y="2351748"/>
             <a:ext cx="797913" cy="1378657"/>
           </a:xfrm>
           <a:prstGeom prst="bentConnector2">
@@ -7861,7 +3322,7 @@
         </p:nvSpPr>
         <p:spPr>
           <a:xfrm>
-            <a:off x="5074327" y="404664"/>
+            <a:off x="5074327" y="1063768"/>
             <a:ext cx="1567954" cy="338554"/>
           </a:xfrm>
           <a:prstGeom prst="rect">
@@ -7882,7 +3343,7 @@
                   <a:schemeClr val="bg1"/>
                 </a:solidFill>
               </a:rPr>
-              <a:t>Environment</a:t>
+              <a:t>Building 1</a:t>
             </a:r>
           </a:p>
         </p:txBody>
@@ -7905,7 +3366,7 @@
         </p:nvCxnSpPr>
         <p:spPr>
           <a:xfrm flipH="1">
-            <a:off x="4979472" y="3280631"/>
+            <a:off x="4979472" y="3939735"/>
             <a:ext cx="3494716" cy="2651259"/>
           </a:xfrm>
           <a:prstGeom prst="bentConnector4">
@@ -7948,7 +3409,7 @@
         </p:nvSpPr>
         <p:spPr>
           <a:xfrm>
-            <a:off x="6256238" y="5877273"/>
+            <a:off x="6256238" y="6536377"/>
             <a:ext cx="1567954" cy="276999"/>
           </a:xfrm>
           <a:prstGeom prst="rect">
@@ -7988,7 +3449,7 @@
         </p:nvCxnSpPr>
         <p:spPr>
           <a:xfrm rot="10800000">
-            <a:off x="6370183" y="5003618"/>
+            <a:off x="6370183" y="5662722"/>
             <a:ext cx="1031014" cy="5202"/>
           </a:xfrm>
           <a:prstGeom prst="bentConnector3">
@@ -8031,7 +3492,7 @@
         </p:nvGrpSpPr>
         <p:grpSpPr>
           <a:xfrm>
-            <a:off x="7392144" y="4493106"/>
+            <a:off x="7392144" y="5152210"/>
             <a:ext cx="1024128" cy="1024127"/>
             <a:chOff x="6976923" y="2934906"/>
             <a:chExt cx="525923" cy="525923"/>
@@ -8166,7 +3627,7 @@
         </p:nvSpPr>
         <p:spPr>
           <a:xfrm>
-            <a:off x="6258439" y="4725145"/>
+            <a:off x="6258439" y="5384249"/>
             <a:ext cx="1567954" cy="276999"/>
           </a:xfrm>
           <a:prstGeom prst="rect">
@@ -8205,7 +3666,7 @@
         </p:nvCxnSpPr>
         <p:spPr>
           <a:xfrm flipH="1">
-            <a:off x="8416272" y="5008820"/>
+            <a:off x="8416272" y="5667924"/>
             <a:ext cx="272016" cy="0"/>
           </a:xfrm>
           <a:prstGeom prst="straightConnector1">
@@ -8243,7 +3704,7 @@
 </p:sld>
 </file>
 
-<file path=ppt/slides/slide3.xml><?xml version="1.0" encoding="utf-8"?>
+<file path=ppt/slides/slide2.xml><?xml version="1.0" encoding="utf-8"?>
 <p:sld xmlns:a="http://schemas.openxmlformats.org/drawingml/2006/main" xmlns:r="http://schemas.openxmlformats.org/officeDocument/2006/relationships" xmlns:p="http://schemas.openxmlformats.org/presentationml/2006/main">
   <p:cSld>
     <p:spTree>
@@ -8262,10 +3723,10 @@
       </p:grpSpPr>
       <p:pic>
         <p:nvPicPr>
-          <p:cNvPr id="5" name="Picture 4">
-            <a:extLst>
-              <a:ext uri="{FF2B5EF4-FFF2-40B4-BE49-F238E27FC236}">
-                <a16:creationId xmlns:a16="http://schemas.microsoft.com/office/drawing/2014/main" id="{7A53E961-4E38-B4CF-4ECB-1A6DE87D3782}"/>
+          <p:cNvPr id="3" name="Picture 2">
+            <a:extLst>
+              <a:ext uri="{FF2B5EF4-FFF2-40B4-BE49-F238E27FC236}">
+                <a16:creationId xmlns:a16="http://schemas.microsoft.com/office/drawing/2014/main" id="{AB05FC28-019D-0958-2994-BBBEB8CAAC95}"/>
               </a:ext>
             </a:extLst>
           </p:cNvPr>
@@ -8282,8 +3743,8 @@
         </p:blipFill>
         <p:spPr>
           <a:xfrm>
-            <a:off x="3295650" y="488950"/>
-            <a:ext cx="5600700" cy="5880100"/>
+            <a:off x="3155950" y="304800"/>
+            <a:ext cx="5880100" cy="6248400"/>
           </a:xfrm>
           <a:prstGeom prst="rect">
             <a:avLst/>
@@ -8303,7 +3764,7 @@
 </p:sld>
 </file>
 
-<file path=ppt/slides/slide4.xml><?xml version="1.0" encoding="utf-8"?>
+<file path=ppt/slides/slide3.xml><?xml version="1.0" encoding="utf-8"?>
 <p:sld xmlns:a="http://schemas.openxmlformats.org/drawingml/2006/main" xmlns:r="http://schemas.openxmlformats.org/officeDocument/2006/relationships" xmlns:p="http://schemas.openxmlformats.org/presentationml/2006/main">
   <p:cSld>
     <p:spTree>
@@ -11462,7 +6923,7 @@
 </p:sld>
 </file>
 
-<file path=ppt/slides/slide5.xml><?xml version="1.0" encoding="utf-8"?>
+<file path=ppt/slides/slide4.xml><?xml version="1.0" encoding="utf-8"?>
 <p:sld xmlns:a="http://schemas.openxmlformats.org/drawingml/2006/main" xmlns:r="http://schemas.openxmlformats.org/officeDocument/2006/relationships" xmlns:p="http://schemas.openxmlformats.org/presentationml/2006/main">
   <p:cSld>
     <p:spTree>
@@ -11479,36 +6940,6 @@
           <a:chExt cx="0" cy="0"/>
         </a:xfrm>
       </p:grpSpPr>
-      <p:sp>
-        <p:nvSpPr>
-          <p:cNvPr id="2" name="Footer Placeholder 1">
-            <a:extLst>
-              <a:ext uri="{FF2B5EF4-FFF2-40B4-BE49-F238E27FC236}">
-                <a16:creationId xmlns:a16="http://schemas.microsoft.com/office/drawing/2014/main" id="{C9B8A7F2-790E-6DE6-EE89-4B3A49FE4B9B}"/>
-              </a:ext>
-            </a:extLst>
-          </p:cNvPr>
-          <p:cNvSpPr>
-            <a:spLocks noGrp="1"/>
-          </p:cNvSpPr>
-          <p:nvPr>
-            <p:ph type="ftr" sz="quarter" idx="3"/>
-          </p:nvPr>
-        </p:nvSpPr>
-        <p:spPr/>
-        <p:txBody>
-          <a:bodyPr/>
-          <a:lstStyle/>
-          <a:p>
-            <a:pPr algn="l"/>
-            <a:r>
-              <a:rPr lang="en-US"/>
-              <a:t>IEA EBC Annex 79, 8th Expert Meeting, March 30-31, 2022                                                 Cross subtask activity: Agent-based Modeling </a:t>
-            </a:r>
-            <a:endParaRPr lang="de-DE" dirty="0"/>
-          </a:p>
-        </p:txBody>
-      </p:sp>
       <p:pic>
         <p:nvPicPr>
           <p:cNvPr id="4" name="Picture 3">

--- a/assets/images/citylearn_systems.pptx
+++ b/assets/images/citylearn_systems.pptx
@@ -5,19 +5,20 @@
     <p:sldMasterId id="2147483648" r:id="rId1"/>
   </p:sldMasterIdLst>
   <p:notesMasterIdLst>
-    <p:notesMasterId r:id="rId9"/>
+    <p:notesMasterId r:id="rId10"/>
   </p:notesMasterIdLst>
   <p:handoutMasterIdLst>
-    <p:handoutMasterId r:id="rId10"/>
+    <p:handoutMasterId r:id="rId11"/>
   </p:handoutMasterIdLst>
   <p:sldIdLst>
     <p:sldId id="833" r:id="rId2"/>
-    <p:sldId id="838" r:id="rId3"/>
-    <p:sldId id="834" r:id="rId4"/>
-    <p:sldId id="839" r:id="rId5"/>
-    <p:sldId id="840" r:id="rId6"/>
-    <p:sldId id="837" r:id="rId7"/>
-    <p:sldId id="841" r:id="rId8"/>
+    <p:sldId id="844" r:id="rId3"/>
+    <p:sldId id="838" r:id="rId4"/>
+    <p:sldId id="834" r:id="rId5"/>
+    <p:sldId id="839" r:id="rId6"/>
+    <p:sldId id="840" r:id="rId7"/>
+    <p:sldId id="837" r:id="rId8"/>
+    <p:sldId id="841" r:id="rId9"/>
   </p:sldIdLst>
   <p:sldSz cx="12192000" cy="6858000"/>
   <p:notesSz cx="7099300" cy="10234613"/>
@@ -255,7 +256,7 @@
           <a:p>
             <a:fld id="{C375809C-1078-40E5-8D78-A06230988E2D}" type="datetimeFigureOut">
               <a:rPr lang="en-US" smtClean="0"/>
-              <a:t>3/24/23</a:t>
+              <a:t>8/31/23</a:t>
             </a:fld>
             <a:endParaRPr lang="en-US"/>
           </a:p>
@@ -433,7 +434,7 @@
             <a:fld id="{2B843C7C-BC90-49F1-B4F6-A48532280559}" type="datetimeFigureOut">
               <a:rPr lang="de-DE" smtClean="0"/>
               <a:pPr/>
-              <a:t>24.03.23</a:t>
+              <a:t>31.08.23</a:t>
             </a:fld>
             <a:endParaRPr lang="de-DE"/>
           </a:p>
@@ -1618,7 +1619,7 @@
         </p:nvSpPr>
         <p:spPr>
           <a:xfrm rot="10800000">
-            <a:off x="2855641" y="631023"/>
+            <a:off x="2727634" y="107926"/>
             <a:ext cx="3513180" cy="5606288"/>
           </a:xfrm>
           <a:prstGeom prst="roundRect">
@@ -1677,7 +1678,7 @@
         </p:nvSpPr>
         <p:spPr>
           <a:xfrm>
-            <a:off x="4707086" y="692696"/>
+            <a:off x="4579079" y="169599"/>
             <a:ext cx="1567954" cy="338554"/>
           </a:xfrm>
           <a:prstGeom prst="rect">
@@ -1713,8 +1714,8 @@
         </p:nvSpPr>
         <p:spPr>
           <a:xfrm rot="10800000">
-            <a:off x="3222882" y="984705"/>
-            <a:ext cx="3513180" cy="5606288"/>
+            <a:off x="3094875" y="461608"/>
+            <a:ext cx="3744066" cy="5606288"/>
           </a:xfrm>
           <a:prstGeom prst="roundRect">
             <a:avLst>
@@ -1772,7 +1773,7 @@
         </p:nvSpPr>
         <p:spPr>
           <a:xfrm>
-            <a:off x="4603920" y="2095740"/>
+            <a:off x="4475913" y="1572643"/>
             <a:ext cx="1977630" cy="1092759"/>
           </a:xfrm>
           <a:prstGeom prst="roundRect">
@@ -1828,7 +1829,7 @@
         </p:nvSpPr>
         <p:spPr>
           <a:xfrm rot="5400000">
-            <a:off x="4206352" y="2550886"/>
+            <a:off x="4078345" y="2027789"/>
             <a:ext cx="1561584" cy="3206258"/>
           </a:xfrm>
           <a:prstGeom prst="roundRect">
@@ -1884,7 +1885,7 @@
         </p:nvSpPr>
         <p:spPr>
           <a:xfrm>
-            <a:off x="3384014" y="5107378"/>
+            <a:off x="3256007" y="4584281"/>
             <a:ext cx="3206259" cy="1297418"/>
           </a:xfrm>
           <a:prstGeom prst="roundRect">
@@ -1953,7 +1954,7 @@
         </p:blipFill>
         <p:spPr>
           <a:xfrm>
-            <a:off x="5743739" y="5349500"/>
+            <a:off x="5615732" y="4826403"/>
             <a:ext cx="626445" cy="626445"/>
           </a:xfrm>
           <a:prstGeom prst="rect">
@@ -1989,7 +1990,7 @@
         </p:blipFill>
         <p:spPr>
           <a:xfrm rot="10800000">
-            <a:off x="3460516" y="5320221"/>
+            <a:off x="3332509" y="4797124"/>
             <a:ext cx="625465" cy="625465"/>
           </a:xfrm>
           <a:prstGeom prst="rect">
@@ -2025,7 +2026,7 @@
         </p:blipFill>
         <p:spPr>
           <a:xfrm>
-            <a:off x="5661132" y="2299651"/>
+            <a:off x="5533125" y="1776554"/>
             <a:ext cx="814996" cy="768691"/>
           </a:xfrm>
           <a:prstGeom prst="rect">
@@ -2068,7 +2069,7 @@
         </p:blipFill>
         <p:spPr>
           <a:xfrm>
-            <a:off x="4893922" y="3693311"/>
+            <a:off x="4765915" y="3170214"/>
             <a:ext cx="692289" cy="692289"/>
           </a:xfrm>
           <a:prstGeom prst="rect">
@@ -2104,7 +2105,7 @@
         </p:blipFill>
         <p:spPr>
           <a:xfrm>
-            <a:off x="5796430" y="3672007"/>
+            <a:off x="5668423" y="3148910"/>
             <a:ext cx="686493" cy="686493"/>
           </a:xfrm>
           <a:prstGeom prst="rect">
@@ -2140,7 +2141,7 @@
         </p:blipFill>
         <p:spPr>
           <a:xfrm>
-            <a:off x="4819944" y="2299650"/>
+            <a:off x="4691937" y="1776553"/>
             <a:ext cx="720080" cy="720080"/>
           </a:xfrm>
           <a:prstGeom prst="rect">
@@ -2176,7 +2177,7 @@
         </p:blipFill>
         <p:spPr>
           <a:xfrm>
-            <a:off x="4972683" y="5274650"/>
+            <a:off x="4844676" y="4751553"/>
             <a:ext cx="626445" cy="687391"/>
           </a:xfrm>
           <a:prstGeom prst="rect">
@@ -2213,7 +2214,7 @@
         </p:blipFill>
         <p:spPr>
           <a:xfrm>
-            <a:off x="3584801" y="3712514"/>
+            <a:off x="3456794" y="3189417"/>
             <a:ext cx="669094" cy="669094"/>
           </a:xfrm>
           <a:prstGeom prst="rect">
@@ -2254,7 +2255,7 @@
         </p:blipFill>
         <p:spPr>
           <a:xfrm>
-            <a:off x="3593447" y="1683909"/>
+            <a:off x="3465440" y="1160812"/>
             <a:ext cx="658611" cy="658611"/>
           </a:xfrm>
           <a:prstGeom prst="rect">
@@ -2295,7 +2296,7 @@
         </p:blipFill>
         <p:spPr>
           <a:xfrm>
-            <a:off x="3605963" y="2548005"/>
+            <a:off x="3477956" y="2024908"/>
             <a:ext cx="629295" cy="629295"/>
           </a:xfrm>
           <a:prstGeom prst="rect">
@@ -2323,7 +2324,7 @@
         </p:nvGrpSpPr>
         <p:grpSpPr>
           <a:xfrm>
-            <a:off x="7448143" y="3440033"/>
+            <a:off x="7320136" y="2916936"/>
             <a:ext cx="1026042" cy="1024127"/>
             <a:chOff x="6975940" y="2943131"/>
             <a:chExt cx="526906" cy="525923"/>
@@ -2460,7 +2461,7 @@
         </p:nvCxnSpPr>
         <p:spPr>
           <a:xfrm flipH="1">
-            <a:off x="6590274" y="3938025"/>
+            <a:off x="6462267" y="3414928"/>
             <a:ext cx="859788" cy="7837"/>
           </a:xfrm>
           <a:prstGeom prst="straightConnector1">
@@ -2499,7 +2500,7 @@
         </p:nvSpPr>
         <p:spPr>
           <a:xfrm rot="10800000">
-            <a:off x="3381381" y="1179852"/>
+            <a:off x="3253374" y="656755"/>
             <a:ext cx="1070934" cy="3766782"/>
           </a:xfrm>
           <a:prstGeom prst="roundRect">
@@ -2568,7 +2569,7 @@
         </p:blipFill>
         <p:spPr>
           <a:xfrm>
-            <a:off x="3964571" y="5297614"/>
+            <a:off x="3836564" y="4774517"/>
             <a:ext cx="687391" cy="687391"/>
           </a:xfrm>
           <a:prstGeom prst="rect">
@@ -2590,7 +2591,7 @@
         </p:nvSpPr>
         <p:spPr>
           <a:xfrm>
-            <a:off x="6599332" y="3470103"/>
+            <a:off x="6671339" y="2947006"/>
             <a:ext cx="1008837" cy="461665"/>
           </a:xfrm>
           <a:prstGeom prst="rect">
@@ -2633,7 +2634,7 @@
         </p:nvSpPr>
         <p:spPr>
           <a:xfrm>
-            <a:off x="3126886" y="1179853"/>
+            <a:off x="2998879" y="656756"/>
             <a:ext cx="1567954" cy="492443"/>
           </a:xfrm>
           <a:prstGeom prst="rect">
@@ -2676,7 +2677,7 @@
         </p:nvSpPr>
         <p:spPr>
           <a:xfrm>
-            <a:off x="5066271" y="3373222"/>
+            <a:off x="4938264" y="2850125"/>
             <a:ext cx="1567954" cy="292388"/>
           </a:xfrm>
           <a:prstGeom prst="rect">
@@ -2712,7 +2713,7 @@
         </p:nvSpPr>
         <p:spPr>
           <a:xfrm>
-            <a:off x="5322837" y="5085329"/>
+            <a:off x="5194830" y="4562232"/>
             <a:ext cx="1567954" cy="292388"/>
           </a:xfrm>
           <a:prstGeom prst="rect">
@@ -2748,7 +2749,7 @@
         </p:nvSpPr>
         <p:spPr>
           <a:xfrm>
-            <a:off x="4877155" y="2071880"/>
+            <a:off x="4749148" y="1548783"/>
             <a:ext cx="1567954" cy="292388"/>
           </a:xfrm>
           <a:prstGeom prst="rect">
@@ -2784,7 +2785,7 @@
         </p:nvSpPr>
         <p:spPr>
           <a:xfrm>
-            <a:off x="4647118" y="2950747"/>
+            <a:off x="4519111" y="2427650"/>
             <a:ext cx="1070934" cy="261610"/>
           </a:xfrm>
           <a:prstGeom prst="rect">
@@ -2826,7 +2827,7 @@
         </p:nvSpPr>
         <p:spPr>
           <a:xfrm>
-            <a:off x="5540024" y="2949766"/>
+            <a:off x="5412017" y="2426669"/>
             <a:ext cx="1070934" cy="261610"/>
           </a:xfrm>
           <a:prstGeom prst="rect">
@@ -2868,7 +2869,7 @@
         </p:nvSpPr>
         <p:spPr>
           <a:xfrm>
-            <a:off x="3581027" y="5973910"/>
+            <a:off x="3453020" y="5450813"/>
             <a:ext cx="1070934" cy="430887"/>
           </a:xfrm>
           <a:prstGeom prst="rect">
@@ -2929,7 +2930,7 @@
         </p:nvSpPr>
         <p:spPr>
           <a:xfrm>
-            <a:off x="4639343" y="5973910"/>
+            <a:off x="4511336" y="5450813"/>
             <a:ext cx="1070934" cy="430887"/>
           </a:xfrm>
           <a:prstGeom prst="rect">
@@ -2971,7 +2972,7 @@
         </p:nvSpPr>
         <p:spPr>
           <a:xfrm>
-            <a:off x="5571347" y="5962348"/>
+            <a:off x="5443340" y="5439251"/>
             <a:ext cx="1070934" cy="430887"/>
           </a:xfrm>
           <a:prstGeom prst="rect">
@@ -3013,7 +3014,7 @@
         </p:nvSpPr>
         <p:spPr>
           <a:xfrm>
-            <a:off x="5704008" y="4344679"/>
+            <a:off x="5576001" y="3821582"/>
             <a:ext cx="847929" cy="430887"/>
           </a:xfrm>
           <a:prstGeom prst="rect">
@@ -3074,7 +3075,7 @@
         </p:nvSpPr>
         <p:spPr>
           <a:xfrm>
-            <a:off x="4511824" y="4346470"/>
+            <a:off x="4383817" y="3823373"/>
             <a:ext cx="1296144" cy="600164"/>
           </a:xfrm>
           <a:prstGeom prst="rect">
@@ -3116,7 +3117,7 @@
         </p:nvSpPr>
         <p:spPr>
           <a:xfrm>
-            <a:off x="3503713" y="4343902"/>
+            <a:off x="3375706" y="3820805"/>
             <a:ext cx="847929" cy="261610"/>
           </a:xfrm>
           <a:prstGeom prst="rect">
@@ -3158,7 +3159,7 @@
         </p:nvSpPr>
         <p:spPr>
           <a:xfrm>
-            <a:off x="3492467" y="2301115"/>
+            <a:off x="3364460" y="1778018"/>
             <a:ext cx="847929" cy="261610"/>
           </a:xfrm>
           <a:prstGeom prst="rect">
@@ -3200,7 +3201,7 @@
         </p:nvSpPr>
         <p:spPr>
           <a:xfrm>
-            <a:off x="3496645" y="3154141"/>
+            <a:off x="3368638" y="2631044"/>
             <a:ext cx="847929" cy="261610"/>
           </a:xfrm>
           <a:prstGeom prst="rect">
@@ -3242,7 +3243,7 @@
         </p:nvSpPr>
         <p:spPr>
           <a:xfrm>
-            <a:off x="6599332" y="2359913"/>
+            <a:off x="6471325" y="1836816"/>
             <a:ext cx="1008837" cy="276999"/>
           </a:xfrm>
           <a:prstGeom prst="rect">
@@ -3282,7 +3283,7 @@
         </p:nvCxnSpPr>
         <p:spPr>
           <a:xfrm rot="16200000" flipV="1">
-            <a:off x="6871924" y="2351748"/>
+            <a:off x="6743917" y="1828651"/>
             <a:ext cx="797913" cy="1378657"/>
           </a:xfrm>
           <a:prstGeom prst="bentConnector2">
@@ -3321,7 +3322,7 @@
         </p:nvSpPr>
         <p:spPr>
           <a:xfrm>
-            <a:off x="5074327" y="1063768"/>
+            <a:off x="4946320" y="540671"/>
             <a:ext cx="1567954" cy="338554"/>
           </a:xfrm>
           <a:prstGeom prst="rect">
@@ -3361,12 +3362,12 @@
         </p:nvCxnSpPr>
         <p:spPr>
           <a:xfrm flipH="1">
-            <a:off x="4979472" y="3939735"/>
-            <a:ext cx="3494716" cy="2651259"/>
+            <a:off x="4966908" y="3416637"/>
+            <a:ext cx="3379270" cy="2651259"/>
           </a:xfrm>
           <a:prstGeom prst="bentConnector4">
             <a:avLst>
-              <a:gd name="adj1" fmla="val -6541"/>
+              <a:gd name="adj1" fmla="val -6765"/>
               <a:gd name="adj2" fmla="val 108622"/>
             </a:avLst>
           </a:prstGeom>
@@ -3404,7 +3405,7 @@
         </p:nvSpPr>
         <p:spPr>
           <a:xfrm>
-            <a:off x="6256238" y="6536377"/>
+            <a:off x="6128231" y="6013280"/>
             <a:ext cx="1567954" cy="276999"/>
           </a:xfrm>
           <a:prstGeom prst="rect">
@@ -3444,7 +3445,7 @@
         </p:nvCxnSpPr>
         <p:spPr>
           <a:xfrm rot="10800000">
-            <a:off x="6370183" y="5662722"/>
+            <a:off x="6242176" y="5139625"/>
             <a:ext cx="1031014" cy="5202"/>
           </a:xfrm>
           <a:prstGeom prst="bentConnector3">
@@ -3487,7 +3488,7 @@
         </p:nvGrpSpPr>
         <p:grpSpPr>
           <a:xfrm>
-            <a:off x="7392144" y="5152210"/>
+            <a:off x="7264137" y="4629113"/>
             <a:ext cx="1024128" cy="1024127"/>
             <a:chOff x="6976923" y="2934906"/>
             <a:chExt cx="525923" cy="525923"/>
@@ -3622,7 +3623,7 @@
         </p:nvSpPr>
         <p:spPr>
           <a:xfrm>
-            <a:off x="6258439" y="5384249"/>
+            <a:off x="6130432" y="4861152"/>
             <a:ext cx="1567954" cy="276999"/>
           </a:xfrm>
           <a:prstGeom prst="rect">
@@ -3661,7 +3662,7 @@
         </p:nvCxnSpPr>
         <p:spPr>
           <a:xfrm flipH="1">
-            <a:off x="8416272" y="5667924"/>
+            <a:off x="8288265" y="5144827"/>
             <a:ext cx="272016" cy="0"/>
           </a:xfrm>
           <a:prstGeom prst="straightConnector1">
@@ -3669,6 +3670,96 @@
           </a:prstGeom>
           <a:ln w="28575">
             <a:tailEnd type="triangle"/>
+          </a:ln>
+        </p:spPr>
+        <p:style>
+          <a:lnRef idx="1">
+            <a:schemeClr val="dk1"/>
+          </a:lnRef>
+          <a:fillRef idx="0">
+            <a:schemeClr val="dk1"/>
+          </a:fillRef>
+          <a:effectRef idx="0">
+            <a:schemeClr val="dk1"/>
+          </a:effectRef>
+          <a:fontRef idx="minor">
+            <a:schemeClr val="tx1"/>
+          </a:fontRef>
+        </p:style>
+      </p:cxnSp>
+      <p:cxnSp>
+        <p:nvCxnSpPr>
+          <p:cNvPr id="23" name="Straight Arrow Connector 22">
+            <a:extLst>
+              <a:ext uri="{FF2B5EF4-FFF2-40B4-BE49-F238E27FC236}">
+                <a16:creationId xmlns:a16="http://schemas.microsoft.com/office/drawing/2014/main" id="{63C143AB-2492-5E87-BA4D-A01F89D56B6C}"/>
+              </a:ext>
+            </a:extLst>
+          </p:cNvPr>
+          <p:cNvCxnSpPr>
+            <a:cxnSpLocks/>
+          </p:cNvCxnSpPr>
+          <p:nvPr/>
+        </p:nvCxnSpPr>
+        <p:spPr>
+          <a:xfrm>
+            <a:off x="4746796" y="4411710"/>
+            <a:ext cx="0" cy="172571"/>
+          </a:xfrm>
+          <a:prstGeom prst="straightConnector1">
+            <a:avLst/>
+          </a:prstGeom>
+          <a:ln w="28575">
+            <a:solidFill>
+              <a:schemeClr val="tx1"/>
+            </a:solidFill>
+            <a:tailEnd type="triangle"/>
+          </a:ln>
+        </p:spPr>
+        <p:style>
+          <a:lnRef idx="1">
+            <a:schemeClr val="dk1"/>
+          </a:lnRef>
+          <a:fillRef idx="0">
+            <a:schemeClr val="dk1"/>
+          </a:fillRef>
+          <a:effectRef idx="0">
+            <a:schemeClr val="dk1"/>
+          </a:effectRef>
+          <a:fontRef idx="minor">
+            <a:schemeClr val="tx1"/>
+          </a:fontRef>
+        </p:style>
+      </p:cxnSp>
+      <p:cxnSp>
+        <p:nvCxnSpPr>
+          <p:cNvPr id="37" name="Straight Arrow Connector 23">
+            <a:extLst>
+              <a:ext uri="{FF2B5EF4-FFF2-40B4-BE49-F238E27FC236}">
+                <a16:creationId xmlns:a16="http://schemas.microsoft.com/office/drawing/2014/main" id="{6DA4AE2F-2890-2CDB-40C0-61EC1854C28D}"/>
+              </a:ext>
+            </a:extLst>
+          </p:cNvPr>
+          <p:cNvCxnSpPr>
+            <a:cxnSpLocks/>
+            <a:stCxn id="48" idx="1"/>
+            <a:endCxn id="59" idx="3"/>
+          </p:cNvCxnSpPr>
+          <p:nvPr/>
+        </p:nvCxnSpPr>
+        <p:spPr>
+          <a:xfrm rot="10800000">
+            <a:off x="3253375" y="2540146"/>
+            <a:ext cx="2633" cy="2692844"/>
+          </a:xfrm>
+          <a:prstGeom prst="bentConnector3">
+            <a:avLst>
+              <a:gd name="adj1" fmla="val 12702469"/>
+            </a:avLst>
+          </a:prstGeom>
+          <a:ln w="28575">
+            <a:headEnd type="triangle" w="med" len="med"/>
+            <a:tailEnd type="none" w="med" len="med"/>
           </a:ln>
         </p:spPr>
         <p:style>
@@ -3700,6 +3791,3704 @@
 </file>
 
 <file path=ppt/slides/slide2.xml><?xml version="1.0" encoding="utf-8"?>
+<p:sld xmlns:a="http://schemas.openxmlformats.org/drawingml/2006/main" xmlns:r="http://schemas.openxmlformats.org/officeDocument/2006/relationships" xmlns:p="http://schemas.openxmlformats.org/presentationml/2006/main">
+  <p:cSld>
+    <p:spTree>
+      <p:nvGrpSpPr>
+        <p:cNvPr id="1" name=""/>
+        <p:cNvGrpSpPr/>
+        <p:nvPr/>
+      </p:nvGrpSpPr>
+      <p:grpSpPr>
+        <a:xfrm>
+          <a:off x="0" y="0"/>
+          <a:ext cx="0" cy="0"/>
+          <a:chOff x="0" y="0"/>
+          <a:chExt cx="0" cy="0"/>
+        </a:xfrm>
+      </p:grpSpPr>
+      <p:grpSp>
+        <p:nvGrpSpPr>
+          <p:cNvPr id="6" name="Group 5">
+            <a:extLst>
+              <a:ext uri="{FF2B5EF4-FFF2-40B4-BE49-F238E27FC236}">
+                <a16:creationId xmlns:a16="http://schemas.microsoft.com/office/drawing/2014/main" id="{6FFAAEA2-8082-52E4-07C3-287CAA9B1BB2}"/>
+              </a:ext>
+            </a:extLst>
+          </p:cNvPr>
+          <p:cNvGrpSpPr/>
+          <p:nvPr/>
+        </p:nvGrpSpPr>
+        <p:grpSpPr>
+          <a:xfrm>
+            <a:off x="2614354" y="745240"/>
+            <a:ext cx="3816988" cy="4868698"/>
+            <a:chOff x="4760657" y="861974"/>
+            <a:chExt cx="3816988" cy="4868698"/>
+          </a:xfrm>
+        </p:grpSpPr>
+        <p:sp>
+          <p:nvSpPr>
+            <p:cNvPr id="8" name="Rounded Rectangle 7">
+              <a:extLst>
+                <a:ext uri="{FF2B5EF4-FFF2-40B4-BE49-F238E27FC236}">
+                  <a16:creationId xmlns:a16="http://schemas.microsoft.com/office/drawing/2014/main" id="{7B21DCDD-E9FF-0610-6CC0-81A9F6D0A3D7}"/>
+                </a:ext>
+              </a:extLst>
+            </p:cNvPr>
+            <p:cNvSpPr/>
+            <p:nvPr/>
+          </p:nvSpPr>
+          <p:spPr>
+            <a:xfrm rot="10800000">
+              <a:off x="4856653" y="861974"/>
+              <a:ext cx="3513180" cy="4868698"/>
+            </a:xfrm>
+            <a:prstGeom prst="roundRect">
+              <a:avLst>
+                <a:gd name="adj" fmla="val 6867"/>
+              </a:avLst>
+            </a:prstGeom>
+            <a:solidFill>
+              <a:schemeClr val="bg1">
+                <a:lumMod val="85000"/>
+              </a:schemeClr>
+            </a:solidFill>
+            <a:ln w="28575">
+              <a:solidFill>
+                <a:schemeClr val="tx1"/>
+              </a:solidFill>
+              <a:prstDash val="solid"/>
+            </a:ln>
+          </p:spPr>
+          <p:style>
+            <a:lnRef idx="2">
+              <a:schemeClr val="accent1">
+                <a:shade val="50000"/>
+              </a:schemeClr>
+            </a:lnRef>
+            <a:fillRef idx="1">
+              <a:schemeClr val="accent1"/>
+            </a:fillRef>
+            <a:effectRef idx="0">
+              <a:schemeClr val="accent1"/>
+            </a:effectRef>
+            <a:fontRef idx="minor">
+              <a:schemeClr val="lt1"/>
+            </a:fontRef>
+          </p:style>
+          <p:txBody>
+            <a:bodyPr rtlCol="0" anchor="ctr"/>
+            <a:lstStyle/>
+            <a:p>
+              <a:pPr algn="ctr"/>
+              <a:endParaRPr lang="en-US"/>
+            </a:p>
+          </p:txBody>
+        </p:sp>
+        <p:sp>
+          <p:nvSpPr>
+            <p:cNvPr id="11" name="Rounded Rectangle 10">
+              <a:extLst>
+                <a:ext uri="{FF2B5EF4-FFF2-40B4-BE49-F238E27FC236}">
+                  <a16:creationId xmlns:a16="http://schemas.microsoft.com/office/drawing/2014/main" id="{76267E06-310B-F734-E1BF-C606C9BD1A23}"/>
+                </a:ext>
+              </a:extLst>
+            </p:cNvPr>
+            <p:cNvSpPr/>
+            <p:nvPr/>
+          </p:nvSpPr>
+          <p:spPr>
+            <a:xfrm>
+              <a:off x="6237691" y="1235421"/>
+              <a:ext cx="1977630" cy="1092759"/>
+            </a:xfrm>
+            <a:prstGeom prst="roundRect">
+              <a:avLst/>
+            </a:prstGeom>
+            <a:solidFill>
+              <a:schemeClr val="accent4">
+                <a:lumMod val="60000"/>
+                <a:lumOff val="40000"/>
+              </a:schemeClr>
+            </a:solidFill>
+            <a:ln w="28575">
+              <a:noFill/>
+              <a:prstDash val="sysDot"/>
+            </a:ln>
+          </p:spPr>
+          <p:style>
+            <a:lnRef idx="2">
+              <a:schemeClr val="accent1">
+                <a:shade val="50000"/>
+              </a:schemeClr>
+            </a:lnRef>
+            <a:fillRef idx="1">
+              <a:schemeClr val="accent1"/>
+            </a:fillRef>
+            <a:effectRef idx="0">
+              <a:schemeClr val="accent1"/>
+            </a:effectRef>
+            <a:fontRef idx="minor">
+              <a:schemeClr val="lt1"/>
+            </a:fontRef>
+          </p:style>
+          <p:txBody>
+            <a:bodyPr rtlCol="0" anchor="ctr"/>
+            <a:lstStyle/>
+            <a:p>
+              <a:pPr algn="ctr"/>
+              <a:endParaRPr lang="en-US"/>
+            </a:p>
+          </p:txBody>
+        </p:sp>
+        <p:sp>
+          <p:nvSpPr>
+            <p:cNvPr id="12" name="Rounded Rectangle 11">
+              <a:extLst>
+                <a:ext uri="{FF2B5EF4-FFF2-40B4-BE49-F238E27FC236}">
+                  <a16:creationId xmlns:a16="http://schemas.microsoft.com/office/drawing/2014/main" id="{0E0F3FB4-BD13-9257-C76C-216E8E3EFC50}"/>
+                </a:ext>
+              </a:extLst>
+            </p:cNvPr>
+            <p:cNvSpPr/>
+            <p:nvPr/>
+          </p:nvSpPr>
+          <p:spPr>
+            <a:xfrm rot="5400000">
+              <a:off x="5835761" y="1694929"/>
+              <a:ext cx="1561584" cy="3197534"/>
+            </a:xfrm>
+            <a:prstGeom prst="roundRect">
+              <a:avLst/>
+            </a:prstGeom>
+            <a:solidFill>
+              <a:schemeClr val="accent3">
+                <a:lumMod val="60000"/>
+                <a:lumOff val="40000"/>
+              </a:schemeClr>
+            </a:solidFill>
+            <a:ln w="28575">
+              <a:noFill/>
+              <a:prstDash val="sysDot"/>
+            </a:ln>
+          </p:spPr>
+          <p:style>
+            <a:lnRef idx="2">
+              <a:schemeClr val="accent1">
+                <a:shade val="50000"/>
+              </a:schemeClr>
+            </a:lnRef>
+            <a:fillRef idx="1">
+              <a:schemeClr val="accent1"/>
+            </a:fillRef>
+            <a:effectRef idx="0">
+              <a:schemeClr val="accent1"/>
+            </a:effectRef>
+            <a:fontRef idx="minor">
+              <a:schemeClr val="lt1"/>
+            </a:fontRef>
+          </p:style>
+          <p:txBody>
+            <a:bodyPr rtlCol="0" anchor="ctr"/>
+            <a:lstStyle/>
+            <a:p>
+              <a:pPr algn="ctr"/>
+              <a:endParaRPr lang="en-US"/>
+            </a:p>
+          </p:txBody>
+        </p:sp>
+        <p:sp>
+          <p:nvSpPr>
+            <p:cNvPr id="14" name="Rounded Rectangle 13">
+              <a:extLst>
+                <a:ext uri="{FF2B5EF4-FFF2-40B4-BE49-F238E27FC236}">
+                  <a16:creationId xmlns:a16="http://schemas.microsoft.com/office/drawing/2014/main" id="{C9C03D20-806A-4954-3A1F-DCA0BD9EA218}"/>
+                </a:ext>
+              </a:extLst>
+            </p:cNvPr>
+            <p:cNvSpPr/>
+            <p:nvPr/>
+          </p:nvSpPr>
+          <p:spPr>
+            <a:xfrm>
+              <a:off x="5017785" y="4247059"/>
+              <a:ext cx="3206259" cy="1297418"/>
+            </a:xfrm>
+            <a:prstGeom prst="roundRect">
+              <a:avLst/>
+            </a:prstGeom>
+            <a:solidFill>
+              <a:schemeClr val="bg1">
+                <a:lumMod val="65000"/>
+              </a:schemeClr>
+            </a:solidFill>
+            <a:ln w="28575">
+              <a:noFill/>
+              <a:prstDash val="sysDot"/>
+            </a:ln>
+          </p:spPr>
+          <p:style>
+            <a:lnRef idx="2">
+              <a:schemeClr val="accent1">
+                <a:shade val="50000"/>
+              </a:schemeClr>
+            </a:lnRef>
+            <a:fillRef idx="1">
+              <a:schemeClr val="accent1"/>
+            </a:fillRef>
+            <a:effectRef idx="0">
+              <a:schemeClr val="accent1"/>
+            </a:effectRef>
+            <a:fontRef idx="minor">
+              <a:schemeClr val="lt1"/>
+            </a:fontRef>
+          </p:style>
+          <p:txBody>
+            <a:bodyPr rtlCol="0" anchor="ctr"/>
+            <a:lstStyle/>
+            <a:p>
+              <a:pPr algn="ctr"/>
+              <a:endParaRPr lang="en-US"/>
+            </a:p>
+          </p:txBody>
+        </p:sp>
+        <p:pic>
+          <p:nvPicPr>
+            <p:cNvPr id="15" name="Picture 14" descr="Icon&#10;&#10;Description automatically generated">
+              <a:extLst>
+                <a:ext uri="{FF2B5EF4-FFF2-40B4-BE49-F238E27FC236}">
+                  <a16:creationId xmlns:a16="http://schemas.microsoft.com/office/drawing/2014/main" id="{96BABB83-71F9-37CC-69F6-A85BA7C45BB7}"/>
+                </a:ext>
+              </a:extLst>
+            </p:cNvPr>
+            <p:cNvPicPr>
+              <a:picLocks noChangeAspect="1"/>
+            </p:cNvPicPr>
+            <p:nvPr/>
+          </p:nvPicPr>
+          <p:blipFill>
+            <a:blip r:embed="rId2" cstate="print">
+              <a:extLst>
+                <a:ext uri="{28A0092B-C50C-407E-A947-70E740481C1C}">
+                  <a14:useLocalDpi xmlns:a14="http://schemas.microsoft.com/office/drawing/2010/main" val="0"/>
+                </a:ext>
+              </a:extLst>
+            </a:blip>
+            <a:stretch>
+              <a:fillRect/>
+            </a:stretch>
+          </p:blipFill>
+          <p:spPr>
+            <a:xfrm>
+              <a:off x="7377510" y="4489181"/>
+              <a:ext cx="626445" cy="626445"/>
+            </a:xfrm>
+            <a:prstGeom prst="rect">
+              <a:avLst/>
+            </a:prstGeom>
+          </p:spPr>
+        </p:pic>
+        <p:pic>
+          <p:nvPicPr>
+            <p:cNvPr id="21" name="Picture 20" descr="Icon&#10;&#10;Description automatically generated">
+              <a:extLst>
+                <a:ext uri="{FF2B5EF4-FFF2-40B4-BE49-F238E27FC236}">
+                  <a16:creationId xmlns:a16="http://schemas.microsoft.com/office/drawing/2014/main" id="{491AE941-9E91-5595-FBDE-EF49069C2F06}"/>
+                </a:ext>
+              </a:extLst>
+            </p:cNvPr>
+            <p:cNvPicPr>
+              <a:picLocks noChangeAspect="1"/>
+            </p:cNvPicPr>
+            <p:nvPr/>
+          </p:nvPicPr>
+          <p:blipFill>
+            <a:blip r:embed="rId3" cstate="print">
+              <a:extLst>
+                <a:ext uri="{28A0092B-C50C-407E-A947-70E740481C1C}">
+                  <a14:useLocalDpi xmlns:a14="http://schemas.microsoft.com/office/drawing/2010/main" val="0"/>
+                </a:ext>
+              </a:extLst>
+            </a:blip>
+            <a:stretch>
+              <a:fillRect/>
+            </a:stretch>
+          </p:blipFill>
+          <p:spPr>
+            <a:xfrm rot="10800000">
+              <a:off x="5094287" y="4459902"/>
+              <a:ext cx="625465" cy="625465"/>
+            </a:xfrm>
+            <a:prstGeom prst="rect">
+              <a:avLst/>
+            </a:prstGeom>
+          </p:spPr>
+        </p:pic>
+        <p:pic>
+          <p:nvPicPr>
+            <p:cNvPr id="23" name="Picture 22" descr="A picture containing icon&#10;&#10;Description automatically generated">
+              <a:extLst>
+                <a:ext uri="{FF2B5EF4-FFF2-40B4-BE49-F238E27FC236}">
+                  <a16:creationId xmlns:a16="http://schemas.microsoft.com/office/drawing/2014/main" id="{25A7AD7F-AAD4-51E2-86DF-31CA3A9E7D79}"/>
+                </a:ext>
+              </a:extLst>
+            </p:cNvPr>
+            <p:cNvPicPr>
+              <a:picLocks noChangeAspect="1"/>
+            </p:cNvPicPr>
+            <p:nvPr/>
+          </p:nvPicPr>
+          <p:blipFill>
+            <a:blip r:embed="rId4" cstate="print">
+              <a:extLst>
+                <a:ext uri="{28A0092B-C50C-407E-A947-70E740481C1C}">
+                  <a14:useLocalDpi xmlns:a14="http://schemas.microsoft.com/office/drawing/2010/main" val="0"/>
+                </a:ext>
+              </a:extLst>
+            </a:blip>
+            <a:stretch>
+              <a:fillRect/>
+            </a:stretch>
+          </p:blipFill>
+          <p:spPr>
+            <a:xfrm>
+              <a:off x="7294903" y="1439332"/>
+              <a:ext cx="814996" cy="768691"/>
+            </a:xfrm>
+            <a:prstGeom prst="rect">
+              <a:avLst/>
+            </a:prstGeom>
+          </p:spPr>
+        </p:pic>
+        <p:pic>
+          <p:nvPicPr>
+            <p:cNvPr id="24" name="Picture 23" descr="A picture containing icon&#10;&#10;Description automatically generated">
+              <a:extLst>
+                <a:ext uri="{FF2B5EF4-FFF2-40B4-BE49-F238E27FC236}">
+                  <a16:creationId xmlns:a16="http://schemas.microsoft.com/office/drawing/2014/main" id="{688B39BD-4CF6-F72F-8CA4-1CBFB28128D8}"/>
+                </a:ext>
+              </a:extLst>
+            </p:cNvPr>
+            <p:cNvPicPr>
+              <a:picLocks noChangeAspect="1"/>
+            </p:cNvPicPr>
+            <p:nvPr/>
+          </p:nvPicPr>
+          <p:blipFill>
+            <a:blip r:embed="rId5" cstate="print">
+              <a:duotone>
+                <a:schemeClr val="accent2">
+                  <a:shade val="45000"/>
+                  <a:satMod val="135000"/>
+                </a:schemeClr>
+                <a:prstClr val="white"/>
+              </a:duotone>
+              <a:extLst>
+                <a:ext uri="{28A0092B-C50C-407E-A947-70E740481C1C}">
+                  <a14:useLocalDpi xmlns:a14="http://schemas.microsoft.com/office/drawing/2010/main" val="0"/>
+                </a:ext>
+              </a:extLst>
+            </a:blip>
+            <a:stretch>
+              <a:fillRect/>
+            </a:stretch>
+          </p:blipFill>
+          <p:spPr>
+            <a:xfrm>
+              <a:off x="6527693" y="2832992"/>
+              <a:ext cx="692289" cy="692289"/>
+            </a:xfrm>
+            <a:prstGeom prst="rect">
+              <a:avLst/>
+            </a:prstGeom>
+          </p:spPr>
+        </p:pic>
+        <p:pic>
+          <p:nvPicPr>
+            <p:cNvPr id="27" name="Picture 26" descr="Icon&#10;&#10;Description automatically generated">
+              <a:extLst>
+                <a:ext uri="{FF2B5EF4-FFF2-40B4-BE49-F238E27FC236}">
+                  <a16:creationId xmlns:a16="http://schemas.microsoft.com/office/drawing/2014/main" id="{F397DF21-AEFF-F805-0B55-C2E714295541}"/>
+                </a:ext>
+              </a:extLst>
+            </p:cNvPr>
+            <p:cNvPicPr>
+              <a:picLocks noChangeAspect="1"/>
+            </p:cNvPicPr>
+            <p:nvPr/>
+          </p:nvPicPr>
+          <p:blipFill>
+            <a:blip r:embed="rId6" cstate="print">
+              <a:extLst>
+                <a:ext uri="{28A0092B-C50C-407E-A947-70E740481C1C}">
+                  <a14:useLocalDpi xmlns:a14="http://schemas.microsoft.com/office/drawing/2010/main" val="0"/>
+                </a:ext>
+              </a:extLst>
+            </a:blip>
+            <a:stretch>
+              <a:fillRect/>
+            </a:stretch>
+          </p:blipFill>
+          <p:spPr>
+            <a:xfrm>
+              <a:off x="6453715" y="1439331"/>
+              <a:ext cx="720080" cy="720080"/>
+            </a:xfrm>
+            <a:prstGeom prst="rect">
+              <a:avLst/>
+            </a:prstGeom>
+          </p:spPr>
+        </p:pic>
+        <p:pic>
+          <p:nvPicPr>
+            <p:cNvPr id="28" name="Picture 27" descr="Icon&#10;&#10;Description automatically generated">
+              <a:extLst>
+                <a:ext uri="{FF2B5EF4-FFF2-40B4-BE49-F238E27FC236}">
+                  <a16:creationId xmlns:a16="http://schemas.microsoft.com/office/drawing/2014/main" id="{6DB8D1D5-7896-E65E-EFFF-2CAFF9E19A45}"/>
+                </a:ext>
+              </a:extLst>
+            </p:cNvPr>
+            <p:cNvPicPr>
+              <a:picLocks noChangeAspect="1"/>
+            </p:cNvPicPr>
+            <p:nvPr/>
+          </p:nvPicPr>
+          <p:blipFill>
+            <a:blip r:embed="rId7" cstate="print">
+              <a:extLst>
+                <a:ext uri="{28A0092B-C50C-407E-A947-70E740481C1C}">
+                  <a14:useLocalDpi xmlns:a14="http://schemas.microsoft.com/office/drawing/2010/main" val="0"/>
+                </a:ext>
+              </a:extLst>
+            </a:blip>
+            <a:stretch>
+              <a:fillRect/>
+            </a:stretch>
+          </p:blipFill>
+          <p:spPr>
+            <a:xfrm>
+              <a:off x="6606454" y="4414331"/>
+              <a:ext cx="626445" cy="687391"/>
+            </a:xfrm>
+            <a:prstGeom prst="rect">
+              <a:avLst/>
+            </a:prstGeom>
+          </p:spPr>
+        </p:pic>
+        <p:pic>
+          <p:nvPicPr>
+            <p:cNvPr id="29" name="Picture 28" descr="A picture containing text, clock&#10;&#10;Description automatically generated">
+              <a:extLst>
+                <a:ext uri="{FF2B5EF4-FFF2-40B4-BE49-F238E27FC236}">
+                  <a16:creationId xmlns:a16="http://schemas.microsoft.com/office/drawing/2014/main" id="{CC85AB02-105F-9D5B-83C3-3EEAF6C91D02}"/>
+                </a:ext>
+              </a:extLst>
+            </p:cNvPr>
+            <p:cNvPicPr>
+              <a:picLocks noChangeAspect="1"/>
+            </p:cNvPicPr>
+            <p:nvPr/>
+          </p:nvPicPr>
+          <p:blipFill>
+            <a:blip r:embed="rId8" cstate="print">
+              <a:biLevel thresh="75000"/>
+              <a:extLst>
+                <a:ext uri="{28A0092B-C50C-407E-A947-70E740481C1C}">
+                  <a14:useLocalDpi xmlns:a14="http://schemas.microsoft.com/office/drawing/2010/main" val="0"/>
+                </a:ext>
+              </a:extLst>
+            </a:blip>
+            <a:stretch>
+              <a:fillRect/>
+            </a:stretch>
+          </p:blipFill>
+          <p:spPr>
+            <a:xfrm>
+              <a:off x="5218572" y="2852195"/>
+              <a:ext cx="669094" cy="669094"/>
+            </a:xfrm>
+            <a:prstGeom prst="rect">
+              <a:avLst/>
+            </a:prstGeom>
+            <a:noFill/>
+            <a:ln>
+              <a:noFill/>
+            </a:ln>
+          </p:spPr>
+        </p:pic>
+        <p:pic>
+          <p:nvPicPr>
+            <p:cNvPr id="31" name="Picture 30" descr="A picture containing text, clock&#10;&#10;Description automatically generated">
+              <a:extLst>
+                <a:ext uri="{FF2B5EF4-FFF2-40B4-BE49-F238E27FC236}">
+                  <a16:creationId xmlns:a16="http://schemas.microsoft.com/office/drawing/2014/main" id="{3DF2BCA7-9915-015E-ED1B-687DB4F36FD8}"/>
+                </a:ext>
+              </a:extLst>
+            </p:cNvPr>
+            <p:cNvPicPr>
+              <a:picLocks noChangeAspect="1"/>
+            </p:cNvPicPr>
+            <p:nvPr/>
+          </p:nvPicPr>
+          <p:blipFill>
+            <a:blip r:embed="rId9" cstate="print">
+              <a:biLevel thresh="75000"/>
+              <a:extLst>
+                <a:ext uri="{28A0092B-C50C-407E-A947-70E740481C1C}">
+                  <a14:useLocalDpi xmlns:a14="http://schemas.microsoft.com/office/drawing/2010/main" val="0"/>
+                </a:ext>
+              </a:extLst>
+            </a:blip>
+            <a:stretch>
+              <a:fillRect/>
+            </a:stretch>
+          </p:blipFill>
+          <p:spPr>
+            <a:xfrm>
+              <a:off x="5239734" y="1687686"/>
+              <a:ext cx="629295" cy="629295"/>
+            </a:xfrm>
+            <a:prstGeom prst="rect">
+              <a:avLst/>
+            </a:prstGeom>
+            <a:noFill/>
+            <a:ln>
+              <a:noFill/>
+            </a:ln>
+          </p:spPr>
+        </p:pic>
+        <p:sp>
+          <p:nvSpPr>
+            <p:cNvPr id="32" name="Rounded Rectangle 31">
+              <a:extLst>
+                <a:ext uri="{FF2B5EF4-FFF2-40B4-BE49-F238E27FC236}">
+                  <a16:creationId xmlns:a16="http://schemas.microsoft.com/office/drawing/2014/main" id="{E6BE4FB6-E70F-057C-7778-42E046DDEF76}"/>
+                </a:ext>
+              </a:extLst>
+            </p:cNvPr>
+            <p:cNvSpPr/>
+            <p:nvPr/>
+          </p:nvSpPr>
+          <p:spPr>
+            <a:xfrm rot="10800000">
+              <a:off x="5015152" y="1235421"/>
+              <a:ext cx="1070934" cy="2850894"/>
+            </a:xfrm>
+            <a:prstGeom prst="roundRect">
+              <a:avLst>
+                <a:gd name="adj" fmla="val 25205"/>
+              </a:avLst>
+            </a:prstGeom>
+            <a:noFill/>
+            <a:ln w="28575">
+              <a:solidFill>
+                <a:schemeClr val="tx1"/>
+              </a:solidFill>
+              <a:prstDash val="sysDot"/>
+            </a:ln>
+          </p:spPr>
+          <p:style>
+            <a:lnRef idx="2">
+              <a:schemeClr val="accent1">
+                <a:shade val="50000"/>
+              </a:schemeClr>
+            </a:lnRef>
+            <a:fillRef idx="1">
+              <a:schemeClr val="accent1"/>
+            </a:fillRef>
+            <a:effectRef idx="0">
+              <a:schemeClr val="accent1"/>
+            </a:effectRef>
+            <a:fontRef idx="minor">
+              <a:schemeClr val="lt1"/>
+            </a:fontRef>
+          </p:style>
+          <p:txBody>
+            <a:bodyPr rtlCol="0" anchor="ctr"/>
+            <a:lstStyle/>
+            <a:p>
+              <a:pPr algn="ctr"/>
+              <a:endParaRPr lang="en-US"/>
+            </a:p>
+          </p:txBody>
+        </p:sp>
+        <p:pic>
+          <p:nvPicPr>
+            <p:cNvPr id="34" name="Picture 33" descr="Icon&#10;&#10;Description automatically generated with medium confidence">
+              <a:extLst>
+                <a:ext uri="{FF2B5EF4-FFF2-40B4-BE49-F238E27FC236}">
+                  <a16:creationId xmlns:a16="http://schemas.microsoft.com/office/drawing/2014/main" id="{E20CF20F-D23E-8A80-B2BF-276D77A2D3D7}"/>
+                </a:ext>
+              </a:extLst>
+            </p:cNvPr>
+            <p:cNvPicPr>
+              <a:picLocks noChangeAspect="1"/>
+            </p:cNvPicPr>
+            <p:nvPr/>
+          </p:nvPicPr>
+          <p:blipFill>
+            <a:blip r:embed="rId10" cstate="print">
+              <a:extLst>
+                <a:ext uri="{28A0092B-C50C-407E-A947-70E740481C1C}">
+                  <a14:useLocalDpi xmlns:a14="http://schemas.microsoft.com/office/drawing/2010/main" val="0"/>
+                </a:ext>
+              </a:extLst>
+            </a:blip>
+            <a:stretch>
+              <a:fillRect/>
+            </a:stretch>
+          </p:blipFill>
+          <p:spPr>
+            <a:xfrm>
+              <a:off x="5598342" y="4437295"/>
+              <a:ext cx="687391" cy="687391"/>
+            </a:xfrm>
+            <a:prstGeom prst="rect">
+              <a:avLst/>
+            </a:prstGeom>
+          </p:spPr>
+        </p:pic>
+        <p:sp>
+          <p:nvSpPr>
+            <p:cNvPr id="36" name="TextBox 35">
+              <a:extLst>
+                <a:ext uri="{FF2B5EF4-FFF2-40B4-BE49-F238E27FC236}">
+                  <a16:creationId xmlns:a16="http://schemas.microsoft.com/office/drawing/2014/main" id="{780F9F25-F311-A997-9803-8F02B6BE953D}"/>
+                </a:ext>
+              </a:extLst>
+            </p:cNvPr>
+            <p:cNvSpPr txBox="1"/>
+            <p:nvPr/>
+          </p:nvSpPr>
+          <p:spPr>
+            <a:xfrm>
+              <a:off x="4760657" y="1212142"/>
+              <a:ext cx="1567954" cy="492443"/>
+            </a:xfrm>
+            <a:prstGeom prst="rect">
+              <a:avLst/>
+            </a:prstGeom>
+            <a:noFill/>
+          </p:spPr>
+          <p:txBody>
+            <a:bodyPr wrap="square" rtlCol="0">
+              <a:spAutoFit/>
+            </a:bodyPr>
+            <a:lstStyle/>
+            <a:p>
+              <a:pPr algn="ctr"/>
+              <a:r>
+                <a:rPr lang="en-US" sz="1300" b="1" dirty="0"/>
+                <a:t>Electricity</a:t>
+              </a:r>
+              <a:br>
+                <a:rPr lang="en-US" sz="1300" b="1" dirty="0"/>
+              </a:br>
+              <a:r>
+                <a:rPr lang="en-US" sz="1300" b="1" dirty="0"/>
+                <a:t>Source</a:t>
+              </a:r>
+            </a:p>
+          </p:txBody>
+        </p:sp>
+        <p:sp>
+          <p:nvSpPr>
+            <p:cNvPr id="37" name="TextBox 36">
+              <a:extLst>
+                <a:ext uri="{FF2B5EF4-FFF2-40B4-BE49-F238E27FC236}">
+                  <a16:creationId xmlns:a16="http://schemas.microsoft.com/office/drawing/2014/main" id="{7EBE008A-4F5B-2EAD-75A2-E98871D44033}"/>
+                </a:ext>
+              </a:extLst>
+            </p:cNvPr>
+            <p:cNvSpPr txBox="1"/>
+            <p:nvPr/>
+          </p:nvSpPr>
+          <p:spPr>
+            <a:xfrm>
+              <a:off x="6751272" y="2513253"/>
+              <a:ext cx="1567954" cy="292388"/>
+            </a:xfrm>
+            <a:prstGeom prst="rect">
+              <a:avLst/>
+            </a:prstGeom>
+            <a:noFill/>
+          </p:spPr>
+          <p:txBody>
+            <a:bodyPr wrap="square" rtlCol="0">
+              <a:spAutoFit/>
+            </a:bodyPr>
+            <a:lstStyle/>
+            <a:p>
+              <a:pPr algn="ctr"/>
+              <a:r>
+                <a:rPr lang="en-US" sz="1300" b="1" dirty="0"/>
+                <a:t>Energy Storage</a:t>
+              </a:r>
+            </a:p>
+          </p:txBody>
+        </p:sp>
+        <p:sp>
+          <p:nvSpPr>
+            <p:cNvPr id="38" name="TextBox 37">
+              <a:extLst>
+                <a:ext uri="{FF2B5EF4-FFF2-40B4-BE49-F238E27FC236}">
+                  <a16:creationId xmlns:a16="http://schemas.microsoft.com/office/drawing/2014/main" id="{85FD9E42-882B-AB32-C26B-7228750EE051}"/>
+                </a:ext>
+              </a:extLst>
+            </p:cNvPr>
+            <p:cNvSpPr txBox="1"/>
+            <p:nvPr/>
+          </p:nvSpPr>
+          <p:spPr>
+            <a:xfrm>
+              <a:off x="6956608" y="4225010"/>
+              <a:ext cx="1567954" cy="292388"/>
+            </a:xfrm>
+            <a:prstGeom prst="rect">
+              <a:avLst/>
+            </a:prstGeom>
+            <a:noFill/>
+          </p:spPr>
+          <p:txBody>
+            <a:bodyPr wrap="square" rtlCol="0">
+              <a:spAutoFit/>
+            </a:bodyPr>
+            <a:lstStyle/>
+            <a:p>
+              <a:pPr algn="ctr"/>
+              <a:r>
+                <a:rPr lang="en-US" sz="1300" b="1" dirty="0"/>
+                <a:t>End Use</a:t>
+              </a:r>
+            </a:p>
+          </p:txBody>
+        </p:sp>
+        <p:sp>
+          <p:nvSpPr>
+            <p:cNvPr id="39" name="TextBox 38">
+              <a:extLst>
+                <a:ext uri="{FF2B5EF4-FFF2-40B4-BE49-F238E27FC236}">
+                  <a16:creationId xmlns:a16="http://schemas.microsoft.com/office/drawing/2014/main" id="{BDB15C6A-E90B-F7C0-BDA7-02E5FBB5DA71}"/>
+                </a:ext>
+              </a:extLst>
+            </p:cNvPr>
+            <p:cNvSpPr txBox="1"/>
+            <p:nvPr/>
+          </p:nvSpPr>
+          <p:spPr>
+            <a:xfrm>
+              <a:off x="6510926" y="1211561"/>
+              <a:ext cx="1567954" cy="292388"/>
+            </a:xfrm>
+            <a:prstGeom prst="rect">
+              <a:avLst/>
+            </a:prstGeom>
+            <a:noFill/>
+          </p:spPr>
+          <p:txBody>
+            <a:bodyPr wrap="square" rtlCol="0">
+              <a:spAutoFit/>
+            </a:bodyPr>
+            <a:lstStyle/>
+            <a:p>
+              <a:pPr algn="r"/>
+              <a:r>
+                <a:rPr lang="en-US" sz="1300" b="1" dirty="0"/>
+                <a:t>Heat Supply</a:t>
+              </a:r>
+            </a:p>
+          </p:txBody>
+        </p:sp>
+        <p:sp>
+          <p:nvSpPr>
+            <p:cNvPr id="40" name="TextBox 39">
+              <a:extLst>
+                <a:ext uri="{FF2B5EF4-FFF2-40B4-BE49-F238E27FC236}">
+                  <a16:creationId xmlns:a16="http://schemas.microsoft.com/office/drawing/2014/main" id="{9186C11A-91D3-2062-E3AD-193AE51E454A}"/>
+                </a:ext>
+              </a:extLst>
+            </p:cNvPr>
+            <p:cNvSpPr txBox="1"/>
+            <p:nvPr/>
+          </p:nvSpPr>
+          <p:spPr>
+            <a:xfrm>
+              <a:off x="6280889" y="2090428"/>
+              <a:ext cx="1070934" cy="261610"/>
+            </a:xfrm>
+            <a:prstGeom prst="rect">
+              <a:avLst/>
+            </a:prstGeom>
+            <a:noFill/>
+          </p:spPr>
+          <p:txBody>
+            <a:bodyPr wrap="square" rtlCol="0">
+              <a:spAutoFit/>
+            </a:bodyPr>
+            <a:lstStyle/>
+            <a:p>
+              <a:pPr algn="ctr"/>
+              <a:r>
+                <a:rPr lang="en-US" sz="1100" i="1" dirty="0">
+                  <a:solidFill>
+                    <a:schemeClr val="tx2">
+                      <a:lumMod val="75000"/>
+                    </a:schemeClr>
+                  </a:solidFill>
+                </a:rPr>
+                <a:t>Electric heater</a:t>
+              </a:r>
+            </a:p>
+          </p:txBody>
+        </p:sp>
+        <p:sp>
+          <p:nvSpPr>
+            <p:cNvPr id="41" name="TextBox 40">
+              <a:extLst>
+                <a:ext uri="{FF2B5EF4-FFF2-40B4-BE49-F238E27FC236}">
+                  <a16:creationId xmlns:a16="http://schemas.microsoft.com/office/drawing/2014/main" id="{F3A28235-8025-E137-DF0A-55FE763FBD94}"/>
+                </a:ext>
+              </a:extLst>
+            </p:cNvPr>
+            <p:cNvSpPr txBox="1"/>
+            <p:nvPr/>
+          </p:nvSpPr>
+          <p:spPr>
+            <a:xfrm>
+              <a:off x="7173795" y="2089447"/>
+              <a:ext cx="1070934" cy="261610"/>
+            </a:xfrm>
+            <a:prstGeom prst="rect">
+              <a:avLst/>
+            </a:prstGeom>
+            <a:noFill/>
+          </p:spPr>
+          <p:txBody>
+            <a:bodyPr wrap="square" rtlCol="0">
+              <a:spAutoFit/>
+            </a:bodyPr>
+            <a:lstStyle/>
+            <a:p>
+              <a:pPr algn="ctr"/>
+              <a:r>
+                <a:rPr lang="en-US" sz="1100" i="1" dirty="0">
+                  <a:solidFill>
+                    <a:schemeClr val="tx2">
+                      <a:lumMod val="75000"/>
+                    </a:schemeClr>
+                  </a:solidFill>
+                </a:rPr>
+                <a:t>Heat pump</a:t>
+              </a:r>
+            </a:p>
+          </p:txBody>
+        </p:sp>
+        <p:sp>
+          <p:nvSpPr>
+            <p:cNvPr id="42" name="TextBox 41">
+              <a:extLst>
+                <a:ext uri="{FF2B5EF4-FFF2-40B4-BE49-F238E27FC236}">
+                  <a16:creationId xmlns:a16="http://schemas.microsoft.com/office/drawing/2014/main" id="{5E6BDFB7-6646-C2ED-B0BD-28C1EB2650D6}"/>
+                </a:ext>
+              </a:extLst>
+            </p:cNvPr>
+            <p:cNvSpPr txBox="1"/>
+            <p:nvPr/>
+          </p:nvSpPr>
+          <p:spPr>
+            <a:xfrm>
+              <a:off x="5214798" y="5113591"/>
+              <a:ext cx="1070934" cy="430887"/>
+            </a:xfrm>
+            <a:prstGeom prst="rect">
+              <a:avLst/>
+            </a:prstGeom>
+            <a:noFill/>
+          </p:spPr>
+          <p:txBody>
+            <a:bodyPr wrap="square" rtlCol="0">
+              <a:spAutoFit/>
+            </a:bodyPr>
+            <a:lstStyle/>
+            <a:p>
+              <a:pPr algn="ctr"/>
+              <a:r>
+                <a:rPr lang="en-US" sz="1100" i="1" dirty="0">
+                  <a:solidFill>
+                    <a:schemeClr val="tx2">
+                      <a:lumMod val="75000"/>
+                    </a:schemeClr>
+                  </a:solidFill>
+                </a:rPr>
+                <a:t>Non-shiftable</a:t>
+              </a:r>
+              <a:br>
+                <a:rPr lang="en-US" sz="1100" i="1" dirty="0">
+                  <a:solidFill>
+                    <a:schemeClr val="tx2">
+                      <a:lumMod val="75000"/>
+                    </a:schemeClr>
+                  </a:solidFill>
+                </a:rPr>
+              </a:br>
+              <a:r>
+                <a:rPr lang="en-US" sz="1100" i="1" dirty="0">
+                  <a:solidFill>
+                    <a:schemeClr val="tx2">
+                      <a:lumMod val="75000"/>
+                    </a:schemeClr>
+                  </a:solidFill>
+                </a:rPr>
+                <a:t>plug loads</a:t>
+              </a:r>
+            </a:p>
+          </p:txBody>
+        </p:sp>
+        <p:sp>
+          <p:nvSpPr>
+            <p:cNvPr id="43" name="TextBox 42">
+              <a:extLst>
+                <a:ext uri="{FF2B5EF4-FFF2-40B4-BE49-F238E27FC236}">
+                  <a16:creationId xmlns:a16="http://schemas.microsoft.com/office/drawing/2014/main" id="{A73B3D3D-2645-8B46-3A46-4E400A32B16E}"/>
+                </a:ext>
+              </a:extLst>
+            </p:cNvPr>
+            <p:cNvSpPr txBox="1"/>
+            <p:nvPr/>
+          </p:nvSpPr>
+          <p:spPr>
+            <a:xfrm>
+              <a:off x="6273114" y="5113591"/>
+              <a:ext cx="1070934" cy="430887"/>
+            </a:xfrm>
+            <a:prstGeom prst="rect">
+              <a:avLst/>
+            </a:prstGeom>
+            <a:noFill/>
+          </p:spPr>
+          <p:txBody>
+            <a:bodyPr wrap="square" rtlCol="0">
+              <a:spAutoFit/>
+            </a:bodyPr>
+            <a:lstStyle/>
+            <a:p>
+              <a:pPr algn="ctr"/>
+              <a:r>
+                <a:rPr lang="en-US" sz="1100" i="1" dirty="0">
+                  <a:solidFill>
+                    <a:schemeClr val="tx2">
+                      <a:lumMod val="75000"/>
+                    </a:schemeClr>
+                  </a:solidFill>
+                </a:rPr>
+                <a:t>Domestic hot water heating</a:t>
+              </a:r>
+            </a:p>
+          </p:txBody>
+        </p:sp>
+        <p:sp>
+          <p:nvSpPr>
+            <p:cNvPr id="44" name="TextBox 43">
+              <a:extLst>
+                <a:ext uri="{FF2B5EF4-FFF2-40B4-BE49-F238E27FC236}">
+                  <a16:creationId xmlns:a16="http://schemas.microsoft.com/office/drawing/2014/main" id="{5DC27816-FB1B-F6B0-E616-CEE61399F307}"/>
+                </a:ext>
+              </a:extLst>
+            </p:cNvPr>
+            <p:cNvSpPr txBox="1"/>
+            <p:nvPr/>
+          </p:nvSpPr>
+          <p:spPr>
+            <a:xfrm>
+              <a:off x="7205118" y="5102029"/>
+              <a:ext cx="1070934" cy="430887"/>
+            </a:xfrm>
+            <a:prstGeom prst="rect">
+              <a:avLst/>
+            </a:prstGeom>
+            <a:noFill/>
+          </p:spPr>
+          <p:txBody>
+            <a:bodyPr wrap="square" rtlCol="0">
+              <a:spAutoFit/>
+            </a:bodyPr>
+            <a:lstStyle/>
+            <a:p>
+              <a:pPr algn="ctr"/>
+              <a:r>
+                <a:rPr lang="en-US" sz="1100" i="1" dirty="0">
+                  <a:solidFill>
+                    <a:schemeClr val="tx2">
+                      <a:lumMod val="75000"/>
+                    </a:schemeClr>
+                  </a:solidFill>
+                </a:rPr>
+                <a:t>Space cooling &amp; heating</a:t>
+              </a:r>
+            </a:p>
+          </p:txBody>
+        </p:sp>
+        <p:sp>
+          <p:nvSpPr>
+            <p:cNvPr id="50" name="TextBox 49">
+              <a:extLst>
+                <a:ext uri="{FF2B5EF4-FFF2-40B4-BE49-F238E27FC236}">
+                  <a16:creationId xmlns:a16="http://schemas.microsoft.com/office/drawing/2014/main" id="{D55A4E41-6ADD-31B2-AC83-43A2AB4D32BE}"/>
+                </a:ext>
+              </a:extLst>
+            </p:cNvPr>
+            <p:cNvSpPr txBox="1"/>
+            <p:nvPr/>
+          </p:nvSpPr>
+          <p:spPr>
+            <a:xfrm>
+              <a:off x="6145595" y="3486151"/>
+              <a:ext cx="1296144" cy="430887"/>
+            </a:xfrm>
+            <a:prstGeom prst="rect">
+              <a:avLst/>
+            </a:prstGeom>
+            <a:noFill/>
+          </p:spPr>
+          <p:txBody>
+            <a:bodyPr wrap="square" rtlCol="0">
+              <a:spAutoFit/>
+            </a:bodyPr>
+            <a:lstStyle/>
+            <a:p>
+              <a:pPr algn="ctr"/>
+              <a:r>
+                <a:rPr lang="en-US" sz="1100" i="1" dirty="0">
+                  <a:solidFill>
+                    <a:schemeClr val="tx2">
+                      <a:lumMod val="75000"/>
+                    </a:schemeClr>
+                  </a:solidFill>
+                </a:rPr>
+                <a:t>Domestic hot water  heating storage</a:t>
+              </a:r>
+            </a:p>
+          </p:txBody>
+        </p:sp>
+        <p:sp>
+          <p:nvSpPr>
+            <p:cNvPr id="51" name="TextBox 50">
+              <a:extLst>
+                <a:ext uri="{FF2B5EF4-FFF2-40B4-BE49-F238E27FC236}">
+                  <a16:creationId xmlns:a16="http://schemas.microsoft.com/office/drawing/2014/main" id="{AB795FE6-CF12-1843-1109-81264DE2A8DF}"/>
+                </a:ext>
+              </a:extLst>
+            </p:cNvPr>
+            <p:cNvSpPr txBox="1"/>
+            <p:nvPr/>
+          </p:nvSpPr>
+          <p:spPr>
+            <a:xfrm>
+              <a:off x="5137484" y="3483583"/>
+              <a:ext cx="847929" cy="261610"/>
+            </a:xfrm>
+            <a:prstGeom prst="rect">
+              <a:avLst/>
+            </a:prstGeom>
+            <a:noFill/>
+          </p:spPr>
+          <p:txBody>
+            <a:bodyPr wrap="square" rtlCol="0">
+              <a:spAutoFit/>
+            </a:bodyPr>
+            <a:lstStyle/>
+            <a:p>
+              <a:pPr algn="ctr"/>
+              <a:r>
+                <a:rPr lang="en-US" sz="1100" i="1" dirty="0">
+                  <a:solidFill>
+                    <a:schemeClr val="tx2">
+                      <a:lumMod val="75000"/>
+                    </a:schemeClr>
+                  </a:solidFill>
+                </a:rPr>
+                <a:t>Battery</a:t>
+              </a:r>
+            </a:p>
+          </p:txBody>
+        </p:sp>
+        <p:sp>
+          <p:nvSpPr>
+            <p:cNvPr id="53" name="TextBox 52">
+              <a:extLst>
+                <a:ext uri="{FF2B5EF4-FFF2-40B4-BE49-F238E27FC236}">
+                  <a16:creationId xmlns:a16="http://schemas.microsoft.com/office/drawing/2014/main" id="{E2398EE6-0C76-5FB1-12E0-0EDBEEAF31CB}"/>
+                </a:ext>
+              </a:extLst>
+            </p:cNvPr>
+            <p:cNvSpPr txBox="1"/>
+            <p:nvPr/>
+          </p:nvSpPr>
+          <p:spPr>
+            <a:xfrm>
+              <a:off x="5130416" y="2293822"/>
+              <a:ext cx="847929" cy="261610"/>
+            </a:xfrm>
+            <a:prstGeom prst="rect">
+              <a:avLst/>
+            </a:prstGeom>
+            <a:noFill/>
+          </p:spPr>
+          <p:txBody>
+            <a:bodyPr wrap="square" rtlCol="0">
+              <a:spAutoFit/>
+            </a:bodyPr>
+            <a:lstStyle/>
+            <a:p>
+              <a:pPr algn="ctr"/>
+              <a:r>
+                <a:rPr lang="en-US" sz="1100" i="1" dirty="0">
+                  <a:solidFill>
+                    <a:schemeClr val="tx2">
+                      <a:lumMod val="75000"/>
+                    </a:schemeClr>
+                  </a:solidFill>
+                </a:rPr>
+                <a:t>Solar PV</a:t>
+              </a:r>
+            </a:p>
+          </p:txBody>
+        </p:sp>
+        <p:sp>
+          <p:nvSpPr>
+            <p:cNvPr id="55" name="TextBox 54">
+              <a:extLst>
+                <a:ext uri="{FF2B5EF4-FFF2-40B4-BE49-F238E27FC236}">
+                  <a16:creationId xmlns:a16="http://schemas.microsoft.com/office/drawing/2014/main" id="{A5B583F8-18C7-0C20-B322-D473CB696D93}"/>
+                </a:ext>
+              </a:extLst>
+            </p:cNvPr>
+            <p:cNvSpPr txBox="1"/>
+            <p:nvPr/>
+          </p:nvSpPr>
+          <p:spPr>
+            <a:xfrm>
+              <a:off x="7009691" y="861975"/>
+              <a:ext cx="1567954" cy="338554"/>
+            </a:xfrm>
+            <a:prstGeom prst="rect">
+              <a:avLst/>
+            </a:prstGeom>
+            <a:noFill/>
+          </p:spPr>
+          <p:txBody>
+            <a:bodyPr wrap="square" rtlCol="0">
+              <a:spAutoFit/>
+            </a:bodyPr>
+            <a:lstStyle/>
+            <a:p>
+              <a:pPr algn="ctr"/>
+              <a:r>
+                <a:rPr lang="en-US" sz="1600" b="1" dirty="0"/>
+                <a:t>Building 1</a:t>
+              </a:r>
+            </a:p>
+          </p:txBody>
+        </p:sp>
+        <p:pic>
+          <p:nvPicPr>
+            <p:cNvPr id="56" name="Picture 55" descr="A picture containing rectangle&#10;&#10;Description automatically generated">
+              <a:extLst>
+                <a:ext uri="{FF2B5EF4-FFF2-40B4-BE49-F238E27FC236}">
+                  <a16:creationId xmlns:a16="http://schemas.microsoft.com/office/drawing/2014/main" id="{5BB32CB6-59B2-E6B7-9746-2E3D7E8E9EC8}"/>
+                </a:ext>
+              </a:extLst>
+            </p:cNvPr>
+            <p:cNvPicPr>
+              <a:picLocks noChangeAspect="1"/>
+            </p:cNvPicPr>
+            <p:nvPr/>
+          </p:nvPicPr>
+          <p:blipFill>
+            <a:blip r:embed="rId11" cstate="print">
+              <a:extLst>
+                <a:ext uri="{28A0092B-C50C-407E-A947-70E740481C1C}">
+                  <a14:useLocalDpi xmlns:a14="http://schemas.microsoft.com/office/drawing/2010/main" val="0"/>
+                </a:ext>
+              </a:extLst>
+            </a:blip>
+            <a:stretch>
+              <a:fillRect/>
+            </a:stretch>
+          </p:blipFill>
+          <p:spPr>
+            <a:xfrm>
+              <a:off x="7430201" y="2811688"/>
+              <a:ext cx="686493" cy="686493"/>
+            </a:xfrm>
+            <a:prstGeom prst="rect">
+              <a:avLst/>
+            </a:prstGeom>
+          </p:spPr>
+        </p:pic>
+        <p:sp>
+          <p:nvSpPr>
+            <p:cNvPr id="60" name="TextBox 59">
+              <a:extLst>
+                <a:ext uri="{FF2B5EF4-FFF2-40B4-BE49-F238E27FC236}">
+                  <a16:creationId xmlns:a16="http://schemas.microsoft.com/office/drawing/2014/main" id="{493C84D3-C777-AC9F-4715-A69022A56A5F}"/>
+                </a:ext>
+              </a:extLst>
+            </p:cNvPr>
+            <p:cNvSpPr txBox="1"/>
+            <p:nvPr/>
+          </p:nvSpPr>
+          <p:spPr>
+            <a:xfrm>
+              <a:off x="7337779" y="3484360"/>
+              <a:ext cx="847929" cy="430887"/>
+            </a:xfrm>
+            <a:prstGeom prst="rect">
+              <a:avLst/>
+            </a:prstGeom>
+            <a:noFill/>
+          </p:spPr>
+          <p:txBody>
+            <a:bodyPr wrap="square" rtlCol="0">
+              <a:spAutoFit/>
+            </a:bodyPr>
+            <a:lstStyle/>
+            <a:p>
+              <a:pPr algn="ctr"/>
+              <a:r>
+                <a:rPr lang="en-US" sz="1100" i="1" dirty="0">
+                  <a:solidFill>
+                    <a:schemeClr val="tx2">
+                      <a:lumMod val="75000"/>
+                    </a:schemeClr>
+                  </a:solidFill>
+                </a:rPr>
+                <a:t>Cooling </a:t>
+              </a:r>
+              <a:br>
+                <a:rPr lang="en-US" sz="1100" i="1" dirty="0">
+                  <a:solidFill>
+                    <a:schemeClr val="tx2">
+                      <a:lumMod val="75000"/>
+                    </a:schemeClr>
+                  </a:solidFill>
+                </a:rPr>
+              </a:br>
+              <a:r>
+                <a:rPr lang="en-US" sz="1100" i="1" dirty="0">
+                  <a:solidFill>
+                    <a:schemeClr val="tx2">
+                      <a:lumMod val="75000"/>
+                    </a:schemeClr>
+                  </a:solidFill>
+                </a:rPr>
+                <a:t>storage</a:t>
+              </a:r>
+            </a:p>
+          </p:txBody>
+        </p:sp>
+      </p:grpSp>
+      <p:pic>
+        <p:nvPicPr>
+          <p:cNvPr id="54" name="Picture 53" descr="Shape&#10;&#10;Description automatically generated">
+            <a:extLst>
+              <a:ext uri="{FF2B5EF4-FFF2-40B4-BE49-F238E27FC236}">
+                <a16:creationId xmlns:a16="http://schemas.microsoft.com/office/drawing/2014/main" id="{64B91B02-6553-EA47-8B62-D314BAF551C4}"/>
+              </a:ext>
+            </a:extLst>
+          </p:cNvPr>
+          <p:cNvPicPr>
+            <a:picLocks noChangeAspect="1"/>
+          </p:cNvPicPr>
+          <p:nvPr/>
+        </p:nvPicPr>
+        <p:blipFill>
+          <a:blip r:embed="rId12" cstate="print">
+            <a:biLevel thresh="75000"/>
+            <a:extLst>
+              <a:ext uri="{28A0092B-C50C-407E-A947-70E740481C1C}">
+                <a14:useLocalDpi xmlns:a14="http://schemas.microsoft.com/office/drawing/2010/main" val="0"/>
+              </a:ext>
+            </a:extLst>
+          </a:blip>
+          <a:stretch>
+            <a:fillRect/>
+          </a:stretch>
+        </p:blipFill>
+        <p:spPr>
+          <a:xfrm>
+            <a:off x="1976433" y="1162556"/>
+            <a:ext cx="658611" cy="658611"/>
+          </a:xfrm>
+          <a:prstGeom prst="rect">
+            <a:avLst/>
+          </a:prstGeom>
+          <a:noFill/>
+          <a:ln>
+            <a:noFill/>
+          </a:ln>
+        </p:spPr>
+      </p:pic>
+      <p:sp>
+        <p:nvSpPr>
+          <p:cNvPr id="19" name="TextBox 18">
+            <a:extLst>
+              <a:ext uri="{FF2B5EF4-FFF2-40B4-BE49-F238E27FC236}">
+                <a16:creationId xmlns:a16="http://schemas.microsoft.com/office/drawing/2014/main" id="{E19866B2-A014-797A-4A67-91F2F1EA08B7}"/>
+              </a:ext>
+            </a:extLst>
+          </p:cNvPr>
+          <p:cNvSpPr txBox="1"/>
+          <p:nvPr/>
+        </p:nvSpPr>
+        <p:spPr>
+          <a:xfrm>
+            <a:off x="1867714" y="1825359"/>
+            <a:ext cx="847929" cy="292388"/>
+          </a:xfrm>
+          <a:prstGeom prst="rect">
+            <a:avLst/>
+          </a:prstGeom>
+          <a:noFill/>
+        </p:spPr>
+        <p:txBody>
+          <a:bodyPr wrap="square" rtlCol="0">
+            <a:spAutoFit/>
+          </a:bodyPr>
+          <a:lstStyle/>
+          <a:p>
+            <a:pPr algn="ctr"/>
+            <a:r>
+              <a:rPr lang="en-US" sz="1300" b="1" dirty="0"/>
+              <a:t>Grid</a:t>
+            </a:r>
+          </a:p>
+        </p:txBody>
+      </p:sp>
+      <p:cxnSp>
+        <p:nvCxnSpPr>
+          <p:cNvPr id="25" name="Straight Arrow Connector 23">
+            <a:extLst>
+              <a:ext uri="{FF2B5EF4-FFF2-40B4-BE49-F238E27FC236}">
+                <a16:creationId xmlns:a16="http://schemas.microsoft.com/office/drawing/2014/main" id="{9A26DD74-AA79-B747-086F-DC133F03CD0C}"/>
+              </a:ext>
+            </a:extLst>
+          </p:cNvPr>
+          <p:cNvCxnSpPr>
+            <a:cxnSpLocks/>
+            <a:stCxn id="8" idx="2"/>
+            <a:endCxn id="54" idx="0"/>
+          </p:cNvCxnSpPr>
+          <p:nvPr/>
+        </p:nvCxnSpPr>
+        <p:spPr>
+          <a:xfrm rot="16200000" flipH="1" flipV="1">
+            <a:off x="3177682" y="-126703"/>
+            <a:ext cx="417316" cy="2161201"/>
+          </a:xfrm>
+          <a:prstGeom prst="bentConnector3">
+            <a:avLst>
+              <a:gd name="adj1" fmla="val -54779"/>
+            </a:avLst>
+          </a:prstGeom>
+          <a:ln w="28575">
+            <a:headEnd type="triangle" w="med" len="med"/>
+            <a:tailEnd type="none" w="med" len="med"/>
+          </a:ln>
+        </p:spPr>
+        <p:style>
+          <a:lnRef idx="1">
+            <a:schemeClr val="dk1"/>
+          </a:lnRef>
+          <a:fillRef idx="0">
+            <a:schemeClr val="dk1"/>
+          </a:fillRef>
+          <a:effectRef idx="0">
+            <a:schemeClr val="dk1"/>
+          </a:effectRef>
+          <a:fontRef idx="minor">
+            <a:schemeClr val="tx1"/>
+          </a:fontRef>
+        </p:style>
+      </p:cxnSp>
+      <p:grpSp>
+        <p:nvGrpSpPr>
+          <p:cNvPr id="84" name="Group 83">
+            <a:extLst>
+              <a:ext uri="{FF2B5EF4-FFF2-40B4-BE49-F238E27FC236}">
+                <a16:creationId xmlns:a16="http://schemas.microsoft.com/office/drawing/2014/main" id="{E3F53FA1-27A9-C673-5A02-DE19CA21FD37}"/>
+              </a:ext>
+            </a:extLst>
+          </p:cNvPr>
+          <p:cNvGrpSpPr/>
+          <p:nvPr/>
+        </p:nvGrpSpPr>
+        <p:grpSpPr>
+          <a:xfrm>
+            <a:off x="2947270" y="1032223"/>
+            <a:ext cx="3816988" cy="4868698"/>
+            <a:chOff x="4760657" y="861974"/>
+            <a:chExt cx="3816988" cy="4868698"/>
+          </a:xfrm>
+        </p:grpSpPr>
+        <p:sp>
+          <p:nvSpPr>
+            <p:cNvPr id="33" name="Rounded Rectangle 32">
+              <a:extLst>
+                <a:ext uri="{FF2B5EF4-FFF2-40B4-BE49-F238E27FC236}">
+                  <a16:creationId xmlns:a16="http://schemas.microsoft.com/office/drawing/2014/main" id="{BF90E792-2863-07B2-63EF-82251253A890}"/>
+                </a:ext>
+              </a:extLst>
+            </p:cNvPr>
+            <p:cNvSpPr/>
+            <p:nvPr/>
+          </p:nvSpPr>
+          <p:spPr>
+            <a:xfrm rot="10800000">
+              <a:off x="4856653" y="861974"/>
+              <a:ext cx="3513180" cy="4868698"/>
+            </a:xfrm>
+            <a:prstGeom prst="roundRect">
+              <a:avLst>
+                <a:gd name="adj" fmla="val 6867"/>
+              </a:avLst>
+            </a:prstGeom>
+            <a:solidFill>
+              <a:schemeClr val="bg1">
+                <a:lumMod val="85000"/>
+              </a:schemeClr>
+            </a:solidFill>
+            <a:ln w="28575">
+              <a:solidFill>
+                <a:schemeClr val="tx1"/>
+              </a:solidFill>
+              <a:prstDash val="solid"/>
+            </a:ln>
+          </p:spPr>
+          <p:style>
+            <a:lnRef idx="2">
+              <a:schemeClr val="accent1">
+                <a:shade val="50000"/>
+              </a:schemeClr>
+            </a:lnRef>
+            <a:fillRef idx="1">
+              <a:schemeClr val="accent1"/>
+            </a:fillRef>
+            <a:effectRef idx="0">
+              <a:schemeClr val="accent1"/>
+            </a:effectRef>
+            <a:fontRef idx="minor">
+              <a:schemeClr val="lt1"/>
+            </a:fontRef>
+          </p:style>
+          <p:txBody>
+            <a:bodyPr rtlCol="0" anchor="ctr"/>
+            <a:lstStyle/>
+            <a:p>
+              <a:pPr algn="ctr"/>
+              <a:endParaRPr lang="en-US"/>
+            </a:p>
+          </p:txBody>
+        </p:sp>
+        <p:sp>
+          <p:nvSpPr>
+            <p:cNvPr id="46" name="Rounded Rectangle 45">
+              <a:extLst>
+                <a:ext uri="{FF2B5EF4-FFF2-40B4-BE49-F238E27FC236}">
+                  <a16:creationId xmlns:a16="http://schemas.microsoft.com/office/drawing/2014/main" id="{C9EED1EA-8327-3445-B343-F3C11E9B5A8D}"/>
+                </a:ext>
+              </a:extLst>
+            </p:cNvPr>
+            <p:cNvSpPr/>
+            <p:nvPr/>
+          </p:nvSpPr>
+          <p:spPr>
+            <a:xfrm>
+              <a:off x="6237691" y="1235421"/>
+              <a:ext cx="1977630" cy="1092759"/>
+            </a:xfrm>
+            <a:prstGeom prst="roundRect">
+              <a:avLst/>
+            </a:prstGeom>
+            <a:solidFill>
+              <a:schemeClr val="accent4">
+                <a:lumMod val="60000"/>
+                <a:lumOff val="40000"/>
+              </a:schemeClr>
+            </a:solidFill>
+            <a:ln w="28575">
+              <a:noFill/>
+              <a:prstDash val="sysDot"/>
+            </a:ln>
+          </p:spPr>
+          <p:style>
+            <a:lnRef idx="2">
+              <a:schemeClr val="accent1">
+                <a:shade val="50000"/>
+              </a:schemeClr>
+            </a:lnRef>
+            <a:fillRef idx="1">
+              <a:schemeClr val="accent1"/>
+            </a:fillRef>
+            <a:effectRef idx="0">
+              <a:schemeClr val="accent1"/>
+            </a:effectRef>
+            <a:fontRef idx="minor">
+              <a:schemeClr val="lt1"/>
+            </a:fontRef>
+          </p:style>
+          <p:txBody>
+            <a:bodyPr rtlCol="0" anchor="ctr"/>
+            <a:lstStyle/>
+            <a:p>
+              <a:pPr algn="ctr"/>
+              <a:endParaRPr lang="en-US"/>
+            </a:p>
+          </p:txBody>
+        </p:sp>
+        <p:sp>
+          <p:nvSpPr>
+            <p:cNvPr id="65" name="Rounded Rectangle 64">
+              <a:extLst>
+                <a:ext uri="{FF2B5EF4-FFF2-40B4-BE49-F238E27FC236}">
+                  <a16:creationId xmlns:a16="http://schemas.microsoft.com/office/drawing/2014/main" id="{C4243F02-FCEB-F244-AA07-BA49983506E2}"/>
+                </a:ext>
+              </a:extLst>
+            </p:cNvPr>
+            <p:cNvSpPr/>
+            <p:nvPr/>
+          </p:nvSpPr>
+          <p:spPr>
+            <a:xfrm rot="5400000">
+              <a:off x="5835761" y="1694929"/>
+              <a:ext cx="1561584" cy="3197534"/>
+            </a:xfrm>
+            <a:prstGeom prst="roundRect">
+              <a:avLst/>
+            </a:prstGeom>
+            <a:solidFill>
+              <a:schemeClr val="accent3">
+                <a:lumMod val="60000"/>
+                <a:lumOff val="40000"/>
+              </a:schemeClr>
+            </a:solidFill>
+            <a:ln w="28575">
+              <a:noFill/>
+              <a:prstDash val="sysDot"/>
+            </a:ln>
+          </p:spPr>
+          <p:style>
+            <a:lnRef idx="2">
+              <a:schemeClr val="accent1">
+                <a:shade val="50000"/>
+              </a:schemeClr>
+            </a:lnRef>
+            <a:fillRef idx="1">
+              <a:schemeClr val="accent1"/>
+            </a:fillRef>
+            <a:effectRef idx="0">
+              <a:schemeClr val="accent1"/>
+            </a:effectRef>
+            <a:fontRef idx="minor">
+              <a:schemeClr val="lt1"/>
+            </a:fontRef>
+          </p:style>
+          <p:txBody>
+            <a:bodyPr rtlCol="0" anchor="ctr"/>
+            <a:lstStyle/>
+            <a:p>
+              <a:pPr algn="ctr"/>
+              <a:endParaRPr lang="en-US"/>
+            </a:p>
+          </p:txBody>
+        </p:sp>
+        <p:sp>
+          <p:nvSpPr>
+            <p:cNvPr id="48" name="Rounded Rectangle 47">
+              <a:extLst>
+                <a:ext uri="{FF2B5EF4-FFF2-40B4-BE49-F238E27FC236}">
+                  <a16:creationId xmlns:a16="http://schemas.microsoft.com/office/drawing/2014/main" id="{87FFD480-31EC-1142-91A8-CD99B8F29361}"/>
+                </a:ext>
+              </a:extLst>
+            </p:cNvPr>
+            <p:cNvSpPr/>
+            <p:nvPr/>
+          </p:nvSpPr>
+          <p:spPr>
+            <a:xfrm>
+              <a:off x="5017785" y="4247059"/>
+              <a:ext cx="3206259" cy="1297418"/>
+            </a:xfrm>
+            <a:prstGeom prst="roundRect">
+              <a:avLst/>
+            </a:prstGeom>
+            <a:solidFill>
+              <a:schemeClr val="bg1">
+                <a:lumMod val="65000"/>
+              </a:schemeClr>
+            </a:solidFill>
+            <a:ln w="28575">
+              <a:noFill/>
+              <a:prstDash val="sysDot"/>
+            </a:ln>
+          </p:spPr>
+          <p:style>
+            <a:lnRef idx="2">
+              <a:schemeClr val="accent1">
+                <a:shade val="50000"/>
+              </a:schemeClr>
+            </a:lnRef>
+            <a:fillRef idx="1">
+              <a:schemeClr val="accent1"/>
+            </a:fillRef>
+            <a:effectRef idx="0">
+              <a:schemeClr val="accent1"/>
+            </a:effectRef>
+            <a:fontRef idx="minor">
+              <a:schemeClr val="lt1"/>
+            </a:fontRef>
+          </p:style>
+          <p:txBody>
+            <a:bodyPr rtlCol="0" anchor="ctr"/>
+            <a:lstStyle/>
+            <a:p>
+              <a:pPr algn="ctr"/>
+              <a:endParaRPr lang="en-US"/>
+            </a:p>
+          </p:txBody>
+        </p:sp>
+        <p:pic>
+          <p:nvPicPr>
+            <p:cNvPr id="18" name="Picture 17" descr="Icon&#10;&#10;Description automatically generated">
+              <a:extLst>
+                <a:ext uri="{FF2B5EF4-FFF2-40B4-BE49-F238E27FC236}">
+                  <a16:creationId xmlns:a16="http://schemas.microsoft.com/office/drawing/2014/main" id="{DFC32E76-8391-9444-BDE1-21A6B5A24D86}"/>
+                </a:ext>
+              </a:extLst>
+            </p:cNvPr>
+            <p:cNvPicPr>
+              <a:picLocks noChangeAspect="1"/>
+            </p:cNvPicPr>
+            <p:nvPr/>
+          </p:nvPicPr>
+          <p:blipFill>
+            <a:blip r:embed="rId2" cstate="print">
+              <a:extLst>
+                <a:ext uri="{28A0092B-C50C-407E-A947-70E740481C1C}">
+                  <a14:useLocalDpi xmlns:a14="http://schemas.microsoft.com/office/drawing/2010/main" val="0"/>
+                </a:ext>
+              </a:extLst>
+            </a:blip>
+            <a:stretch>
+              <a:fillRect/>
+            </a:stretch>
+          </p:blipFill>
+          <p:spPr>
+            <a:xfrm>
+              <a:off x="7377510" y="4489181"/>
+              <a:ext cx="626445" cy="626445"/>
+            </a:xfrm>
+            <a:prstGeom prst="rect">
+              <a:avLst/>
+            </a:prstGeom>
+          </p:spPr>
+        </p:pic>
+        <p:pic>
+          <p:nvPicPr>
+            <p:cNvPr id="22" name="Picture 21" descr="Icon&#10;&#10;Description automatically generated">
+              <a:extLst>
+                <a:ext uri="{FF2B5EF4-FFF2-40B4-BE49-F238E27FC236}">
+                  <a16:creationId xmlns:a16="http://schemas.microsoft.com/office/drawing/2014/main" id="{90008645-C065-5147-AD8F-98C8059E55A7}"/>
+                </a:ext>
+              </a:extLst>
+            </p:cNvPr>
+            <p:cNvPicPr>
+              <a:picLocks noChangeAspect="1"/>
+            </p:cNvPicPr>
+            <p:nvPr/>
+          </p:nvPicPr>
+          <p:blipFill>
+            <a:blip r:embed="rId3" cstate="print">
+              <a:extLst>
+                <a:ext uri="{28A0092B-C50C-407E-A947-70E740481C1C}">
+                  <a14:useLocalDpi xmlns:a14="http://schemas.microsoft.com/office/drawing/2010/main" val="0"/>
+                </a:ext>
+              </a:extLst>
+            </a:blip>
+            <a:stretch>
+              <a:fillRect/>
+            </a:stretch>
+          </p:blipFill>
+          <p:spPr>
+            <a:xfrm rot="10800000">
+              <a:off x="5094287" y="4459902"/>
+              <a:ext cx="625465" cy="625465"/>
+            </a:xfrm>
+            <a:prstGeom prst="rect">
+              <a:avLst/>
+            </a:prstGeom>
+          </p:spPr>
+        </p:pic>
+        <p:pic>
+          <p:nvPicPr>
+            <p:cNvPr id="26" name="Picture 25" descr="A picture containing icon&#10;&#10;Description automatically generated">
+              <a:extLst>
+                <a:ext uri="{FF2B5EF4-FFF2-40B4-BE49-F238E27FC236}">
+                  <a16:creationId xmlns:a16="http://schemas.microsoft.com/office/drawing/2014/main" id="{361A1388-9314-AC48-BA59-69DB2D518C03}"/>
+                </a:ext>
+              </a:extLst>
+            </p:cNvPr>
+            <p:cNvPicPr>
+              <a:picLocks noChangeAspect="1"/>
+            </p:cNvPicPr>
+            <p:nvPr/>
+          </p:nvPicPr>
+          <p:blipFill>
+            <a:blip r:embed="rId4" cstate="print">
+              <a:extLst>
+                <a:ext uri="{28A0092B-C50C-407E-A947-70E740481C1C}">
+                  <a14:useLocalDpi xmlns:a14="http://schemas.microsoft.com/office/drawing/2010/main" val="0"/>
+                </a:ext>
+              </a:extLst>
+            </a:blip>
+            <a:stretch>
+              <a:fillRect/>
+            </a:stretch>
+          </p:blipFill>
+          <p:spPr>
+            <a:xfrm>
+              <a:off x="7294903" y="1439332"/>
+              <a:ext cx="814996" cy="768691"/>
+            </a:xfrm>
+            <a:prstGeom prst="rect">
+              <a:avLst/>
+            </a:prstGeom>
+          </p:spPr>
+        </p:pic>
+        <p:pic>
+          <p:nvPicPr>
+            <p:cNvPr id="30" name="Picture 29" descr="A picture containing icon&#10;&#10;Description automatically generated">
+              <a:extLst>
+                <a:ext uri="{FF2B5EF4-FFF2-40B4-BE49-F238E27FC236}">
+                  <a16:creationId xmlns:a16="http://schemas.microsoft.com/office/drawing/2014/main" id="{9D358902-D725-B145-BF33-3E2539609C4C}"/>
+                </a:ext>
+              </a:extLst>
+            </p:cNvPr>
+            <p:cNvPicPr>
+              <a:picLocks noChangeAspect="1"/>
+            </p:cNvPicPr>
+            <p:nvPr/>
+          </p:nvPicPr>
+          <p:blipFill>
+            <a:blip r:embed="rId5" cstate="print">
+              <a:duotone>
+                <a:schemeClr val="accent2">
+                  <a:shade val="45000"/>
+                  <a:satMod val="135000"/>
+                </a:schemeClr>
+                <a:prstClr val="white"/>
+              </a:duotone>
+              <a:extLst>
+                <a:ext uri="{28A0092B-C50C-407E-A947-70E740481C1C}">
+                  <a14:useLocalDpi xmlns:a14="http://schemas.microsoft.com/office/drawing/2010/main" val="0"/>
+                </a:ext>
+              </a:extLst>
+            </a:blip>
+            <a:stretch>
+              <a:fillRect/>
+            </a:stretch>
+          </p:blipFill>
+          <p:spPr>
+            <a:xfrm>
+              <a:off x="6527693" y="2832992"/>
+              <a:ext cx="692289" cy="692289"/>
+            </a:xfrm>
+            <a:prstGeom prst="rect">
+              <a:avLst/>
+            </a:prstGeom>
+          </p:spPr>
+        </p:pic>
+        <p:pic>
+          <p:nvPicPr>
+            <p:cNvPr id="45" name="Picture 44" descr="Icon&#10;&#10;Description automatically generated">
+              <a:extLst>
+                <a:ext uri="{FF2B5EF4-FFF2-40B4-BE49-F238E27FC236}">
+                  <a16:creationId xmlns:a16="http://schemas.microsoft.com/office/drawing/2014/main" id="{C9267087-CC13-8649-9F8D-1077529CF4C5}"/>
+                </a:ext>
+              </a:extLst>
+            </p:cNvPr>
+            <p:cNvPicPr>
+              <a:picLocks noChangeAspect="1"/>
+            </p:cNvPicPr>
+            <p:nvPr/>
+          </p:nvPicPr>
+          <p:blipFill>
+            <a:blip r:embed="rId6" cstate="print">
+              <a:extLst>
+                <a:ext uri="{28A0092B-C50C-407E-A947-70E740481C1C}">
+                  <a14:useLocalDpi xmlns:a14="http://schemas.microsoft.com/office/drawing/2010/main" val="0"/>
+                </a:ext>
+              </a:extLst>
+            </a:blip>
+            <a:stretch>
+              <a:fillRect/>
+            </a:stretch>
+          </p:blipFill>
+          <p:spPr>
+            <a:xfrm>
+              <a:off x="6453715" y="1439331"/>
+              <a:ext cx="720080" cy="720080"/>
+            </a:xfrm>
+            <a:prstGeom prst="rect">
+              <a:avLst/>
+            </a:prstGeom>
+          </p:spPr>
+        </p:pic>
+        <p:pic>
+          <p:nvPicPr>
+            <p:cNvPr id="47" name="Picture 46" descr="Icon&#10;&#10;Description automatically generated">
+              <a:extLst>
+                <a:ext uri="{FF2B5EF4-FFF2-40B4-BE49-F238E27FC236}">
+                  <a16:creationId xmlns:a16="http://schemas.microsoft.com/office/drawing/2014/main" id="{4F67AC45-B17E-A14F-9B10-F6C8D14E30DE}"/>
+                </a:ext>
+              </a:extLst>
+            </p:cNvPr>
+            <p:cNvPicPr>
+              <a:picLocks noChangeAspect="1"/>
+            </p:cNvPicPr>
+            <p:nvPr/>
+          </p:nvPicPr>
+          <p:blipFill>
+            <a:blip r:embed="rId7" cstate="print">
+              <a:extLst>
+                <a:ext uri="{28A0092B-C50C-407E-A947-70E740481C1C}">
+                  <a14:useLocalDpi xmlns:a14="http://schemas.microsoft.com/office/drawing/2010/main" val="0"/>
+                </a:ext>
+              </a:extLst>
+            </a:blip>
+            <a:stretch>
+              <a:fillRect/>
+            </a:stretch>
+          </p:blipFill>
+          <p:spPr>
+            <a:xfrm>
+              <a:off x="6606454" y="4414331"/>
+              <a:ext cx="626445" cy="687391"/>
+            </a:xfrm>
+            <a:prstGeom prst="rect">
+              <a:avLst/>
+            </a:prstGeom>
+          </p:spPr>
+        </p:pic>
+        <p:pic>
+          <p:nvPicPr>
+            <p:cNvPr id="52" name="Picture 51" descr="A picture containing text, clock&#10;&#10;Description automatically generated">
+              <a:extLst>
+                <a:ext uri="{FF2B5EF4-FFF2-40B4-BE49-F238E27FC236}">
+                  <a16:creationId xmlns:a16="http://schemas.microsoft.com/office/drawing/2014/main" id="{29786DD7-A38F-0C4E-9BD4-BC8A3E29B172}"/>
+                </a:ext>
+              </a:extLst>
+            </p:cNvPr>
+            <p:cNvPicPr>
+              <a:picLocks noChangeAspect="1"/>
+            </p:cNvPicPr>
+            <p:nvPr/>
+          </p:nvPicPr>
+          <p:blipFill>
+            <a:blip r:embed="rId8" cstate="print">
+              <a:biLevel thresh="75000"/>
+              <a:extLst>
+                <a:ext uri="{28A0092B-C50C-407E-A947-70E740481C1C}">
+                  <a14:useLocalDpi xmlns:a14="http://schemas.microsoft.com/office/drawing/2010/main" val="0"/>
+                </a:ext>
+              </a:extLst>
+            </a:blip>
+            <a:stretch>
+              <a:fillRect/>
+            </a:stretch>
+          </p:blipFill>
+          <p:spPr>
+            <a:xfrm>
+              <a:off x="5218572" y="2852195"/>
+              <a:ext cx="669094" cy="669094"/>
+            </a:xfrm>
+            <a:prstGeom prst="rect">
+              <a:avLst/>
+            </a:prstGeom>
+            <a:noFill/>
+            <a:ln>
+              <a:noFill/>
+            </a:ln>
+          </p:spPr>
+        </p:pic>
+        <p:pic>
+          <p:nvPicPr>
+            <p:cNvPr id="57" name="Picture 56" descr="A picture containing text, clock&#10;&#10;Description automatically generated">
+              <a:extLst>
+                <a:ext uri="{FF2B5EF4-FFF2-40B4-BE49-F238E27FC236}">
+                  <a16:creationId xmlns:a16="http://schemas.microsoft.com/office/drawing/2014/main" id="{58318F54-6CDB-F446-9E02-23F62AE8C3F1}"/>
+                </a:ext>
+              </a:extLst>
+            </p:cNvPr>
+            <p:cNvPicPr>
+              <a:picLocks noChangeAspect="1"/>
+            </p:cNvPicPr>
+            <p:nvPr/>
+          </p:nvPicPr>
+          <p:blipFill>
+            <a:blip r:embed="rId9" cstate="print">
+              <a:biLevel thresh="75000"/>
+              <a:extLst>
+                <a:ext uri="{28A0092B-C50C-407E-A947-70E740481C1C}">
+                  <a14:useLocalDpi xmlns:a14="http://schemas.microsoft.com/office/drawing/2010/main" val="0"/>
+                </a:ext>
+              </a:extLst>
+            </a:blip>
+            <a:stretch>
+              <a:fillRect/>
+            </a:stretch>
+          </p:blipFill>
+          <p:spPr>
+            <a:xfrm>
+              <a:off x="5239734" y="1687686"/>
+              <a:ext cx="629295" cy="629295"/>
+            </a:xfrm>
+            <a:prstGeom prst="rect">
+              <a:avLst/>
+            </a:prstGeom>
+            <a:noFill/>
+            <a:ln>
+              <a:noFill/>
+            </a:ln>
+          </p:spPr>
+        </p:pic>
+        <p:sp>
+          <p:nvSpPr>
+            <p:cNvPr id="59" name="Rounded Rectangle 58">
+              <a:extLst>
+                <a:ext uri="{FF2B5EF4-FFF2-40B4-BE49-F238E27FC236}">
+                  <a16:creationId xmlns:a16="http://schemas.microsoft.com/office/drawing/2014/main" id="{2BBF70C8-6E7A-344B-B3E6-9914688657C1}"/>
+                </a:ext>
+              </a:extLst>
+            </p:cNvPr>
+            <p:cNvSpPr/>
+            <p:nvPr/>
+          </p:nvSpPr>
+          <p:spPr>
+            <a:xfrm rot="10800000">
+              <a:off x="5015152" y="1235421"/>
+              <a:ext cx="1070934" cy="2850894"/>
+            </a:xfrm>
+            <a:prstGeom prst="roundRect">
+              <a:avLst>
+                <a:gd name="adj" fmla="val 25205"/>
+              </a:avLst>
+            </a:prstGeom>
+            <a:noFill/>
+            <a:ln w="28575">
+              <a:solidFill>
+                <a:schemeClr val="tx1"/>
+              </a:solidFill>
+              <a:prstDash val="sysDot"/>
+            </a:ln>
+          </p:spPr>
+          <p:style>
+            <a:lnRef idx="2">
+              <a:schemeClr val="accent1">
+                <a:shade val="50000"/>
+              </a:schemeClr>
+            </a:lnRef>
+            <a:fillRef idx="1">
+              <a:schemeClr val="accent1"/>
+            </a:fillRef>
+            <a:effectRef idx="0">
+              <a:schemeClr val="accent1"/>
+            </a:effectRef>
+            <a:fontRef idx="minor">
+              <a:schemeClr val="lt1"/>
+            </a:fontRef>
+          </p:style>
+          <p:txBody>
+            <a:bodyPr rtlCol="0" anchor="ctr"/>
+            <a:lstStyle/>
+            <a:p>
+              <a:pPr algn="ctr"/>
+              <a:endParaRPr lang="en-US"/>
+            </a:p>
+          </p:txBody>
+        </p:sp>
+        <p:pic>
+          <p:nvPicPr>
+            <p:cNvPr id="91" name="Picture 90" descr="Icon&#10;&#10;Description automatically generated with medium confidence">
+              <a:extLst>
+                <a:ext uri="{FF2B5EF4-FFF2-40B4-BE49-F238E27FC236}">
+                  <a16:creationId xmlns:a16="http://schemas.microsoft.com/office/drawing/2014/main" id="{192A2240-2C54-F146-89BD-0345A91DD1D4}"/>
+                </a:ext>
+              </a:extLst>
+            </p:cNvPr>
+            <p:cNvPicPr>
+              <a:picLocks noChangeAspect="1"/>
+            </p:cNvPicPr>
+            <p:nvPr/>
+          </p:nvPicPr>
+          <p:blipFill>
+            <a:blip r:embed="rId10" cstate="print">
+              <a:extLst>
+                <a:ext uri="{28A0092B-C50C-407E-A947-70E740481C1C}">
+                  <a14:useLocalDpi xmlns:a14="http://schemas.microsoft.com/office/drawing/2010/main" val="0"/>
+                </a:ext>
+              </a:extLst>
+            </a:blip>
+            <a:stretch>
+              <a:fillRect/>
+            </a:stretch>
+          </p:blipFill>
+          <p:spPr>
+            <a:xfrm>
+              <a:off x="5598342" y="4437295"/>
+              <a:ext cx="687391" cy="687391"/>
+            </a:xfrm>
+            <a:prstGeom prst="rect">
+              <a:avLst/>
+            </a:prstGeom>
+          </p:spPr>
+        </p:pic>
+        <p:sp>
+          <p:nvSpPr>
+            <p:cNvPr id="100" name="TextBox 99">
+              <a:extLst>
+                <a:ext uri="{FF2B5EF4-FFF2-40B4-BE49-F238E27FC236}">
+                  <a16:creationId xmlns:a16="http://schemas.microsoft.com/office/drawing/2014/main" id="{726FCBAA-212F-5C4A-91E6-B84329B3E7AB}"/>
+                </a:ext>
+              </a:extLst>
+            </p:cNvPr>
+            <p:cNvSpPr txBox="1"/>
+            <p:nvPr/>
+          </p:nvSpPr>
+          <p:spPr>
+            <a:xfrm>
+              <a:off x="4760657" y="1212142"/>
+              <a:ext cx="1567954" cy="492443"/>
+            </a:xfrm>
+            <a:prstGeom prst="rect">
+              <a:avLst/>
+            </a:prstGeom>
+            <a:noFill/>
+          </p:spPr>
+          <p:txBody>
+            <a:bodyPr wrap="square" rtlCol="0">
+              <a:spAutoFit/>
+            </a:bodyPr>
+            <a:lstStyle/>
+            <a:p>
+              <a:pPr algn="ctr"/>
+              <a:r>
+                <a:rPr lang="en-US" sz="1300" b="1" dirty="0"/>
+                <a:t>Electricity</a:t>
+              </a:r>
+              <a:br>
+                <a:rPr lang="en-US" sz="1300" b="1" dirty="0"/>
+              </a:br>
+              <a:r>
+                <a:rPr lang="en-US" sz="1300" b="1" dirty="0"/>
+                <a:t>Source</a:t>
+              </a:r>
+            </a:p>
+          </p:txBody>
+        </p:sp>
+        <p:sp>
+          <p:nvSpPr>
+            <p:cNvPr id="101" name="TextBox 100">
+              <a:extLst>
+                <a:ext uri="{FF2B5EF4-FFF2-40B4-BE49-F238E27FC236}">
+                  <a16:creationId xmlns:a16="http://schemas.microsoft.com/office/drawing/2014/main" id="{DF342DB9-6BAA-2A47-9561-FE5619719DF4}"/>
+                </a:ext>
+              </a:extLst>
+            </p:cNvPr>
+            <p:cNvSpPr txBox="1"/>
+            <p:nvPr/>
+          </p:nvSpPr>
+          <p:spPr>
+            <a:xfrm>
+              <a:off x="6751272" y="2513253"/>
+              <a:ext cx="1567954" cy="292388"/>
+            </a:xfrm>
+            <a:prstGeom prst="rect">
+              <a:avLst/>
+            </a:prstGeom>
+            <a:noFill/>
+          </p:spPr>
+          <p:txBody>
+            <a:bodyPr wrap="square" rtlCol="0">
+              <a:spAutoFit/>
+            </a:bodyPr>
+            <a:lstStyle/>
+            <a:p>
+              <a:pPr algn="ctr"/>
+              <a:r>
+                <a:rPr lang="en-US" sz="1300" b="1" dirty="0"/>
+                <a:t>Energy Storage</a:t>
+              </a:r>
+            </a:p>
+          </p:txBody>
+        </p:sp>
+        <p:sp>
+          <p:nvSpPr>
+            <p:cNvPr id="105" name="TextBox 104">
+              <a:extLst>
+                <a:ext uri="{FF2B5EF4-FFF2-40B4-BE49-F238E27FC236}">
+                  <a16:creationId xmlns:a16="http://schemas.microsoft.com/office/drawing/2014/main" id="{574F4CC3-7AB5-6C41-B6E5-CB9CC0C1F924}"/>
+                </a:ext>
+              </a:extLst>
+            </p:cNvPr>
+            <p:cNvSpPr txBox="1"/>
+            <p:nvPr/>
+          </p:nvSpPr>
+          <p:spPr>
+            <a:xfrm>
+              <a:off x="6956608" y="4225010"/>
+              <a:ext cx="1567954" cy="292388"/>
+            </a:xfrm>
+            <a:prstGeom prst="rect">
+              <a:avLst/>
+            </a:prstGeom>
+            <a:noFill/>
+          </p:spPr>
+          <p:txBody>
+            <a:bodyPr wrap="square" rtlCol="0">
+              <a:spAutoFit/>
+            </a:bodyPr>
+            <a:lstStyle/>
+            <a:p>
+              <a:pPr algn="ctr"/>
+              <a:r>
+                <a:rPr lang="en-US" sz="1300" b="1" dirty="0"/>
+                <a:t>End Use</a:t>
+              </a:r>
+            </a:p>
+          </p:txBody>
+        </p:sp>
+        <p:sp>
+          <p:nvSpPr>
+            <p:cNvPr id="49" name="TextBox 48">
+              <a:extLst>
+                <a:ext uri="{FF2B5EF4-FFF2-40B4-BE49-F238E27FC236}">
+                  <a16:creationId xmlns:a16="http://schemas.microsoft.com/office/drawing/2014/main" id="{048AE03A-19F3-F947-B67B-CFA930787DDA}"/>
+                </a:ext>
+              </a:extLst>
+            </p:cNvPr>
+            <p:cNvSpPr txBox="1"/>
+            <p:nvPr/>
+          </p:nvSpPr>
+          <p:spPr>
+            <a:xfrm>
+              <a:off x="6510926" y="1211561"/>
+              <a:ext cx="1567954" cy="292388"/>
+            </a:xfrm>
+            <a:prstGeom prst="rect">
+              <a:avLst/>
+            </a:prstGeom>
+            <a:noFill/>
+          </p:spPr>
+          <p:txBody>
+            <a:bodyPr wrap="square" rtlCol="0">
+              <a:spAutoFit/>
+            </a:bodyPr>
+            <a:lstStyle/>
+            <a:p>
+              <a:pPr algn="r"/>
+              <a:r>
+                <a:rPr lang="en-US" sz="1300" b="1" dirty="0"/>
+                <a:t>HVAC</a:t>
+              </a:r>
+            </a:p>
+          </p:txBody>
+        </p:sp>
+        <p:sp>
+          <p:nvSpPr>
+            <p:cNvPr id="2" name="TextBox 1">
+              <a:extLst>
+                <a:ext uri="{FF2B5EF4-FFF2-40B4-BE49-F238E27FC236}">
+                  <a16:creationId xmlns:a16="http://schemas.microsoft.com/office/drawing/2014/main" id="{D1EB0535-B98A-919D-8C1E-F26F1AF95F45}"/>
+                </a:ext>
+              </a:extLst>
+            </p:cNvPr>
+            <p:cNvSpPr txBox="1"/>
+            <p:nvPr/>
+          </p:nvSpPr>
+          <p:spPr>
+            <a:xfrm>
+              <a:off x="6280889" y="2090428"/>
+              <a:ext cx="1070934" cy="261610"/>
+            </a:xfrm>
+            <a:prstGeom prst="rect">
+              <a:avLst/>
+            </a:prstGeom>
+            <a:noFill/>
+          </p:spPr>
+          <p:txBody>
+            <a:bodyPr wrap="square" rtlCol="0">
+              <a:spAutoFit/>
+            </a:bodyPr>
+            <a:lstStyle/>
+            <a:p>
+              <a:pPr algn="ctr"/>
+              <a:r>
+                <a:rPr lang="en-US" sz="1100" i="1" dirty="0">
+                  <a:solidFill>
+                    <a:schemeClr val="tx2">
+                      <a:lumMod val="75000"/>
+                    </a:schemeClr>
+                  </a:solidFill>
+                </a:rPr>
+                <a:t>Electric heater</a:t>
+              </a:r>
+            </a:p>
+          </p:txBody>
+        </p:sp>
+        <p:sp>
+          <p:nvSpPr>
+            <p:cNvPr id="4" name="TextBox 3">
+              <a:extLst>
+                <a:ext uri="{FF2B5EF4-FFF2-40B4-BE49-F238E27FC236}">
+                  <a16:creationId xmlns:a16="http://schemas.microsoft.com/office/drawing/2014/main" id="{252C9C18-A638-9EEE-A0B4-9773A9F57451}"/>
+                </a:ext>
+              </a:extLst>
+            </p:cNvPr>
+            <p:cNvSpPr txBox="1"/>
+            <p:nvPr/>
+          </p:nvSpPr>
+          <p:spPr>
+            <a:xfrm>
+              <a:off x="7173795" y="2089447"/>
+              <a:ext cx="1070934" cy="261610"/>
+            </a:xfrm>
+            <a:prstGeom prst="rect">
+              <a:avLst/>
+            </a:prstGeom>
+            <a:noFill/>
+          </p:spPr>
+          <p:txBody>
+            <a:bodyPr wrap="square" rtlCol="0">
+              <a:spAutoFit/>
+            </a:bodyPr>
+            <a:lstStyle/>
+            <a:p>
+              <a:pPr algn="ctr"/>
+              <a:r>
+                <a:rPr lang="en-US" sz="1100" i="1" dirty="0">
+                  <a:solidFill>
+                    <a:schemeClr val="tx2">
+                      <a:lumMod val="75000"/>
+                    </a:schemeClr>
+                  </a:solidFill>
+                </a:rPr>
+                <a:t>Heat pump</a:t>
+              </a:r>
+            </a:p>
+          </p:txBody>
+        </p:sp>
+        <p:sp>
+          <p:nvSpPr>
+            <p:cNvPr id="7" name="TextBox 6">
+              <a:extLst>
+                <a:ext uri="{FF2B5EF4-FFF2-40B4-BE49-F238E27FC236}">
+                  <a16:creationId xmlns:a16="http://schemas.microsoft.com/office/drawing/2014/main" id="{E1B90769-86B4-05AE-8B6D-924A27DDE5FA}"/>
+                </a:ext>
+              </a:extLst>
+            </p:cNvPr>
+            <p:cNvSpPr txBox="1"/>
+            <p:nvPr/>
+          </p:nvSpPr>
+          <p:spPr>
+            <a:xfrm>
+              <a:off x="5214798" y="5113591"/>
+              <a:ext cx="1070934" cy="430887"/>
+            </a:xfrm>
+            <a:prstGeom prst="rect">
+              <a:avLst/>
+            </a:prstGeom>
+            <a:noFill/>
+          </p:spPr>
+          <p:txBody>
+            <a:bodyPr wrap="square" rtlCol="0">
+              <a:spAutoFit/>
+            </a:bodyPr>
+            <a:lstStyle/>
+            <a:p>
+              <a:pPr algn="ctr"/>
+              <a:r>
+                <a:rPr lang="en-US" sz="1100" i="1" dirty="0">
+                  <a:solidFill>
+                    <a:schemeClr val="tx2">
+                      <a:lumMod val="75000"/>
+                    </a:schemeClr>
+                  </a:solidFill>
+                </a:rPr>
+                <a:t>Non-shiftable</a:t>
+              </a:r>
+              <a:br>
+                <a:rPr lang="en-US" sz="1100" i="1" dirty="0">
+                  <a:solidFill>
+                    <a:schemeClr val="tx2">
+                      <a:lumMod val="75000"/>
+                    </a:schemeClr>
+                  </a:solidFill>
+                </a:rPr>
+              </a:br>
+              <a:r>
+                <a:rPr lang="en-US" sz="1100" i="1" dirty="0">
+                  <a:solidFill>
+                    <a:schemeClr val="tx2">
+                      <a:lumMod val="75000"/>
+                    </a:schemeClr>
+                  </a:solidFill>
+                </a:rPr>
+                <a:t>plug loads</a:t>
+              </a:r>
+            </a:p>
+          </p:txBody>
+        </p:sp>
+        <p:sp>
+          <p:nvSpPr>
+            <p:cNvPr id="9" name="TextBox 8">
+              <a:extLst>
+                <a:ext uri="{FF2B5EF4-FFF2-40B4-BE49-F238E27FC236}">
+                  <a16:creationId xmlns:a16="http://schemas.microsoft.com/office/drawing/2014/main" id="{D8F974D3-4415-7E20-BD2A-79FA7D6A5E19}"/>
+                </a:ext>
+              </a:extLst>
+            </p:cNvPr>
+            <p:cNvSpPr txBox="1"/>
+            <p:nvPr/>
+          </p:nvSpPr>
+          <p:spPr>
+            <a:xfrm>
+              <a:off x="6273114" y="5113591"/>
+              <a:ext cx="1070934" cy="430887"/>
+            </a:xfrm>
+            <a:prstGeom prst="rect">
+              <a:avLst/>
+            </a:prstGeom>
+            <a:noFill/>
+          </p:spPr>
+          <p:txBody>
+            <a:bodyPr wrap="square" rtlCol="0">
+              <a:spAutoFit/>
+            </a:bodyPr>
+            <a:lstStyle/>
+            <a:p>
+              <a:pPr algn="ctr"/>
+              <a:r>
+                <a:rPr lang="en-US" sz="1100" i="1" dirty="0">
+                  <a:solidFill>
+                    <a:schemeClr val="tx2">
+                      <a:lumMod val="75000"/>
+                    </a:schemeClr>
+                  </a:solidFill>
+                </a:rPr>
+                <a:t>Domestic hot water heating</a:t>
+              </a:r>
+            </a:p>
+          </p:txBody>
+        </p:sp>
+        <p:sp>
+          <p:nvSpPr>
+            <p:cNvPr id="10" name="TextBox 9">
+              <a:extLst>
+                <a:ext uri="{FF2B5EF4-FFF2-40B4-BE49-F238E27FC236}">
+                  <a16:creationId xmlns:a16="http://schemas.microsoft.com/office/drawing/2014/main" id="{000F29E1-48F7-3074-B783-B00BCE4CFCF5}"/>
+                </a:ext>
+              </a:extLst>
+            </p:cNvPr>
+            <p:cNvSpPr txBox="1"/>
+            <p:nvPr/>
+          </p:nvSpPr>
+          <p:spPr>
+            <a:xfrm>
+              <a:off x="7205118" y="5102029"/>
+              <a:ext cx="1070934" cy="430887"/>
+            </a:xfrm>
+            <a:prstGeom prst="rect">
+              <a:avLst/>
+            </a:prstGeom>
+            <a:noFill/>
+          </p:spPr>
+          <p:txBody>
+            <a:bodyPr wrap="square" rtlCol="0">
+              <a:spAutoFit/>
+            </a:bodyPr>
+            <a:lstStyle/>
+            <a:p>
+              <a:pPr algn="ctr"/>
+              <a:r>
+                <a:rPr lang="en-US" sz="1100" i="1" dirty="0">
+                  <a:solidFill>
+                    <a:schemeClr val="tx2">
+                      <a:lumMod val="75000"/>
+                    </a:schemeClr>
+                  </a:solidFill>
+                </a:rPr>
+                <a:t>Space cooling &amp; heating</a:t>
+              </a:r>
+            </a:p>
+          </p:txBody>
+        </p:sp>
+        <p:sp>
+          <p:nvSpPr>
+            <p:cNvPr id="16" name="TextBox 15">
+              <a:extLst>
+                <a:ext uri="{FF2B5EF4-FFF2-40B4-BE49-F238E27FC236}">
+                  <a16:creationId xmlns:a16="http://schemas.microsoft.com/office/drawing/2014/main" id="{90F35BE7-FB33-C349-F7B4-C2FC19C110DF}"/>
+                </a:ext>
+              </a:extLst>
+            </p:cNvPr>
+            <p:cNvSpPr txBox="1"/>
+            <p:nvPr/>
+          </p:nvSpPr>
+          <p:spPr>
+            <a:xfrm>
+              <a:off x="6145595" y="3486151"/>
+              <a:ext cx="1296144" cy="600164"/>
+            </a:xfrm>
+            <a:prstGeom prst="rect">
+              <a:avLst/>
+            </a:prstGeom>
+            <a:noFill/>
+          </p:spPr>
+          <p:txBody>
+            <a:bodyPr wrap="square" rtlCol="0">
+              <a:spAutoFit/>
+            </a:bodyPr>
+            <a:lstStyle/>
+            <a:p>
+              <a:pPr algn="ctr"/>
+              <a:r>
+                <a:rPr lang="en-US" sz="1100" i="1" dirty="0">
+                  <a:solidFill>
+                    <a:schemeClr val="tx2">
+                      <a:lumMod val="75000"/>
+                    </a:schemeClr>
+                  </a:solidFill>
+                </a:rPr>
+                <a:t>Domestic hot water  and/or space</a:t>
+              </a:r>
+              <a:br>
+                <a:rPr lang="en-US" sz="1100" i="1" dirty="0">
+                  <a:solidFill>
+                    <a:schemeClr val="tx2">
+                      <a:lumMod val="75000"/>
+                    </a:schemeClr>
+                  </a:solidFill>
+                </a:rPr>
+              </a:br>
+              <a:r>
+                <a:rPr lang="en-US" sz="1100" i="1" dirty="0">
+                  <a:solidFill>
+                    <a:schemeClr val="tx2">
+                      <a:lumMod val="75000"/>
+                    </a:schemeClr>
+                  </a:solidFill>
+                </a:rPr>
+                <a:t>heating storage</a:t>
+              </a:r>
+            </a:p>
+          </p:txBody>
+        </p:sp>
+        <p:sp>
+          <p:nvSpPr>
+            <p:cNvPr id="17" name="TextBox 16">
+              <a:extLst>
+                <a:ext uri="{FF2B5EF4-FFF2-40B4-BE49-F238E27FC236}">
+                  <a16:creationId xmlns:a16="http://schemas.microsoft.com/office/drawing/2014/main" id="{9C55B49F-DBBD-88D0-665D-B3DC36E09168}"/>
+                </a:ext>
+              </a:extLst>
+            </p:cNvPr>
+            <p:cNvSpPr txBox="1"/>
+            <p:nvPr/>
+          </p:nvSpPr>
+          <p:spPr>
+            <a:xfrm>
+              <a:off x="5137484" y="3483583"/>
+              <a:ext cx="847929" cy="261610"/>
+            </a:xfrm>
+            <a:prstGeom prst="rect">
+              <a:avLst/>
+            </a:prstGeom>
+            <a:noFill/>
+          </p:spPr>
+          <p:txBody>
+            <a:bodyPr wrap="square" rtlCol="0">
+              <a:spAutoFit/>
+            </a:bodyPr>
+            <a:lstStyle/>
+            <a:p>
+              <a:pPr algn="ctr"/>
+              <a:r>
+                <a:rPr lang="en-US" sz="1100" i="1" dirty="0">
+                  <a:solidFill>
+                    <a:schemeClr val="tx2">
+                      <a:lumMod val="75000"/>
+                    </a:schemeClr>
+                  </a:solidFill>
+                </a:rPr>
+                <a:t>Battery</a:t>
+              </a:r>
+            </a:p>
+          </p:txBody>
+        </p:sp>
+        <p:sp>
+          <p:nvSpPr>
+            <p:cNvPr id="20" name="TextBox 19">
+              <a:extLst>
+                <a:ext uri="{FF2B5EF4-FFF2-40B4-BE49-F238E27FC236}">
+                  <a16:creationId xmlns:a16="http://schemas.microsoft.com/office/drawing/2014/main" id="{F95030F2-951A-1464-98B5-4778F06F2ECD}"/>
+                </a:ext>
+              </a:extLst>
+            </p:cNvPr>
+            <p:cNvSpPr txBox="1"/>
+            <p:nvPr/>
+          </p:nvSpPr>
+          <p:spPr>
+            <a:xfrm>
+              <a:off x="5130416" y="2293822"/>
+              <a:ext cx="847929" cy="261610"/>
+            </a:xfrm>
+            <a:prstGeom prst="rect">
+              <a:avLst/>
+            </a:prstGeom>
+            <a:noFill/>
+          </p:spPr>
+          <p:txBody>
+            <a:bodyPr wrap="square" rtlCol="0">
+              <a:spAutoFit/>
+            </a:bodyPr>
+            <a:lstStyle/>
+            <a:p>
+              <a:pPr algn="ctr"/>
+              <a:r>
+                <a:rPr lang="en-US" sz="1100" i="1" dirty="0">
+                  <a:solidFill>
+                    <a:schemeClr val="tx2">
+                      <a:lumMod val="75000"/>
+                    </a:schemeClr>
+                  </a:solidFill>
+                </a:rPr>
+                <a:t>Solar PV</a:t>
+              </a:r>
+            </a:p>
+          </p:txBody>
+        </p:sp>
+        <p:sp>
+          <p:nvSpPr>
+            <p:cNvPr id="35" name="TextBox 34">
+              <a:extLst>
+                <a:ext uri="{FF2B5EF4-FFF2-40B4-BE49-F238E27FC236}">
+                  <a16:creationId xmlns:a16="http://schemas.microsoft.com/office/drawing/2014/main" id="{C7FA50B3-91A7-8B9A-3D20-AD2E9C97EF1A}"/>
+                </a:ext>
+              </a:extLst>
+            </p:cNvPr>
+            <p:cNvSpPr txBox="1"/>
+            <p:nvPr/>
+          </p:nvSpPr>
+          <p:spPr>
+            <a:xfrm>
+              <a:off x="7009691" y="861975"/>
+              <a:ext cx="1567954" cy="338554"/>
+            </a:xfrm>
+            <a:prstGeom prst="rect">
+              <a:avLst/>
+            </a:prstGeom>
+            <a:noFill/>
+          </p:spPr>
+          <p:txBody>
+            <a:bodyPr wrap="square" rtlCol="0">
+              <a:spAutoFit/>
+            </a:bodyPr>
+            <a:lstStyle/>
+            <a:p>
+              <a:pPr algn="ctr"/>
+              <a:r>
+                <a:rPr lang="en-US" sz="1600" b="1" dirty="0"/>
+                <a:t>Building N</a:t>
+              </a:r>
+            </a:p>
+          </p:txBody>
+        </p:sp>
+        <p:pic>
+          <p:nvPicPr>
+            <p:cNvPr id="3" name="Picture 2" descr="A picture containing rectangle&#10;&#10;Description automatically generated">
+              <a:extLst>
+                <a:ext uri="{FF2B5EF4-FFF2-40B4-BE49-F238E27FC236}">
+                  <a16:creationId xmlns:a16="http://schemas.microsoft.com/office/drawing/2014/main" id="{B0685F88-C02C-CA54-B64F-D46639BF5486}"/>
+                </a:ext>
+              </a:extLst>
+            </p:cNvPr>
+            <p:cNvPicPr>
+              <a:picLocks noChangeAspect="1"/>
+            </p:cNvPicPr>
+            <p:nvPr/>
+          </p:nvPicPr>
+          <p:blipFill>
+            <a:blip r:embed="rId11" cstate="print">
+              <a:extLst>
+                <a:ext uri="{28A0092B-C50C-407E-A947-70E740481C1C}">
+                  <a14:useLocalDpi xmlns:a14="http://schemas.microsoft.com/office/drawing/2010/main" val="0"/>
+                </a:ext>
+              </a:extLst>
+            </a:blip>
+            <a:stretch>
+              <a:fillRect/>
+            </a:stretch>
+          </p:blipFill>
+          <p:spPr>
+            <a:xfrm>
+              <a:off x="7430201" y="2811688"/>
+              <a:ext cx="686493" cy="686493"/>
+            </a:xfrm>
+            <a:prstGeom prst="rect">
+              <a:avLst/>
+            </a:prstGeom>
+          </p:spPr>
+        </p:pic>
+        <p:sp>
+          <p:nvSpPr>
+            <p:cNvPr id="5" name="TextBox 4">
+              <a:extLst>
+                <a:ext uri="{FF2B5EF4-FFF2-40B4-BE49-F238E27FC236}">
+                  <a16:creationId xmlns:a16="http://schemas.microsoft.com/office/drawing/2014/main" id="{005E8CF1-793B-A405-BCB2-F52BF025C5B0}"/>
+                </a:ext>
+              </a:extLst>
+            </p:cNvPr>
+            <p:cNvSpPr txBox="1"/>
+            <p:nvPr/>
+          </p:nvSpPr>
+          <p:spPr>
+            <a:xfrm>
+              <a:off x="7337779" y="3484360"/>
+              <a:ext cx="847929" cy="600164"/>
+            </a:xfrm>
+            <a:prstGeom prst="rect">
+              <a:avLst/>
+            </a:prstGeom>
+            <a:noFill/>
+          </p:spPr>
+          <p:txBody>
+            <a:bodyPr wrap="square" rtlCol="0">
+              <a:spAutoFit/>
+            </a:bodyPr>
+            <a:lstStyle/>
+            <a:p>
+              <a:pPr algn="ctr"/>
+              <a:r>
+                <a:rPr lang="en-US" sz="1100" i="1" dirty="0">
+                  <a:solidFill>
+                    <a:schemeClr val="tx2">
+                      <a:lumMod val="75000"/>
+                    </a:schemeClr>
+                  </a:solidFill>
+                </a:rPr>
+                <a:t>Space</a:t>
+              </a:r>
+              <a:br>
+                <a:rPr lang="en-US" sz="1100" i="1" dirty="0">
+                  <a:solidFill>
+                    <a:schemeClr val="tx2">
+                      <a:lumMod val="75000"/>
+                    </a:schemeClr>
+                  </a:solidFill>
+                </a:rPr>
+              </a:br>
+              <a:r>
+                <a:rPr lang="en-US" sz="1100" i="1" dirty="0">
+                  <a:solidFill>
+                    <a:schemeClr val="tx2">
+                      <a:lumMod val="75000"/>
+                    </a:schemeClr>
+                  </a:solidFill>
+                </a:rPr>
+                <a:t>cooling </a:t>
+              </a:r>
+              <a:br>
+                <a:rPr lang="en-US" sz="1100" i="1" dirty="0">
+                  <a:solidFill>
+                    <a:schemeClr val="tx2">
+                      <a:lumMod val="75000"/>
+                    </a:schemeClr>
+                  </a:solidFill>
+                </a:rPr>
+              </a:br>
+              <a:r>
+                <a:rPr lang="en-US" sz="1100" i="1" dirty="0">
+                  <a:solidFill>
+                    <a:schemeClr val="tx2">
+                      <a:lumMod val="75000"/>
+                    </a:schemeClr>
+                  </a:solidFill>
+                </a:rPr>
+                <a:t>storage</a:t>
+              </a:r>
+            </a:p>
+          </p:txBody>
+        </p:sp>
+      </p:grpSp>
+      <p:cxnSp>
+        <p:nvCxnSpPr>
+          <p:cNvPr id="177" name="Straight Arrow Connector 23">
+            <a:extLst>
+              <a:ext uri="{FF2B5EF4-FFF2-40B4-BE49-F238E27FC236}">
+                <a16:creationId xmlns:a16="http://schemas.microsoft.com/office/drawing/2014/main" id="{DDC17BC9-1645-4215-C63B-E0DD628139D9}"/>
+              </a:ext>
+            </a:extLst>
+          </p:cNvPr>
+          <p:cNvCxnSpPr>
+            <a:cxnSpLocks/>
+            <a:stCxn id="8" idx="2"/>
+            <a:endCxn id="33" idx="2"/>
+          </p:cNvCxnSpPr>
+          <p:nvPr/>
+        </p:nvCxnSpPr>
+        <p:spPr>
+          <a:xfrm rot="16200000" flipH="1">
+            <a:off x="4489906" y="722273"/>
+            <a:ext cx="286983" cy="332916"/>
+          </a:xfrm>
+          <a:prstGeom prst="bentConnector3">
+            <a:avLst>
+              <a:gd name="adj1" fmla="val -79656"/>
+            </a:avLst>
+          </a:prstGeom>
+          <a:ln w="28575">
+            <a:headEnd type="none" w="med" len="med"/>
+            <a:tailEnd type="triangle" w="med" len="med"/>
+          </a:ln>
+        </p:spPr>
+        <p:style>
+          <a:lnRef idx="1">
+            <a:schemeClr val="dk1"/>
+          </a:lnRef>
+          <a:fillRef idx="0">
+            <a:schemeClr val="dk1"/>
+          </a:fillRef>
+          <a:effectRef idx="0">
+            <a:schemeClr val="dk1"/>
+          </a:effectRef>
+          <a:fontRef idx="minor">
+            <a:schemeClr val="tx1"/>
+          </a:fontRef>
+        </p:style>
+      </p:cxnSp>
+      <p:grpSp>
+        <p:nvGrpSpPr>
+          <p:cNvPr id="13" name="Group 12">
+            <a:extLst>
+              <a:ext uri="{FF2B5EF4-FFF2-40B4-BE49-F238E27FC236}">
+                <a16:creationId xmlns:a16="http://schemas.microsoft.com/office/drawing/2014/main" id="{F7EDCA1A-1B87-EFCE-D417-48375D4722D4}"/>
+              </a:ext>
+            </a:extLst>
+          </p:cNvPr>
+          <p:cNvGrpSpPr>
+            <a:grpSpLocks noChangeAspect="1"/>
+          </p:cNvGrpSpPr>
+          <p:nvPr/>
+        </p:nvGrpSpPr>
+        <p:grpSpPr>
+          <a:xfrm>
+            <a:off x="7499297" y="2970530"/>
+            <a:ext cx="1026042" cy="1024127"/>
+            <a:chOff x="6975940" y="2943131"/>
+            <a:chExt cx="526906" cy="525923"/>
+          </a:xfrm>
+        </p:grpSpPr>
+        <p:sp>
+          <p:nvSpPr>
+            <p:cNvPr id="58" name="Oval 57">
+              <a:extLst>
+                <a:ext uri="{FF2B5EF4-FFF2-40B4-BE49-F238E27FC236}">
+                  <a16:creationId xmlns:a16="http://schemas.microsoft.com/office/drawing/2014/main" id="{9F6F7A6C-DE53-ACBF-8D61-2B1852496C2F}"/>
+                </a:ext>
+              </a:extLst>
+            </p:cNvPr>
+            <p:cNvSpPr/>
+            <p:nvPr/>
+          </p:nvSpPr>
+          <p:spPr>
+            <a:xfrm>
+              <a:off x="6975940" y="2943131"/>
+              <a:ext cx="525923" cy="525923"/>
+            </a:xfrm>
+            <a:prstGeom prst="ellipse">
+              <a:avLst/>
+            </a:prstGeom>
+            <a:solidFill>
+              <a:schemeClr val="accent2">
+                <a:lumMod val="60000"/>
+                <a:lumOff val="40000"/>
+              </a:schemeClr>
+            </a:solidFill>
+            <a:ln w="28575">
+              <a:noFill/>
+              <a:prstDash val="sysDot"/>
+            </a:ln>
+          </p:spPr>
+          <p:style>
+            <a:lnRef idx="2">
+              <a:schemeClr val="accent1">
+                <a:shade val="50000"/>
+              </a:schemeClr>
+            </a:lnRef>
+            <a:fillRef idx="1">
+              <a:schemeClr val="accent1"/>
+            </a:fillRef>
+            <a:effectRef idx="0">
+              <a:schemeClr val="accent1"/>
+            </a:effectRef>
+            <a:fontRef idx="minor">
+              <a:schemeClr val="lt1"/>
+            </a:fontRef>
+          </p:style>
+          <p:txBody>
+            <a:bodyPr rtlCol="0" anchor="ctr"/>
+            <a:lstStyle/>
+            <a:p>
+              <a:pPr algn="ctr"/>
+              <a:endParaRPr lang="en-US" dirty="0"/>
+            </a:p>
+          </p:txBody>
+        </p:sp>
+        <p:sp>
+          <p:nvSpPr>
+            <p:cNvPr id="61" name="TextBox 60">
+              <a:extLst>
+                <a:ext uri="{FF2B5EF4-FFF2-40B4-BE49-F238E27FC236}">
+                  <a16:creationId xmlns:a16="http://schemas.microsoft.com/office/drawing/2014/main" id="{6D3F6A3E-B26C-46FE-3134-EF473DC18BEF}"/>
+                </a:ext>
+              </a:extLst>
+            </p:cNvPr>
+            <p:cNvSpPr txBox="1"/>
+            <p:nvPr/>
+          </p:nvSpPr>
+          <p:spPr>
+            <a:xfrm>
+              <a:off x="6981572" y="3081203"/>
+              <a:ext cx="521274" cy="268691"/>
+            </a:xfrm>
+            <a:prstGeom prst="rect">
+              <a:avLst/>
+            </a:prstGeom>
+            <a:noFill/>
+            <a:ln>
+              <a:noFill/>
+            </a:ln>
+          </p:spPr>
+          <p:txBody>
+            <a:bodyPr wrap="square" rtlCol="0">
+              <a:spAutoFit/>
+            </a:bodyPr>
+            <a:lstStyle/>
+            <a:p>
+              <a:pPr algn="ctr"/>
+              <a:r>
+                <a:rPr lang="en-US" sz="1400" b="1" dirty="0">
+                  <a:solidFill>
+                    <a:schemeClr val="bg1"/>
+                  </a:solidFill>
+                </a:rPr>
+                <a:t>Control</a:t>
+              </a:r>
+              <a:br>
+                <a:rPr lang="en-US" sz="1400" b="1" dirty="0">
+                  <a:solidFill>
+                    <a:schemeClr val="bg1"/>
+                  </a:solidFill>
+                </a:rPr>
+              </a:br>
+              <a:r>
+                <a:rPr lang="en-US" sz="1400" b="1" dirty="0">
+                  <a:solidFill>
+                    <a:schemeClr val="bg1"/>
+                  </a:solidFill>
+                </a:rPr>
+                <a:t>Agent</a:t>
+              </a:r>
+            </a:p>
+          </p:txBody>
+        </p:sp>
+      </p:grpSp>
+      <p:cxnSp>
+        <p:nvCxnSpPr>
+          <p:cNvPr id="62" name="Straight Arrow Connector 61">
+            <a:extLst>
+              <a:ext uri="{FF2B5EF4-FFF2-40B4-BE49-F238E27FC236}">
+                <a16:creationId xmlns:a16="http://schemas.microsoft.com/office/drawing/2014/main" id="{5EF20B79-BE16-4BDE-D612-88C21A60B777}"/>
+              </a:ext>
+            </a:extLst>
+          </p:cNvPr>
+          <p:cNvCxnSpPr>
+            <a:cxnSpLocks/>
+            <a:endCxn id="65" idx="0"/>
+          </p:cNvCxnSpPr>
+          <p:nvPr/>
+        </p:nvCxnSpPr>
+        <p:spPr>
+          <a:xfrm flipH="1" flipV="1">
+            <a:off x="6401932" y="3463945"/>
+            <a:ext cx="1097280" cy="18648"/>
+          </a:xfrm>
+          <a:prstGeom prst="straightConnector1">
+            <a:avLst/>
+          </a:prstGeom>
+          <a:ln w="28575">
+            <a:tailEnd type="triangle"/>
+          </a:ln>
+        </p:spPr>
+        <p:style>
+          <a:lnRef idx="1">
+            <a:schemeClr val="dk1"/>
+          </a:lnRef>
+          <a:fillRef idx="0">
+            <a:schemeClr val="dk1"/>
+          </a:fillRef>
+          <a:effectRef idx="0">
+            <a:schemeClr val="dk1"/>
+          </a:effectRef>
+          <a:fontRef idx="minor">
+            <a:schemeClr val="tx1"/>
+          </a:fontRef>
+        </p:style>
+      </p:cxnSp>
+      <p:sp>
+        <p:nvSpPr>
+          <p:cNvPr id="63" name="TextBox 62">
+            <a:extLst>
+              <a:ext uri="{FF2B5EF4-FFF2-40B4-BE49-F238E27FC236}">
+                <a16:creationId xmlns:a16="http://schemas.microsoft.com/office/drawing/2014/main" id="{D61FC50A-1394-A080-FF43-0B21C7559932}"/>
+              </a:ext>
+            </a:extLst>
+          </p:cNvPr>
+          <p:cNvSpPr txBox="1"/>
+          <p:nvPr/>
+        </p:nvSpPr>
+        <p:spPr>
+          <a:xfrm>
+            <a:off x="6554330" y="3019878"/>
+            <a:ext cx="1008837" cy="492443"/>
+          </a:xfrm>
+          <a:prstGeom prst="rect">
+            <a:avLst/>
+          </a:prstGeom>
+          <a:noFill/>
+        </p:spPr>
+        <p:txBody>
+          <a:bodyPr wrap="square" rtlCol="0">
+            <a:spAutoFit/>
+          </a:bodyPr>
+          <a:lstStyle/>
+          <a:p>
+            <a:pPr algn="ctr"/>
+            <a:r>
+              <a:rPr lang="en-US" sz="1300" b="1" dirty="0"/>
+              <a:t>Charge/</a:t>
+            </a:r>
+          </a:p>
+          <a:p>
+            <a:pPr algn="ctr"/>
+            <a:r>
+              <a:rPr lang="en-US" sz="1300" b="1" dirty="0"/>
+              <a:t>Discharge</a:t>
+            </a:r>
+          </a:p>
+        </p:txBody>
+      </p:sp>
+      <p:sp>
+        <p:nvSpPr>
+          <p:cNvPr id="64" name="TextBox 63">
+            <a:extLst>
+              <a:ext uri="{FF2B5EF4-FFF2-40B4-BE49-F238E27FC236}">
+                <a16:creationId xmlns:a16="http://schemas.microsoft.com/office/drawing/2014/main" id="{4D4A7AED-B25F-C20E-1DED-34C71837FB23}"/>
+              </a:ext>
+            </a:extLst>
+          </p:cNvPr>
+          <p:cNvSpPr txBox="1"/>
+          <p:nvPr/>
+        </p:nvSpPr>
+        <p:spPr>
+          <a:xfrm>
+            <a:off x="6548234" y="1692376"/>
+            <a:ext cx="1008837" cy="292388"/>
+          </a:xfrm>
+          <a:prstGeom prst="rect">
+            <a:avLst/>
+          </a:prstGeom>
+          <a:noFill/>
+        </p:spPr>
+        <p:txBody>
+          <a:bodyPr wrap="square" rtlCol="0">
+            <a:spAutoFit/>
+          </a:bodyPr>
+          <a:lstStyle/>
+          <a:p>
+            <a:pPr algn="ctr"/>
+            <a:r>
+              <a:rPr lang="en-US" sz="1300" b="1" dirty="0"/>
+              <a:t>Power</a:t>
+            </a:r>
+          </a:p>
+        </p:txBody>
+      </p:sp>
+      <p:cxnSp>
+        <p:nvCxnSpPr>
+          <p:cNvPr id="66" name="Straight Arrow Connector 23">
+            <a:extLst>
+              <a:ext uri="{FF2B5EF4-FFF2-40B4-BE49-F238E27FC236}">
+                <a16:creationId xmlns:a16="http://schemas.microsoft.com/office/drawing/2014/main" id="{53CD7361-8369-D18B-E8DF-C3807368AF75}"/>
+              </a:ext>
+            </a:extLst>
+          </p:cNvPr>
+          <p:cNvCxnSpPr>
+            <a:cxnSpLocks/>
+            <a:stCxn id="58" idx="0"/>
+            <a:endCxn id="46" idx="3"/>
+          </p:cNvCxnSpPr>
+          <p:nvPr/>
+        </p:nvCxnSpPr>
+        <p:spPr>
+          <a:xfrm rot="16200000" flipV="1">
+            <a:off x="6697408" y="1656576"/>
+            <a:ext cx="1018480" cy="1609427"/>
+          </a:xfrm>
+          <a:prstGeom prst="bentConnector2">
+            <a:avLst/>
+          </a:prstGeom>
+          <a:ln w="28575">
+            <a:tailEnd type="triangle"/>
+          </a:ln>
+        </p:spPr>
+        <p:style>
+          <a:lnRef idx="1">
+            <a:schemeClr val="dk1"/>
+          </a:lnRef>
+          <a:fillRef idx="0">
+            <a:schemeClr val="dk1"/>
+          </a:fillRef>
+          <a:effectRef idx="0">
+            <a:schemeClr val="dk1"/>
+          </a:effectRef>
+          <a:fontRef idx="minor">
+            <a:schemeClr val="tx1"/>
+          </a:fontRef>
+        </p:style>
+      </p:cxnSp>
+      <p:cxnSp>
+        <p:nvCxnSpPr>
+          <p:cNvPr id="67" name="Straight Arrow Connector 23">
+            <a:extLst>
+              <a:ext uri="{FF2B5EF4-FFF2-40B4-BE49-F238E27FC236}">
+                <a16:creationId xmlns:a16="http://schemas.microsoft.com/office/drawing/2014/main" id="{1753957F-588A-CD1C-A8B1-C9FDEE46ECA2}"/>
+              </a:ext>
+            </a:extLst>
+          </p:cNvPr>
+          <p:cNvCxnSpPr>
+            <a:cxnSpLocks/>
+            <a:stCxn id="61" idx="3"/>
+            <a:endCxn id="33" idx="0"/>
+          </p:cNvCxnSpPr>
+          <p:nvPr/>
+        </p:nvCxnSpPr>
+        <p:spPr>
+          <a:xfrm flipH="1">
+            <a:off x="4799856" y="3501008"/>
+            <a:ext cx="3725483" cy="2399913"/>
+          </a:xfrm>
+          <a:prstGeom prst="bentConnector4">
+            <a:avLst>
+              <a:gd name="adj1" fmla="val -6136"/>
+              <a:gd name="adj2" fmla="val 109525"/>
+            </a:avLst>
+          </a:prstGeom>
+          <a:ln w="28575">
+            <a:headEnd type="triangle" w="med" len="med"/>
+            <a:tailEnd type="none" w="med" len="med"/>
+          </a:ln>
+        </p:spPr>
+        <p:style>
+          <a:lnRef idx="1">
+            <a:schemeClr val="dk1"/>
+          </a:lnRef>
+          <a:fillRef idx="0">
+            <a:schemeClr val="dk1"/>
+          </a:fillRef>
+          <a:effectRef idx="0">
+            <a:schemeClr val="dk1"/>
+          </a:effectRef>
+          <a:fontRef idx="minor">
+            <a:schemeClr val="tx1"/>
+          </a:fontRef>
+        </p:style>
+      </p:cxnSp>
+      <p:sp>
+        <p:nvSpPr>
+          <p:cNvPr id="68" name="TextBox 67">
+            <a:extLst>
+              <a:ext uri="{FF2B5EF4-FFF2-40B4-BE49-F238E27FC236}">
+                <a16:creationId xmlns:a16="http://schemas.microsoft.com/office/drawing/2014/main" id="{7414F864-8FE1-A785-FB5B-A5D3714BEE0F}"/>
+              </a:ext>
+            </a:extLst>
+          </p:cNvPr>
+          <p:cNvSpPr txBox="1"/>
+          <p:nvPr/>
+        </p:nvSpPr>
+        <p:spPr>
+          <a:xfrm>
+            <a:off x="6260202" y="5857807"/>
+            <a:ext cx="1567954" cy="292388"/>
+          </a:xfrm>
+          <a:prstGeom prst="rect">
+            <a:avLst/>
+          </a:prstGeom>
+          <a:noFill/>
+        </p:spPr>
+        <p:txBody>
+          <a:bodyPr wrap="square" rtlCol="0">
+            <a:spAutoFit/>
+          </a:bodyPr>
+          <a:lstStyle/>
+          <a:p>
+            <a:pPr algn="ctr"/>
+            <a:r>
+              <a:rPr lang="en-US" sz="1300" b="1" dirty="0"/>
+              <a:t>Observations</a:t>
+            </a:r>
+          </a:p>
+        </p:txBody>
+      </p:sp>
+      <p:grpSp>
+        <p:nvGrpSpPr>
+          <p:cNvPr id="74" name="Group 73">
+            <a:extLst>
+              <a:ext uri="{FF2B5EF4-FFF2-40B4-BE49-F238E27FC236}">
+                <a16:creationId xmlns:a16="http://schemas.microsoft.com/office/drawing/2014/main" id="{14B58393-6879-B508-EC7F-3FD8948DCB21}"/>
+              </a:ext>
+            </a:extLst>
+          </p:cNvPr>
+          <p:cNvGrpSpPr>
+            <a:grpSpLocks noChangeAspect="1"/>
+          </p:cNvGrpSpPr>
+          <p:nvPr/>
+        </p:nvGrpSpPr>
+        <p:grpSpPr>
+          <a:xfrm>
+            <a:off x="7493814" y="4472992"/>
+            <a:ext cx="1026042" cy="1024127"/>
+            <a:chOff x="6975940" y="2943131"/>
+            <a:chExt cx="526906" cy="525923"/>
+          </a:xfrm>
+        </p:grpSpPr>
+        <p:sp>
+          <p:nvSpPr>
+            <p:cNvPr id="75" name="Oval 74">
+              <a:extLst>
+                <a:ext uri="{FF2B5EF4-FFF2-40B4-BE49-F238E27FC236}">
+                  <a16:creationId xmlns:a16="http://schemas.microsoft.com/office/drawing/2014/main" id="{31158F6E-B16C-66FE-77A2-D250C792D4FC}"/>
+                </a:ext>
+              </a:extLst>
+            </p:cNvPr>
+            <p:cNvSpPr/>
+            <p:nvPr/>
+          </p:nvSpPr>
+          <p:spPr>
+            <a:xfrm>
+              <a:off x="6975940" y="2943131"/>
+              <a:ext cx="525923" cy="525923"/>
+            </a:xfrm>
+            <a:prstGeom prst="ellipse">
+              <a:avLst/>
+            </a:prstGeom>
+            <a:solidFill>
+              <a:srgbClr val="1400FF"/>
+            </a:solidFill>
+            <a:ln w="28575">
+              <a:noFill/>
+              <a:prstDash val="sysDot"/>
+            </a:ln>
+          </p:spPr>
+          <p:style>
+            <a:lnRef idx="2">
+              <a:schemeClr val="accent1">
+                <a:shade val="50000"/>
+              </a:schemeClr>
+            </a:lnRef>
+            <a:fillRef idx="1">
+              <a:schemeClr val="accent1"/>
+            </a:fillRef>
+            <a:effectRef idx="0">
+              <a:schemeClr val="accent1"/>
+            </a:effectRef>
+            <a:fontRef idx="minor">
+              <a:schemeClr val="lt1"/>
+            </a:fontRef>
+          </p:style>
+          <p:txBody>
+            <a:bodyPr rtlCol="0" anchor="ctr"/>
+            <a:lstStyle/>
+            <a:p>
+              <a:pPr algn="ctr"/>
+              <a:endParaRPr lang="en-US" dirty="0"/>
+            </a:p>
+          </p:txBody>
+        </p:sp>
+        <p:sp>
+          <p:nvSpPr>
+            <p:cNvPr id="76" name="TextBox 75">
+              <a:extLst>
+                <a:ext uri="{FF2B5EF4-FFF2-40B4-BE49-F238E27FC236}">
+                  <a16:creationId xmlns:a16="http://schemas.microsoft.com/office/drawing/2014/main" id="{D9ECCA72-939D-7011-4233-6F8D6DFFF356}"/>
+                </a:ext>
+              </a:extLst>
+            </p:cNvPr>
+            <p:cNvSpPr txBox="1"/>
+            <p:nvPr/>
+          </p:nvSpPr>
+          <p:spPr>
+            <a:xfrm>
+              <a:off x="6981572" y="3062291"/>
+              <a:ext cx="521274" cy="268691"/>
+            </a:xfrm>
+            <a:prstGeom prst="rect">
+              <a:avLst/>
+            </a:prstGeom>
+            <a:noFill/>
+            <a:ln>
+              <a:noFill/>
+            </a:ln>
+          </p:spPr>
+          <p:txBody>
+            <a:bodyPr wrap="square" rtlCol="0">
+              <a:spAutoFit/>
+            </a:bodyPr>
+            <a:lstStyle/>
+            <a:p>
+              <a:pPr algn="ctr"/>
+              <a:r>
+                <a:rPr lang="en-US" sz="1400" b="1" dirty="0">
+                  <a:solidFill>
+                    <a:schemeClr val="bg1"/>
+                  </a:solidFill>
+                </a:rPr>
+                <a:t>Dynamics</a:t>
+              </a:r>
+              <a:br>
+                <a:rPr lang="en-US" sz="1400" b="1" dirty="0">
+                  <a:solidFill>
+                    <a:schemeClr val="bg1"/>
+                  </a:solidFill>
+                </a:rPr>
+              </a:br>
+              <a:r>
+                <a:rPr lang="en-US" sz="1400" b="1" dirty="0">
+                  <a:solidFill>
+                    <a:schemeClr val="bg1"/>
+                  </a:solidFill>
+                </a:rPr>
+                <a:t>Model</a:t>
+              </a:r>
+            </a:p>
+          </p:txBody>
+        </p:sp>
+      </p:grpSp>
+      <p:cxnSp>
+        <p:nvCxnSpPr>
+          <p:cNvPr id="77" name="Straight Arrow Connector 76">
+            <a:extLst>
+              <a:ext uri="{FF2B5EF4-FFF2-40B4-BE49-F238E27FC236}">
+                <a16:creationId xmlns:a16="http://schemas.microsoft.com/office/drawing/2014/main" id="{0279AFF7-A4D8-CD21-A1D8-9555BE79706A}"/>
+              </a:ext>
+            </a:extLst>
+          </p:cNvPr>
+          <p:cNvCxnSpPr>
+            <a:cxnSpLocks/>
+            <a:endCxn id="76" idx="3"/>
+          </p:cNvCxnSpPr>
+          <p:nvPr/>
+        </p:nvCxnSpPr>
+        <p:spPr>
+          <a:xfrm flipH="1">
+            <a:off x="8519856" y="4966641"/>
+            <a:ext cx="236605" cy="2"/>
+          </a:xfrm>
+          <a:prstGeom prst="straightConnector1">
+            <a:avLst/>
+          </a:prstGeom>
+          <a:ln w="28575">
+            <a:tailEnd type="triangle"/>
+          </a:ln>
+        </p:spPr>
+        <p:style>
+          <a:lnRef idx="1">
+            <a:schemeClr val="dk1"/>
+          </a:lnRef>
+          <a:fillRef idx="0">
+            <a:schemeClr val="dk1"/>
+          </a:fillRef>
+          <a:effectRef idx="0">
+            <a:schemeClr val="dk1"/>
+          </a:effectRef>
+          <a:fontRef idx="minor">
+            <a:schemeClr val="tx1"/>
+          </a:fontRef>
+        </p:style>
+      </p:cxnSp>
+      <p:cxnSp>
+        <p:nvCxnSpPr>
+          <p:cNvPr id="80" name="Straight Arrow Connector 79">
+            <a:extLst>
+              <a:ext uri="{FF2B5EF4-FFF2-40B4-BE49-F238E27FC236}">
+                <a16:creationId xmlns:a16="http://schemas.microsoft.com/office/drawing/2014/main" id="{2B5E6FE6-8798-0714-3AD0-5960D9B406A3}"/>
+              </a:ext>
+            </a:extLst>
+          </p:cNvPr>
+          <p:cNvCxnSpPr>
+            <a:cxnSpLocks/>
+            <a:stCxn id="75" idx="2"/>
+            <a:endCxn id="18" idx="3"/>
+          </p:cNvCxnSpPr>
+          <p:nvPr/>
+        </p:nvCxnSpPr>
+        <p:spPr>
+          <a:xfrm flipH="1" flipV="1">
+            <a:off x="6190568" y="4972653"/>
+            <a:ext cx="1303246" cy="12403"/>
+          </a:xfrm>
+          <a:prstGeom prst="straightConnector1">
+            <a:avLst/>
+          </a:prstGeom>
+          <a:ln w="28575">
+            <a:tailEnd type="triangle"/>
+          </a:ln>
+        </p:spPr>
+        <p:style>
+          <a:lnRef idx="1">
+            <a:schemeClr val="dk1"/>
+          </a:lnRef>
+          <a:fillRef idx="0">
+            <a:schemeClr val="dk1"/>
+          </a:fillRef>
+          <a:effectRef idx="0">
+            <a:schemeClr val="dk1"/>
+          </a:effectRef>
+          <a:fontRef idx="minor">
+            <a:schemeClr val="tx1"/>
+          </a:fontRef>
+        </p:style>
+      </p:cxnSp>
+      <p:sp>
+        <p:nvSpPr>
+          <p:cNvPr id="87" name="TextBox 86">
+            <a:extLst>
+              <a:ext uri="{FF2B5EF4-FFF2-40B4-BE49-F238E27FC236}">
+                <a16:creationId xmlns:a16="http://schemas.microsoft.com/office/drawing/2014/main" id="{C58EC05E-B6A6-6026-3DB8-BE9A364E460B}"/>
+              </a:ext>
+            </a:extLst>
+          </p:cNvPr>
+          <p:cNvSpPr txBox="1"/>
+          <p:nvPr/>
+        </p:nvSpPr>
+        <p:spPr>
+          <a:xfrm>
+            <a:off x="6260202" y="4705679"/>
+            <a:ext cx="1567954" cy="292388"/>
+          </a:xfrm>
+          <a:prstGeom prst="rect">
+            <a:avLst/>
+          </a:prstGeom>
+          <a:noFill/>
+        </p:spPr>
+        <p:txBody>
+          <a:bodyPr wrap="square" rtlCol="0">
+            <a:spAutoFit/>
+          </a:bodyPr>
+          <a:lstStyle/>
+          <a:p>
+            <a:pPr algn="ctr"/>
+            <a:r>
+              <a:rPr lang="en-US" sz="1300" b="1" dirty="0"/>
+              <a:t>Temperature</a:t>
+            </a:r>
+          </a:p>
+        </p:txBody>
+      </p:sp>
+      <p:sp>
+        <p:nvSpPr>
+          <p:cNvPr id="69" name="Rectangle 68">
+            <a:extLst>
+              <a:ext uri="{FF2B5EF4-FFF2-40B4-BE49-F238E27FC236}">
+                <a16:creationId xmlns:a16="http://schemas.microsoft.com/office/drawing/2014/main" id="{482A6239-04DB-50EB-0BD3-A84E1384226F}"/>
+              </a:ext>
+            </a:extLst>
+          </p:cNvPr>
+          <p:cNvSpPr/>
+          <p:nvPr/>
+        </p:nvSpPr>
+        <p:spPr>
+          <a:xfrm>
+            <a:off x="3201763" y="274390"/>
+            <a:ext cx="250275" cy="412583"/>
+          </a:xfrm>
+          <a:prstGeom prst="rect">
+            <a:avLst/>
+          </a:prstGeom>
+          <a:ln>
+            <a:noFill/>
+          </a:ln>
+        </p:spPr>
+        <p:style>
+          <a:lnRef idx="2">
+            <a:schemeClr val="accent6"/>
+          </a:lnRef>
+          <a:fillRef idx="1">
+            <a:schemeClr val="lt1"/>
+          </a:fillRef>
+          <a:effectRef idx="0">
+            <a:schemeClr val="accent6"/>
+          </a:effectRef>
+          <a:fontRef idx="minor">
+            <a:schemeClr val="dk1"/>
+          </a:fontRef>
+        </p:style>
+        <p:txBody>
+          <a:bodyPr rtlCol="0" anchor="ctr"/>
+          <a:lstStyle/>
+          <a:p>
+            <a:pPr algn="ctr"/>
+            <a:endParaRPr lang="en-US"/>
+          </a:p>
+        </p:txBody>
+      </p:sp>
+      <p:cxnSp>
+        <p:nvCxnSpPr>
+          <p:cNvPr id="72" name="Straight Connector 71">
+            <a:extLst>
+              <a:ext uri="{FF2B5EF4-FFF2-40B4-BE49-F238E27FC236}">
+                <a16:creationId xmlns:a16="http://schemas.microsoft.com/office/drawing/2014/main" id="{F1864794-DF9A-00D1-56A6-247EBFF3C59C}"/>
+              </a:ext>
+            </a:extLst>
+          </p:cNvPr>
+          <p:cNvCxnSpPr>
+            <a:cxnSpLocks/>
+          </p:cNvCxnSpPr>
+          <p:nvPr/>
+        </p:nvCxnSpPr>
+        <p:spPr>
+          <a:xfrm flipV="1">
+            <a:off x="3191891" y="305481"/>
+            <a:ext cx="250275" cy="206292"/>
+          </a:xfrm>
+          <a:prstGeom prst="line">
+            <a:avLst/>
+          </a:prstGeom>
+          <a:ln w="28575">
+            <a:solidFill>
+              <a:schemeClr val="tx1"/>
+            </a:solidFill>
+            <a:headEnd type="oval" w="med" len="med"/>
+            <a:tailEnd type="oval" w="med" len="med"/>
+          </a:ln>
+        </p:spPr>
+        <p:style>
+          <a:lnRef idx="1">
+            <a:schemeClr val="accent1"/>
+          </a:lnRef>
+          <a:fillRef idx="0">
+            <a:schemeClr val="accent1"/>
+          </a:fillRef>
+          <a:effectRef idx="0">
+            <a:schemeClr val="accent1"/>
+          </a:effectRef>
+          <a:fontRef idx="minor">
+            <a:schemeClr val="tx1"/>
+          </a:fontRef>
+        </p:style>
+      </p:cxnSp>
+      <p:cxnSp>
+        <p:nvCxnSpPr>
+          <p:cNvPr id="78" name="Straight Connector 77">
+            <a:extLst>
+              <a:ext uri="{FF2B5EF4-FFF2-40B4-BE49-F238E27FC236}">
+                <a16:creationId xmlns:a16="http://schemas.microsoft.com/office/drawing/2014/main" id="{9916C099-CCEB-EC2A-4386-9DC9DF9CB729}"/>
+              </a:ext>
+            </a:extLst>
+          </p:cNvPr>
+          <p:cNvCxnSpPr>
+            <a:cxnSpLocks/>
+          </p:cNvCxnSpPr>
+          <p:nvPr/>
+        </p:nvCxnSpPr>
+        <p:spPr>
+          <a:xfrm flipV="1">
+            <a:off x="3481777" y="518774"/>
+            <a:ext cx="223709" cy="2561"/>
+          </a:xfrm>
+          <a:prstGeom prst="line">
+            <a:avLst/>
+          </a:prstGeom>
+          <a:ln w="28575">
+            <a:solidFill>
+              <a:schemeClr val="tx1"/>
+            </a:solidFill>
+            <a:headEnd type="oval" w="med" len="med"/>
+            <a:tailEnd type="none" w="med" len="med"/>
+          </a:ln>
+        </p:spPr>
+        <p:style>
+          <a:lnRef idx="1">
+            <a:schemeClr val="accent1"/>
+          </a:lnRef>
+          <a:fillRef idx="0">
+            <a:schemeClr val="accent1"/>
+          </a:fillRef>
+          <a:effectRef idx="0">
+            <a:schemeClr val="accent1"/>
+          </a:effectRef>
+          <a:fontRef idx="minor">
+            <a:schemeClr val="tx1"/>
+          </a:fontRef>
+        </p:style>
+      </p:cxnSp>
+      <p:pic>
+        <p:nvPicPr>
+          <p:cNvPr id="90" name="Picture 89" descr="A person measuring his head&#10;&#10;Description automatically generated">
+            <a:extLst>
+              <a:ext uri="{FF2B5EF4-FFF2-40B4-BE49-F238E27FC236}">
+                <a16:creationId xmlns:a16="http://schemas.microsoft.com/office/drawing/2014/main" id="{CEEB6CE4-85C7-5BBB-BCA1-8B12F2A11865}"/>
+              </a:ext>
+            </a:extLst>
+          </p:cNvPr>
+          <p:cNvPicPr>
+            <a:picLocks noChangeAspect="1"/>
+          </p:cNvPicPr>
+          <p:nvPr/>
+        </p:nvPicPr>
+        <p:blipFill>
+          <a:blip r:embed="rId13">
+            <a:extLst>
+              <a:ext uri="{28A0092B-C50C-407E-A947-70E740481C1C}">
+                <a14:useLocalDpi xmlns:a14="http://schemas.microsoft.com/office/drawing/2010/main" val="0"/>
+              </a:ext>
+            </a:extLst>
+          </a:blip>
+          <a:stretch>
+            <a:fillRect/>
+          </a:stretch>
+        </p:blipFill>
+        <p:spPr>
+          <a:xfrm>
+            <a:off x="6791828" y="3698820"/>
+            <a:ext cx="814578" cy="814578"/>
+          </a:xfrm>
+          <a:prstGeom prst="rect">
+            <a:avLst/>
+          </a:prstGeom>
+        </p:spPr>
+      </p:pic>
+      <p:cxnSp>
+        <p:nvCxnSpPr>
+          <p:cNvPr id="93" name="Curved Connector 92">
+            <a:extLst>
+              <a:ext uri="{FF2B5EF4-FFF2-40B4-BE49-F238E27FC236}">
+                <a16:creationId xmlns:a16="http://schemas.microsoft.com/office/drawing/2014/main" id="{15775AFB-C39B-6485-53BE-346BA7B7CA4D}"/>
+              </a:ext>
+            </a:extLst>
+          </p:cNvPr>
+          <p:cNvCxnSpPr>
+            <a:stCxn id="90" idx="1"/>
+          </p:cNvCxnSpPr>
+          <p:nvPr/>
+        </p:nvCxnSpPr>
+        <p:spPr>
+          <a:xfrm rot="10800000" flipV="1">
+            <a:off x="6190568" y="4106109"/>
+            <a:ext cx="601260" cy="822166"/>
+          </a:xfrm>
+          <a:prstGeom prst="curvedConnector2">
+            <a:avLst/>
+          </a:prstGeom>
+          <a:ln w="28575">
+            <a:prstDash val="sysDot"/>
+            <a:tailEnd type="triangle"/>
+          </a:ln>
+        </p:spPr>
+        <p:style>
+          <a:lnRef idx="1">
+            <a:schemeClr val="dk1"/>
+          </a:lnRef>
+          <a:fillRef idx="0">
+            <a:schemeClr val="dk1"/>
+          </a:fillRef>
+          <a:effectRef idx="0">
+            <a:schemeClr val="dk1"/>
+          </a:effectRef>
+          <a:fontRef idx="minor">
+            <a:schemeClr val="tx1"/>
+          </a:fontRef>
+        </p:style>
+      </p:cxnSp>
+      <p:sp>
+        <p:nvSpPr>
+          <p:cNvPr id="94" name="TextBox 93">
+            <a:extLst>
+              <a:ext uri="{FF2B5EF4-FFF2-40B4-BE49-F238E27FC236}">
+                <a16:creationId xmlns:a16="http://schemas.microsoft.com/office/drawing/2014/main" id="{252D502D-A3C2-A682-A98A-7CAD33E6298F}"/>
+              </a:ext>
+            </a:extLst>
+          </p:cNvPr>
+          <p:cNvSpPr txBox="1"/>
+          <p:nvPr/>
+        </p:nvSpPr>
+        <p:spPr>
+          <a:xfrm>
+            <a:off x="7052652" y="3924865"/>
+            <a:ext cx="1567954" cy="492443"/>
+          </a:xfrm>
+          <a:prstGeom prst="rect">
+            <a:avLst/>
+          </a:prstGeom>
+          <a:noFill/>
+        </p:spPr>
+        <p:txBody>
+          <a:bodyPr wrap="square" rtlCol="0">
+            <a:spAutoFit/>
+          </a:bodyPr>
+          <a:lstStyle/>
+          <a:p>
+            <a:pPr algn="ctr"/>
+            <a:r>
+              <a:rPr lang="en-US" sz="1300" b="1" dirty="0"/>
+              <a:t>Setpoint </a:t>
+            </a:r>
+          </a:p>
+          <a:p>
+            <a:pPr algn="ctr"/>
+            <a:r>
+              <a:rPr lang="en-US" sz="1300" b="1" dirty="0"/>
+              <a:t>change</a:t>
+            </a:r>
+          </a:p>
+        </p:txBody>
+      </p:sp>
+    </p:spTree>
+    <p:extLst>
+      <p:ext uri="{BB962C8B-B14F-4D97-AF65-F5344CB8AC3E}">
+        <p14:creationId xmlns:p14="http://schemas.microsoft.com/office/powerpoint/2010/main" val="657846067"/>
+      </p:ext>
+    </p:extLst>
+  </p:cSld>
+  <p:clrMapOvr>
+    <a:masterClrMapping/>
+  </p:clrMapOvr>
+</p:sld>
+</file>
+
+<file path=ppt/slides/slide3.xml><?xml version="1.0" encoding="utf-8"?>
 <p:sld xmlns:a="http://schemas.openxmlformats.org/drawingml/2006/main" xmlns:r="http://schemas.openxmlformats.org/officeDocument/2006/relationships" xmlns:p="http://schemas.openxmlformats.org/presentationml/2006/main">
   <p:cSld>
     <p:spTree>
@@ -5389,7 +9178,7 @@
 </p:sld>
 </file>
 
-<file path=ppt/slides/slide3.xml><?xml version="1.0" encoding="utf-8"?>
+<file path=ppt/slides/slide4.xml><?xml version="1.0" encoding="utf-8"?>
 <p:sld xmlns:a="http://schemas.openxmlformats.org/drawingml/2006/main" xmlns:r="http://schemas.openxmlformats.org/officeDocument/2006/relationships" xmlns:p="http://schemas.openxmlformats.org/presentationml/2006/main">
   <p:cSld>
     <p:spTree>
@@ -5449,7 +9238,7 @@
 </p:sld>
 </file>
 
-<file path=ppt/slides/slide4.xml><?xml version="1.0" encoding="utf-8"?>
+<file path=ppt/slides/slide5.xml><?xml version="1.0" encoding="utf-8"?>
 <p:sld xmlns:a="http://schemas.openxmlformats.org/drawingml/2006/main" xmlns:r="http://schemas.openxmlformats.org/officeDocument/2006/relationships" xmlns:p="http://schemas.openxmlformats.org/presentationml/2006/main">
   <p:cSld>
     <p:spTree>
@@ -8543,7 +12332,7 @@
 </p:sld>
 </file>
 
-<file path=ppt/slides/slide5.xml><?xml version="1.0" encoding="utf-8"?>
+<file path=ppt/slides/slide6.xml><?xml version="1.0" encoding="utf-8"?>
 <p:sld xmlns:a="http://schemas.openxmlformats.org/drawingml/2006/main" xmlns:r="http://schemas.openxmlformats.org/officeDocument/2006/relationships" xmlns:p="http://schemas.openxmlformats.org/presentationml/2006/main">
   <p:cSld>
     <p:spTree>
@@ -11219,7 +15008,7 @@
 </p:sld>
 </file>
 
-<file path=ppt/slides/slide6.xml><?xml version="1.0" encoding="utf-8"?>
+<file path=ppt/slides/slide7.xml><?xml version="1.0" encoding="utf-8"?>
 <p:sld xmlns:a="http://schemas.openxmlformats.org/drawingml/2006/main" xmlns:r="http://schemas.openxmlformats.org/officeDocument/2006/relationships" xmlns:p="http://schemas.openxmlformats.org/presentationml/2006/main">
   <p:cSld>
     <p:spTree>
@@ -11279,7 +15068,7 @@
 </p:sld>
 </file>
 
-<file path=ppt/slides/slide7.xml><?xml version="1.0" encoding="utf-8"?>
+<file path=ppt/slides/slide8.xml><?xml version="1.0" encoding="utf-8"?>
 <p:sld xmlns:a="http://schemas.openxmlformats.org/drawingml/2006/main" xmlns:r="http://schemas.openxmlformats.org/officeDocument/2006/relationships" xmlns:p="http://schemas.openxmlformats.org/presentationml/2006/main">
   <p:cSld>
     <p:spTree>

--- a/assets/images/citylearn_systems.pptx
+++ b/assets/images/citylearn_systems.pptx
@@ -258,7 +258,7 @@
           <a:p>
             <a:fld id="{C375809C-1078-40E5-8D78-A06230988E2D}" type="datetimeFigureOut">
               <a:rPr lang="en-US" smtClean="0"/>
-              <a:t>9/13/23</a:t>
+              <a:t>9/17/23</a:t>
             </a:fld>
             <a:endParaRPr lang="en-US"/>
           </a:p>
@@ -436,7 +436,7 @@
             <a:fld id="{2B843C7C-BC90-49F1-B4F6-A48532280559}" type="datetimeFigureOut">
               <a:rPr lang="de-DE" smtClean="0"/>
               <a:pPr/>
-              <a:t>13.09.23</a:t>
+              <a:t>16.09.23</a:t>
             </a:fld>
             <a:endParaRPr lang="de-DE"/>
           </a:p>

--- a/assets/images/citylearn_systems.pptx
+++ b/assets/images/citylearn_systems.pptx
@@ -258,7 +258,7 @@
           <a:p>
             <a:fld id="{C375809C-1078-40E5-8D78-A06230988E2D}" type="datetimeFigureOut">
               <a:rPr lang="en-US" smtClean="0"/>
-              <a:t>9/17/23</a:t>
+              <a:t>11/8/23</a:t>
             </a:fld>
             <a:endParaRPr lang="en-US"/>
           </a:p>
@@ -436,7 +436,7 @@
             <a:fld id="{2B843C7C-BC90-49F1-B4F6-A48532280559}" type="datetimeFigureOut">
               <a:rPr lang="de-DE" smtClean="0"/>
               <a:pPr/>
-              <a:t>16.09.23</a:t>
+              <a:t>08.11.23</a:t>
             </a:fld>
             <a:endParaRPr lang="de-DE"/>
           </a:p>
@@ -11722,10 +11722,10 @@
         </p:nvGrpSpPr>
         <p:grpSpPr>
           <a:xfrm>
-            <a:off x="7499297" y="2970530"/>
-            <a:ext cx="1026042" cy="1024127"/>
+            <a:off x="7491896" y="2959218"/>
+            <a:ext cx="1030916" cy="1024127"/>
             <a:chOff x="6975940" y="2943131"/>
-            <a:chExt cx="526906" cy="525923"/>
+            <a:chExt cx="529409" cy="525923"/>
           </a:xfrm>
         </p:grpSpPr>
         <p:sp>
@@ -11798,8 +11798,8 @@
           </p:nvSpPr>
           <p:spPr>
             <a:xfrm>
-              <a:off x="6981572" y="3081203"/>
-              <a:ext cx="521274" cy="268691"/>
+              <a:off x="6981573" y="3063602"/>
+              <a:ext cx="523776" cy="268691"/>
             </a:xfrm>
             <a:prstGeom prst="rect">
               <a:avLst/>
@@ -11854,14 +11854,15 @@
           </p:cNvPr>
           <p:cNvCxnSpPr>
             <a:cxnSpLocks/>
+            <a:stCxn id="58" idx="2"/>
             <a:endCxn id="65" idx="0"/>
           </p:cNvCxnSpPr>
           <p:nvPr/>
         </p:nvCxnSpPr>
         <p:spPr>
           <a:xfrm flipH="1" flipV="1">
-            <a:off x="6401932" y="3463945"/>
-            <a:ext cx="1097280" cy="18648"/>
+            <a:off x="6401933" y="3463945"/>
+            <a:ext cx="1089965" cy="7337"/>
           </a:xfrm>
           <a:prstGeom prst="straightConnector1">
             <a:avLst/>
@@ -11899,7 +11900,7 @@
         </p:nvSpPr>
         <p:spPr>
           <a:xfrm>
-            <a:off x="6554330" y="3019878"/>
+            <a:off x="6500048" y="3018263"/>
             <a:ext cx="1008837" cy="492443"/>
           </a:xfrm>
           <a:prstGeom prst="rect">
@@ -11940,7 +11941,7 @@
         </p:nvSpPr>
         <p:spPr>
           <a:xfrm>
-            <a:off x="6548234" y="1692376"/>
+            <a:off x="6312024" y="1692376"/>
             <a:ext cx="1008837" cy="292388"/>
           </a:xfrm>
           <a:prstGeom prst="rect">
@@ -11980,8 +11981,8 @@
         </p:nvCxnSpPr>
         <p:spPr>
           <a:xfrm rot="16200000" flipV="1">
-            <a:off x="6697408" y="1656576"/>
-            <a:ext cx="1018480" cy="1609427"/>
+            <a:off x="6699364" y="1654620"/>
+            <a:ext cx="1007168" cy="1602028"/>
           </a:xfrm>
           <a:prstGeom prst="bentConnector2">
             <a:avLst/>
@@ -12016,20 +12017,20 @@
           </p:cNvPr>
           <p:cNvCxnSpPr>
             <a:cxnSpLocks/>
-            <a:stCxn id="61" idx="3"/>
+            <a:stCxn id="58" idx="6"/>
             <a:endCxn id="33" idx="0"/>
           </p:cNvCxnSpPr>
           <p:nvPr/>
         </p:nvCxnSpPr>
         <p:spPr>
           <a:xfrm flipH="1">
-            <a:off x="4799856" y="3501008"/>
-            <a:ext cx="3725483" cy="2399913"/>
+            <a:off x="4799856" y="3471282"/>
+            <a:ext cx="3716172" cy="2429639"/>
           </a:xfrm>
           <a:prstGeom prst="bentConnector4">
             <a:avLst>
-              <a:gd name="adj1" fmla="val -6136"/>
-              <a:gd name="adj2" fmla="val 109525"/>
+              <a:gd name="adj1" fmla="val -6151"/>
+              <a:gd name="adj2" fmla="val 109409"/>
             </a:avLst>
           </a:prstGeom>
           <a:ln w="28575">
@@ -12104,10 +12105,10 @@
         </p:nvGrpSpPr>
         <p:grpSpPr>
           <a:xfrm>
-            <a:off x="7493814" y="4472992"/>
-            <a:ext cx="1026042" cy="1024127"/>
+            <a:off x="7493818" y="4463594"/>
+            <a:ext cx="1028994" cy="1024127"/>
             <a:chOff x="6975940" y="2943131"/>
-            <a:chExt cx="526906" cy="525923"/>
+            <a:chExt cx="528422" cy="525923"/>
           </a:xfrm>
         </p:grpSpPr>
         <p:sp>
@@ -12177,8 +12178,8 @@
           </p:nvSpPr>
           <p:spPr>
             <a:xfrm>
-              <a:off x="6981572" y="3062291"/>
-              <a:ext cx="521274" cy="268691"/>
+              <a:off x="6983680" y="3026098"/>
+              <a:ext cx="520682" cy="379328"/>
             </a:xfrm>
             <a:prstGeom prst="rect">
               <a:avLst/>
@@ -12195,6 +12196,21 @@
             <a:lstStyle/>
             <a:p>
               <a:pPr algn="ctr"/>
+              <a:r>
+                <a:rPr lang="en-US" sz="1400" b="1" dirty="0">
+                  <a:solidFill>
+                    <a:schemeClr val="bg1"/>
+                  </a:solidFill>
+                </a:rPr>
+                <a:t>LSTM</a:t>
+              </a:r>
+              <a:br>
+                <a:rPr lang="en-US" sz="1400" b="1" dirty="0">
+                  <a:solidFill>
+                    <a:schemeClr val="bg1"/>
+                  </a:solidFill>
+                </a:rPr>
+              </a:br>
               <a:r>
                 <a:rPr lang="en-US" sz="1400" b="1" dirty="0">
                   <a:solidFill>
@@ -12233,14 +12249,14 @@
           </p:cNvPr>
           <p:cNvCxnSpPr>
             <a:cxnSpLocks/>
-            <a:endCxn id="76" idx="3"/>
+            <a:endCxn id="75" idx="6"/>
           </p:cNvCxnSpPr>
           <p:nvPr/>
         </p:nvCxnSpPr>
         <p:spPr>
           <a:xfrm flipH="1">
-            <a:off x="8519856" y="4966641"/>
-            <a:ext cx="236605" cy="2"/>
+            <a:off x="8517946" y="4975658"/>
+            <a:ext cx="243618" cy="0"/>
           </a:xfrm>
           <a:prstGeom prst="straightConnector1">
             <a:avLst/>
@@ -12283,7 +12299,7 @@
         <p:spPr>
           <a:xfrm flipH="1" flipV="1">
             <a:off x="6190568" y="4972653"/>
-            <a:ext cx="1303246" cy="12403"/>
+            <a:ext cx="1303250" cy="3005"/>
           </a:xfrm>
           <a:prstGeom prst="straightConnector1">
             <a:avLst/>
@@ -12321,7 +12337,7 @@
         </p:nvSpPr>
         <p:spPr>
           <a:xfrm>
-            <a:off x="6260202" y="4705679"/>
+            <a:off x="6256238" y="4705679"/>
             <a:ext cx="1567954" cy="292388"/>
           </a:xfrm>
           <a:prstGeom prst="rect">
@@ -12584,10 +12600,10 @@
       </p:sp>
       <p:pic>
         <p:nvPicPr>
-          <p:cNvPr id="3" name="Picture 2">
-            <a:extLst>
-              <a:ext uri="{FF2B5EF4-FFF2-40B4-BE49-F238E27FC236}">
-                <a16:creationId xmlns:a16="http://schemas.microsoft.com/office/drawing/2014/main" id="{999BA4FF-C66D-6FF0-EDE0-FF3B1A22FAA8}"/>
+          <p:cNvPr id="91" name="Picture 90">
+            <a:extLst>
+              <a:ext uri="{FF2B5EF4-FFF2-40B4-BE49-F238E27FC236}">
+                <a16:creationId xmlns:a16="http://schemas.microsoft.com/office/drawing/2014/main" id="{3B60E576-6E68-A374-3857-3A4C6278D85F}"/>
               </a:ext>
             </a:extLst>
           </p:cNvPr>

--- a/assets/images/citylearn_systems.pptx
+++ b/assets/images/citylearn_systems.pptx
@@ -5,22 +5,24 @@
     <p:sldMasterId id="2147483648" r:id="rId1"/>
   </p:sldMasterIdLst>
   <p:notesMasterIdLst>
-    <p:notesMasterId r:id="rId12"/>
+    <p:notesMasterId r:id="rId14"/>
   </p:notesMasterIdLst>
   <p:handoutMasterIdLst>
-    <p:handoutMasterId r:id="rId13"/>
+    <p:handoutMasterId r:id="rId15"/>
   </p:handoutMasterIdLst>
   <p:sldIdLst>
     <p:sldId id="833" r:id="rId2"/>
     <p:sldId id="844" r:id="rId3"/>
     <p:sldId id="845" r:id="rId4"/>
-    <p:sldId id="846" r:id="rId5"/>
-    <p:sldId id="838" r:id="rId6"/>
-    <p:sldId id="834" r:id="rId7"/>
-    <p:sldId id="839" r:id="rId8"/>
-    <p:sldId id="840" r:id="rId9"/>
-    <p:sldId id="837" r:id="rId10"/>
-    <p:sldId id="841" r:id="rId11"/>
+    <p:sldId id="848" r:id="rId5"/>
+    <p:sldId id="846" r:id="rId6"/>
+    <p:sldId id="838" r:id="rId7"/>
+    <p:sldId id="847" r:id="rId8"/>
+    <p:sldId id="834" r:id="rId9"/>
+    <p:sldId id="839" r:id="rId10"/>
+    <p:sldId id="840" r:id="rId11"/>
+    <p:sldId id="837" r:id="rId12"/>
+    <p:sldId id="841" r:id="rId13"/>
   </p:sldIdLst>
   <p:sldSz cx="12192000" cy="6858000"/>
   <p:notesSz cx="7099300" cy="10234613"/>
@@ -258,7 +260,7 @@
           <a:p>
             <a:fld id="{C375809C-1078-40E5-8D78-A06230988E2D}" type="datetimeFigureOut">
               <a:rPr lang="en-US" smtClean="0"/>
-              <a:t>11/8/23</a:t>
+              <a:t>1/12/24</a:t>
             </a:fld>
             <a:endParaRPr lang="en-US"/>
           </a:p>
@@ -436,7 +438,7 @@
             <a:fld id="{2B843C7C-BC90-49F1-B4F6-A48532280559}" type="datetimeFigureOut">
               <a:rPr lang="de-DE" smtClean="0"/>
               <a:pPr/>
-              <a:t>08.11.23</a:t>
+              <a:t>12.01.24</a:t>
             </a:fld>
             <a:endParaRPr lang="de-DE"/>
           </a:p>
@@ -3793,6 +3795,2742 @@
 </file>
 
 <file path=ppt/slides/slide10.xml><?xml version="1.0" encoding="utf-8"?>
+<p:sld xmlns:a="http://schemas.openxmlformats.org/drawingml/2006/main" xmlns:r="http://schemas.openxmlformats.org/officeDocument/2006/relationships" xmlns:p="http://schemas.openxmlformats.org/presentationml/2006/main">
+  <p:cSld>
+    <p:spTree>
+      <p:nvGrpSpPr>
+        <p:cNvPr id="1" name=""/>
+        <p:cNvGrpSpPr/>
+        <p:nvPr/>
+      </p:nvGrpSpPr>
+      <p:grpSpPr>
+        <a:xfrm>
+          <a:off x="0" y="0"/>
+          <a:ext cx="0" cy="0"/>
+          <a:chOff x="0" y="0"/>
+          <a:chExt cx="0" cy="0"/>
+        </a:xfrm>
+      </p:grpSpPr>
+      <p:sp>
+        <p:nvSpPr>
+          <p:cNvPr id="263" name="Rounded Rectangle 262">
+            <a:extLst>
+              <a:ext uri="{FF2B5EF4-FFF2-40B4-BE49-F238E27FC236}">
+                <a16:creationId xmlns:a16="http://schemas.microsoft.com/office/drawing/2014/main" id="{06B5219B-EF2E-DEA6-96CF-4E0422F9F15B}"/>
+              </a:ext>
+            </a:extLst>
+          </p:cNvPr>
+          <p:cNvSpPr/>
+          <p:nvPr/>
+        </p:nvSpPr>
+        <p:spPr>
+          <a:xfrm rot="5400000">
+            <a:off x="6232405" y="584684"/>
+            <a:ext cx="1656185" cy="5328593"/>
+          </a:xfrm>
+          <a:prstGeom prst="roundRect">
+            <a:avLst>
+              <a:gd name="adj" fmla="val 17419"/>
+            </a:avLst>
+          </a:prstGeom>
+          <a:solidFill>
+            <a:schemeClr val="accent6">
+              <a:lumMod val="40000"/>
+              <a:lumOff val="60000"/>
+            </a:schemeClr>
+          </a:solidFill>
+          <a:ln w="28575">
+            <a:noFill/>
+            <a:prstDash val="sysDot"/>
+          </a:ln>
+        </p:spPr>
+        <p:style>
+          <a:lnRef idx="2">
+            <a:schemeClr val="accent1">
+              <a:shade val="50000"/>
+            </a:schemeClr>
+          </a:lnRef>
+          <a:fillRef idx="1">
+            <a:schemeClr val="accent1"/>
+          </a:fillRef>
+          <a:effectRef idx="0">
+            <a:schemeClr val="accent1"/>
+          </a:effectRef>
+          <a:fontRef idx="minor">
+            <a:schemeClr val="lt1"/>
+          </a:fontRef>
+        </p:style>
+        <p:txBody>
+          <a:bodyPr rtlCol="0" anchor="ctr"/>
+          <a:lstStyle/>
+          <a:p>
+            <a:pPr algn="ctr"/>
+            <a:endParaRPr lang="en-US" dirty="0"/>
+          </a:p>
+        </p:txBody>
+      </p:sp>
+      <p:sp>
+        <p:nvSpPr>
+          <p:cNvPr id="262" name="Rounded Rectangle 261">
+            <a:extLst>
+              <a:ext uri="{FF2B5EF4-FFF2-40B4-BE49-F238E27FC236}">
+                <a16:creationId xmlns:a16="http://schemas.microsoft.com/office/drawing/2014/main" id="{150E61E8-D45A-BE83-591B-4A1C3976CC5B}"/>
+              </a:ext>
+            </a:extLst>
+          </p:cNvPr>
+          <p:cNvSpPr/>
+          <p:nvPr/>
+        </p:nvSpPr>
+        <p:spPr>
+          <a:xfrm rot="5400000">
+            <a:off x="6232406" y="2312876"/>
+            <a:ext cx="1656183" cy="5328595"/>
+          </a:xfrm>
+          <a:prstGeom prst="roundRect">
+            <a:avLst>
+              <a:gd name="adj" fmla="val 16711"/>
+            </a:avLst>
+          </a:prstGeom>
+          <a:solidFill>
+            <a:schemeClr val="accent3">
+              <a:lumMod val="60000"/>
+              <a:lumOff val="40000"/>
+            </a:schemeClr>
+          </a:solidFill>
+          <a:ln w="28575">
+            <a:noFill/>
+            <a:prstDash val="sysDot"/>
+          </a:ln>
+        </p:spPr>
+        <p:style>
+          <a:lnRef idx="2">
+            <a:schemeClr val="accent1">
+              <a:shade val="50000"/>
+            </a:schemeClr>
+          </a:lnRef>
+          <a:fillRef idx="1">
+            <a:schemeClr val="accent1"/>
+          </a:fillRef>
+          <a:effectRef idx="0">
+            <a:schemeClr val="accent1"/>
+          </a:effectRef>
+          <a:fontRef idx="minor">
+            <a:schemeClr val="lt1"/>
+          </a:fontRef>
+        </p:style>
+        <p:txBody>
+          <a:bodyPr rtlCol="0" anchor="ctr"/>
+          <a:lstStyle/>
+          <a:p>
+            <a:pPr algn="ctr"/>
+            <a:endParaRPr lang="en-US"/>
+          </a:p>
+        </p:txBody>
+      </p:sp>
+      <p:sp>
+        <p:nvSpPr>
+          <p:cNvPr id="261" name="Rounded Rectangle 260">
+            <a:extLst>
+              <a:ext uri="{FF2B5EF4-FFF2-40B4-BE49-F238E27FC236}">
+                <a16:creationId xmlns:a16="http://schemas.microsoft.com/office/drawing/2014/main" id="{99CB883B-2F03-779F-FB5B-494DA2DFAA4A}"/>
+              </a:ext>
+            </a:extLst>
+          </p:cNvPr>
+          <p:cNvSpPr/>
+          <p:nvPr/>
+        </p:nvSpPr>
+        <p:spPr>
+          <a:xfrm rot="5400000">
+            <a:off x="5951919" y="-1439077"/>
+            <a:ext cx="2217174" cy="5328592"/>
+          </a:xfrm>
+          <a:prstGeom prst="roundRect">
+            <a:avLst>
+              <a:gd name="adj" fmla="val 15159"/>
+            </a:avLst>
+          </a:prstGeom>
+          <a:solidFill>
+            <a:schemeClr val="bg1">
+              <a:lumMod val="75000"/>
+            </a:schemeClr>
+          </a:solidFill>
+          <a:ln w="28575">
+            <a:noFill/>
+            <a:prstDash val="sysDot"/>
+          </a:ln>
+        </p:spPr>
+        <p:style>
+          <a:lnRef idx="2">
+            <a:schemeClr val="accent1">
+              <a:shade val="50000"/>
+            </a:schemeClr>
+          </a:lnRef>
+          <a:fillRef idx="1">
+            <a:schemeClr val="accent1"/>
+          </a:fillRef>
+          <a:effectRef idx="0">
+            <a:schemeClr val="accent1"/>
+          </a:effectRef>
+          <a:fontRef idx="minor">
+            <a:schemeClr val="lt1"/>
+          </a:fontRef>
+        </p:style>
+        <p:txBody>
+          <a:bodyPr rtlCol="0" anchor="ctr"/>
+          <a:lstStyle/>
+          <a:p>
+            <a:pPr algn="ctr"/>
+            <a:endParaRPr lang="en-US" sz="1400"/>
+          </a:p>
+        </p:txBody>
+      </p:sp>
+      <p:sp>
+        <p:nvSpPr>
+          <p:cNvPr id="26" name="Rounded Rectangle 25">
+            <a:extLst>
+              <a:ext uri="{FF2B5EF4-FFF2-40B4-BE49-F238E27FC236}">
+                <a16:creationId xmlns:a16="http://schemas.microsoft.com/office/drawing/2014/main" id="{369C9C37-E3A6-1824-2F9C-0F09402196C4}"/>
+              </a:ext>
+            </a:extLst>
+          </p:cNvPr>
+          <p:cNvSpPr/>
+          <p:nvPr/>
+        </p:nvSpPr>
+        <p:spPr>
+          <a:xfrm rot="10800000">
+            <a:off x="6503881" y="342005"/>
+            <a:ext cx="3076895" cy="842379"/>
+          </a:xfrm>
+          <a:prstGeom prst="roundRect">
+            <a:avLst>
+              <a:gd name="adj" fmla="val 25205"/>
+            </a:avLst>
+          </a:prstGeom>
+          <a:noFill/>
+          <a:ln w="28575">
+            <a:solidFill>
+              <a:schemeClr val="tx1"/>
+            </a:solidFill>
+            <a:prstDash val="solid"/>
+          </a:ln>
+        </p:spPr>
+        <p:style>
+          <a:lnRef idx="2">
+            <a:schemeClr val="accent1">
+              <a:shade val="50000"/>
+            </a:schemeClr>
+          </a:lnRef>
+          <a:fillRef idx="1">
+            <a:schemeClr val="accent1"/>
+          </a:fillRef>
+          <a:effectRef idx="0">
+            <a:schemeClr val="accent1"/>
+          </a:effectRef>
+          <a:fontRef idx="minor">
+            <a:schemeClr val="lt1"/>
+          </a:fontRef>
+        </p:style>
+        <p:txBody>
+          <a:bodyPr rtlCol="0" anchor="ctr"/>
+          <a:lstStyle/>
+          <a:p>
+            <a:pPr algn="ctr"/>
+            <a:endParaRPr lang="en-US"/>
+          </a:p>
+        </p:txBody>
+      </p:sp>
+      <p:sp>
+        <p:nvSpPr>
+          <p:cNvPr id="22" name="Rounded Rectangle 21">
+            <a:extLst>
+              <a:ext uri="{FF2B5EF4-FFF2-40B4-BE49-F238E27FC236}">
+                <a16:creationId xmlns:a16="http://schemas.microsoft.com/office/drawing/2014/main" id="{13F58CB5-1896-5305-0347-A17723674B6D}"/>
+              </a:ext>
+            </a:extLst>
+          </p:cNvPr>
+          <p:cNvSpPr/>
+          <p:nvPr/>
+        </p:nvSpPr>
+        <p:spPr>
+          <a:xfrm>
+            <a:off x="7584004" y="573242"/>
+            <a:ext cx="864095" cy="504056"/>
+          </a:xfrm>
+          <a:prstGeom prst="roundRect">
+            <a:avLst/>
+          </a:prstGeom>
+          <a:noFill/>
+          <a:ln w="28575">
+            <a:solidFill>
+              <a:schemeClr val="tx1"/>
+            </a:solidFill>
+            <a:prstDash val="solid"/>
+          </a:ln>
+        </p:spPr>
+        <p:style>
+          <a:lnRef idx="2">
+            <a:schemeClr val="accent1">
+              <a:shade val="50000"/>
+            </a:schemeClr>
+          </a:lnRef>
+          <a:fillRef idx="1">
+            <a:schemeClr val="accent1"/>
+          </a:fillRef>
+          <a:effectRef idx="0">
+            <a:schemeClr val="accent1"/>
+          </a:effectRef>
+          <a:fontRef idx="minor">
+            <a:schemeClr val="lt1"/>
+          </a:fontRef>
+        </p:style>
+        <p:txBody>
+          <a:bodyPr rtlCol="0" anchor="ctr"/>
+          <a:lstStyle/>
+          <a:p>
+            <a:pPr algn="ctr"/>
+            <a:r>
+              <a:rPr lang="en-US" sz="900" b="1" dirty="0" err="1">
+                <a:solidFill>
+                  <a:schemeClr val="tx1"/>
+                </a:solidFill>
+              </a:rPr>
+              <a:t>OpenStudio</a:t>
+            </a:r>
+            <a:r>
+              <a:rPr lang="en-US" sz="900" b="1" dirty="0">
+                <a:solidFill>
+                  <a:schemeClr val="tx1"/>
+                </a:solidFill>
+              </a:rPr>
+              <a:t> Model </a:t>
+            </a:r>
+            <a:br>
+              <a:rPr lang="en-US" sz="900" b="1" dirty="0">
+                <a:solidFill>
+                  <a:schemeClr val="tx1"/>
+                </a:solidFill>
+              </a:rPr>
+            </a:br>
+            <a:r>
+              <a:rPr lang="en-US" sz="900" b="1" dirty="0">
+                <a:solidFill>
+                  <a:schemeClr val="tx1"/>
+                </a:solidFill>
+              </a:rPr>
+              <a:t>(.</a:t>
+            </a:r>
+            <a:r>
+              <a:rPr lang="en-US" sz="900" b="1" dirty="0" err="1">
+                <a:solidFill>
+                  <a:schemeClr val="tx1"/>
+                </a:solidFill>
+              </a:rPr>
+              <a:t>osm</a:t>
+            </a:r>
+            <a:r>
+              <a:rPr lang="en-US" sz="900" b="1" dirty="0">
+                <a:solidFill>
+                  <a:schemeClr val="tx1"/>
+                </a:solidFill>
+              </a:rPr>
+              <a:t>)</a:t>
+            </a:r>
+          </a:p>
+        </p:txBody>
+      </p:sp>
+      <p:sp>
+        <p:nvSpPr>
+          <p:cNvPr id="23" name="Rounded Rectangle 22">
+            <a:extLst>
+              <a:ext uri="{FF2B5EF4-FFF2-40B4-BE49-F238E27FC236}">
+                <a16:creationId xmlns:a16="http://schemas.microsoft.com/office/drawing/2014/main" id="{CEF52992-28E8-F33A-EE54-9A02CAA5D7D5}"/>
+              </a:ext>
+            </a:extLst>
+          </p:cNvPr>
+          <p:cNvSpPr/>
+          <p:nvPr/>
+        </p:nvSpPr>
+        <p:spPr>
+          <a:xfrm>
+            <a:off x="6647900" y="573242"/>
+            <a:ext cx="755953" cy="504056"/>
+          </a:xfrm>
+          <a:prstGeom prst="roundRect">
+            <a:avLst/>
+          </a:prstGeom>
+          <a:noFill/>
+          <a:ln w="28575">
+            <a:solidFill>
+              <a:schemeClr val="tx1"/>
+            </a:solidFill>
+            <a:prstDash val="solid"/>
+          </a:ln>
+        </p:spPr>
+        <p:style>
+          <a:lnRef idx="2">
+            <a:schemeClr val="accent1">
+              <a:shade val="50000"/>
+            </a:schemeClr>
+          </a:lnRef>
+          <a:fillRef idx="1">
+            <a:schemeClr val="accent1"/>
+          </a:fillRef>
+          <a:effectRef idx="0">
+            <a:schemeClr val="accent1"/>
+          </a:effectRef>
+          <a:fontRef idx="minor">
+            <a:schemeClr val="lt1"/>
+          </a:fontRef>
+        </p:style>
+        <p:txBody>
+          <a:bodyPr rtlCol="0" anchor="ctr"/>
+          <a:lstStyle/>
+          <a:p>
+            <a:pPr algn="ctr"/>
+            <a:r>
+              <a:rPr lang="en-US" sz="900" b="1" dirty="0">
+                <a:solidFill>
+                  <a:schemeClr val="tx1"/>
+                </a:solidFill>
+              </a:rPr>
+              <a:t>Building Metadata (.parquet)</a:t>
+            </a:r>
+          </a:p>
+        </p:txBody>
+      </p:sp>
+      <p:sp>
+        <p:nvSpPr>
+          <p:cNvPr id="24" name="Rounded Rectangle 23">
+            <a:extLst>
+              <a:ext uri="{FF2B5EF4-FFF2-40B4-BE49-F238E27FC236}">
+                <a16:creationId xmlns:a16="http://schemas.microsoft.com/office/drawing/2014/main" id="{2250A50D-0F84-29F8-22DA-E7E669CA11B2}"/>
+              </a:ext>
+            </a:extLst>
+          </p:cNvPr>
+          <p:cNvSpPr/>
+          <p:nvPr/>
+        </p:nvSpPr>
+        <p:spPr>
+          <a:xfrm>
+            <a:off x="8664124" y="574133"/>
+            <a:ext cx="755957" cy="504056"/>
+          </a:xfrm>
+          <a:prstGeom prst="roundRect">
+            <a:avLst/>
+          </a:prstGeom>
+          <a:noFill/>
+          <a:ln w="28575">
+            <a:solidFill>
+              <a:schemeClr val="tx1"/>
+            </a:solidFill>
+            <a:prstDash val="solid"/>
+          </a:ln>
+        </p:spPr>
+        <p:style>
+          <a:lnRef idx="2">
+            <a:schemeClr val="accent1">
+              <a:shade val="50000"/>
+            </a:schemeClr>
+          </a:lnRef>
+          <a:fillRef idx="1">
+            <a:schemeClr val="accent1"/>
+          </a:fillRef>
+          <a:effectRef idx="0">
+            <a:schemeClr val="accent1"/>
+          </a:effectRef>
+          <a:fontRef idx="minor">
+            <a:schemeClr val="lt1"/>
+          </a:fontRef>
+        </p:style>
+        <p:txBody>
+          <a:bodyPr rtlCol="0" anchor="ctr"/>
+          <a:lstStyle/>
+          <a:p>
+            <a:pPr algn="ctr"/>
+            <a:r>
+              <a:rPr lang="en-US" sz="900" b="1" dirty="0">
+                <a:solidFill>
+                  <a:schemeClr val="tx1"/>
+                </a:solidFill>
+              </a:rPr>
+              <a:t>Building Schedules</a:t>
+            </a:r>
+            <a:br>
+              <a:rPr lang="en-US" sz="900" b="1" dirty="0">
+                <a:solidFill>
+                  <a:schemeClr val="tx1"/>
+                </a:solidFill>
+              </a:rPr>
+            </a:br>
+            <a:r>
+              <a:rPr lang="en-US" sz="900" b="1" dirty="0">
+                <a:solidFill>
+                  <a:schemeClr val="tx1"/>
+                </a:solidFill>
+              </a:rPr>
+              <a:t> (.csv)</a:t>
+            </a:r>
+          </a:p>
+        </p:txBody>
+      </p:sp>
+      <p:sp>
+        <p:nvSpPr>
+          <p:cNvPr id="33" name="Rounded Rectangle 32">
+            <a:extLst>
+              <a:ext uri="{FF2B5EF4-FFF2-40B4-BE49-F238E27FC236}">
+                <a16:creationId xmlns:a16="http://schemas.microsoft.com/office/drawing/2014/main" id="{F76D5F61-4F81-2884-0420-2637C297334F}"/>
+              </a:ext>
+            </a:extLst>
+          </p:cNvPr>
+          <p:cNvSpPr/>
+          <p:nvPr/>
+        </p:nvSpPr>
+        <p:spPr>
+          <a:xfrm>
+            <a:off x="4612230" y="569308"/>
+            <a:ext cx="1640656" cy="504056"/>
+          </a:xfrm>
+          <a:prstGeom prst="roundRect">
+            <a:avLst/>
+          </a:prstGeom>
+          <a:noFill/>
+          <a:ln w="28575">
+            <a:solidFill>
+              <a:schemeClr val="tx1"/>
+            </a:solidFill>
+            <a:prstDash val="solid"/>
+          </a:ln>
+        </p:spPr>
+        <p:style>
+          <a:lnRef idx="2">
+            <a:schemeClr val="accent1">
+              <a:shade val="50000"/>
+            </a:schemeClr>
+          </a:lnRef>
+          <a:fillRef idx="1">
+            <a:schemeClr val="accent1"/>
+          </a:fillRef>
+          <a:effectRef idx="0">
+            <a:schemeClr val="accent1"/>
+          </a:effectRef>
+          <a:fontRef idx="minor">
+            <a:schemeClr val="lt1"/>
+          </a:fontRef>
+        </p:style>
+        <p:txBody>
+          <a:bodyPr rtlCol="0" anchor="ctr"/>
+          <a:lstStyle/>
+          <a:p>
+            <a:pPr algn="ctr"/>
+            <a:r>
+              <a:rPr lang="en-US" sz="1200" b="1" dirty="0">
+                <a:solidFill>
+                  <a:schemeClr val="tx1"/>
+                </a:solidFill>
+              </a:rPr>
+              <a:t>Representative Building Selection</a:t>
+            </a:r>
+          </a:p>
+        </p:txBody>
+      </p:sp>
+      <p:sp>
+        <p:nvSpPr>
+          <p:cNvPr id="34" name="Rounded Rectangle 33">
+            <a:extLst>
+              <a:ext uri="{FF2B5EF4-FFF2-40B4-BE49-F238E27FC236}">
+                <a16:creationId xmlns:a16="http://schemas.microsoft.com/office/drawing/2014/main" id="{B288CFF4-AB1F-80F8-EDDC-2E443E2355FD}"/>
+              </a:ext>
+            </a:extLst>
+          </p:cNvPr>
+          <p:cNvSpPr/>
+          <p:nvPr/>
+        </p:nvSpPr>
+        <p:spPr>
+          <a:xfrm>
+            <a:off x="8618314" y="1530186"/>
+            <a:ext cx="962472" cy="504056"/>
+          </a:xfrm>
+          <a:prstGeom prst="roundRect">
+            <a:avLst/>
+          </a:prstGeom>
+          <a:noFill/>
+          <a:ln w="28575">
+            <a:solidFill>
+              <a:schemeClr val="tx1"/>
+            </a:solidFill>
+            <a:prstDash val="solid"/>
+          </a:ln>
+        </p:spPr>
+        <p:style>
+          <a:lnRef idx="2">
+            <a:schemeClr val="accent1">
+              <a:shade val="50000"/>
+            </a:schemeClr>
+          </a:lnRef>
+          <a:fillRef idx="1">
+            <a:schemeClr val="accent1"/>
+          </a:fillRef>
+          <a:effectRef idx="0">
+            <a:schemeClr val="accent1"/>
+          </a:effectRef>
+          <a:fontRef idx="minor">
+            <a:schemeClr val="lt1"/>
+          </a:fontRef>
+        </p:style>
+        <p:txBody>
+          <a:bodyPr rtlCol="0" anchor="ctr"/>
+          <a:lstStyle/>
+          <a:p>
+            <a:pPr algn="ctr"/>
+            <a:r>
+              <a:rPr lang="en-US" sz="1200" b="1" dirty="0">
+                <a:solidFill>
+                  <a:schemeClr val="tx1"/>
+                </a:solidFill>
+              </a:rPr>
+              <a:t>Weather </a:t>
+            </a:r>
+            <a:br>
+              <a:rPr lang="en-US" sz="1200" b="1" dirty="0">
+                <a:solidFill>
+                  <a:schemeClr val="tx1"/>
+                </a:solidFill>
+              </a:rPr>
+            </a:br>
+            <a:r>
+              <a:rPr lang="en-US" sz="1200" b="1" dirty="0">
+                <a:solidFill>
+                  <a:schemeClr val="tx1"/>
+                </a:solidFill>
+              </a:rPr>
+              <a:t>Database</a:t>
+            </a:r>
+          </a:p>
+        </p:txBody>
+      </p:sp>
+      <p:cxnSp>
+        <p:nvCxnSpPr>
+          <p:cNvPr id="35" name="Straight Arrow Connector 34">
+            <a:extLst>
+              <a:ext uri="{FF2B5EF4-FFF2-40B4-BE49-F238E27FC236}">
+                <a16:creationId xmlns:a16="http://schemas.microsoft.com/office/drawing/2014/main" id="{C7C35276-13BD-E7A4-3695-98178FCF7472}"/>
+              </a:ext>
+            </a:extLst>
+          </p:cNvPr>
+          <p:cNvCxnSpPr>
+            <a:cxnSpLocks/>
+            <a:endCxn id="33" idx="3"/>
+          </p:cNvCxnSpPr>
+          <p:nvPr/>
+        </p:nvCxnSpPr>
+        <p:spPr>
+          <a:xfrm flipH="1">
+            <a:off x="6252886" y="821336"/>
+            <a:ext cx="375565" cy="0"/>
+          </a:xfrm>
+          <a:prstGeom prst="straightConnector1">
+            <a:avLst/>
+          </a:prstGeom>
+          <a:ln w="28575">
+            <a:headEnd type="triangle" w="med" len="med"/>
+            <a:tailEnd type="none" w="med" len="med"/>
+          </a:ln>
+        </p:spPr>
+        <p:style>
+          <a:lnRef idx="1">
+            <a:schemeClr val="dk1"/>
+          </a:lnRef>
+          <a:fillRef idx="0">
+            <a:schemeClr val="dk1"/>
+          </a:fillRef>
+          <a:effectRef idx="0">
+            <a:schemeClr val="dk1"/>
+          </a:effectRef>
+          <a:fontRef idx="minor">
+            <a:schemeClr val="tx1"/>
+          </a:fontRef>
+        </p:style>
+      </p:cxnSp>
+      <p:cxnSp>
+        <p:nvCxnSpPr>
+          <p:cNvPr id="53" name="Straight Arrow Connector 52">
+            <a:extLst>
+              <a:ext uri="{FF2B5EF4-FFF2-40B4-BE49-F238E27FC236}">
+                <a16:creationId xmlns:a16="http://schemas.microsoft.com/office/drawing/2014/main" id="{527740D1-4F6E-4829-7012-8022CA124199}"/>
+              </a:ext>
+            </a:extLst>
+          </p:cNvPr>
+          <p:cNvCxnSpPr>
+            <a:cxnSpLocks/>
+            <a:stCxn id="34" idx="1"/>
+            <a:endCxn id="13" idx="3"/>
+          </p:cNvCxnSpPr>
+          <p:nvPr/>
+        </p:nvCxnSpPr>
+        <p:spPr>
+          <a:xfrm flipH="1">
+            <a:off x="7670466" y="1782214"/>
+            <a:ext cx="947848" cy="3510"/>
+          </a:xfrm>
+          <a:prstGeom prst="straightConnector1">
+            <a:avLst/>
+          </a:prstGeom>
+          <a:ln w="28575">
+            <a:tailEnd type="triangle"/>
+          </a:ln>
+        </p:spPr>
+        <p:style>
+          <a:lnRef idx="1">
+            <a:schemeClr val="dk1"/>
+          </a:lnRef>
+          <a:fillRef idx="0">
+            <a:schemeClr val="dk1"/>
+          </a:fillRef>
+          <a:effectRef idx="0">
+            <a:schemeClr val="dk1"/>
+          </a:effectRef>
+          <a:fontRef idx="minor">
+            <a:schemeClr val="tx1"/>
+          </a:fontRef>
+        </p:style>
+      </p:cxnSp>
+      <p:cxnSp>
+        <p:nvCxnSpPr>
+          <p:cNvPr id="55" name="Straight Arrow Connector 54">
+            <a:extLst>
+              <a:ext uri="{FF2B5EF4-FFF2-40B4-BE49-F238E27FC236}">
+                <a16:creationId xmlns:a16="http://schemas.microsoft.com/office/drawing/2014/main" id="{2246CB12-CF65-F12A-ED15-EB6AC5339DC4}"/>
+              </a:ext>
+            </a:extLst>
+          </p:cNvPr>
+          <p:cNvCxnSpPr>
+            <a:cxnSpLocks/>
+            <a:stCxn id="13" idx="2"/>
+            <a:endCxn id="62" idx="0"/>
+          </p:cNvCxnSpPr>
+          <p:nvPr/>
+        </p:nvCxnSpPr>
+        <p:spPr>
+          <a:xfrm flipH="1">
+            <a:off x="7257473" y="2198716"/>
+            <a:ext cx="1" cy="477118"/>
+          </a:xfrm>
+          <a:prstGeom prst="straightConnector1">
+            <a:avLst/>
+          </a:prstGeom>
+          <a:ln w="28575">
+            <a:tailEnd type="triangle"/>
+          </a:ln>
+        </p:spPr>
+        <p:style>
+          <a:lnRef idx="1">
+            <a:schemeClr val="dk1"/>
+          </a:lnRef>
+          <a:fillRef idx="0">
+            <a:schemeClr val="dk1"/>
+          </a:fillRef>
+          <a:effectRef idx="0">
+            <a:schemeClr val="dk1"/>
+          </a:effectRef>
+          <a:fontRef idx="minor">
+            <a:schemeClr val="tx1"/>
+          </a:fontRef>
+        </p:style>
+      </p:cxnSp>
+      <p:sp>
+        <p:nvSpPr>
+          <p:cNvPr id="62" name="Rounded Rectangle 61">
+            <a:extLst>
+              <a:ext uri="{FF2B5EF4-FFF2-40B4-BE49-F238E27FC236}">
+                <a16:creationId xmlns:a16="http://schemas.microsoft.com/office/drawing/2014/main" id="{099CF519-35B8-8B43-9F85-3C000AD28E81}"/>
+              </a:ext>
+            </a:extLst>
+          </p:cNvPr>
+          <p:cNvSpPr/>
+          <p:nvPr/>
+        </p:nvSpPr>
+        <p:spPr>
+          <a:xfrm>
+            <a:off x="5716035" y="2675834"/>
+            <a:ext cx="3082875" cy="504056"/>
+          </a:xfrm>
+          <a:prstGeom prst="roundRect">
+            <a:avLst/>
+          </a:prstGeom>
+          <a:noFill/>
+          <a:ln w="28575">
+            <a:solidFill>
+              <a:schemeClr val="tx1"/>
+            </a:solidFill>
+            <a:prstDash val="solid"/>
+          </a:ln>
+        </p:spPr>
+        <p:style>
+          <a:lnRef idx="2">
+            <a:schemeClr val="accent1">
+              <a:shade val="50000"/>
+            </a:schemeClr>
+          </a:lnRef>
+          <a:fillRef idx="1">
+            <a:schemeClr val="accent1"/>
+          </a:fillRef>
+          <a:effectRef idx="0">
+            <a:schemeClr val="accent1"/>
+          </a:effectRef>
+          <a:fontRef idx="minor">
+            <a:schemeClr val="lt1"/>
+          </a:fontRef>
+        </p:style>
+        <p:txBody>
+          <a:bodyPr rtlCol="0" anchor="ctr"/>
+          <a:lstStyle/>
+          <a:p>
+            <a:pPr algn="ctr"/>
+            <a:r>
+              <a:rPr lang="en-US" sz="1200" b="1" dirty="0" err="1">
+                <a:solidFill>
+                  <a:schemeClr val="tx1"/>
+                </a:solidFill>
+              </a:rPr>
+              <a:t>EnergyPlus</a:t>
+            </a:r>
+            <a:r>
+              <a:rPr lang="en-US" sz="1200" b="1" dirty="0">
+                <a:solidFill>
+                  <a:schemeClr val="tx1"/>
+                </a:solidFill>
+              </a:rPr>
+              <a:t> Simulations</a:t>
+            </a:r>
+          </a:p>
+        </p:txBody>
+      </p:sp>
+      <p:sp>
+        <p:nvSpPr>
+          <p:cNvPr id="75" name="Rounded Rectangle 74">
+            <a:extLst>
+              <a:ext uri="{FF2B5EF4-FFF2-40B4-BE49-F238E27FC236}">
+                <a16:creationId xmlns:a16="http://schemas.microsoft.com/office/drawing/2014/main" id="{692CA36F-4C29-57A7-026A-D2C7D31C5F28}"/>
+              </a:ext>
+            </a:extLst>
+          </p:cNvPr>
+          <p:cNvSpPr/>
+          <p:nvPr/>
+        </p:nvSpPr>
+        <p:spPr>
+          <a:xfrm>
+            <a:off x="6960096" y="3439188"/>
+            <a:ext cx="613930" cy="504056"/>
+          </a:xfrm>
+          <a:prstGeom prst="roundRect">
+            <a:avLst/>
+          </a:prstGeom>
+          <a:noFill/>
+          <a:ln w="28575">
+            <a:solidFill>
+              <a:schemeClr val="tx1"/>
+            </a:solidFill>
+            <a:prstDash val="solid"/>
+          </a:ln>
+        </p:spPr>
+        <p:style>
+          <a:lnRef idx="2">
+            <a:schemeClr val="accent1">
+              <a:shade val="50000"/>
+            </a:schemeClr>
+          </a:lnRef>
+          <a:fillRef idx="1">
+            <a:schemeClr val="accent1"/>
+          </a:fillRef>
+          <a:effectRef idx="0">
+            <a:schemeClr val="accent1"/>
+          </a:effectRef>
+          <a:fontRef idx="minor">
+            <a:schemeClr val="lt1"/>
+          </a:fontRef>
+        </p:style>
+        <p:txBody>
+          <a:bodyPr rtlCol="0" anchor="ctr"/>
+          <a:lstStyle/>
+          <a:p>
+            <a:pPr algn="ctr"/>
+            <a:r>
+              <a:rPr lang="en-US" sz="1200" b="1" dirty="0">
+                <a:solidFill>
+                  <a:schemeClr val="tx1"/>
+                </a:solidFill>
+              </a:rPr>
+              <a:t>Loads</a:t>
+            </a:r>
+          </a:p>
+        </p:txBody>
+      </p:sp>
+      <p:sp>
+        <p:nvSpPr>
+          <p:cNvPr id="91" name="Rounded Rectangle 90">
+            <a:extLst>
+              <a:ext uri="{FF2B5EF4-FFF2-40B4-BE49-F238E27FC236}">
+                <a16:creationId xmlns:a16="http://schemas.microsoft.com/office/drawing/2014/main" id="{B6B7DA5D-7347-A6E8-55CD-B679C3DBC836}"/>
+              </a:ext>
+            </a:extLst>
+          </p:cNvPr>
+          <p:cNvSpPr/>
+          <p:nvPr/>
+        </p:nvSpPr>
+        <p:spPr>
+          <a:xfrm>
+            <a:off x="7936539" y="3428993"/>
+            <a:ext cx="882302" cy="504056"/>
+          </a:xfrm>
+          <a:prstGeom prst="roundRect">
+            <a:avLst/>
+          </a:prstGeom>
+          <a:noFill/>
+          <a:ln w="28575">
+            <a:solidFill>
+              <a:schemeClr val="tx1"/>
+            </a:solidFill>
+            <a:prstDash val="sysDot"/>
+          </a:ln>
+        </p:spPr>
+        <p:style>
+          <a:lnRef idx="2">
+            <a:schemeClr val="accent1">
+              <a:shade val="50000"/>
+            </a:schemeClr>
+          </a:lnRef>
+          <a:fillRef idx="1">
+            <a:schemeClr val="accent1"/>
+          </a:fillRef>
+          <a:effectRef idx="0">
+            <a:schemeClr val="accent1"/>
+          </a:effectRef>
+          <a:fontRef idx="minor">
+            <a:schemeClr val="lt1"/>
+          </a:fontRef>
+        </p:style>
+        <p:txBody>
+          <a:bodyPr rtlCol="0" anchor="ctr"/>
+          <a:lstStyle/>
+          <a:p>
+            <a:pPr algn="ctr"/>
+            <a:r>
+              <a:rPr lang="en-US" sz="1200" b="1" dirty="0">
+                <a:solidFill>
+                  <a:schemeClr val="tx1"/>
+                </a:solidFill>
+              </a:rPr>
+              <a:t>Dynamics</a:t>
+            </a:r>
+            <a:br>
+              <a:rPr lang="en-US" sz="1200" b="1" dirty="0">
+                <a:solidFill>
+                  <a:schemeClr val="tx1"/>
+                </a:solidFill>
+              </a:rPr>
+            </a:br>
+            <a:r>
+              <a:rPr lang="en-US" sz="1200" b="1" dirty="0">
+                <a:solidFill>
+                  <a:schemeClr val="tx1"/>
+                </a:solidFill>
+              </a:rPr>
+              <a:t>Model</a:t>
+            </a:r>
+          </a:p>
+        </p:txBody>
+      </p:sp>
+      <p:sp>
+        <p:nvSpPr>
+          <p:cNvPr id="97" name="Parallelogram 96">
+            <a:extLst>
+              <a:ext uri="{FF2B5EF4-FFF2-40B4-BE49-F238E27FC236}">
+                <a16:creationId xmlns:a16="http://schemas.microsoft.com/office/drawing/2014/main" id="{3CBD4115-D9F4-408C-A1E3-E4AEEB4FBC7F}"/>
+              </a:ext>
+            </a:extLst>
+          </p:cNvPr>
+          <p:cNvSpPr/>
+          <p:nvPr/>
+        </p:nvSpPr>
+        <p:spPr>
+          <a:xfrm>
+            <a:off x="5735960" y="4365100"/>
+            <a:ext cx="3082881" cy="432048"/>
+          </a:xfrm>
+          <a:prstGeom prst="parallelogram">
+            <a:avLst/>
+          </a:prstGeom>
+          <a:noFill/>
+          <a:ln>
+            <a:solidFill>
+              <a:schemeClr val="tx1"/>
+            </a:solidFill>
+          </a:ln>
+        </p:spPr>
+        <p:style>
+          <a:lnRef idx="2">
+            <a:schemeClr val="accent1">
+              <a:shade val="50000"/>
+            </a:schemeClr>
+          </a:lnRef>
+          <a:fillRef idx="1">
+            <a:schemeClr val="accent1"/>
+          </a:fillRef>
+          <a:effectRef idx="0">
+            <a:schemeClr val="accent1"/>
+          </a:effectRef>
+          <a:fontRef idx="minor">
+            <a:schemeClr val="lt1"/>
+          </a:fontRef>
+        </p:style>
+        <p:txBody>
+          <a:bodyPr rtlCol="0" anchor="ctr"/>
+          <a:lstStyle/>
+          <a:p>
+            <a:pPr algn="ctr"/>
+            <a:r>
+              <a:rPr lang="en-US" b="1" dirty="0">
+                <a:solidFill>
+                  <a:schemeClr val="tx1"/>
+                </a:solidFill>
+              </a:rPr>
+              <a:t>CityLearn</a:t>
+            </a:r>
+          </a:p>
+        </p:txBody>
+      </p:sp>
+      <p:sp>
+        <p:nvSpPr>
+          <p:cNvPr id="111" name="Parallelogram 110">
+            <a:extLst>
+              <a:ext uri="{FF2B5EF4-FFF2-40B4-BE49-F238E27FC236}">
+                <a16:creationId xmlns:a16="http://schemas.microsoft.com/office/drawing/2014/main" id="{77672B89-1C6D-2963-7224-4AB776A9FD93}"/>
+              </a:ext>
+            </a:extLst>
+          </p:cNvPr>
+          <p:cNvSpPr/>
+          <p:nvPr/>
+        </p:nvSpPr>
+        <p:spPr>
+          <a:xfrm>
+            <a:off x="5735960" y="5193194"/>
+            <a:ext cx="3062950" cy="432048"/>
+          </a:xfrm>
+          <a:prstGeom prst="parallelogram">
+            <a:avLst/>
+          </a:prstGeom>
+          <a:noFill/>
+          <a:ln>
+            <a:solidFill>
+              <a:schemeClr val="tx1"/>
+            </a:solidFill>
+          </a:ln>
+        </p:spPr>
+        <p:style>
+          <a:lnRef idx="2">
+            <a:schemeClr val="accent1">
+              <a:shade val="50000"/>
+            </a:schemeClr>
+          </a:lnRef>
+          <a:fillRef idx="1">
+            <a:schemeClr val="accent1"/>
+          </a:fillRef>
+          <a:effectRef idx="0">
+            <a:schemeClr val="accent1"/>
+          </a:effectRef>
+          <a:fontRef idx="minor">
+            <a:schemeClr val="lt1"/>
+          </a:fontRef>
+        </p:style>
+        <p:txBody>
+          <a:bodyPr rtlCol="0" anchor="ctr"/>
+          <a:lstStyle/>
+          <a:p>
+            <a:pPr algn="ctr"/>
+            <a:r>
+              <a:rPr lang="en-US" b="1" dirty="0">
+                <a:solidFill>
+                  <a:schemeClr val="tx1"/>
+                </a:solidFill>
+              </a:rPr>
+              <a:t>KPIs</a:t>
+            </a:r>
+          </a:p>
+        </p:txBody>
+      </p:sp>
+      <p:cxnSp>
+        <p:nvCxnSpPr>
+          <p:cNvPr id="124" name="Straight Arrow Connector 123">
+            <a:extLst>
+              <a:ext uri="{FF2B5EF4-FFF2-40B4-BE49-F238E27FC236}">
+                <a16:creationId xmlns:a16="http://schemas.microsoft.com/office/drawing/2014/main" id="{E011DD27-8FD5-6164-051C-42E2C5DC21ED}"/>
+              </a:ext>
+            </a:extLst>
+          </p:cNvPr>
+          <p:cNvCxnSpPr>
+            <a:cxnSpLocks/>
+            <a:stCxn id="97" idx="4"/>
+            <a:endCxn id="111" idx="0"/>
+          </p:cNvCxnSpPr>
+          <p:nvPr/>
+        </p:nvCxnSpPr>
+        <p:spPr>
+          <a:xfrm flipH="1">
+            <a:off x="7267435" y="4797148"/>
+            <a:ext cx="9966" cy="396046"/>
+          </a:xfrm>
+          <a:prstGeom prst="straightConnector1">
+            <a:avLst/>
+          </a:prstGeom>
+          <a:ln w="28575">
+            <a:tailEnd type="triangle"/>
+          </a:ln>
+        </p:spPr>
+        <p:style>
+          <a:lnRef idx="1">
+            <a:schemeClr val="dk1"/>
+          </a:lnRef>
+          <a:fillRef idx="0">
+            <a:schemeClr val="dk1"/>
+          </a:fillRef>
+          <a:effectRef idx="0">
+            <a:schemeClr val="dk1"/>
+          </a:effectRef>
+          <a:fontRef idx="minor">
+            <a:schemeClr val="tx1"/>
+          </a:fontRef>
+        </p:style>
+      </p:cxnSp>
+      <p:sp>
+        <p:nvSpPr>
+          <p:cNvPr id="135" name="Rounded Rectangle 134">
+            <a:extLst>
+              <a:ext uri="{FF2B5EF4-FFF2-40B4-BE49-F238E27FC236}">
+                <a16:creationId xmlns:a16="http://schemas.microsoft.com/office/drawing/2014/main" id="{427AB17B-CC30-E769-EC0B-1185B6854D6C}"/>
+              </a:ext>
+            </a:extLst>
+          </p:cNvPr>
+          <p:cNvSpPr/>
+          <p:nvPr/>
+        </p:nvSpPr>
+        <p:spPr>
+          <a:xfrm>
+            <a:off x="5735961" y="3439188"/>
+            <a:ext cx="1108520" cy="493861"/>
+          </a:xfrm>
+          <a:prstGeom prst="roundRect">
+            <a:avLst/>
+          </a:prstGeom>
+          <a:noFill/>
+          <a:ln w="28575">
+            <a:solidFill>
+              <a:schemeClr val="tx1"/>
+            </a:solidFill>
+            <a:prstDash val="solid"/>
+          </a:ln>
+        </p:spPr>
+        <p:style>
+          <a:lnRef idx="2">
+            <a:schemeClr val="accent1">
+              <a:shade val="50000"/>
+            </a:schemeClr>
+          </a:lnRef>
+          <a:fillRef idx="1">
+            <a:schemeClr val="accent1"/>
+          </a:fillRef>
+          <a:effectRef idx="0">
+            <a:schemeClr val="accent1"/>
+          </a:effectRef>
+          <a:fontRef idx="minor">
+            <a:schemeClr val="lt1"/>
+          </a:fontRef>
+        </p:style>
+        <p:txBody>
+          <a:bodyPr rtlCol="0" anchor="ctr"/>
+          <a:lstStyle/>
+          <a:p>
+            <a:pPr algn="ctr"/>
+            <a:r>
+              <a:rPr lang="en-US" sz="1200" b="1" dirty="0">
+                <a:solidFill>
+                  <a:schemeClr val="tx1"/>
+                </a:solidFill>
+              </a:rPr>
+              <a:t>Systems</a:t>
+            </a:r>
+            <a:br>
+              <a:rPr lang="en-US" sz="1200" b="1" dirty="0">
+                <a:solidFill>
+                  <a:schemeClr val="tx1"/>
+                </a:solidFill>
+              </a:rPr>
+            </a:br>
+            <a:r>
+              <a:rPr lang="en-US" sz="1200" b="1" dirty="0">
+                <a:solidFill>
+                  <a:schemeClr val="tx1"/>
+                </a:solidFill>
+              </a:rPr>
+              <a:t>Specifications</a:t>
+            </a:r>
+          </a:p>
+        </p:txBody>
+      </p:sp>
+      <p:sp>
+        <p:nvSpPr>
+          <p:cNvPr id="140" name="Rounded Rectangle 139">
+            <a:extLst>
+              <a:ext uri="{FF2B5EF4-FFF2-40B4-BE49-F238E27FC236}">
+                <a16:creationId xmlns:a16="http://schemas.microsoft.com/office/drawing/2014/main" id="{810F7E2D-8E6B-EEED-D906-1E347B25489F}"/>
+              </a:ext>
+            </a:extLst>
+          </p:cNvPr>
+          <p:cNvSpPr/>
+          <p:nvPr/>
+        </p:nvSpPr>
+        <p:spPr>
+          <a:xfrm>
+            <a:off x="4612235" y="1530186"/>
+            <a:ext cx="1640656" cy="504056"/>
+          </a:xfrm>
+          <a:prstGeom prst="roundRect">
+            <a:avLst/>
+          </a:prstGeom>
+          <a:noFill/>
+          <a:ln w="28575">
+            <a:solidFill>
+              <a:schemeClr val="tx1"/>
+            </a:solidFill>
+            <a:prstDash val="sysDot"/>
+          </a:ln>
+        </p:spPr>
+        <p:style>
+          <a:lnRef idx="2">
+            <a:schemeClr val="accent1">
+              <a:shade val="50000"/>
+            </a:schemeClr>
+          </a:lnRef>
+          <a:fillRef idx="1">
+            <a:schemeClr val="accent1"/>
+          </a:fillRef>
+          <a:effectRef idx="0">
+            <a:schemeClr val="accent1"/>
+          </a:effectRef>
+          <a:fontRef idx="minor">
+            <a:schemeClr val="lt1"/>
+          </a:fontRef>
+        </p:style>
+        <p:txBody>
+          <a:bodyPr rtlCol="0" anchor="ctr"/>
+          <a:lstStyle/>
+          <a:p>
+            <a:pPr algn="ctr"/>
+            <a:r>
+              <a:rPr lang="en-US" sz="1200" b="1" dirty="0">
+                <a:solidFill>
+                  <a:schemeClr val="tx1"/>
+                </a:solidFill>
+              </a:rPr>
+              <a:t>Representative</a:t>
+            </a:r>
+            <a:br>
+              <a:rPr lang="en-US" sz="1200" b="1" dirty="0">
+                <a:solidFill>
+                  <a:schemeClr val="tx1"/>
+                </a:solidFill>
+              </a:rPr>
+            </a:br>
+            <a:r>
+              <a:rPr lang="en-US" sz="1200" b="1" dirty="0">
+                <a:solidFill>
+                  <a:schemeClr val="tx1"/>
+                </a:solidFill>
+              </a:rPr>
+              <a:t>Thermostat Setpoints</a:t>
+            </a:r>
+          </a:p>
+        </p:txBody>
+      </p:sp>
+      <p:cxnSp>
+        <p:nvCxnSpPr>
+          <p:cNvPr id="146" name="Straight Arrow Connector 145">
+            <a:extLst>
+              <a:ext uri="{FF2B5EF4-FFF2-40B4-BE49-F238E27FC236}">
+                <a16:creationId xmlns:a16="http://schemas.microsoft.com/office/drawing/2014/main" id="{80088855-FF0C-7255-1B0A-5E4A81CEE8AD}"/>
+              </a:ext>
+            </a:extLst>
+          </p:cNvPr>
+          <p:cNvCxnSpPr>
+            <a:cxnSpLocks/>
+            <a:stCxn id="140" idx="3"/>
+            <a:endCxn id="13" idx="1"/>
+          </p:cNvCxnSpPr>
+          <p:nvPr/>
+        </p:nvCxnSpPr>
+        <p:spPr>
+          <a:xfrm>
+            <a:off x="6252891" y="1782214"/>
+            <a:ext cx="591590" cy="3510"/>
+          </a:xfrm>
+          <a:prstGeom prst="straightConnector1">
+            <a:avLst/>
+          </a:prstGeom>
+          <a:ln w="28575">
+            <a:tailEnd type="triangle"/>
+          </a:ln>
+        </p:spPr>
+        <p:style>
+          <a:lnRef idx="1">
+            <a:schemeClr val="dk1"/>
+          </a:lnRef>
+          <a:fillRef idx="0">
+            <a:schemeClr val="dk1"/>
+          </a:fillRef>
+          <a:effectRef idx="0">
+            <a:schemeClr val="dk1"/>
+          </a:effectRef>
+          <a:fontRef idx="minor">
+            <a:schemeClr val="tx1"/>
+          </a:fontRef>
+        </p:style>
+      </p:cxnSp>
+      <p:cxnSp>
+        <p:nvCxnSpPr>
+          <p:cNvPr id="174" name="Straight Arrow Connector 173">
+            <a:extLst>
+              <a:ext uri="{FF2B5EF4-FFF2-40B4-BE49-F238E27FC236}">
+                <a16:creationId xmlns:a16="http://schemas.microsoft.com/office/drawing/2014/main" id="{FFE3F5EE-8540-8F00-0373-C3A15D678437}"/>
+              </a:ext>
+            </a:extLst>
+          </p:cNvPr>
+          <p:cNvCxnSpPr>
+            <a:cxnSpLocks/>
+            <a:stCxn id="62" idx="2"/>
+            <a:endCxn id="75" idx="0"/>
+          </p:cNvCxnSpPr>
+          <p:nvPr/>
+        </p:nvCxnSpPr>
+        <p:spPr>
+          <a:xfrm>
+            <a:off x="7257473" y="3179890"/>
+            <a:ext cx="9588" cy="259298"/>
+          </a:xfrm>
+          <a:prstGeom prst="straightConnector1">
+            <a:avLst/>
+          </a:prstGeom>
+          <a:ln w="28575">
+            <a:tailEnd type="triangle"/>
+          </a:ln>
+        </p:spPr>
+        <p:style>
+          <a:lnRef idx="1">
+            <a:schemeClr val="dk1"/>
+          </a:lnRef>
+          <a:fillRef idx="0">
+            <a:schemeClr val="dk1"/>
+          </a:fillRef>
+          <a:effectRef idx="0">
+            <a:schemeClr val="dk1"/>
+          </a:effectRef>
+          <a:fontRef idx="minor">
+            <a:schemeClr val="tx1"/>
+          </a:fontRef>
+        </p:style>
+      </p:cxnSp>
+      <p:cxnSp>
+        <p:nvCxnSpPr>
+          <p:cNvPr id="205" name="Straight Arrow Connector 204">
+            <a:extLst>
+              <a:ext uri="{FF2B5EF4-FFF2-40B4-BE49-F238E27FC236}">
+                <a16:creationId xmlns:a16="http://schemas.microsoft.com/office/drawing/2014/main" id="{D0E7D5D4-18E1-5DE2-C373-E505231F1A81}"/>
+              </a:ext>
+            </a:extLst>
+          </p:cNvPr>
+          <p:cNvCxnSpPr>
+            <a:cxnSpLocks/>
+            <a:stCxn id="75" idx="2"/>
+            <a:endCxn id="97" idx="0"/>
+          </p:cNvCxnSpPr>
+          <p:nvPr/>
+        </p:nvCxnSpPr>
+        <p:spPr>
+          <a:xfrm>
+            <a:off x="7267061" y="3943244"/>
+            <a:ext cx="10340" cy="421856"/>
+          </a:xfrm>
+          <a:prstGeom prst="straightConnector1">
+            <a:avLst/>
+          </a:prstGeom>
+          <a:ln w="28575">
+            <a:tailEnd type="triangle"/>
+          </a:ln>
+        </p:spPr>
+        <p:style>
+          <a:lnRef idx="1">
+            <a:schemeClr val="dk1"/>
+          </a:lnRef>
+          <a:fillRef idx="0">
+            <a:schemeClr val="dk1"/>
+          </a:fillRef>
+          <a:effectRef idx="0">
+            <a:schemeClr val="dk1"/>
+          </a:effectRef>
+          <a:fontRef idx="minor">
+            <a:schemeClr val="tx1"/>
+          </a:fontRef>
+        </p:style>
+      </p:cxnSp>
+      <p:cxnSp>
+        <p:nvCxnSpPr>
+          <p:cNvPr id="213" name="Straight Arrow Connector 212">
+            <a:extLst>
+              <a:ext uri="{FF2B5EF4-FFF2-40B4-BE49-F238E27FC236}">
+                <a16:creationId xmlns:a16="http://schemas.microsoft.com/office/drawing/2014/main" id="{18D93CFF-1E9F-27FB-59B8-3A9151F6E50D}"/>
+              </a:ext>
+            </a:extLst>
+          </p:cNvPr>
+          <p:cNvCxnSpPr>
+            <a:cxnSpLocks/>
+            <a:stCxn id="135" idx="2"/>
+          </p:cNvCxnSpPr>
+          <p:nvPr/>
+        </p:nvCxnSpPr>
+        <p:spPr>
+          <a:xfrm>
+            <a:off x="6290221" y="3933049"/>
+            <a:ext cx="2588" cy="449320"/>
+          </a:xfrm>
+          <a:prstGeom prst="straightConnector1">
+            <a:avLst/>
+          </a:prstGeom>
+          <a:ln w="28575">
+            <a:tailEnd type="triangle"/>
+          </a:ln>
+        </p:spPr>
+        <p:style>
+          <a:lnRef idx="1">
+            <a:schemeClr val="dk1"/>
+          </a:lnRef>
+          <a:fillRef idx="0">
+            <a:schemeClr val="dk1"/>
+          </a:fillRef>
+          <a:effectRef idx="0">
+            <a:schemeClr val="dk1"/>
+          </a:effectRef>
+          <a:fontRef idx="minor">
+            <a:schemeClr val="tx1"/>
+          </a:fontRef>
+        </p:style>
+      </p:cxnSp>
+      <p:cxnSp>
+        <p:nvCxnSpPr>
+          <p:cNvPr id="215" name="Straight Arrow Connector 214">
+            <a:extLst>
+              <a:ext uri="{FF2B5EF4-FFF2-40B4-BE49-F238E27FC236}">
+                <a16:creationId xmlns:a16="http://schemas.microsoft.com/office/drawing/2014/main" id="{AE9AF2D4-6B63-959B-8694-CB6BF9BC25E5}"/>
+              </a:ext>
+            </a:extLst>
+          </p:cNvPr>
+          <p:cNvCxnSpPr>
+            <a:cxnSpLocks/>
+            <a:stCxn id="91" idx="2"/>
+          </p:cNvCxnSpPr>
+          <p:nvPr/>
+        </p:nvCxnSpPr>
+        <p:spPr>
+          <a:xfrm>
+            <a:off x="8377690" y="3933049"/>
+            <a:ext cx="1" cy="432048"/>
+          </a:xfrm>
+          <a:prstGeom prst="straightConnector1">
+            <a:avLst/>
+          </a:prstGeom>
+          <a:ln w="28575">
+            <a:tailEnd type="triangle"/>
+          </a:ln>
+        </p:spPr>
+        <p:style>
+          <a:lnRef idx="1">
+            <a:schemeClr val="dk1"/>
+          </a:lnRef>
+          <a:fillRef idx="0">
+            <a:schemeClr val="dk1"/>
+          </a:fillRef>
+          <a:effectRef idx="0">
+            <a:schemeClr val="dk1"/>
+          </a:effectRef>
+          <a:fontRef idx="minor">
+            <a:schemeClr val="tx1"/>
+          </a:fontRef>
+        </p:style>
+      </p:cxnSp>
+      <p:grpSp>
+        <p:nvGrpSpPr>
+          <p:cNvPr id="223" name="Group 222">
+            <a:extLst>
+              <a:ext uri="{FF2B5EF4-FFF2-40B4-BE49-F238E27FC236}">
+                <a16:creationId xmlns:a16="http://schemas.microsoft.com/office/drawing/2014/main" id="{004616CF-586C-922A-69BC-33AC36D7A008}"/>
+              </a:ext>
+            </a:extLst>
+          </p:cNvPr>
+          <p:cNvGrpSpPr>
+            <a:grpSpLocks noChangeAspect="1"/>
+          </p:cNvGrpSpPr>
+          <p:nvPr/>
+        </p:nvGrpSpPr>
+        <p:grpSpPr>
+          <a:xfrm>
+            <a:off x="4483066" y="4220868"/>
+            <a:ext cx="777240" cy="802716"/>
+            <a:chOff x="6937314" y="2943131"/>
+            <a:chExt cx="597585" cy="617173"/>
+          </a:xfrm>
+          <a:noFill/>
+        </p:grpSpPr>
+        <p:sp>
+          <p:nvSpPr>
+            <p:cNvPr id="224" name="Oval 223">
+              <a:extLst>
+                <a:ext uri="{FF2B5EF4-FFF2-40B4-BE49-F238E27FC236}">
+                  <a16:creationId xmlns:a16="http://schemas.microsoft.com/office/drawing/2014/main" id="{B59D2803-77B6-AD1F-7EEC-14E5957A1051}"/>
+                </a:ext>
+              </a:extLst>
+            </p:cNvPr>
+            <p:cNvSpPr/>
+            <p:nvPr/>
+          </p:nvSpPr>
+          <p:spPr>
+            <a:xfrm>
+              <a:off x="6975940" y="2943131"/>
+              <a:ext cx="525923" cy="525923"/>
+            </a:xfrm>
+            <a:prstGeom prst="ellipse">
+              <a:avLst/>
+            </a:prstGeom>
+            <a:grpFill/>
+            <a:ln w="28575">
+              <a:solidFill>
+                <a:schemeClr val="tx1"/>
+              </a:solidFill>
+              <a:prstDash val="solid"/>
+            </a:ln>
+          </p:spPr>
+          <p:style>
+            <a:lnRef idx="2">
+              <a:schemeClr val="accent1">
+                <a:shade val="50000"/>
+              </a:schemeClr>
+            </a:lnRef>
+            <a:fillRef idx="1">
+              <a:schemeClr val="accent1"/>
+            </a:fillRef>
+            <a:effectRef idx="0">
+              <a:schemeClr val="accent1"/>
+            </a:effectRef>
+            <a:fontRef idx="minor">
+              <a:schemeClr val="lt1"/>
+            </a:fontRef>
+          </p:style>
+          <p:txBody>
+            <a:bodyPr rtlCol="0" anchor="ctr"/>
+            <a:lstStyle/>
+            <a:p>
+              <a:pPr algn="ctr"/>
+              <a:endParaRPr lang="en-US" dirty="0"/>
+            </a:p>
+          </p:txBody>
+        </p:sp>
+        <p:sp>
+          <p:nvSpPr>
+            <p:cNvPr id="225" name="TextBox 224">
+              <a:extLst>
+                <a:ext uri="{FF2B5EF4-FFF2-40B4-BE49-F238E27FC236}">
+                  <a16:creationId xmlns:a16="http://schemas.microsoft.com/office/drawing/2014/main" id="{00FE9146-01B6-967B-C1F3-B14D35216BCE}"/>
+                </a:ext>
+              </a:extLst>
+            </p:cNvPr>
+            <p:cNvSpPr txBox="1"/>
+            <p:nvPr/>
+          </p:nvSpPr>
+          <p:spPr>
+            <a:xfrm>
+              <a:off x="6937314" y="3013747"/>
+              <a:ext cx="597585" cy="546557"/>
+            </a:xfrm>
+            <a:prstGeom prst="rect">
+              <a:avLst/>
+            </a:prstGeom>
+            <a:grpFill/>
+            <a:ln>
+              <a:noFill/>
+              <a:prstDash val="solid"/>
+            </a:ln>
+          </p:spPr>
+          <p:txBody>
+            <a:bodyPr wrap="square" rtlCol="0">
+              <a:spAutoFit/>
+            </a:bodyPr>
+            <a:lstStyle/>
+            <a:p>
+              <a:pPr algn="ctr"/>
+              <a:r>
+                <a:rPr lang="en-US" sz="1200" b="1" dirty="0"/>
+                <a:t>Control</a:t>
+              </a:r>
+              <a:br>
+                <a:rPr lang="en-US" sz="1200" b="1" dirty="0"/>
+              </a:br>
+              <a:r>
+                <a:rPr lang="en-US" sz="1200" b="1" dirty="0"/>
+                <a:t>Agent(s)</a:t>
+              </a:r>
+            </a:p>
+          </p:txBody>
+        </p:sp>
+      </p:grpSp>
+      <p:cxnSp>
+        <p:nvCxnSpPr>
+          <p:cNvPr id="254" name="Straight Arrow Connector 253">
+            <a:extLst>
+              <a:ext uri="{FF2B5EF4-FFF2-40B4-BE49-F238E27FC236}">
+                <a16:creationId xmlns:a16="http://schemas.microsoft.com/office/drawing/2014/main" id="{4978A571-EFFF-1E48-89B9-E254764834FC}"/>
+              </a:ext>
+            </a:extLst>
+          </p:cNvPr>
+          <p:cNvCxnSpPr>
+            <a:cxnSpLocks/>
+            <a:endCxn id="97" idx="5"/>
+          </p:cNvCxnSpPr>
+          <p:nvPr/>
+        </p:nvCxnSpPr>
+        <p:spPr>
+          <a:xfrm>
+            <a:off x="5217338" y="4581124"/>
+            <a:ext cx="572628" cy="0"/>
+          </a:xfrm>
+          <a:prstGeom prst="straightConnector1">
+            <a:avLst/>
+          </a:prstGeom>
+          <a:ln w="28575">
+            <a:headEnd type="triangle" w="med" len="med"/>
+            <a:tailEnd type="triangle" w="med" len="med"/>
+          </a:ln>
+        </p:spPr>
+        <p:style>
+          <a:lnRef idx="1">
+            <a:schemeClr val="dk1"/>
+          </a:lnRef>
+          <a:fillRef idx="0">
+            <a:schemeClr val="dk1"/>
+          </a:fillRef>
+          <a:effectRef idx="0">
+            <a:schemeClr val="dk1"/>
+          </a:effectRef>
+          <a:fontRef idx="minor">
+            <a:schemeClr val="tx1"/>
+          </a:fontRef>
+        </p:style>
+      </p:cxnSp>
+      <p:cxnSp>
+        <p:nvCxnSpPr>
+          <p:cNvPr id="266" name="Straight Arrow Connector 265">
+            <a:extLst>
+              <a:ext uri="{FF2B5EF4-FFF2-40B4-BE49-F238E27FC236}">
+                <a16:creationId xmlns:a16="http://schemas.microsoft.com/office/drawing/2014/main" id="{12C4AD9F-69D2-087C-96B3-DBD6C198F922}"/>
+              </a:ext>
+            </a:extLst>
+          </p:cNvPr>
+          <p:cNvCxnSpPr>
+            <a:cxnSpLocks/>
+            <a:stCxn id="75" idx="3"/>
+            <a:endCxn id="91" idx="1"/>
+          </p:cNvCxnSpPr>
+          <p:nvPr/>
+        </p:nvCxnSpPr>
+        <p:spPr>
+          <a:xfrm flipV="1">
+            <a:off x="7574026" y="3681021"/>
+            <a:ext cx="362513" cy="10195"/>
+          </a:xfrm>
+          <a:prstGeom prst="straightConnector1">
+            <a:avLst/>
+          </a:prstGeom>
+          <a:ln w="28575">
+            <a:tailEnd type="triangle"/>
+          </a:ln>
+        </p:spPr>
+        <p:style>
+          <a:lnRef idx="1">
+            <a:schemeClr val="dk1"/>
+          </a:lnRef>
+          <a:fillRef idx="0">
+            <a:schemeClr val="dk1"/>
+          </a:fillRef>
+          <a:effectRef idx="0">
+            <a:schemeClr val="dk1"/>
+          </a:effectRef>
+          <a:fontRef idx="minor">
+            <a:schemeClr val="tx1"/>
+          </a:fontRef>
+        </p:style>
+      </p:cxnSp>
+      <p:sp>
+        <p:nvSpPr>
+          <p:cNvPr id="270" name="TextBox 269">
+            <a:extLst>
+              <a:ext uri="{FF2B5EF4-FFF2-40B4-BE49-F238E27FC236}">
+                <a16:creationId xmlns:a16="http://schemas.microsoft.com/office/drawing/2014/main" id="{3DCCB8A5-7387-7B69-172E-DAA0C375708F}"/>
+              </a:ext>
+            </a:extLst>
+          </p:cNvPr>
+          <p:cNvSpPr txBox="1"/>
+          <p:nvPr/>
+        </p:nvSpPr>
+        <p:spPr>
+          <a:xfrm>
+            <a:off x="7446664" y="308729"/>
+            <a:ext cx="1138773" cy="276999"/>
+          </a:xfrm>
+          <a:prstGeom prst="rect">
+            <a:avLst/>
+          </a:prstGeom>
+          <a:noFill/>
+        </p:spPr>
+        <p:txBody>
+          <a:bodyPr wrap="none" rtlCol="0">
+            <a:spAutoFit/>
+          </a:bodyPr>
+          <a:lstStyle/>
+          <a:p>
+            <a:r>
+              <a:rPr lang="en-US" sz="1200" b="1" dirty="0">
+                <a:solidFill>
+                  <a:srgbClr val="C00000"/>
+                </a:solidFill>
+              </a:rPr>
+              <a:t>EULP Database</a:t>
+            </a:r>
+          </a:p>
+        </p:txBody>
+      </p:sp>
+      <p:sp>
+        <p:nvSpPr>
+          <p:cNvPr id="275" name="TextBox 274">
+            <a:extLst>
+              <a:ext uri="{FF2B5EF4-FFF2-40B4-BE49-F238E27FC236}">
+                <a16:creationId xmlns:a16="http://schemas.microsoft.com/office/drawing/2014/main" id="{D30CCAD0-4072-9983-C400-3D101213FC8E}"/>
+              </a:ext>
+            </a:extLst>
+          </p:cNvPr>
+          <p:cNvSpPr txBox="1"/>
+          <p:nvPr/>
+        </p:nvSpPr>
+        <p:spPr>
+          <a:xfrm>
+            <a:off x="1023059" y="363047"/>
+            <a:ext cx="1449820" cy="1077218"/>
+          </a:xfrm>
+          <a:prstGeom prst="rect">
+            <a:avLst/>
+          </a:prstGeom>
+          <a:noFill/>
+        </p:spPr>
+        <p:txBody>
+          <a:bodyPr wrap="none" rtlCol="0">
+            <a:spAutoFit/>
+          </a:bodyPr>
+          <a:lstStyle/>
+          <a:p>
+            <a:pPr algn="r"/>
+            <a:r>
+              <a:rPr lang="en-US" sz="1600" b="1" dirty="0"/>
+              <a:t>Phase 1</a:t>
+            </a:r>
+            <a:br>
+              <a:rPr lang="en-US" sz="1600" b="1" dirty="0"/>
+            </a:br>
+            <a:r>
+              <a:rPr lang="en-US" sz="1600" dirty="0"/>
+              <a:t>Neighborhood</a:t>
+            </a:r>
+            <a:br>
+              <a:rPr lang="en-US" sz="1600" dirty="0"/>
+            </a:br>
+            <a:r>
+              <a:rPr lang="en-US" sz="1600" dirty="0"/>
+              <a:t> Design &amp;</a:t>
+            </a:r>
+          </a:p>
+          <a:p>
+            <a:pPr algn="r"/>
+            <a:r>
+              <a:rPr lang="en-US" sz="1600" dirty="0"/>
+              <a:t>Data Collection</a:t>
+            </a:r>
+          </a:p>
+        </p:txBody>
+      </p:sp>
+      <p:sp>
+        <p:nvSpPr>
+          <p:cNvPr id="276" name="TextBox 275">
+            <a:extLst>
+              <a:ext uri="{FF2B5EF4-FFF2-40B4-BE49-F238E27FC236}">
+                <a16:creationId xmlns:a16="http://schemas.microsoft.com/office/drawing/2014/main" id="{4EA72FA4-D2CA-AB19-EB04-6AF6A06A05C0}"/>
+              </a:ext>
+            </a:extLst>
+          </p:cNvPr>
+          <p:cNvSpPr txBox="1"/>
+          <p:nvPr/>
+        </p:nvSpPr>
+        <p:spPr>
+          <a:xfrm>
+            <a:off x="954191" y="2833481"/>
+            <a:ext cx="1518043" cy="1077218"/>
+          </a:xfrm>
+          <a:prstGeom prst="rect">
+            <a:avLst/>
+          </a:prstGeom>
+          <a:noFill/>
+        </p:spPr>
+        <p:txBody>
+          <a:bodyPr wrap="none" rtlCol="0">
+            <a:spAutoFit/>
+          </a:bodyPr>
+          <a:lstStyle/>
+          <a:p>
+            <a:pPr algn="r"/>
+            <a:r>
+              <a:rPr lang="en-US" sz="1600" b="1" dirty="0"/>
+              <a:t>Phase 2</a:t>
+            </a:r>
+            <a:br>
+              <a:rPr lang="en-US" sz="1600" b="1" dirty="0"/>
+            </a:br>
+            <a:r>
+              <a:rPr lang="en-US" sz="1600" dirty="0"/>
+              <a:t>Load Simulation</a:t>
+            </a:r>
+          </a:p>
+          <a:p>
+            <a:pPr algn="r"/>
+            <a:r>
+              <a:rPr lang="en-US" sz="1600" dirty="0"/>
+              <a:t>&amp;</a:t>
+            </a:r>
+            <a:r>
+              <a:rPr lang="en-US" sz="1600" b="1" dirty="0"/>
+              <a:t> </a:t>
+            </a:r>
+            <a:r>
+              <a:rPr lang="en-US" sz="1600" dirty="0"/>
+              <a:t>Dataset</a:t>
+            </a:r>
+          </a:p>
+          <a:p>
+            <a:pPr algn="r"/>
+            <a:r>
+              <a:rPr lang="en-US" sz="1600" dirty="0"/>
+              <a:t>Preparation</a:t>
+            </a:r>
+          </a:p>
+        </p:txBody>
+      </p:sp>
+      <p:sp>
+        <p:nvSpPr>
+          <p:cNvPr id="277" name="TextBox 276">
+            <a:extLst>
+              <a:ext uri="{FF2B5EF4-FFF2-40B4-BE49-F238E27FC236}">
+                <a16:creationId xmlns:a16="http://schemas.microsoft.com/office/drawing/2014/main" id="{40DB006A-9260-C592-AAC4-FFED39BB7B8C}"/>
+              </a:ext>
+            </a:extLst>
+          </p:cNvPr>
+          <p:cNvSpPr txBox="1"/>
+          <p:nvPr/>
+        </p:nvSpPr>
+        <p:spPr>
+          <a:xfrm>
+            <a:off x="1260182" y="4399457"/>
+            <a:ext cx="1214050" cy="1077218"/>
+          </a:xfrm>
+          <a:prstGeom prst="rect">
+            <a:avLst/>
+          </a:prstGeom>
+          <a:noFill/>
+        </p:spPr>
+        <p:txBody>
+          <a:bodyPr wrap="none" rtlCol="0">
+            <a:spAutoFit/>
+          </a:bodyPr>
+          <a:lstStyle/>
+          <a:p>
+            <a:pPr algn="r"/>
+            <a:r>
+              <a:rPr lang="en-US" sz="1600" b="1" dirty="0"/>
+              <a:t>Phase 3</a:t>
+            </a:r>
+            <a:br>
+              <a:rPr lang="en-US" sz="1600" b="1" dirty="0"/>
+            </a:br>
+            <a:r>
+              <a:rPr lang="en-US" sz="1600" dirty="0"/>
+              <a:t>Control</a:t>
+            </a:r>
+          </a:p>
+          <a:p>
+            <a:pPr algn="r"/>
+            <a:r>
+              <a:rPr lang="en-US" sz="1600" dirty="0"/>
+              <a:t>Simulation</a:t>
+            </a:r>
+            <a:br>
+              <a:rPr lang="en-US" sz="1600" dirty="0"/>
+            </a:br>
+            <a:r>
+              <a:rPr lang="en-US" sz="1600" dirty="0"/>
+              <a:t>&amp; Reporting</a:t>
+            </a:r>
+          </a:p>
+        </p:txBody>
+      </p:sp>
+      <p:pic>
+        <p:nvPicPr>
+          <p:cNvPr id="9" name="Picture 8" descr="Logo, company name&#10;&#10;Description automatically generated">
+            <a:extLst>
+              <a:ext uri="{FF2B5EF4-FFF2-40B4-BE49-F238E27FC236}">
+                <a16:creationId xmlns:a16="http://schemas.microsoft.com/office/drawing/2014/main" id="{10142BE9-4AF7-06AE-5962-1B0F6B953C3B}"/>
+              </a:ext>
+            </a:extLst>
+          </p:cNvPr>
+          <p:cNvPicPr>
+            <a:picLocks noChangeAspect="1"/>
+          </p:cNvPicPr>
+          <p:nvPr/>
+        </p:nvPicPr>
+        <p:blipFill>
+          <a:blip r:embed="rId2">
+            <a:extLst>
+              <a:ext uri="{28A0092B-C50C-407E-A947-70E740481C1C}">
+                <a14:useLocalDpi xmlns:a14="http://schemas.microsoft.com/office/drawing/2010/main" val="0"/>
+              </a:ext>
+              <a:ext uri="{837473B0-CC2E-450A-ABE3-18F120FF3D39}">
+                <a1611:picAttrSrcUrl xmlns:a1611="http://schemas.microsoft.com/office/drawing/2016/11/main" r:id="rId3"/>
+              </a:ext>
+            </a:extLst>
+          </a:blip>
+          <a:stretch>
+            <a:fillRect/>
+          </a:stretch>
+        </p:blipFill>
+        <p:spPr>
+          <a:xfrm>
+            <a:off x="11356365" y="252879"/>
+            <a:ext cx="464842" cy="220335"/>
+          </a:xfrm>
+          <a:prstGeom prst="rect">
+            <a:avLst/>
+          </a:prstGeom>
+        </p:spPr>
+      </p:pic>
+      <p:pic>
+        <p:nvPicPr>
+          <p:cNvPr id="13" name="Picture 12" descr="Shape&#10;&#10;Description automatically generated with low confidence">
+            <a:extLst>
+              <a:ext uri="{FF2B5EF4-FFF2-40B4-BE49-F238E27FC236}">
+                <a16:creationId xmlns:a16="http://schemas.microsoft.com/office/drawing/2014/main" id="{F912ADC7-0E78-602A-1CED-B009B5CFA180}"/>
+              </a:ext>
+            </a:extLst>
+          </p:cNvPr>
+          <p:cNvPicPr>
+            <a:picLocks noChangeAspect="1"/>
+          </p:cNvPicPr>
+          <p:nvPr/>
+        </p:nvPicPr>
+        <p:blipFill>
+          <a:blip r:embed="rId4">
+            <a:extLst>
+              <a:ext uri="{28A0092B-C50C-407E-A947-70E740481C1C}">
+                <a14:useLocalDpi xmlns:a14="http://schemas.microsoft.com/office/drawing/2010/main" val="0"/>
+              </a:ext>
+            </a:extLst>
+          </a:blip>
+          <a:stretch>
+            <a:fillRect/>
+          </a:stretch>
+        </p:blipFill>
+        <p:spPr>
+          <a:xfrm>
+            <a:off x="6844481" y="1372731"/>
+            <a:ext cx="825985" cy="825985"/>
+          </a:xfrm>
+          <a:prstGeom prst="rect">
+            <a:avLst/>
+          </a:prstGeom>
+        </p:spPr>
+      </p:pic>
+      <p:cxnSp>
+        <p:nvCxnSpPr>
+          <p:cNvPr id="14" name="Straight Arrow Connector 13">
+            <a:extLst>
+              <a:ext uri="{FF2B5EF4-FFF2-40B4-BE49-F238E27FC236}">
+                <a16:creationId xmlns:a16="http://schemas.microsoft.com/office/drawing/2014/main" id="{0E3EA4B3-D710-8B8E-FB02-158A401CAF06}"/>
+              </a:ext>
+            </a:extLst>
+          </p:cNvPr>
+          <p:cNvCxnSpPr>
+            <a:cxnSpLocks/>
+            <a:endCxn id="13" idx="0"/>
+          </p:cNvCxnSpPr>
+          <p:nvPr/>
+        </p:nvCxnSpPr>
+        <p:spPr>
+          <a:xfrm>
+            <a:off x="7257474" y="1187602"/>
+            <a:ext cx="0" cy="185129"/>
+          </a:xfrm>
+          <a:prstGeom prst="straightConnector1">
+            <a:avLst/>
+          </a:prstGeom>
+          <a:ln w="28575">
+            <a:tailEnd type="triangle"/>
+          </a:ln>
+        </p:spPr>
+        <p:style>
+          <a:lnRef idx="1">
+            <a:schemeClr val="dk1"/>
+          </a:lnRef>
+          <a:fillRef idx="0">
+            <a:schemeClr val="dk1"/>
+          </a:fillRef>
+          <a:effectRef idx="0">
+            <a:schemeClr val="dk1"/>
+          </a:effectRef>
+          <a:fontRef idx="minor">
+            <a:schemeClr val="tx1"/>
+          </a:fontRef>
+        </p:style>
+      </p:cxnSp>
+      <p:sp>
+        <p:nvSpPr>
+          <p:cNvPr id="43" name="Rounded Rectangle 42">
+            <a:extLst>
+              <a:ext uri="{FF2B5EF4-FFF2-40B4-BE49-F238E27FC236}">
+                <a16:creationId xmlns:a16="http://schemas.microsoft.com/office/drawing/2014/main" id="{59EB3848-D5B2-E09D-399E-5E0DCD24EE39}"/>
+              </a:ext>
+            </a:extLst>
+          </p:cNvPr>
+          <p:cNvSpPr/>
+          <p:nvPr/>
+        </p:nvSpPr>
+        <p:spPr>
+          <a:xfrm>
+            <a:off x="2611538" y="512413"/>
+            <a:ext cx="1640656" cy="612331"/>
+          </a:xfrm>
+          <a:prstGeom prst="roundRect">
+            <a:avLst/>
+          </a:prstGeom>
+          <a:solidFill>
+            <a:schemeClr val="accent1">
+              <a:lumMod val="60000"/>
+              <a:lumOff val="40000"/>
+            </a:schemeClr>
+          </a:solidFill>
+          <a:ln w="28575">
+            <a:solidFill>
+              <a:schemeClr val="tx1"/>
+            </a:solidFill>
+            <a:prstDash val="solid"/>
+          </a:ln>
+        </p:spPr>
+        <p:style>
+          <a:lnRef idx="2">
+            <a:schemeClr val="accent1">
+              <a:shade val="50000"/>
+            </a:schemeClr>
+          </a:lnRef>
+          <a:fillRef idx="1">
+            <a:schemeClr val="accent1"/>
+          </a:fillRef>
+          <a:effectRef idx="0">
+            <a:schemeClr val="accent1"/>
+          </a:effectRef>
+          <a:fontRef idx="minor">
+            <a:schemeClr val="lt1"/>
+          </a:fontRef>
+        </p:style>
+        <p:txBody>
+          <a:bodyPr rtlCol="0" anchor="ctr"/>
+          <a:lstStyle/>
+          <a:p>
+            <a:pPr algn="ctr"/>
+            <a:r>
+              <a:rPr lang="en-US" sz="1200" b="1" dirty="0">
+                <a:solidFill>
+                  <a:schemeClr val="tx1"/>
+                </a:solidFill>
+              </a:rPr>
+              <a:t>Designer Option 1</a:t>
+            </a:r>
+          </a:p>
+          <a:p>
+            <a:pPr marL="171450" indent="-171450">
+              <a:buFont typeface="Arial" panose="020B0604020202020204" pitchFamily="34" charset="0"/>
+              <a:buChar char="•"/>
+            </a:pPr>
+            <a:r>
+              <a:rPr lang="en-US" sz="1200" dirty="0">
+                <a:solidFill>
+                  <a:schemeClr val="tx1"/>
+                </a:solidFill>
+              </a:rPr>
+              <a:t>Building Metadata</a:t>
+            </a:r>
+          </a:p>
+          <a:p>
+            <a:pPr marL="171450" indent="-171450">
+              <a:buFont typeface="Arial" panose="020B0604020202020204" pitchFamily="34" charset="0"/>
+              <a:buChar char="•"/>
+            </a:pPr>
+            <a:r>
+              <a:rPr lang="en-US" sz="1200" dirty="0">
+                <a:solidFill>
+                  <a:schemeClr val="tx1"/>
+                </a:solidFill>
+              </a:rPr>
+              <a:t>Building Count</a:t>
+            </a:r>
+          </a:p>
+        </p:txBody>
+      </p:sp>
+      <p:cxnSp>
+        <p:nvCxnSpPr>
+          <p:cNvPr id="46" name="Straight Arrow Connector 45">
+            <a:extLst>
+              <a:ext uri="{FF2B5EF4-FFF2-40B4-BE49-F238E27FC236}">
+                <a16:creationId xmlns:a16="http://schemas.microsoft.com/office/drawing/2014/main" id="{C42CE6B1-55DD-D430-CD71-92F1D9C53578}"/>
+              </a:ext>
+            </a:extLst>
+          </p:cNvPr>
+          <p:cNvCxnSpPr>
+            <a:cxnSpLocks/>
+            <a:stCxn id="33" idx="1"/>
+            <a:endCxn id="43" idx="3"/>
+          </p:cNvCxnSpPr>
+          <p:nvPr/>
+        </p:nvCxnSpPr>
+        <p:spPr>
+          <a:xfrm flipH="1" flipV="1">
+            <a:off x="4252194" y="818579"/>
+            <a:ext cx="360036" cy="2757"/>
+          </a:xfrm>
+          <a:prstGeom prst="straightConnector1">
+            <a:avLst/>
+          </a:prstGeom>
+          <a:ln w="28575">
+            <a:prstDash val="sysDot"/>
+            <a:headEnd type="triangle" w="med" len="med"/>
+            <a:tailEnd type="none" w="med" len="med"/>
+          </a:ln>
+        </p:spPr>
+        <p:style>
+          <a:lnRef idx="1">
+            <a:schemeClr val="dk1"/>
+          </a:lnRef>
+          <a:fillRef idx="0">
+            <a:schemeClr val="dk1"/>
+          </a:fillRef>
+          <a:effectRef idx="0">
+            <a:schemeClr val="dk1"/>
+          </a:effectRef>
+          <a:fontRef idx="minor">
+            <a:schemeClr val="tx1"/>
+          </a:fontRef>
+        </p:style>
+      </p:cxnSp>
+      <p:sp>
+        <p:nvSpPr>
+          <p:cNvPr id="49" name="Rounded Rectangle 48">
+            <a:extLst>
+              <a:ext uri="{FF2B5EF4-FFF2-40B4-BE49-F238E27FC236}">
+                <a16:creationId xmlns:a16="http://schemas.microsoft.com/office/drawing/2014/main" id="{35EC4D1D-9CDB-657A-2120-C65E5B61C7BF}"/>
+              </a:ext>
+            </a:extLst>
+          </p:cNvPr>
+          <p:cNvSpPr/>
+          <p:nvPr/>
+        </p:nvSpPr>
+        <p:spPr>
+          <a:xfrm>
+            <a:off x="2605788" y="3386581"/>
+            <a:ext cx="1640656" cy="612331"/>
+          </a:xfrm>
+          <a:prstGeom prst="roundRect">
+            <a:avLst/>
+          </a:prstGeom>
+          <a:solidFill>
+            <a:schemeClr val="accent1">
+              <a:lumMod val="60000"/>
+              <a:lumOff val="40000"/>
+            </a:schemeClr>
+          </a:solidFill>
+          <a:ln w="28575">
+            <a:solidFill>
+              <a:schemeClr val="tx1"/>
+            </a:solidFill>
+            <a:prstDash val="solid"/>
+          </a:ln>
+        </p:spPr>
+        <p:style>
+          <a:lnRef idx="2">
+            <a:schemeClr val="accent1">
+              <a:shade val="50000"/>
+            </a:schemeClr>
+          </a:lnRef>
+          <a:fillRef idx="1">
+            <a:schemeClr val="accent1"/>
+          </a:fillRef>
+          <a:effectRef idx="0">
+            <a:schemeClr val="accent1"/>
+          </a:effectRef>
+          <a:fontRef idx="minor">
+            <a:schemeClr val="lt1"/>
+          </a:fontRef>
+        </p:style>
+        <p:txBody>
+          <a:bodyPr rtlCol="0" anchor="ctr"/>
+          <a:lstStyle/>
+          <a:p>
+            <a:pPr algn="ctr"/>
+            <a:r>
+              <a:rPr lang="en-US" sz="1200" b="1" dirty="0">
+                <a:solidFill>
+                  <a:schemeClr val="tx1"/>
+                </a:solidFill>
+              </a:rPr>
+              <a:t>Designer Option 2</a:t>
+            </a:r>
+          </a:p>
+          <a:p>
+            <a:pPr marL="171450" indent="-171450">
+              <a:buFont typeface="Arial" panose="020B0604020202020204" pitchFamily="34" charset="0"/>
+              <a:buChar char="•"/>
+            </a:pPr>
+            <a:r>
+              <a:rPr lang="en-US" sz="1200" dirty="0">
+                <a:solidFill>
+                  <a:schemeClr val="tx1"/>
+                </a:solidFill>
+              </a:rPr>
+              <a:t>DER Availability</a:t>
+            </a:r>
+          </a:p>
+          <a:p>
+            <a:pPr marL="171450" indent="-171450">
+              <a:buFont typeface="Arial" panose="020B0604020202020204" pitchFamily="34" charset="0"/>
+              <a:buChar char="•"/>
+            </a:pPr>
+            <a:r>
+              <a:rPr lang="en-US" sz="1200" dirty="0">
+                <a:solidFill>
+                  <a:schemeClr val="tx1"/>
+                </a:solidFill>
+              </a:rPr>
+              <a:t>System Sizing</a:t>
+            </a:r>
+          </a:p>
+        </p:txBody>
+      </p:sp>
+      <p:cxnSp>
+        <p:nvCxnSpPr>
+          <p:cNvPr id="57" name="Straight Arrow Connector 56">
+            <a:extLst>
+              <a:ext uri="{FF2B5EF4-FFF2-40B4-BE49-F238E27FC236}">
+                <a16:creationId xmlns:a16="http://schemas.microsoft.com/office/drawing/2014/main" id="{1BFE49BE-8650-0AA8-4380-4D0371D35AE4}"/>
+              </a:ext>
+            </a:extLst>
+          </p:cNvPr>
+          <p:cNvCxnSpPr>
+            <a:cxnSpLocks/>
+            <a:stCxn id="135" idx="1"/>
+            <a:endCxn id="49" idx="3"/>
+          </p:cNvCxnSpPr>
+          <p:nvPr/>
+        </p:nvCxnSpPr>
+        <p:spPr>
+          <a:xfrm flipH="1">
+            <a:off x="4246444" y="3686119"/>
+            <a:ext cx="1489517" cy="6628"/>
+          </a:xfrm>
+          <a:prstGeom prst="straightConnector1">
+            <a:avLst/>
+          </a:prstGeom>
+          <a:ln w="28575">
+            <a:prstDash val="sysDot"/>
+            <a:headEnd type="triangle" w="med" len="med"/>
+            <a:tailEnd type="none" w="med" len="med"/>
+          </a:ln>
+        </p:spPr>
+        <p:style>
+          <a:lnRef idx="1">
+            <a:schemeClr val="dk1"/>
+          </a:lnRef>
+          <a:fillRef idx="0">
+            <a:schemeClr val="dk1"/>
+          </a:fillRef>
+          <a:effectRef idx="0">
+            <a:schemeClr val="dk1"/>
+          </a:effectRef>
+          <a:fontRef idx="minor">
+            <a:schemeClr val="tx1"/>
+          </a:fontRef>
+        </p:style>
+      </p:cxnSp>
+      <p:sp>
+        <p:nvSpPr>
+          <p:cNvPr id="72" name="Rounded Rectangle 71">
+            <a:extLst>
+              <a:ext uri="{FF2B5EF4-FFF2-40B4-BE49-F238E27FC236}">
+                <a16:creationId xmlns:a16="http://schemas.microsoft.com/office/drawing/2014/main" id="{3FCC2018-36E9-93C2-D3B1-CC2EC2FF77E2}"/>
+              </a:ext>
+            </a:extLst>
+          </p:cNvPr>
+          <p:cNvSpPr/>
+          <p:nvPr/>
+        </p:nvSpPr>
+        <p:spPr>
+          <a:xfrm>
+            <a:off x="2618250" y="4252471"/>
+            <a:ext cx="1640656" cy="612331"/>
+          </a:xfrm>
+          <a:prstGeom prst="roundRect">
+            <a:avLst/>
+          </a:prstGeom>
+          <a:solidFill>
+            <a:schemeClr val="accent1">
+              <a:lumMod val="60000"/>
+              <a:lumOff val="40000"/>
+            </a:schemeClr>
+          </a:solidFill>
+          <a:ln w="28575">
+            <a:solidFill>
+              <a:schemeClr val="tx1"/>
+            </a:solidFill>
+            <a:prstDash val="solid"/>
+          </a:ln>
+        </p:spPr>
+        <p:style>
+          <a:lnRef idx="2">
+            <a:schemeClr val="accent1">
+              <a:shade val="50000"/>
+            </a:schemeClr>
+          </a:lnRef>
+          <a:fillRef idx="1">
+            <a:schemeClr val="accent1"/>
+          </a:fillRef>
+          <a:effectRef idx="0">
+            <a:schemeClr val="accent1"/>
+          </a:effectRef>
+          <a:fontRef idx="minor">
+            <a:schemeClr val="lt1"/>
+          </a:fontRef>
+        </p:style>
+        <p:txBody>
+          <a:bodyPr rtlCol="0" anchor="ctr"/>
+          <a:lstStyle/>
+          <a:p>
+            <a:pPr algn="ctr"/>
+            <a:r>
+              <a:rPr lang="en-US" sz="1200" b="1" dirty="0">
+                <a:solidFill>
+                  <a:schemeClr val="tx1"/>
+                </a:solidFill>
+              </a:rPr>
+              <a:t>Designer Option 4</a:t>
+            </a:r>
+          </a:p>
+          <a:p>
+            <a:pPr marL="171450" indent="-171450">
+              <a:buFont typeface="Arial" panose="020B0604020202020204" pitchFamily="34" charset="0"/>
+              <a:buChar char="•"/>
+            </a:pPr>
+            <a:r>
+              <a:rPr lang="en-US" sz="1200" dirty="0">
+                <a:solidFill>
+                  <a:schemeClr val="tx1"/>
+                </a:solidFill>
+              </a:rPr>
+              <a:t>Control Algorithm</a:t>
+            </a:r>
+          </a:p>
+        </p:txBody>
+      </p:sp>
+      <p:cxnSp>
+        <p:nvCxnSpPr>
+          <p:cNvPr id="74" name="Straight Arrow Connector 73">
+            <a:extLst>
+              <a:ext uri="{FF2B5EF4-FFF2-40B4-BE49-F238E27FC236}">
+                <a16:creationId xmlns:a16="http://schemas.microsoft.com/office/drawing/2014/main" id="{59E30A26-4392-5624-0EB6-D5FD2603E8B0}"/>
+              </a:ext>
+            </a:extLst>
+          </p:cNvPr>
+          <p:cNvCxnSpPr>
+            <a:cxnSpLocks/>
+            <a:stCxn id="224" idx="2"/>
+            <a:endCxn id="72" idx="3"/>
+          </p:cNvCxnSpPr>
+          <p:nvPr/>
+        </p:nvCxnSpPr>
+        <p:spPr>
+          <a:xfrm flipH="1" flipV="1">
+            <a:off x="4258906" y="4558637"/>
+            <a:ext cx="274398" cy="4248"/>
+          </a:xfrm>
+          <a:prstGeom prst="straightConnector1">
+            <a:avLst/>
+          </a:prstGeom>
+          <a:ln w="28575">
+            <a:prstDash val="sysDot"/>
+            <a:headEnd type="triangle" w="med" len="med"/>
+            <a:tailEnd type="none" w="med" len="med"/>
+          </a:ln>
+        </p:spPr>
+        <p:style>
+          <a:lnRef idx="1">
+            <a:schemeClr val="dk1"/>
+          </a:lnRef>
+          <a:fillRef idx="0">
+            <a:schemeClr val="dk1"/>
+          </a:fillRef>
+          <a:effectRef idx="0">
+            <a:schemeClr val="dk1"/>
+          </a:effectRef>
+          <a:fontRef idx="minor">
+            <a:schemeClr val="tx1"/>
+          </a:fontRef>
+        </p:style>
+      </p:cxnSp>
+      <p:sp>
+        <p:nvSpPr>
+          <p:cNvPr id="92" name="Rounded Rectangle 91">
+            <a:extLst>
+              <a:ext uri="{FF2B5EF4-FFF2-40B4-BE49-F238E27FC236}">
+                <a16:creationId xmlns:a16="http://schemas.microsoft.com/office/drawing/2014/main" id="{881393E7-E7B2-C8DC-2D6E-46389E4F6E3F}"/>
+              </a:ext>
+            </a:extLst>
+          </p:cNvPr>
+          <p:cNvSpPr/>
+          <p:nvPr/>
+        </p:nvSpPr>
+        <p:spPr>
+          <a:xfrm>
+            <a:off x="2618250" y="5109921"/>
+            <a:ext cx="1640656" cy="612331"/>
+          </a:xfrm>
+          <a:prstGeom prst="roundRect">
+            <a:avLst/>
+          </a:prstGeom>
+          <a:solidFill>
+            <a:schemeClr val="accent1">
+              <a:lumMod val="60000"/>
+              <a:lumOff val="40000"/>
+            </a:schemeClr>
+          </a:solidFill>
+          <a:ln w="28575">
+            <a:solidFill>
+              <a:schemeClr val="tx1"/>
+            </a:solidFill>
+            <a:prstDash val="solid"/>
+          </a:ln>
+        </p:spPr>
+        <p:style>
+          <a:lnRef idx="2">
+            <a:schemeClr val="accent1">
+              <a:shade val="50000"/>
+            </a:schemeClr>
+          </a:lnRef>
+          <a:fillRef idx="1">
+            <a:schemeClr val="accent1"/>
+          </a:fillRef>
+          <a:effectRef idx="0">
+            <a:schemeClr val="accent1"/>
+          </a:effectRef>
+          <a:fontRef idx="minor">
+            <a:schemeClr val="lt1"/>
+          </a:fontRef>
+        </p:style>
+        <p:txBody>
+          <a:bodyPr rtlCol="0" anchor="ctr"/>
+          <a:lstStyle/>
+          <a:p>
+            <a:pPr algn="ctr"/>
+            <a:r>
+              <a:rPr lang="en-US" sz="1200" b="1" dirty="0">
+                <a:solidFill>
+                  <a:schemeClr val="tx1"/>
+                </a:solidFill>
+              </a:rPr>
+              <a:t>Designer Option 5</a:t>
+            </a:r>
+          </a:p>
+          <a:p>
+            <a:pPr marL="171450" indent="-171450">
+              <a:buFont typeface="Arial" panose="020B0604020202020204" pitchFamily="34" charset="0"/>
+              <a:buChar char="•"/>
+            </a:pPr>
+            <a:r>
+              <a:rPr lang="en-US" sz="1200" dirty="0">
+                <a:solidFill>
+                  <a:schemeClr val="tx1"/>
+                </a:solidFill>
+              </a:rPr>
+              <a:t>KPI Selection</a:t>
+            </a:r>
+          </a:p>
+        </p:txBody>
+      </p:sp>
+      <p:cxnSp>
+        <p:nvCxnSpPr>
+          <p:cNvPr id="93" name="Straight Arrow Connector 92">
+            <a:extLst>
+              <a:ext uri="{FF2B5EF4-FFF2-40B4-BE49-F238E27FC236}">
+                <a16:creationId xmlns:a16="http://schemas.microsoft.com/office/drawing/2014/main" id="{55D2C185-2317-901F-E4AC-2AD5484B597E}"/>
+              </a:ext>
+            </a:extLst>
+          </p:cNvPr>
+          <p:cNvCxnSpPr>
+            <a:cxnSpLocks/>
+            <a:stCxn id="111" idx="5"/>
+            <a:endCxn id="92" idx="3"/>
+          </p:cNvCxnSpPr>
+          <p:nvPr/>
+        </p:nvCxnSpPr>
+        <p:spPr>
+          <a:xfrm flipH="1">
+            <a:off x="4258906" y="5409218"/>
+            <a:ext cx="1531060" cy="6869"/>
+          </a:xfrm>
+          <a:prstGeom prst="straightConnector1">
+            <a:avLst/>
+          </a:prstGeom>
+          <a:ln w="28575">
+            <a:prstDash val="sysDot"/>
+            <a:headEnd type="triangle" w="med" len="med"/>
+            <a:tailEnd type="none" w="med" len="med"/>
+          </a:ln>
+        </p:spPr>
+        <p:style>
+          <a:lnRef idx="1">
+            <a:schemeClr val="dk1"/>
+          </a:lnRef>
+          <a:fillRef idx="0">
+            <a:schemeClr val="dk1"/>
+          </a:fillRef>
+          <a:effectRef idx="0">
+            <a:schemeClr val="dk1"/>
+          </a:effectRef>
+          <a:fontRef idx="minor">
+            <a:schemeClr val="tx1"/>
+          </a:fontRef>
+        </p:style>
+      </p:cxnSp>
+      <p:sp>
+        <p:nvSpPr>
+          <p:cNvPr id="100" name="Rounded Rectangle 99">
+            <a:extLst>
+              <a:ext uri="{FF2B5EF4-FFF2-40B4-BE49-F238E27FC236}">
+                <a16:creationId xmlns:a16="http://schemas.microsoft.com/office/drawing/2014/main" id="{183687B7-9E75-C5E2-5BD7-B878A12B208F}"/>
+              </a:ext>
+            </a:extLst>
+          </p:cNvPr>
+          <p:cNvSpPr/>
+          <p:nvPr/>
+        </p:nvSpPr>
+        <p:spPr>
+          <a:xfrm>
+            <a:off x="9867951" y="3374855"/>
+            <a:ext cx="1640656" cy="612331"/>
+          </a:xfrm>
+          <a:prstGeom prst="roundRect">
+            <a:avLst/>
+          </a:prstGeom>
+          <a:solidFill>
+            <a:schemeClr val="accent1">
+              <a:lumMod val="60000"/>
+              <a:lumOff val="40000"/>
+            </a:schemeClr>
+          </a:solidFill>
+          <a:ln w="28575">
+            <a:solidFill>
+              <a:schemeClr val="tx1"/>
+            </a:solidFill>
+            <a:prstDash val="solid"/>
+          </a:ln>
+        </p:spPr>
+        <p:style>
+          <a:lnRef idx="2">
+            <a:schemeClr val="accent1">
+              <a:shade val="50000"/>
+            </a:schemeClr>
+          </a:lnRef>
+          <a:fillRef idx="1">
+            <a:schemeClr val="accent1"/>
+          </a:fillRef>
+          <a:effectRef idx="0">
+            <a:schemeClr val="accent1"/>
+          </a:effectRef>
+          <a:fontRef idx="minor">
+            <a:schemeClr val="lt1"/>
+          </a:fontRef>
+        </p:style>
+        <p:txBody>
+          <a:bodyPr rtlCol="0" anchor="ctr"/>
+          <a:lstStyle/>
+          <a:p>
+            <a:pPr algn="ctr"/>
+            <a:r>
+              <a:rPr lang="en-US" sz="1200" b="1" dirty="0">
+                <a:solidFill>
+                  <a:schemeClr val="tx1"/>
+                </a:solidFill>
+              </a:rPr>
+              <a:t>Designer Option 3</a:t>
+            </a:r>
+          </a:p>
+          <a:p>
+            <a:pPr marL="171450" indent="-171450">
+              <a:buFont typeface="Arial" panose="020B0604020202020204" pitchFamily="34" charset="0"/>
+              <a:buChar char="•"/>
+            </a:pPr>
+            <a:r>
+              <a:rPr lang="en-US" sz="1200" dirty="0">
+                <a:solidFill>
+                  <a:schemeClr val="tx1"/>
+                </a:solidFill>
+              </a:rPr>
+              <a:t>Model Type</a:t>
+            </a:r>
+          </a:p>
+        </p:txBody>
+      </p:sp>
+      <p:cxnSp>
+        <p:nvCxnSpPr>
+          <p:cNvPr id="101" name="Straight Arrow Connector 100">
+            <a:extLst>
+              <a:ext uri="{FF2B5EF4-FFF2-40B4-BE49-F238E27FC236}">
+                <a16:creationId xmlns:a16="http://schemas.microsoft.com/office/drawing/2014/main" id="{E546CBAB-FFAB-BEFC-B4C3-91AED4FB8420}"/>
+              </a:ext>
+            </a:extLst>
+          </p:cNvPr>
+          <p:cNvCxnSpPr>
+            <a:cxnSpLocks/>
+            <a:stCxn id="91" idx="3"/>
+            <a:endCxn id="100" idx="1"/>
+          </p:cNvCxnSpPr>
+          <p:nvPr/>
+        </p:nvCxnSpPr>
+        <p:spPr>
+          <a:xfrm>
+            <a:off x="8818841" y="3681021"/>
+            <a:ext cx="1049110" cy="0"/>
+          </a:xfrm>
+          <a:prstGeom prst="straightConnector1">
+            <a:avLst/>
+          </a:prstGeom>
+          <a:ln w="28575">
+            <a:prstDash val="sysDot"/>
+            <a:headEnd type="triangle" w="med" len="med"/>
+            <a:tailEnd type="none" w="med" len="med"/>
+          </a:ln>
+        </p:spPr>
+        <p:style>
+          <a:lnRef idx="1">
+            <a:schemeClr val="dk1"/>
+          </a:lnRef>
+          <a:fillRef idx="0">
+            <a:schemeClr val="dk1"/>
+          </a:fillRef>
+          <a:effectRef idx="0">
+            <a:schemeClr val="dk1"/>
+          </a:effectRef>
+          <a:fontRef idx="minor">
+            <a:schemeClr val="tx1"/>
+          </a:fontRef>
+        </p:style>
+      </p:cxnSp>
+    </p:spTree>
+    <p:extLst>
+      <p:ext uri="{BB962C8B-B14F-4D97-AF65-F5344CB8AC3E}">
+        <p14:creationId xmlns:p14="http://schemas.microsoft.com/office/powerpoint/2010/main" val="4025712641"/>
+      </p:ext>
+    </p:extLst>
+  </p:cSld>
+  <p:clrMapOvr>
+    <a:masterClrMapping/>
+  </p:clrMapOvr>
+</p:sld>
+</file>
+
+<file path=ppt/slides/slide11.xml><?xml version="1.0" encoding="utf-8"?>
+<p:sld xmlns:a="http://schemas.openxmlformats.org/drawingml/2006/main" xmlns:r="http://schemas.openxmlformats.org/officeDocument/2006/relationships" xmlns:p="http://schemas.openxmlformats.org/presentationml/2006/main">
+  <p:cSld>
+    <p:spTree>
+      <p:nvGrpSpPr>
+        <p:cNvPr id="1" name=""/>
+        <p:cNvGrpSpPr/>
+        <p:nvPr/>
+      </p:nvGrpSpPr>
+      <p:grpSpPr>
+        <a:xfrm>
+          <a:off x="0" y="0"/>
+          <a:ext cx="0" cy="0"/>
+          <a:chOff x="0" y="0"/>
+          <a:chExt cx="0" cy="0"/>
+        </a:xfrm>
+      </p:grpSpPr>
+      <p:pic>
+        <p:nvPicPr>
+          <p:cNvPr id="2" name="Picture 1">
+            <a:extLst>
+              <a:ext uri="{FF2B5EF4-FFF2-40B4-BE49-F238E27FC236}">
+                <a16:creationId xmlns:a16="http://schemas.microsoft.com/office/drawing/2014/main" id="{AE666E81-A703-8369-1FD1-C4046468FA34}"/>
+              </a:ext>
+            </a:extLst>
+          </p:cNvPr>
+          <p:cNvPicPr>
+            <a:picLocks noChangeAspect="1"/>
+          </p:cNvPicPr>
+          <p:nvPr/>
+        </p:nvPicPr>
+        <p:blipFill>
+          <a:blip r:embed="rId2"/>
+          <a:stretch>
+            <a:fillRect/>
+          </a:stretch>
+        </p:blipFill>
+        <p:spPr>
+          <a:xfrm>
+            <a:off x="2209800" y="1343949"/>
+            <a:ext cx="7772400" cy="4170102"/>
+          </a:xfrm>
+          <a:prstGeom prst="rect">
+            <a:avLst/>
+          </a:prstGeom>
+        </p:spPr>
+      </p:pic>
+    </p:spTree>
+    <p:extLst>
+      <p:ext uri="{BB962C8B-B14F-4D97-AF65-F5344CB8AC3E}">
+        <p14:creationId xmlns:p14="http://schemas.microsoft.com/office/powerpoint/2010/main" val="2663083143"/>
+      </p:ext>
+    </p:extLst>
+  </p:cSld>
+  <p:clrMapOvr>
+    <a:masterClrMapping/>
+  </p:clrMapOvr>
+</p:sld>
+</file>
+
+<file path=ppt/slides/slide12.xml><?xml version="1.0" encoding="utf-8"?>
 <p:sld xmlns:a="http://schemas.openxmlformats.org/drawingml/2006/main" xmlns:r="http://schemas.openxmlformats.org/officeDocument/2006/relationships" xmlns:p="http://schemas.openxmlformats.org/presentationml/2006/main">
   <p:cSld>
     <p:spTree>
@@ -12029,7 +14767,7 @@
           </a:xfrm>
           <a:prstGeom prst="bentConnector4">
             <a:avLst>
-              <a:gd name="adj1" fmla="val -6151"/>
+              <a:gd name="adj1" fmla="val -13579"/>
               <a:gd name="adj2" fmla="val 109409"/>
             </a:avLst>
           </a:prstGeom>
@@ -12256,7 +14994,7 @@
         <p:spPr>
           <a:xfrm flipH="1">
             <a:off x="8517946" y="4975658"/>
-            <a:ext cx="243618" cy="0"/>
+            <a:ext cx="512064" cy="0"/>
           </a:xfrm>
           <a:prstGeom prst="straightConnector1">
             <a:avLst/>
@@ -12534,6 +15272,120 @@
             <a:r>
               <a:rPr lang="en-US" sz="1300" b="1" dirty="0"/>
               <a:t>Power Outage</a:t>
+            </a:r>
+          </a:p>
+        </p:txBody>
+      </p:sp>
+      <p:pic>
+        <p:nvPicPr>
+          <p:cNvPr id="71" name="Picture 70" descr="A person measuring his head&#10;&#10;Description automatically generated">
+            <a:extLst>
+              <a:ext uri="{FF2B5EF4-FFF2-40B4-BE49-F238E27FC236}">
+                <a16:creationId xmlns:a16="http://schemas.microsoft.com/office/drawing/2014/main" id="{26555285-94BB-CB80-EC12-B0F1747E6B56}"/>
+              </a:ext>
+            </a:extLst>
+          </p:cNvPr>
+          <p:cNvPicPr>
+            <a:picLocks noChangeAspect="1"/>
+          </p:cNvPicPr>
+          <p:nvPr/>
+        </p:nvPicPr>
+        <p:blipFill>
+          <a:blip r:embed="rId13">
+            <a:extLst>
+              <a:ext uri="{28A0092B-C50C-407E-A947-70E740481C1C}">
+                <a14:useLocalDpi xmlns:a14="http://schemas.microsoft.com/office/drawing/2010/main" val="0"/>
+              </a:ext>
+            </a:extLst>
+          </a:blip>
+          <a:stretch>
+            <a:fillRect/>
+          </a:stretch>
+        </p:blipFill>
+        <p:spPr>
+          <a:xfrm>
+            <a:off x="6791828" y="3698820"/>
+            <a:ext cx="814578" cy="814578"/>
+          </a:xfrm>
+          <a:prstGeom prst="rect">
+            <a:avLst/>
+          </a:prstGeom>
+        </p:spPr>
+      </p:pic>
+      <p:cxnSp>
+        <p:nvCxnSpPr>
+          <p:cNvPr id="73" name="Curved Connector 72">
+            <a:extLst>
+              <a:ext uri="{FF2B5EF4-FFF2-40B4-BE49-F238E27FC236}">
+                <a16:creationId xmlns:a16="http://schemas.microsoft.com/office/drawing/2014/main" id="{4E1B1DB1-FCD4-9B4B-5127-5BF18CE598F2}"/>
+              </a:ext>
+            </a:extLst>
+          </p:cNvPr>
+          <p:cNvCxnSpPr>
+            <a:stCxn id="71" idx="1"/>
+          </p:cNvCxnSpPr>
+          <p:nvPr/>
+        </p:nvCxnSpPr>
+        <p:spPr>
+          <a:xfrm rot="10800000" flipV="1">
+            <a:off x="6190568" y="4106109"/>
+            <a:ext cx="601260" cy="822166"/>
+          </a:xfrm>
+          <a:prstGeom prst="curvedConnector2">
+            <a:avLst/>
+          </a:prstGeom>
+          <a:ln w="28575">
+            <a:prstDash val="sysDot"/>
+            <a:tailEnd type="triangle"/>
+          </a:ln>
+        </p:spPr>
+        <p:style>
+          <a:lnRef idx="1">
+            <a:schemeClr val="dk1"/>
+          </a:lnRef>
+          <a:fillRef idx="0">
+            <a:schemeClr val="dk1"/>
+          </a:fillRef>
+          <a:effectRef idx="0">
+            <a:schemeClr val="dk1"/>
+          </a:effectRef>
+          <a:fontRef idx="minor">
+            <a:schemeClr val="tx1"/>
+          </a:fontRef>
+        </p:style>
+      </p:cxnSp>
+      <p:sp>
+        <p:nvSpPr>
+          <p:cNvPr id="81" name="TextBox 80">
+            <a:extLst>
+              <a:ext uri="{FF2B5EF4-FFF2-40B4-BE49-F238E27FC236}">
+                <a16:creationId xmlns:a16="http://schemas.microsoft.com/office/drawing/2014/main" id="{B57F8FBC-A259-CC54-4F05-3FB0757DEA97}"/>
+              </a:ext>
+            </a:extLst>
+          </p:cNvPr>
+          <p:cNvSpPr txBox="1"/>
+          <p:nvPr/>
+        </p:nvSpPr>
+        <p:spPr>
+          <a:xfrm>
+            <a:off x="7334211" y="3936053"/>
+            <a:ext cx="1814524" cy="492443"/>
+          </a:xfrm>
+          <a:prstGeom prst="rect">
+            <a:avLst/>
+          </a:prstGeom>
+          <a:noFill/>
+        </p:spPr>
+        <p:txBody>
+          <a:bodyPr wrap="square" rtlCol="0">
+            <a:spAutoFit/>
+          </a:bodyPr>
+          <a:lstStyle/>
+          <a:p>
+            <a:pPr algn="ctr"/>
+            <a:r>
+              <a:rPr lang="en-US" sz="1300" b="1" dirty="0"/>
+              <a:t>Occupant Thermostat Override Model</a:t>
             </a:r>
           </a:p>
         </p:txBody>
@@ -12568,42 +15420,1448 @@
           <a:chExt cx="0" cy="0"/>
         </a:xfrm>
       </p:grpSpPr>
+      <p:pic>
+        <p:nvPicPr>
+          <p:cNvPr id="54" name="Picture 53" descr="Shape&#10;&#10;Description automatically generated">
+            <a:extLst>
+              <a:ext uri="{FF2B5EF4-FFF2-40B4-BE49-F238E27FC236}">
+                <a16:creationId xmlns:a16="http://schemas.microsoft.com/office/drawing/2014/main" id="{64B91B02-6553-EA47-8B62-D314BAF551C4}"/>
+              </a:ext>
+            </a:extLst>
+          </p:cNvPr>
+          <p:cNvPicPr>
+            <a:picLocks noChangeAspect="1"/>
+          </p:cNvPicPr>
+          <p:nvPr/>
+        </p:nvPicPr>
+        <p:blipFill>
+          <a:blip r:embed="rId2" cstate="print">
+            <a:biLevel thresh="75000"/>
+            <a:extLst>
+              <a:ext uri="{28A0092B-C50C-407E-A947-70E740481C1C}">
+                <a14:useLocalDpi xmlns:a14="http://schemas.microsoft.com/office/drawing/2010/main" val="0"/>
+              </a:ext>
+            </a:extLst>
+          </a:blip>
+          <a:stretch>
+            <a:fillRect/>
+          </a:stretch>
+        </p:blipFill>
+        <p:spPr>
+          <a:xfrm>
+            <a:off x="1976433" y="1162556"/>
+            <a:ext cx="658611" cy="658611"/>
+          </a:xfrm>
+          <a:prstGeom prst="rect">
+            <a:avLst/>
+          </a:prstGeom>
+          <a:noFill/>
+          <a:ln>
+            <a:noFill/>
+          </a:ln>
+        </p:spPr>
+      </p:pic>
       <p:sp>
         <p:nvSpPr>
-          <p:cNvPr id="2" name="Footer Placeholder 1">
-            <a:extLst>
-              <a:ext uri="{FF2B5EF4-FFF2-40B4-BE49-F238E27FC236}">
-                <a16:creationId xmlns:a16="http://schemas.microsoft.com/office/drawing/2014/main" id="{08A13244-2B6D-6019-C434-4596B13257AD}"/>
-              </a:ext>
-            </a:extLst>
-          </p:cNvPr>
-          <p:cNvSpPr>
-            <a:spLocks noGrp="1"/>
-          </p:cNvSpPr>
-          <p:nvPr>
-            <p:ph type="ftr" sz="quarter" idx="3"/>
-          </p:nvPr>
+          <p:cNvPr id="19" name="TextBox 18">
+            <a:extLst>
+              <a:ext uri="{FF2B5EF4-FFF2-40B4-BE49-F238E27FC236}">
+                <a16:creationId xmlns:a16="http://schemas.microsoft.com/office/drawing/2014/main" id="{E19866B2-A014-797A-4A67-91F2F1EA08B7}"/>
+              </a:ext>
+            </a:extLst>
+          </p:cNvPr>
+          <p:cNvSpPr txBox="1"/>
+          <p:nvPr/>
         </p:nvSpPr>
-        <p:spPr/>
+        <p:spPr>
+          <a:xfrm>
+            <a:off x="1867714" y="1825359"/>
+            <a:ext cx="847929" cy="292388"/>
+          </a:xfrm>
+          <a:prstGeom prst="rect">
+            <a:avLst/>
+          </a:prstGeom>
+          <a:noFill/>
+        </p:spPr>
         <p:txBody>
-          <a:bodyPr/>
+          <a:bodyPr wrap="square" rtlCol="0">
+            <a:spAutoFit/>
+          </a:bodyPr>
           <a:lstStyle/>
           <a:p>
-            <a:pPr algn="l"/>
+            <a:pPr algn="ctr"/>
             <a:r>
-              <a:rPr lang="en-US"/>
-              <a:t>IEA EBC Annex 79, 8th Expert Meeting, March 30-31, 2022                                                 Cross subtask activity: Agent-based Modeling </a:t>
+              <a:rPr lang="en-US" sz="1300" b="1" dirty="0"/>
+              <a:t>Grid</a:t>
             </a:r>
-            <a:endParaRPr lang="de-DE" dirty="0"/>
+          </a:p>
+        </p:txBody>
+      </p:sp>
+      <p:cxnSp>
+        <p:nvCxnSpPr>
+          <p:cNvPr id="25" name="Straight Arrow Connector 23">
+            <a:extLst>
+              <a:ext uri="{FF2B5EF4-FFF2-40B4-BE49-F238E27FC236}">
+                <a16:creationId xmlns:a16="http://schemas.microsoft.com/office/drawing/2014/main" id="{9A26DD74-AA79-B747-086F-DC133F03CD0C}"/>
+              </a:ext>
+            </a:extLst>
+          </p:cNvPr>
+          <p:cNvCxnSpPr>
+            <a:cxnSpLocks/>
+            <a:stCxn id="33" idx="2"/>
+            <a:endCxn id="54" idx="0"/>
+          </p:cNvCxnSpPr>
+          <p:nvPr/>
+        </p:nvCxnSpPr>
+        <p:spPr>
+          <a:xfrm rot="16200000" flipH="1" flipV="1">
+            <a:off x="3487631" y="-149670"/>
+            <a:ext cx="130333" cy="2494117"/>
+          </a:xfrm>
+          <a:prstGeom prst="bentConnector3">
+            <a:avLst>
+              <a:gd name="adj1" fmla="val -318313"/>
+            </a:avLst>
+          </a:prstGeom>
+          <a:ln w="28575">
+            <a:headEnd type="triangle" w="med" len="med"/>
+            <a:tailEnd type="none" w="med" len="med"/>
+          </a:ln>
+        </p:spPr>
+        <p:style>
+          <a:lnRef idx="1">
+            <a:schemeClr val="dk1"/>
+          </a:lnRef>
+          <a:fillRef idx="0">
+            <a:schemeClr val="dk1"/>
+          </a:fillRef>
+          <a:effectRef idx="0">
+            <a:schemeClr val="dk1"/>
+          </a:effectRef>
+          <a:fontRef idx="minor">
+            <a:schemeClr val="tx1"/>
+          </a:fontRef>
+        </p:style>
+      </p:cxnSp>
+      <p:grpSp>
+        <p:nvGrpSpPr>
+          <p:cNvPr id="84" name="Group 83">
+            <a:extLst>
+              <a:ext uri="{FF2B5EF4-FFF2-40B4-BE49-F238E27FC236}">
+                <a16:creationId xmlns:a16="http://schemas.microsoft.com/office/drawing/2014/main" id="{E3F53FA1-27A9-C673-5A02-DE19CA21FD37}"/>
+              </a:ext>
+            </a:extLst>
+          </p:cNvPr>
+          <p:cNvGrpSpPr/>
+          <p:nvPr/>
+        </p:nvGrpSpPr>
+        <p:grpSpPr>
+          <a:xfrm>
+            <a:off x="3043266" y="1032223"/>
+            <a:ext cx="3720992" cy="4868698"/>
+            <a:chOff x="4856653" y="861974"/>
+            <a:chExt cx="3720992" cy="4868698"/>
+          </a:xfrm>
+        </p:grpSpPr>
+        <p:sp>
+          <p:nvSpPr>
+            <p:cNvPr id="33" name="Rounded Rectangle 32">
+              <a:extLst>
+                <a:ext uri="{FF2B5EF4-FFF2-40B4-BE49-F238E27FC236}">
+                  <a16:creationId xmlns:a16="http://schemas.microsoft.com/office/drawing/2014/main" id="{BF90E792-2863-07B2-63EF-82251253A890}"/>
+                </a:ext>
+              </a:extLst>
+            </p:cNvPr>
+            <p:cNvSpPr/>
+            <p:nvPr/>
+          </p:nvSpPr>
+          <p:spPr>
+            <a:xfrm rot="10800000">
+              <a:off x="4856653" y="861974"/>
+              <a:ext cx="3513180" cy="4868698"/>
+            </a:xfrm>
+            <a:prstGeom prst="roundRect">
+              <a:avLst>
+                <a:gd name="adj" fmla="val 6867"/>
+              </a:avLst>
+            </a:prstGeom>
+            <a:solidFill>
+              <a:schemeClr val="bg1">
+                <a:lumMod val="85000"/>
+              </a:schemeClr>
+            </a:solidFill>
+            <a:ln w="28575">
+              <a:solidFill>
+                <a:schemeClr val="tx1"/>
+              </a:solidFill>
+              <a:prstDash val="solid"/>
+            </a:ln>
+          </p:spPr>
+          <p:style>
+            <a:lnRef idx="2">
+              <a:schemeClr val="accent1">
+                <a:shade val="50000"/>
+              </a:schemeClr>
+            </a:lnRef>
+            <a:fillRef idx="1">
+              <a:schemeClr val="accent1"/>
+            </a:fillRef>
+            <a:effectRef idx="0">
+              <a:schemeClr val="accent1"/>
+            </a:effectRef>
+            <a:fontRef idx="minor">
+              <a:schemeClr val="lt1"/>
+            </a:fontRef>
+          </p:style>
+          <p:txBody>
+            <a:bodyPr rtlCol="0" anchor="ctr"/>
+            <a:lstStyle/>
+            <a:p>
+              <a:pPr algn="ctr"/>
+              <a:endParaRPr lang="en-US"/>
+            </a:p>
+          </p:txBody>
+        </p:sp>
+        <p:sp>
+          <p:nvSpPr>
+            <p:cNvPr id="46" name="Rounded Rectangle 45">
+              <a:extLst>
+                <a:ext uri="{FF2B5EF4-FFF2-40B4-BE49-F238E27FC236}">
+                  <a16:creationId xmlns:a16="http://schemas.microsoft.com/office/drawing/2014/main" id="{C9EED1EA-8327-3445-B343-F3C11E9B5A8D}"/>
+                </a:ext>
+              </a:extLst>
+            </p:cNvPr>
+            <p:cNvSpPr/>
+            <p:nvPr/>
+          </p:nvSpPr>
+          <p:spPr>
+            <a:xfrm>
+              <a:off x="6237691" y="1235421"/>
+              <a:ext cx="1977630" cy="1092759"/>
+            </a:xfrm>
+            <a:prstGeom prst="roundRect">
+              <a:avLst/>
+            </a:prstGeom>
+            <a:solidFill>
+              <a:schemeClr val="accent4">
+                <a:lumMod val="60000"/>
+                <a:lumOff val="40000"/>
+              </a:schemeClr>
+            </a:solidFill>
+            <a:ln w="28575">
+              <a:noFill/>
+              <a:prstDash val="sysDot"/>
+            </a:ln>
+          </p:spPr>
+          <p:style>
+            <a:lnRef idx="2">
+              <a:schemeClr val="accent1">
+                <a:shade val="50000"/>
+              </a:schemeClr>
+            </a:lnRef>
+            <a:fillRef idx="1">
+              <a:schemeClr val="accent1"/>
+            </a:fillRef>
+            <a:effectRef idx="0">
+              <a:schemeClr val="accent1"/>
+            </a:effectRef>
+            <a:fontRef idx="minor">
+              <a:schemeClr val="lt1"/>
+            </a:fontRef>
+          </p:style>
+          <p:txBody>
+            <a:bodyPr rtlCol="0" anchor="ctr"/>
+            <a:lstStyle/>
+            <a:p>
+              <a:pPr algn="ctr"/>
+              <a:endParaRPr lang="en-US"/>
+            </a:p>
+          </p:txBody>
+        </p:sp>
+        <p:sp>
+          <p:nvSpPr>
+            <p:cNvPr id="48" name="Rounded Rectangle 47">
+              <a:extLst>
+                <a:ext uri="{FF2B5EF4-FFF2-40B4-BE49-F238E27FC236}">
+                  <a16:creationId xmlns:a16="http://schemas.microsoft.com/office/drawing/2014/main" id="{87FFD480-31EC-1142-91A8-CD99B8F29361}"/>
+                </a:ext>
+              </a:extLst>
+            </p:cNvPr>
+            <p:cNvSpPr/>
+            <p:nvPr/>
+          </p:nvSpPr>
+          <p:spPr>
+            <a:xfrm>
+              <a:off x="5017785" y="4247059"/>
+              <a:ext cx="3206259" cy="1297418"/>
+            </a:xfrm>
+            <a:prstGeom prst="roundRect">
+              <a:avLst/>
+            </a:prstGeom>
+            <a:solidFill>
+              <a:schemeClr val="bg1">
+                <a:lumMod val="65000"/>
+              </a:schemeClr>
+            </a:solidFill>
+            <a:ln w="28575">
+              <a:noFill/>
+              <a:prstDash val="sysDot"/>
+            </a:ln>
+          </p:spPr>
+          <p:style>
+            <a:lnRef idx="2">
+              <a:schemeClr val="accent1">
+                <a:shade val="50000"/>
+              </a:schemeClr>
+            </a:lnRef>
+            <a:fillRef idx="1">
+              <a:schemeClr val="accent1"/>
+            </a:fillRef>
+            <a:effectRef idx="0">
+              <a:schemeClr val="accent1"/>
+            </a:effectRef>
+            <a:fontRef idx="minor">
+              <a:schemeClr val="lt1"/>
+            </a:fontRef>
+          </p:style>
+          <p:txBody>
+            <a:bodyPr rtlCol="0" anchor="ctr"/>
+            <a:lstStyle/>
+            <a:p>
+              <a:pPr algn="ctr"/>
+              <a:endParaRPr lang="en-US"/>
+            </a:p>
+          </p:txBody>
+        </p:sp>
+        <p:pic>
+          <p:nvPicPr>
+            <p:cNvPr id="18" name="Picture 17" descr="Icon&#10;&#10;Description automatically generated">
+              <a:extLst>
+                <a:ext uri="{FF2B5EF4-FFF2-40B4-BE49-F238E27FC236}">
+                  <a16:creationId xmlns:a16="http://schemas.microsoft.com/office/drawing/2014/main" id="{DFC32E76-8391-9444-BDE1-21A6B5A24D86}"/>
+                </a:ext>
+              </a:extLst>
+            </p:cNvPr>
+            <p:cNvPicPr>
+              <a:picLocks noChangeAspect="1"/>
+            </p:cNvPicPr>
+            <p:nvPr/>
+          </p:nvPicPr>
+          <p:blipFill>
+            <a:blip r:embed="rId3" cstate="print">
+              <a:extLst>
+                <a:ext uri="{28A0092B-C50C-407E-A947-70E740481C1C}">
+                  <a14:useLocalDpi xmlns:a14="http://schemas.microsoft.com/office/drawing/2010/main" val="0"/>
+                </a:ext>
+              </a:extLst>
+            </a:blip>
+            <a:stretch>
+              <a:fillRect/>
+            </a:stretch>
+          </p:blipFill>
+          <p:spPr>
+            <a:xfrm>
+              <a:off x="7377510" y="4489181"/>
+              <a:ext cx="626445" cy="626445"/>
+            </a:xfrm>
+            <a:prstGeom prst="rect">
+              <a:avLst/>
+            </a:prstGeom>
+          </p:spPr>
+        </p:pic>
+        <p:pic>
+          <p:nvPicPr>
+            <p:cNvPr id="22" name="Picture 21" descr="Icon&#10;&#10;Description automatically generated">
+              <a:extLst>
+                <a:ext uri="{FF2B5EF4-FFF2-40B4-BE49-F238E27FC236}">
+                  <a16:creationId xmlns:a16="http://schemas.microsoft.com/office/drawing/2014/main" id="{90008645-C065-5147-AD8F-98C8059E55A7}"/>
+                </a:ext>
+              </a:extLst>
+            </p:cNvPr>
+            <p:cNvPicPr>
+              <a:picLocks noChangeAspect="1"/>
+            </p:cNvPicPr>
+            <p:nvPr/>
+          </p:nvPicPr>
+          <p:blipFill>
+            <a:blip r:embed="rId4" cstate="print">
+              <a:extLst>
+                <a:ext uri="{28A0092B-C50C-407E-A947-70E740481C1C}">
+                  <a14:useLocalDpi xmlns:a14="http://schemas.microsoft.com/office/drawing/2010/main" val="0"/>
+                </a:ext>
+              </a:extLst>
+            </a:blip>
+            <a:stretch>
+              <a:fillRect/>
+            </a:stretch>
+          </p:blipFill>
+          <p:spPr>
+            <a:xfrm rot="10800000">
+              <a:off x="5094287" y="4459902"/>
+              <a:ext cx="625465" cy="625465"/>
+            </a:xfrm>
+            <a:prstGeom prst="rect">
+              <a:avLst/>
+            </a:prstGeom>
+          </p:spPr>
+        </p:pic>
+        <p:pic>
+          <p:nvPicPr>
+            <p:cNvPr id="26" name="Picture 25" descr="A picture containing icon&#10;&#10;Description automatically generated">
+              <a:extLst>
+                <a:ext uri="{FF2B5EF4-FFF2-40B4-BE49-F238E27FC236}">
+                  <a16:creationId xmlns:a16="http://schemas.microsoft.com/office/drawing/2014/main" id="{361A1388-9314-AC48-BA59-69DB2D518C03}"/>
+                </a:ext>
+              </a:extLst>
+            </p:cNvPr>
+            <p:cNvPicPr>
+              <a:picLocks noChangeAspect="1"/>
+            </p:cNvPicPr>
+            <p:nvPr/>
+          </p:nvPicPr>
+          <p:blipFill>
+            <a:blip r:embed="rId5" cstate="print">
+              <a:extLst>
+                <a:ext uri="{28A0092B-C50C-407E-A947-70E740481C1C}">
+                  <a14:useLocalDpi xmlns:a14="http://schemas.microsoft.com/office/drawing/2010/main" val="0"/>
+                </a:ext>
+              </a:extLst>
+            </a:blip>
+            <a:stretch>
+              <a:fillRect/>
+            </a:stretch>
+          </p:blipFill>
+          <p:spPr>
+            <a:xfrm>
+              <a:off x="7294903" y="1439332"/>
+              <a:ext cx="814996" cy="768691"/>
+            </a:xfrm>
+            <a:prstGeom prst="rect">
+              <a:avLst/>
+            </a:prstGeom>
+          </p:spPr>
+        </p:pic>
+        <p:pic>
+          <p:nvPicPr>
+            <p:cNvPr id="45" name="Picture 44" descr="Icon&#10;&#10;Description automatically generated">
+              <a:extLst>
+                <a:ext uri="{FF2B5EF4-FFF2-40B4-BE49-F238E27FC236}">
+                  <a16:creationId xmlns:a16="http://schemas.microsoft.com/office/drawing/2014/main" id="{C9267087-CC13-8649-9F8D-1077529CF4C5}"/>
+                </a:ext>
+              </a:extLst>
+            </p:cNvPr>
+            <p:cNvPicPr>
+              <a:picLocks noChangeAspect="1"/>
+            </p:cNvPicPr>
+            <p:nvPr/>
+          </p:nvPicPr>
+          <p:blipFill>
+            <a:blip r:embed="rId6" cstate="print">
+              <a:extLst>
+                <a:ext uri="{28A0092B-C50C-407E-A947-70E740481C1C}">
+                  <a14:useLocalDpi xmlns:a14="http://schemas.microsoft.com/office/drawing/2010/main" val="0"/>
+                </a:ext>
+              </a:extLst>
+            </a:blip>
+            <a:stretch>
+              <a:fillRect/>
+            </a:stretch>
+          </p:blipFill>
+          <p:spPr>
+            <a:xfrm>
+              <a:off x="6453715" y="1439331"/>
+              <a:ext cx="720080" cy="720080"/>
+            </a:xfrm>
+            <a:prstGeom prst="rect">
+              <a:avLst/>
+            </a:prstGeom>
+          </p:spPr>
+        </p:pic>
+        <p:pic>
+          <p:nvPicPr>
+            <p:cNvPr id="47" name="Picture 46" descr="Icon&#10;&#10;Description automatically generated">
+              <a:extLst>
+                <a:ext uri="{FF2B5EF4-FFF2-40B4-BE49-F238E27FC236}">
+                  <a16:creationId xmlns:a16="http://schemas.microsoft.com/office/drawing/2014/main" id="{4F67AC45-B17E-A14F-9B10-F6C8D14E30DE}"/>
+                </a:ext>
+              </a:extLst>
+            </p:cNvPr>
+            <p:cNvPicPr>
+              <a:picLocks noChangeAspect="1"/>
+            </p:cNvPicPr>
+            <p:nvPr/>
+          </p:nvPicPr>
+          <p:blipFill>
+            <a:blip r:embed="rId7" cstate="print">
+              <a:extLst>
+                <a:ext uri="{28A0092B-C50C-407E-A947-70E740481C1C}">
+                  <a14:useLocalDpi xmlns:a14="http://schemas.microsoft.com/office/drawing/2010/main" val="0"/>
+                </a:ext>
+              </a:extLst>
+            </a:blip>
+            <a:stretch>
+              <a:fillRect/>
+            </a:stretch>
+          </p:blipFill>
+          <p:spPr>
+            <a:xfrm>
+              <a:off x="6606454" y="4414331"/>
+              <a:ext cx="626445" cy="687391"/>
+            </a:xfrm>
+            <a:prstGeom prst="rect">
+              <a:avLst/>
+            </a:prstGeom>
+          </p:spPr>
+        </p:pic>
+        <p:pic>
+          <p:nvPicPr>
+            <p:cNvPr id="91" name="Picture 90" descr="Icon&#10;&#10;Description automatically generated with medium confidence">
+              <a:extLst>
+                <a:ext uri="{FF2B5EF4-FFF2-40B4-BE49-F238E27FC236}">
+                  <a16:creationId xmlns:a16="http://schemas.microsoft.com/office/drawing/2014/main" id="{192A2240-2C54-F146-89BD-0345A91DD1D4}"/>
+                </a:ext>
+              </a:extLst>
+            </p:cNvPr>
+            <p:cNvPicPr>
+              <a:picLocks noChangeAspect="1"/>
+            </p:cNvPicPr>
+            <p:nvPr/>
+          </p:nvPicPr>
+          <p:blipFill>
+            <a:blip r:embed="rId8" cstate="print">
+              <a:extLst>
+                <a:ext uri="{28A0092B-C50C-407E-A947-70E740481C1C}">
+                  <a14:useLocalDpi xmlns:a14="http://schemas.microsoft.com/office/drawing/2010/main" val="0"/>
+                </a:ext>
+              </a:extLst>
+            </a:blip>
+            <a:stretch>
+              <a:fillRect/>
+            </a:stretch>
+          </p:blipFill>
+          <p:spPr>
+            <a:xfrm>
+              <a:off x="5598342" y="4437295"/>
+              <a:ext cx="687391" cy="687391"/>
+            </a:xfrm>
+            <a:prstGeom prst="rect">
+              <a:avLst/>
+            </a:prstGeom>
+          </p:spPr>
+        </p:pic>
+        <p:sp>
+          <p:nvSpPr>
+            <p:cNvPr id="105" name="TextBox 104">
+              <a:extLst>
+                <a:ext uri="{FF2B5EF4-FFF2-40B4-BE49-F238E27FC236}">
+                  <a16:creationId xmlns:a16="http://schemas.microsoft.com/office/drawing/2014/main" id="{574F4CC3-7AB5-6C41-B6E5-CB9CC0C1F924}"/>
+                </a:ext>
+              </a:extLst>
+            </p:cNvPr>
+            <p:cNvSpPr txBox="1"/>
+            <p:nvPr/>
+          </p:nvSpPr>
+          <p:spPr>
+            <a:xfrm>
+              <a:off x="6956608" y="4225010"/>
+              <a:ext cx="1567954" cy="292388"/>
+            </a:xfrm>
+            <a:prstGeom prst="rect">
+              <a:avLst/>
+            </a:prstGeom>
+            <a:noFill/>
+          </p:spPr>
+          <p:txBody>
+            <a:bodyPr wrap="square" rtlCol="0">
+              <a:spAutoFit/>
+            </a:bodyPr>
+            <a:lstStyle/>
+            <a:p>
+              <a:pPr algn="ctr"/>
+              <a:r>
+                <a:rPr lang="en-US" sz="1300" b="1" dirty="0"/>
+                <a:t>End Use</a:t>
+              </a:r>
+            </a:p>
+          </p:txBody>
+        </p:sp>
+        <p:sp>
+          <p:nvSpPr>
+            <p:cNvPr id="49" name="TextBox 48">
+              <a:extLst>
+                <a:ext uri="{FF2B5EF4-FFF2-40B4-BE49-F238E27FC236}">
+                  <a16:creationId xmlns:a16="http://schemas.microsoft.com/office/drawing/2014/main" id="{048AE03A-19F3-F947-B67B-CFA930787DDA}"/>
+                </a:ext>
+              </a:extLst>
+            </p:cNvPr>
+            <p:cNvSpPr txBox="1"/>
+            <p:nvPr/>
+          </p:nvSpPr>
+          <p:spPr>
+            <a:xfrm>
+              <a:off x="6510926" y="1211561"/>
+              <a:ext cx="1567954" cy="292388"/>
+            </a:xfrm>
+            <a:prstGeom prst="rect">
+              <a:avLst/>
+            </a:prstGeom>
+            <a:noFill/>
+          </p:spPr>
+          <p:txBody>
+            <a:bodyPr wrap="square" rtlCol="0">
+              <a:spAutoFit/>
+            </a:bodyPr>
+            <a:lstStyle/>
+            <a:p>
+              <a:pPr algn="r"/>
+              <a:r>
+                <a:rPr lang="en-US" sz="1300" b="1" dirty="0"/>
+                <a:t>HVAC</a:t>
+              </a:r>
+            </a:p>
+          </p:txBody>
+        </p:sp>
+        <p:sp>
+          <p:nvSpPr>
+            <p:cNvPr id="2" name="TextBox 1">
+              <a:extLst>
+                <a:ext uri="{FF2B5EF4-FFF2-40B4-BE49-F238E27FC236}">
+                  <a16:creationId xmlns:a16="http://schemas.microsoft.com/office/drawing/2014/main" id="{D1EB0535-B98A-919D-8C1E-F26F1AF95F45}"/>
+                </a:ext>
+              </a:extLst>
+            </p:cNvPr>
+            <p:cNvSpPr txBox="1"/>
+            <p:nvPr/>
+          </p:nvSpPr>
+          <p:spPr>
+            <a:xfrm>
+              <a:off x="6280889" y="2090428"/>
+              <a:ext cx="1070934" cy="261610"/>
+            </a:xfrm>
+            <a:prstGeom prst="rect">
+              <a:avLst/>
+            </a:prstGeom>
+            <a:noFill/>
+          </p:spPr>
+          <p:txBody>
+            <a:bodyPr wrap="square" rtlCol="0">
+              <a:spAutoFit/>
+            </a:bodyPr>
+            <a:lstStyle/>
+            <a:p>
+              <a:pPr algn="ctr"/>
+              <a:r>
+                <a:rPr lang="en-US" sz="1100" i="1" dirty="0">
+                  <a:solidFill>
+                    <a:schemeClr val="tx2">
+                      <a:lumMod val="75000"/>
+                    </a:schemeClr>
+                  </a:solidFill>
+                </a:rPr>
+                <a:t>Electric heater</a:t>
+              </a:r>
+            </a:p>
+          </p:txBody>
+        </p:sp>
+        <p:sp>
+          <p:nvSpPr>
+            <p:cNvPr id="4" name="TextBox 3">
+              <a:extLst>
+                <a:ext uri="{FF2B5EF4-FFF2-40B4-BE49-F238E27FC236}">
+                  <a16:creationId xmlns:a16="http://schemas.microsoft.com/office/drawing/2014/main" id="{252C9C18-A638-9EEE-A0B4-9773A9F57451}"/>
+                </a:ext>
+              </a:extLst>
+            </p:cNvPr>
+            <p:cNvSpPr txBox="1"/>
+            <p:nvPr/>
+          </p:nvSpPr>
+          <p:spPr>
+            <a:xfrm>
+              <a:off x="7173795" y="2089447"/>
+              <a:ext cx="1070934" cy="261610"/>
+            </a:xfrm>
+            <a:prstGeom prst="rect">
+              <a:avLst/>
+            </a:prstGeom>
+            <a:noFill/>
+          </p:spPr>
+          <p:txBody>
+            <a:bodyPr wrap="square" rtlCol="0">
+              <a:spAutoFit/>
+            </a:bodyPr>
+            <a:lstStyle/>
+            <a:p>
+              <a:pPr algn="ctr"/>
+              <a:r>
+                <a:rPr lang="en-US" sz="1100" i="1" dirty="0">
+                  <a:solidFill>
+                    <a:schemeClr val="tx2">
+                      <a:lumMod val="75000"/>
+                    </a:schemeClr>
+                  </a:solidFill>
+                </a:rPr>
+                <a:t>Heat pump</a:t>
+              </a:r>
+            </a:p>
+          </p:txBody>
+        </p:sp>
+        <p:sp>
+          <p:nvSpPr>
+            <p:cNvPr id="7" name="TextBox 6">
+              <a:extLst>
+                <a:ext uri="{FF2B5EF4-FFF2-40B4-BE49-F238E27FC236}">
+                  <a16:creationId xmlns:a16="http://schemas.microsoft.com/office/drawing/2014/main" id="{E1B90769-86B4-05AE-8B6D-924A27DDE5FA}"/>
+                </a:ext>
+              </a:extLst>
+            </p:cNvPr>
+            <p:cNvSpPr txBox="1"/>
+            <p:nvPr/>
+          </p:nvSpPr>
+          <p:spPr>
+            <a:xfrm>
+              <a:off x="5214798" y="5113591"/>
+              <a:ext cx="1070934" cy="430887"/>
+            </a:xfrm>
+            <a:prstGeom prst="rect">
+              <a:avLst/>
+            </a:prstGeom>
+            <a:noFill/>
+          </p:spPr>
+          <p:txBody>
+            <a:bodyPr wrap="square" rtlCol="0">
+              <a:spAutoFit/>
+            </a:bodyPr>
+            <a:lstStyle/>
+            <a:p>
+              <a:pPr algn="ctr"/>
+              <a:r>
+                <a:rPr lang="en-US" sz="1100" i="1" dirty="0">
+                  <a:solidFill>
+                    <a:schemeClr val="tx2">
+                      <a:lumMod val="75000"/>
+                    </a:schemeClr>
+                  </a:solidFill>
+                </a:rPr>
+                <a:t>Non-shiftable</a:t>
+              </a:r>
+              <a:br>
+                <a:rPr lang="en-US" sz="1100" i="1" dirty="0">
+                  <a:solidFill>
+                    <a:schemeClr val="tx2">
+                      <a:lumMod val="75000"/>
+                    </a:schemeClr>
+                  </a:solidFill>
+                </a:rPr>
+              </a:br>
+              <a:r>
+                <a:rPr lang="en-US" sz="1100" i="1" dirty="0">
+                  <a:solidFill>
+                    <a:schemeClr val="tx2">
+                      <a:lumMod val="75000"/>
+                    </a:schemeClr>
+                  </a:solidFill>
+                </a:rPr>
+                <a:t>plug loads</a:t>
+              </a:r>
+            </a:p>
+          </p:txBody>
+        </p:sp>
+        <p:sp>
+          <p:nvSpPr>
+            <p:cNvPr id="9" name="TextBox 8">
+              <a:extLst>
+                <a:ext uri="{FF2B5EF4-FFF2-40B4-BE49-F238E27FC236}">
+                  <a16:creationId xmlns:a16="http://schemas.microsoft.com/office/drawing/2014/main" id="{D8F974D3-4415-7E20-BD2A-79FA7D6A5E19}"/>
+                </a:ext>
+              </a:extLst>
+            </p:cNvPr>
+            <p:cNvSpPr txBox="1"/>
+            <p:nvPr/>
+          </p:nvSpPr>
+          <p:spPr>
+            <a:xfrm>
+              <a:off x="6273114" y="5113591"/>
+              <a:ext cx="1070934" cy="430887"/>
+            </a:xfrm>
+            <a:prstGeom prst="rect">
+              <a:avLst/>
+            </a:prstGeom>
+            <a:noFill/>
+          </p:spPr>
+          <p:txBody>
+            <a:bodyPr wrap="square" rtlCol="0">
+              <a:spAutoFit/>
+            </a:bodyPr>
+            <a:lstStyle/>
+            <a:p>
+              <a:pPr algn="ctr"/>
+              <a:r>
+                <a:rPr lang="en-US" sz="1100" i="1" dirty="0">
+                  <a:solidFill>
+                    <a:schemeClr val="tx2">
+                      <a:lumMod val="75000"/>
+                    </a:schemeClr>
+                  </a:solidFill>
+                </a:rPr>
+                <a:t>Domestic hot water heating</a:t>
+              </a:r>
+            </a:p>
+          </p:txBody>
+        </p:sp>
+        <p:sp>
+          <p:nvSpPr>
+            <p:cNvPr id="10" name="TextBox 9">
+              <a:extLst>
+                <a:ext uri="{FF2B5EF4-FFF2-40B4-BE49-F238E27FC236}">
+                  <a16:creationId xmlns:a16="http://schemas.microsoft.com/office/drawing/2014/main" id="{000F29E1-48F7-3074-B783-B00BCE4CFCF5}"/>
+                </a:ext>
+              </a:extLst>
+            </p:cNvPr>
+            <p:cNvSpPr txBox="1"/>
+            <p:nvPr/>
+          </p:nvSpPr>
+          <p:spPr>
+            <a:xfrm>
+              <a:off x="7205118" y="5102029"/>
+              <a:ext cx="1070934" cy="430887"/>
+            </a:xfrm>
+            <a:prstGeom prst="rect">
+              <a:avLst/>
+            </a:prstGeom>
+            <a:noFill/>
+          </p:spPr>
+          <p:txBody>
+            <a:bodyPr wrap="square" rtlCol="0">
+              <a:spAutoFit/>
+            </a:bodyPr>
+            <a:lstStyle/>
+            <a:p>
+              <a:pPr algn="ctr"/>
+              <a:r>
+                <a:rPr lang="en-US" sz="1100" i="1" dirty="0">
+                  <a:solidFill>
+                    <a:schemeClr val="tx2">
+                      <a:lumMod val="75000"/>
+                    </a:schemeClr>
+                  </a:solidFill>
+                </a:rPr>
+                <a:t>Space cooling &amp; heating</a:t>
+              </a:r>
+            </a:p>
+          </p:txBody>
+        </p:sp>
+        <p:sp>
+          <p:nvSpPr>
+            <p:cNvPr id="35" name="TextBox 34">
+              <a:extLst>
+                <a:ext uri="{FF2B5EF4-FFF2-40B4-BE49-F238E27FC236}">
+                  <a16:creationId xmlns:a16="http://schemas.microsoft.com/office/drawing/2014/main" id="{C7FA50B3-91A7-8B9A-3D20-AD2E9C97EF1A}"/>
+                </a:ext>
+              </a:extLst>
+            </p:cNvPr>
+            <p:cNvSpPr txBox="1"/>
+            <p:nvPr/>
+          </p:nvSpPr>
+          <p:spPr>
+            <a:xfrm>
+              <a:off x="7009691" y="861975"/>
+              <a:ext cx="1567954" cy="338554"/>
+            </a:xfrm>
+            <a:prstGeom prst="rect">
+              <a:avLst/>
+            </a:prstGeom>
+            <a:noFill/>
+          </p:spPr>
+          <p:txBody>
+            <a:bodyPr wrap="square" rtlCol="0">
+              <a:spAutoFit/>
+            </a:bodyPr>
+            <a:lstStyle/>
+            <a:p>
+              <a:pPr algn="ctr"/>
+              <a:r>
+                <a:rPr lang="en-US" sz="1600" b="1" dirty="0"/>
+                <a:t>Building</a:t>
+              </a:r>
+            </a:p>
+          </p:txBody>
+        </p:sp>
+      </p:grpSp>
+      <p:grpSp>
+        <p:nvGrpSpPr>
+          <p:cNvPr id="13" name="Group 12">
+            <a:extLst>
+              <a:ext uri="{FF2B5EF4-FFF2-40B4-BE49-F238E27FC236}">
+                <a16:creationId xmlns:a16="http://schemas.microsoft.com/office/drawing/2014/main" id="{F7EDCA1A-1B87-EFCE-D417-48375D4722D4}"/>
+              </a:ext>
+            </a:extLst>
+          </p:cNvPr>
+          <p:cNvGrpSpPr>
+            <a:grpSpLocks noChangeAspect="1"/>
+          </p:cNvGrpSpPr>
+          <p:nvPr/>
+        </p:nvGrpSpPr>
+        <p:grpSpPr>
+          <a:xfrm>
+            <a:off x="7491896" y="2959218"/>
+            <a:ext cx="1030916" cy="1024127"/>
+            <a:chOff x="6975940" y="2943131"/>
+            <a:chExt cx="529409" cy="525923"/>
+          </a:xfrm>
+        </p:grpSpPr>
+        <p:sp>
+          <p:nvSpPr>
+            <p:cNvPr id="58" name="Oval 57">
+              <a:extLst>
+                <a:ext uri="{FF2B5EF4-FFF2-40B4-BE49-F238E27FC236}">
+                  <a16:creationId xmlns:a16="http://schemas.microsoft.com/office/drawing/2014/main" id="{9F6F7A6C-DE53-ACBF-8D61-2B1852496C2F}"/>
+                </a:ext>
+              </a:extLst>
+            </p:cNvPr>
+            <p:cNvSpPr/>
+            <p:nvPr/>
+          </p:nvSpPr>
+          <p:spPr>
+            <a:xfrm>
+              <a:off x="6975940" y="2943131"/>
+              <a:ext cx="525923" cy="525923"/>
+            </a:xfrm>
+            <a:prstGeom prst="ellipse">
+              <a:avLst/>
+            </a:prstGeom>
+            <a:solidFill>
+              <a:schemeClr val="accent2">
+                <a:lumMod val="60000"/>
+                <a:lumOff val="40000"/>
+              </a:schemeClr>
+            </a:solidFill>
+            <a:ln w="28575">
+              <a:noFill/>
+              <a:prstDash val="sysDot"/>
+            </a:ln>
+          </p:spPr>
+          <p:style>
+            <a:lnRef idx="2">
+              <a:schemeClr val="accent1">
+                <a:shade val="50000"/>
+              </a:schemeClr>
+            </a:lnRef>
+            <a:fillRef idx="1">
+              <a:schemeClr val="accent1"/>
+            </a:fillRef>
+            <a:effectRef idx="0">
+              <a:schemeClr val="accent1"/>
+            </a:effectRef>
+            <a:fontRef idx="minor">
+              <a:schemeClr val="lt1"/>
+            </a:fontRef>
+          </p:style>
+          <p:txBody>
+            <a:bodyPr rtlCol="0" anchor="ctr"/>
+            <a:lstStyle/>
+            <a:p>
+              <a:pPr algn="ctr"/>
+              <a:endParaRPr lang="en-US" dirty="0"/>
+            </a:p>
+          </p:txBody>
+        </p:sp>
+        <p:sp>
+          <p:nvSpPr>
+            <p:cNvPr id="61" name="TextBox 60">
+              <a:extLst>
+                <a:ext uri="{FF2B5EF4-FFF2-40B4-BE49-F238E27FC236}">
+                  <a16:creationId xmlns:a16="http://schemas.microsoft.com/office/drawing/2014/main" id="{6D3F6A3E-B26C-46FE-3134-EF473DC18BEF}"/>
+                </a:ext>
+              </a:extLst>
+            </p:cNvPr>
+            <p:cNvSpPr txBox="1"/>
+            <p:nvPr/>
+          </p:nvSpPr>
+          <p:spPr>
+            <a:xfrm>
+              <a:off x="6981573" y="3063602"/>
+              <a:ext cx="523776" cy="268691"/>
+            </a:xfrm>
+            <a:prstGeom prst="rect">
+              <a:avLst/>
+            </a:prstGeom>
+            <a:noFill/>
+            <a:ln>
+              <a:noFill/>
+            </a:ln>
+          </p:spPr>
+          <p:txBody>
+            <a:bodyPr wrap="square" rtlCol="0">
+              <a:spAutoFit/>
+            </a:bodyPr>
+            <a:lstStyle/>
+            <a:p>
+              <a:pPr algn="ctr"/>
+              <a:r>
+                <a:rPr lang="en-US" sz="1400" b="1" dirty="0">
+                  <a:solidFill>
+                    <a:schemeClr val="bg1"/>
+                  </a:solidFill>
+                </a:rPr>
+                <a:t>Control</a:t>
+              </a:r>
+              <a:br>
+                <a:rPr lang="en-US" sz="1400" b="1" dirty="0">
+                  <a:solidFill>
+                    <a:schemeClr val="bg1"/>
+                  </a:solidFill>
+                </a:rPr>
+              </a:br>
+              <a:r>
+                <a:rPr lang="en-US" sz="1400" b="1" dirty="0">
+                  <a:solidFill>
+                    <a:schemeClr val="bg1"/>
+                  </a:solidFill>
+                </a:rPr>
+                <a:t>Agent</a:t>
+              </a:r>
+            </a:p>
+          </p:txBody>
+        </p:sp>
+      </p:grpSp>
+      <p:sp>
+        <p:nvSpPr>
+          <p:cNvPr id="64" name="TextBox 63">
+            <a:extLst>
+              <a:ext uri="{FF2B5EF4-FFF2-40B4-BE49-F238E27FC236}">
+                <a16:creationId xmlns:a16="http://schemas.microsoft.com/office/drawing/2014/main" id="{4D4A7AED-B25F-C20E-1DED-34C71837FB23}"/>
+              </a:ext>
+            </a:extLst>
+          </p:cNvPr>
+          <p:cNvSpPr txBox="1"/>
+          <p:nvPr/>
+        </p:nvSpPr>
+        <p:spPr>
+          <a:xfrm>
+            <a:off x="6312024" y="1692376"/>
+            <a:ext cx="1008837" cy="292388"/>
+          </a:xfrm>
+          <a:prstGeom prst="rect">
+            <a:avLst/>
+          </a:prstGeom>
+          <a:noFill/>
+        </p:spPr>
+        <p:txBody>
+          <a:bodyPr wrap="square" rtlCol="0">
+            <a:spAutoFit/>
+          </a:bodyPr>
+          <a:lstStyle/>
+          <a:p>
+            <a:pPr algn="ctr"/>
+            <a:r>
+              <a:rPr lang="en-US" sz="1300" b="1" dirty="0"/>
+              <a:t>Power</a:t>
+            </a:r>
+          </a:p>
+        </p:txBody>
+      </p:sp>
+      <p:cxnSp>
+        <p:nvCxnSpPr>
+          <p:cNvPr id="66" name="Straight Arrow Connector 23">
+            <a:extLst>
+              <a:ext uri="{FF2B5EF4-FFF2-40B4-BE49-F238E27FC236}">
+                <a16:creationId xmlns:a16="http://schemas.microsoft.com/office/drawing/2014/main" id="{53CD7361-8369-D18B-E8DF-C3807368AF75}"/>
+              </a:ext>
+            </a:extLst>
+          </p:cNvPr>
+          <p:cNvCxnSpPr>
+            <a:cxnSpLocks/>
+            <a:stCxn id="58" idx="0"/>
+            <a:endCxn id="46" idx="3"/>
+          </p:cNvCxnSpPr>
+          <p:nvPr/>
+        </p:nvCxnSpPr>
+        <p:spPr>
+          <a:xfrm rot="16200000" flipV="1">
+            <a:off x="6699364" y="1654620"/>
+            <a:ext cx="1007168" cy="1602028"/>
+          </a:xfrm>
+          <a:prstGeom prst="bentConnector2">
+            <a:avLst/>
+          </a:prstGeom>
+          <a:ln w="28575">
+            <a:tailEnd type="triangle"/>
+          </a:ln>
+        </p:spPr>
+        <p:style>
+          <a:lnRef idx="1">
+            <a:schemeClr val="dk1"/>
+          </a:lnRef>
+          <a:fillRef idx="0">
+            <a:schemeClr val="dk1"/>
+          </a:fillRef>
+          <a:effectRef idx="0">
+            <a:schemeClr val="dk1"/>
+          </a:effectRef>
+          <a:fontRef idx="minor">
+            <a:schemeClr val="tx1"/>
+          </a:fontRef>
+        </p:style>
+      </p:cxnSp>
+      <p:cxnSp>
+        <p:nvCxnSpPr>
+          <p:cNvPr id="67" name="Straight Arrow Connector 23">
+            <a:extLst>
+              <a:ext uri="{FF2B5EF4-FFF2-40B4-BE49-F238E27FC236}">
+                <a16:creationId xmlns:a16="http://schemas.microsoft.com/office/drawing/2014/main" id="{1753957F-588A-CD1C-A8B1-C9FDEE46ECA2}"/>
+              </a:ext>
+            </a:extLst>
+          </p:cNvPr>
+          <p:cNvCxnSpPr>
+            <a:cxnSpLocks/>
+            <a:stCxn id="58" idx="6"/>
+            <a:endCxn id="33" idx="0"/>
+          </p:cNvCxnSpPr>
+          <p:nvPr/>
+        </p:nvCxnSpPr>
+        <p:spPr>
+          <a:xfrm flipH="1">
+            <a:off x="4799856" y="3471282"/>
+            <a:ext cx="3716172" cy="2429639"/>
+          </a:xfrm>
+          <a:prstGeom prst="bentConnector4">
+            <a:avLst>
+              <a:gd name="adj1" fmla="val -13579"/>
+              <a:gd name="adj2" fmla="val 109409"/>
+            </a:avLst>
+          </a:prstGeom>
+          <a:ln w="28575">
+            <a:headEnd type="triangle" w="med" len="med"/>
+            <a:tailEnd type="none" w="med" len="med"/>
+          </a:ln>
+        </p:spPr>
+        <p:style>
+          <a:lnRef idx="1">
+            <a:schemeClr val="dk1"/>
+          </a:lnRef>
+          <a:fillRef idx="0">
+            <a:schemeClr val="dk1"/>
+          </a:fillRef>
+          <a:effectRef idx="0">
+            <a:schemeClr val="dk1"/>
+          </a:effectRef>
+          <a:fontRef idx="minor">
+            <a:schemeClr val="tx1"/>
+          </a:fontRef>
+        </p:style>
+      </p:cxnSp>
+      <p:sp>
+        <p:nvSpPr>
+          <p:cNvPr id="68" name="TextBox 67">
+            <a:extLst>
+              <a:ext uri="{FF2B5EF4-FFF2-40B4-BE49-F238E27FC236}">
+                <a16:creationId xmlns:a16="http://schemas.microsoft.com/office/drawing/2014/main" id="{7414F864-8FE1-A785-FB5B-A5D3714BEE0F}"/>
+              </a:ext>
+            </a:extLst>
+          </p:cNvPr>
+          <p:cNvSpPr txBox="1"/>
+          <p:nvPr/>
+        </p:nvSpPr>
+        <p:spPr>
+          <a:xfrm>
+            <a:off x="6260202" y="5857807"/>
+            <a:ext cx="1567954" cy="292388"/>
+          </a:xfrm>
+          <a:prstGeom prst="rect">
+            <a:avLst/>
+          </a:prstGeom>
+          <a:noFill/>
+        </p:spPr>
+        <p:txBody>
+          <a:bodyPr wrap="square" rtlCol="0">
+            <a:spAutoFit/>
+          </a:bodyPr>
+          <a:lstStyle/>
+          <a:p>
+            <a:pPr algn="ctr"/>
+            <a:r>
+              <a:rPr lang="en-US" sz="1300" b="1" dirty="0"/>
+              <a:t>Observations</a:t>
+            </a:r>
+          </a:p>
+        </p:txBody>
+      </p:sp>
+      <p:grpSp>
+        <p:nvGrpSpPr>
+          <p:cNvPr id="74" name="Group 73">
+            <a:extLst>
+              <a:ext uri="{FF2B5EF4-FFF2-40B4-BE49-F238E27FC236}">
+                <a16:creationId xmlns:a16="http://schemas.microsoft.com/office/drawing/2014/main" id="{14B58393-6879-B508-EC7F-3FD8948DCB21}"/>
+              </a:ext>
+            </a:extLst>
+          </p:cNvPr>
+          <p:cNvGrpSpPr>
+            <a:grpSpLocks noChangeAspect="1"/>
+          </p:cNvGrpSpPr>
+          <p:nvPr/>
+        </p:nvGrpSpPr>
+        <p:grpSpPr>
+          <a:xfrm>
+            <a:off x="7493818" y="4463594"/>
+            <a:ext cx="1028994" cy="1024127"/>
+            <a:chOff x="6975940" y="2943131"/>
+            <a:chExt cx="528422" cy="525923"/>
+          </a:xfrm>
+        </p:grpSpPr>
+        <p:sp>
+          <p:nvSpPr>
+            <p:cNvPr id="75" name="Oval 74">
+              <a:extLst>
+                <a:ext uri="{FF2B5EF4-FFF2-40B4-BE49-F238E27FC236}">
+                  <a16:creationId xmlns:a16="http://schemas.microsoft.com/office/drawing/2014/main" id="{31158F6E-B16C-66FE-77A2-D250C792D4FC}"/>
+                </a:ext>
+              </a:extLst>
+            </p:cNvPr>
+            <p:cNvSpPr/>
+            <p:nvPr/>
+          </p:nvSpPr>
+          <p:spPr>
+            <a:xfrm>
+              <a:off x="6975940" y="2943131"/>
+              <a:ext cx="525923" cy="525923"/>
+            </a:xfrm>
+            <a:prstGeom prst="ellipse">
+              <a:avLst/>
+            </a:prstGeom>
+            <a:solidFill>
+              <a:srgbClr val="1400FF"/>
+            </a:solidFill>
+            <a:ln w="28575">
+              <a:noFill/>
+              <a:prstDash val="sysDot"/>
+            </a:ln>
+          </p:spPr>
+          <p:style>
+            <a:lnRef idx="2">
+              <a:schemeClr val="accent1">
+                <a:shade val="50000"/>
+              </a:schemeClr>
+            </a:lnRef>
+            <a:fillRef idx="1">
+              <a:schemeClr val="accent1"/>
+            </a:fillRef>
+            <a:effectRef idx="0">
+              <a:schemeClr val="accent1"/>
+            </a:effectRef>
+            <a:fontRef idx="minor">
+              <a:schemeClr val="lt1"/>
+            </a:fontRef>
+          </p:style>
+          <p:txBody>
+            <a:bodyPr rtlCol="0" anchor="ctr"/>
+            <a:lstStyle/>
+            <a:p>
+              <a:pPr algn="ctr"/>
+              <a:endParaRPr lang="en-US" dirty="0"/>
+            </a:p>
+          </p:txBody>
+        </p:sp>
+        <p:sp>
+          <p:nvSpPr>
+            <p:cNvPr id="76" name="TextBox 75">
+              <a:extLst>
+                <a:ext uri="{FF2B5EF4-FFF2-40B4-BE49-F238E27FC236}">
+                  <a16:creationId xmlns:a16="http://schemas.microsoft.com/office/drawing/2014/main" id="{D9ECCA72-939D-7011-4233-6F8D6DFFF356}"/>
+                </a:ext>
+              </a:extLst>
+            </p:cNvPr>
+            <p:cNvSpPr txBox="1"/>
+            <p:nvPr/>
+          </p:nvSpPr>
+          <p:spPr>
+            <a:xfrm>
+              <a:off x="6983680" y="3026098"/>
+              <a:ext cx="520682" cy="379328"/>
+            </a:xfrm>
+            <a:prstGeom prst="rect">
+              <a:avLst/>
+            </a:prstGeom>
+            <a:noFill/>
+            <a:ln>
+              <a:noFill/>
+            </a:ln>
+          </p:spPr>
+          <p:txBody>
+            <a:bodyPr wrap="square" rtlCol="0">
+              <a:spAutoFit/>
+            </a:bodyPr>
+            <a:lstStyle/>
+            <a:p>
+              <a:pPr algn="ctr"/>
+              <a:r>
+                <a:rPr lang="en-US" sz="1400" b="1" dirty="0">
+                  <a:solidFill>
+                    <a:schemeClr val="bg1"/>
+                  </a:solidFill>
+                </a:rPr>
+                <a:t>LSTM</a:t>
+              </a:r>
+              <a:br>
+                <a:rPr lang="en-US" sz="1400" b="1" dirty="0">
+                  <a:solidFill>
+                    <a:schemeClr val="bg1"/>
+                  </a:solidFill>
+                </a:rPr>
+              </a:br>
+              <a:r>
+                <a:rPr lang="en-US" sz="1400" b="1" dirty="0">
+                  <a:solidFill>
+                    <a:schemeClr val="bg1"/>
+                  </a:solidFill>
+                </a:rPr>
+                <a:t>Dynamics</a:t>
+              </a:r>
+              <a:br>
+                <a:rPr lang="en-US" sz="1400" b="1" dirty="0">
+                  <a:solidFill>
+                    <a:schemeClr val="bg1"/>
+                  </a:solidFill>
+                </a:rPr>
+              </a:br>
+              <a:r>
+                <a:rPr lang="en-US" sz="1400" b="1" dirty="0">
+                  <a:solidFill>
+                    <a:schemeClr val="bg1"/>
+                  </a:solidFill>
+                </a:rPr>
+                <a:t>Model</a:t>
+              </a:r>
+            </a:p>
+          </p:txBody>
+        </p:sp>
+      </p:grpSp>
+      <p:cxnSp>
+        <p:nvCxnSpPr>
+          <p:cNvPr id="77" name="Straight Arrow Connector 76">
+            <a:extLst>
+              <a:ext uri="{FF2B5EF4-FFF2-40B4-BE49-F238E27FC236}">
+                <a16:creationId xmlns:a16="http://schemas.microsoft.com/office/drawing/2014/main" id="{0279AFF7-A4D8-CD21-A1D8-9555BE79706A}"/>
+              </a:ext>
+            </a:extLst>
+          </p:cNvPr>
+          <p:cNvCxnSpPr>
+            <a:cxnSpLocks/>
+            <a:endCxn id="75" idx="6"/>
+          </p:cNvCxnSpPr>
+          <p:nvPr/>
+        </p:nvCxnSpPr>
+        <p:spPr>
+          <a:xfrm flipH="1">
+            <a:off x="8517946" y="4975658"/>
+            <a:ext cx="512064" cy="0"/>
+          </a:xfrm>
+          <a:prstGeom prst="straightConnector1">
+            <a:avLst/>
+          </a:prstGeom>
+          <a:ln w="28575">
+            <a:tailEnd type="triangle"/>
+          </a:ln>
+        </p:spPr>
+        <p:style>
+          <a:lnRef idx="1">
+            <a:schemeClr val="dk1"/>
+          </a:lnRef>
+          <a:fillRef idx="0">
+            <a:schemeClr val="dk1"/>
+          </a:fillRef>
+          <a:effectRef idx="0">
+            <a:schemeClr val="dk1"/>
+          </a:effectRef>
+          <a:fontRef idx="minor">
+            <a:schemeClr val="tx1"/>
+          </a:fontRef>
+        </p:style>
+      </p:cxnSp>
+      <p:cxnSp>
+        <p:nvCxnSpPr>
+          <p:cNvPr id="80" name="Straight Arrow Connector 79">
+            <a:extLst>
+              <a:ext uri="{FF2B5EF4-FFF2-40B4-BE49-F238E27FC236}">
+                <a16:creationId xmlns:a16="http://schemas.microsoft.com/office/drawing/2014/main" id="{2B5E6FE6-8798-0714-3AD0-5960D9B406A3}"/>
+              </a:ext>
+            </a:extLst>
+          </p:cNvPr>
+          <p:cNvCxnSpPr>
+            <a:cxnSpLocks/>
+            <a:stCxn id="75" idx="2"/>
+            <a:endCxn id="18" idx="3"/>
+          </p:cNvCxnSpPr>
+          <p:nvPr/>
+        </p:nvCxnSpPr>
+        <p:spPr>
+          <a:xfrm flipH="1" flipV="1">
+            <a:off x="6190568" y="4972653"/>
+            <a:ext cx="1303250" cy="3005"/>
+          </a:xfrm>
+          <a:prstGeom prst="straightConnector1">
+            <a:avLst/>
+          </a:prstGeom>
+          <a:ln w="28575">
+            <a:tailEnd type="triangle"/>
+          </a:ln>
+        </p:spPr>
+        <p:style>
+          <a:lnRef idx="1">
+            <a:schemeClr val="dk1"/>
+          </a:lnRef>
+          <a:fillRef idx="0">
+            <a:schemeClr val="dk1"/>
+          </a:fillRef>
+          <a:effectRef idx="0">
+            <a:schemeClr val="dk1"/>
+          </a:effectRef>
+          <a:fontRef idx="minor">
+            <a:schemeClr val="tx1"/>
+          </a:fontRef>
+        </p:style>
+      </p:cxnSp>
+      <p:sp>
+        <p:nvSpPr>
+          <p:cNvPr id="87" name="TextBox 86">
+            <a:extLst>
+              <a:ext uri="{FF2B5EF4-FFF2-40B4-BE49-F238E27FC236}">
+                <a16:creationId xmlns:a16="http://schemas.microsoft.com/office/drawing/2014/main" id="{C58EC05E-B6A6-6026-3DB8-BE9A364E460B}"/>
+              </a:ext>
+            </a:extLst>
+          </p:cNvPr>
+          <p:cNvSpPr txBox="1"/>
+          <p:nvPr/>
+        </p:nvSpPr>
+        <p:spPr>
+          <a:xfrm>
+            <a:off x="6256238" y="4705679"/>
+            <a:ext cx="1567954" cy="292388"/>
+          </a:xfrm>
+          <a:prstGeom prst="rect">
+            <a:avLst/>
+          </a:prstGeom>
+          <a:noFill/>
+        </p:spPr>
+        <p:txBody>
+          <a:bodyPr wrap="square" rtlCol="0">
+            <a:spAutoFit/>
+          </a:bodyPr>
+          <a:lstStyle/>
+          <a:p>
+            <a:pPr algn="ctr"/>
+            <a:r>
+              <a:rPr lang="en-US" sz="1300" b="1" dirty="0"/>
+              <a:t>Temperature</a:t>
+            </a:r>
           </a:p>
         </p:txBody>
       </p:sp>
       <p:pic>
         <p:nvPicPr>
-          <p:cNvPr id="91" name="Picture 90">
-            <a:extLst>
-              <a:ext uri="{FF2B5EF4-FFF2-40B4-BE49-F238E27FC236}">
-                <a16:creationId xmlns:a16="http://schemas.microsoft.com/office/drawing/2014/main" id="{3B60E576-6E68-A374-3857-3A4C6278D85F}"/>
+          <p:cNvPr id="71" name="Picture 70" descr="A person measuring his head&#10;&#10;Description automatically generated">
+            <a:extLst>
+              <a:ext uri="{FF2B5EF4-FFF2-40B4-BE49-F238E27FC236}">
+                <a16:creationId xmlns:a16="http://schemas.microsoft.com/office/drawing/2014/main" id="{26555285-94BB-CB80-EC12-B0F1747E6B56}"/>
               </a:ext>
             </a:extLst>
           </p:cNvPr>
@@ -12613,21 +16871,135 @@
           <p:nvPr/>
         </p:nvPicPr>
         <p:blipFill>
-          <a:blip r:embed="rId2"/>
+          <a:blip r:embed="rId9">
+            <a:extLst>
+              <a:ext uri="{28A0092B-C50C-407E-A947-70E740481C1C}">
+                <a14:useLocalDpi xmlns:a14="http://schemas.microsoft.com/office/drawing/2010/main" val="0"/>
+              </a:ext>
+            </a:extLst>
+          </a:blip>
           <a:stretch>
             <a:fillRect/>
           </a:stretch>
         </p:blipFill>
         <p:spPr>
           <a:xfrm>
-            <a:off x="2641600" y="355600"/>
-            <a:ext cx="6908800" cy="6146800"/>
+            <a:off x="6791828" y="3698820"/>
+            <a:ext cx="814578" cy="814578"/>
           </a:xfrm>
           <a:prstGeom prst="rect">
             <a:avLst/>
           </a:prstGeom>
         </p:spPr>
       </p:pic>
+      <p:cxnSp>
+        <p:nvCxnSpPr>
+          <p:cNvPr id="73" name="Curved Connector 72">
+            <a:extLst>
+              <a:ext uri="{FF2B5EF4-FFF2-40B4-BE49-F238E27FC236}">
+                <a16:creationId xmlns:a16="http://schemas.microsoft.com/office/drawing/2014/main" id="{4E1B1DB1-FCD4-9B4B-5127-5BF18CE598F2}"/>
+              </a:ext>
+            </a:extLst>
+          </p:cNvPr>
+          <p:cNvCxnSpPr>
+            <a:stCxn id="71" idx="1"/>
+          </p:cNvCxnSpPr>
+          <p:nvPr/>
+        </p:nvCxnSpPr>
+        <p:spPr>
+          <a:xfrm rot="10800000" flipV="1">
+            <a:off x="6190568" y="4106109"/>
+            <a:ext cx="601260" cy="822166"/>
+          </a:xfrm>
+          <a:prstGeom prst="curvedConnector2">
+            <a:avLst/>
+          </a:prstGeom>
+          <a:ln w="28575">
+            <a:prstDash val="sysDot"/>
+            <a:tailEnd type="triangle"/>
+          </a:ln>
+        </p:spPr>
+        <p:style>
+          <a:lnRef idx="1">
+            <a:schemeClr val="dk1"/>
+          </a:lnRef>
+          <a:fillRef idx="0">
+            <a:schemeClr val="dk1"/>
+          </a:fillRef>
+          <a:effectRef idx="0">
+            <a:schemeClr val="dk1"/>
+          </a:effectRef>
+          <a:fontRef idx="minor">
+            <a:schemeClr val="tx1"/>
+          </a:fontRef>
+        </p:style>
+      </p:cxnSp>
+      <p:sp>
+        <p:nvSpPr>
+          <p:cNvPr id="3" name="TextBox 2">
+            <a:extLst>
+              <a:ext uri="{FF2B5EF4-FFF2-40B4-BE49-F238E27FC236}">
+                <a16:creationId xmlns:a16="http://schemas.microsoft.com/office/drawing/2014/main" id="{F8930588-88E0-3B39-5025-711ED1FCA10C}"/>
+              </a:ext>
+            </a:extLst>
+          </p:cNvPr>
+          <p:cNvSpPr txBox="1"/>
+          <p:nvPr/>
+        </p:nvSpPr>
+        <p:spPr>
+          <a:xfrm>
+            <a:off x="7334211" y="3936053"/>
+            <a:ext cx="1814524" cy="492443"/>
+          </a:xfrm>
+          <a:prstGeom prst="rect">
+            <a:avLst/>
+          </a:prstGeom>
+          <a:noFill/>
+        </p:spPr>
+        <p:txBody>
+          <a:bodyPr wrap="square" rtlCol="0">
+            <a:spAutoFit/>
+          </a:bodyPr>
+          <a:lstStyle/>
+          <a:p>
+            <a:pPr algn="ctr"/>
+            <a:r>
+              <a:rPr lang="en-US" sz="1300" b="1" dirty="0"/>
+              <a:t>Occupant Thermostat Override Model</a:t>
+            </a:r>
+          </a:p>
+        </p:txBody>
+      </p:sp>
+    </p:spTree>
+    <p:extLst>
+      <p:ext uri="{BB962C8B-B14F-4D97-AF65-F5344CB8AC3E}">
+        <p14:creationId xmlns:p14="http://schemas.microsoft.com/office/powerpoint/2010/main" val="10141330"/>
+      </p:ext>
+    </p:extLst>
+  </p:cSld>
+  <p:clrMapOvr>
+    <a:masterClrMapping/>
+  </p:clrMapOvr>
+</p:sld>
+</file>
+
+<file path=ppt/slides/slide5.xml><?xml version="1.0" encoding="utf-8"?>
+<p:sld xmlns:a="http://schemas.openxmlformats.org/drawingml/2006/main" xmlns:r="http://schemas.openxmlformats.org/officeDocument/2006/relationships" xmlns:p="http://schemas.openxmlformats.org/presentationml/2006/main">
+  <p:cSld>
+    <p:spTree>
+      <p:nvGrpSpPr>
+        <p:cNvPr id="1" name=""/>
+        <p:cNvGrpSpPr/>
+        <p:nvPr/>
+      </p:nvGrpSpPr>
+      <p:grpSpPr>
+        <a:xfrm>
+          <a:off x="0" y="0"/>
+          <a:ext cx="0" cy="0"/>
+          <a:chOff x="0" y="0"/>
+          <a:chExt cx="0" cy="0"/>
+        </a:xfrm>
+      </p:grpSpPr>
     </p:spTree>
     <p:extLst>
       <p:ext uri="{BB962C8B-B14F-4D97-AF65-F5344CB8AC3E}">
@@ -12641,7 +17013,7 @@
 </p:sld>
 </file>
 
-<file path=ppt/slides/slide5.xml><?xml version="1.0" encoding="utf-8"?>
+<file path=ppt/slides/slide6.xml><?xml version="1.0" encoding="utf-8"?>
 <p:sld xmlns:a="http://schemas.openxmlformats.org/drawingml/2006/main" xmlns:r="http://schemas.openxmlformats.org/officeDocument/2006/relationships" xmlns:p="http://schemas.openxmlformats.org/presentationml/2006/main">
   <p:cSld>
     <p:spTree>
@@ -14331,7 +18703,67 @@
 </p:sld>
 </file>
 
-<file path=ppt/slides/slide6.xml><?xml version="1.0" encoding="utf-8"?>
+<file path=ppt/slides/slide7.xml><?xml version="1.0" encoding="utf-8"?>
+<p:sld xmlns:a="http://schemas.openxmlformats.org/drawingml/2006/main" xmlns:r="http://schemas.openxmlformats.org/officeDocument/2006/relationships" xmlns:p="http://schemas.openxmlformats.org/presentationml/2006/main">
+  <p:cSld>
+    <p:spTree>
+      <p:nvGrpSpPr>
+        <p:cNvPr id="1" name=""/>
+        <p:cNvGrpSpPr/>
+        <p:nvPr/>
+      </p:nvGrpSpPr>
+      <p:grpSpPr>
+        <a:xfrm>
+          <a:off x="0" y="0"/>
+          <a:ext cx="0" cy="0"/>
+          <a:chOff x="0" y="0"/>
+          <a:chExt cx="0" cy="0"/>
+        </a:xfrm>
+      </p:grpSpPr>
+      <p:sp>
+        <p:nvSpPr>
+          <p:cNvPr id="2" name="Footer Placeholder 1">
+            <a:extLst>
+              <a:ext uri="{FF2B5EF4-FFF2-40B4-BE49-F238E27FC236}">
+                <a16:creationId xmlns:a16="http://schemas.microsoft.com/office/drawing/2014/main" id="{13DE6560-019F-6D40-08EB-C53C6E58B01E}"/>
+              </a:ext>
+            </a:extLst>
+          </p:cNvPr>
+          <p:cNvSpPr>
+            <a:spLocks noGrp="1"/>
+          </p:cNvSpPr>
+          <p:nvPr>
+            <p:ph type="ftr" sz="quarter" idx="3"/>
+          </p:nvPr>
+        </p:nvSpPr>
+        <p:spPr/>
+        <p:txBody>
+          <a:bodyPr/>
+          <a:lstStyle/>
+          <a:p>
+            <a:pPr algn="l"/>
+            <a:r>
+              <a:rPr lang="en-US"/>
+              <a:t>IEA EBC Annex 79, 8th Expert Meeting, March 30-31, 2022                                                 Cross subtask activity: Agent-based Modeling </a:t>
+            </a:r>
+            <a:endParaRPr lang="de-DE" dirty="0"/>
+          </a:p>
+        </p:txBody>
+      </p:sp>
+    </p:spTree>
+    <p:extLst>
+      <p:ext uri="{BB962C8B-B14F-4D97-AF65-F5344CB8AC3E}">
+        <p14:creationId xmlns:p14="http://schemas.microsoft.com/office/powerpoint/2010/main" val="2700580208"/>
+      </p:ext>
+    </p:extLst>
+  </p:cSld>
+  <p:clrMapOvr>
+    <a:masterClrMapping/>
+  </p:clrMapOvr>
+</p:sld>
+</file>
+
+<file path=ppt/slides/slide8.xml><?xml version="1.0" encoding="utf-8"?>
 <p:sld xmlns:a="http://schemas.openxmlformats.org/drawingml/2006/main" xmlns:r="http://schemas.openxmlformats.org/officeDocument/2006/relationships" xmlns:p="http://schemas.openxmlformats.org/presentationml/2006/main">
   <p:cSld>
     <p:spTree>
@@ -14391,7 +18823,7 @@
 </p:sld>
 </file>
 
-<file path=ppt/slides/slide7.xml><?xml version="1.0" encoding="utf-8"?>
+<file path=ppt/slides/slide9.xml><?xml version="1.0" encoding="utf-8"?>
 <p:sld xmlns:a="http://schemas.openxmlformats.org/drawingml/2006/main" xmlns:r="http://schemas.openxmlformats.org/officeDocument/2006/relationships" xmlns:p="http://schemas.openxmlformats.org/presentationml/2006/main">
   <p:cSld>
     <p:spTree>
@@ -17476,2742 +21908,6 @@
     <p:extLst>
       <p:ext uri="{BB962C8B-B14F-4D97-AF65-F5344CB8AC3E}">
         <p14:creationId xmlns:p14="http://schemas.microsoft.com/office/powerpoint/2010/main" val="2722509427"/>
-      </p:ext>
-    </p:extLst>
-  </p:cSld>
-  <p:clrMapOvr>
-    <a:masterClrMapping/>
-  </p:clrMapOvr>
-</p:sld>
-</file>
-
-<file path=ppt/slides/slide8.xml><?xml version="1.0" encoding="utf-8"?>
-<p:sld xmlns:a="http://schemas.openxmlformats.org/drawingml/2006/main" xmlns:r="http://schemas.openxmlformats.org/officeDocument/2006/relationships" xmlns:p="http://schemas.openxmlformats.org/presentationml/2006/main">
-  <p:cSld>
-    <p:spTree>
-      <p:nvGrpSpPr>
-        <p:cNvPr id="1" name=""/>
-        <p:cNvGrpSpPr/>
-        <p:nvPr/>
-      </p:nvGrpSpPr>
-      <p:grpSpPr>
-        <a:xfrm>
-          <a:off x="0" y="0"/>
-          <a:ext cx="0" cy="0"/>
-          <a:chOff x="0" y="0"/>
-          <a:chExt cx="0" cy="0"/>
-        </a:xfrm>
-      </p:grpSpPr>
-      <p:sp>
-        <p:nvSpPr>
-          <p:cNvPr id="263" name="Rounded Rectangle 262">
-            <a:extLst>
-              <a:ext uri="{FF2B5EF4-FFF2-40B4-BE49-F238E27FC236}">
-                <a16:creationId xmlns:a16="http://schemas.microsoft.com/office/drawing/2014/main" id="{06B5219B-EF2E-DEA6-96CF-4E0422F9F15B}"/>
-              </a:ext>
-            </a:extLst>
-          </p:cNvPr>
-          <p:cNvSpPr/>
-          <p:nvPr/>
-        </p:nvSpPr>
-        <p:spPr>
-          <a:xfrm rot="5400000">
-            <a:off x="6232405" y="584684"/>
-            <a:ext cx="1656185" cy="5328593"/>
-          </a:xfrm>
-          <a:prstGeom prst="roundRect">
-            <a:avLst>
-              <a:gd name="adj" fmla="val 17419"/>
-            </a:avLst>
-          </a:prstGeom>
-          <a:solidFill>
-            <a:schemeClr val="accent6">
-              <a:lumMod val="40000"/>
-              <a:lumOff val="60000"/>
-            </a:schemeClr>
-          </a:solidFill>
-          <a:ln w="28575">
-            <a:noFill/>
-            <a:prstDash val="sysDot"/>
-          </a:ln>
-        </p:spPr>
-        <p:style>
-          <a:lnRef idx="2">
-            <a:schemeClr val="accent1">
-              <a:shade val="50000"/>
-            </a:schemeClr>
-          </a:lnRef>
-          <a:fillRef idx="1">
-            <a:schemeClr val="accent1"/>
-          </a:fillRef>
-          <a:effectRef idx="0">
-            <a:schemeClr val="accent1"/>
-          </a:effectRef>
-          <a:fontRef idx="minor">
-            <a:schemeClr val="lt1"/>
-          </a:fontRef>
-        </p:style>
-        <p:txBody>
-          <a:bodyPr rtlCol="0" anchor="ctr"/>
-          <a:lstStyle/>
-          <a:p>
-            <a:pPr algn="ctr"/>
-            <a:endParaRPr lang="en-US" dirty="0"/>
-          </a:p>
-        </p:txBody>
-      </p:sp>
-      <p:sp>
-        <p:nvSpPr>
-          <p:cNvPr id="262" name="Rounded Rectangle 261">
-            <a:extLst>
-              <a:ext uri="{FF2B5EF4-FFF2-40B4-BE49-F238E27FC236}">
-                <a16:creationId xmlns:a16="http://schemas.microsoft.com/office/drawing/2014/main" id="{150E61E8-D45A-BE83-591B-4A1C3976CC5B}"/>
-              </a:ext>
-            </a:extLst>
-          </p:cNvPr>
-          <p:cNvSpPr/>
-          <p:nvPr/>
-        </p:nvSpPr>
-        <p:spPr>
-          <a:xfrm rot="5400000">
-            <a:off x="6232406" y="2312876"/>
-            <a:ext cx="1656183" cy="5328595"/>
-          </a:xfrm>
-          <a:prstGeom prst="roundRect">
-            <a:avLst>
-              <a:gd name="adj" fmla="val 16711"/>
-            </a:avLst>
-          </a:prstGeom>
-          <a:solidFill>
-            <a:schemeClr val="accent3">
-              <a:lumMod val="60000"/>
-              <a:lumOff val="40000"/>
-            </a:schemeClr>
-          </a:solidFill>
-          <a:ln w="28575">
-            <a:noFill/>
-            <a:prstDash val="sysDot"/>
-          </a:ln>
-        </p:spPr>
-        <p:style>
-          <a:lnRef idx="2">
-            <a:schemeClr val="accent1">
-              <a:shade val="50000"/>
-            </a:schemeClr>
-          </a:lnRef>
-          <a:fillRef idx="1">
-            <a:schemeClr val="accent1"/>
-          </a:fillRef>
-          <a:effectRef idx="0">
-            <a:schemeClr val="accent1"/>
-          </a:effectRef>
-          <a:fontRef idx="minor">
-            <a:schemeClr val="lt1"/>
-          </a:fontRef>
-        </p:style>
-        <p:txBody>
-          <a:bodyPr rtlCol="0" anchor="ctr"/>
-          <a:lstStyle/>
-          <a:p>
-            <a:pPr algn="ctr"/>
-            <a:endParaRPr lang="en-US"/>
-          </a:p>
-        </p:txBody>
-      </p:sp>
-      <p:sp>
-        <p:nvSpPr>
-          <p:cNvPr id="261" name="Rounded Rectangle 260">
-            <a:extLst>
-              <a:ext uri="{FF2B5EF4-FFF2-40B4-BE49-F238E27FC236}">
-                <a16:creationId xmlns:a16="http://schemas.microsoft.com/office/drawing/2014/main" id="{99CB883B-2F03-779F-FB5B-494DA2DFAA4A}"/>
-              </a:ext>
-            </a:extLst>
-          </p:cNvPr>
-          <p:cNvSpPr/>
-          <p:nvPr/>
-        </p:nvSpPr>
-        <p:spPr>
-          <a:xfrm rot="5400000">
-            <a:off x="5951919" y="-1439077"/>
-            <a:ext cx="2217174" cy="5328592"/>
-          </a:xfrm>
-          <a:prstGeom prst="roundRect">
-            <a:avLst>
-              <a:gd name="adj" fmla="val 15159"/>
-            </a:avLst>
-          </a:prstGeom>
-          <a:solidFill>
-            <a:schemeClr val="bg1">
-              <a:lumMod val="75000"/>
-            </a:schemeClr>
-          </a:solidFill>
-          <a:ln w="28575">
-            <a:noFill/>
-            <a:prstDash val="sysDot"/>
-          </a:ln>
-        </p:spPr>
-        <p:style>
-          <a:lnRef idx="2">
-            <a:schemeClr val="accent1">
-              <a:shade val="50000"/>
-            </a:schemeClr>
-          </a:lnRef>
-          <a:fillRef idx="1">
-            <a:schemeClr val="accent1"/>
-          </a:fillRef>
-          <a:effectRef idx="0">
-            <a:schemeClr val="accent1"/>
-          </a:effectRef>
-          <a:fontRef idx="minor">
-            <a:schemeClr val="lt1"/>
-          </a:fontRef>
-        </p:style>
-        <p:txBody>
-          <a:bodyPr rtlCol="0" anchor="ctr"/>
-          <a:lstStyle/>
-          <a:p>
-            <a:pPr algn="ctr"/>
-            <a:endParaRPr lang="en-US" sz="1400"/>
-          </a:p>
-        </p:txBody>
-      </p:sp>
-      <p:sp>
-        <p:nvSpPr>
-          <p:cNvPr id="26" name="Rounded Rectangle 25">
-            <a:extLst>
-              <a:ext uri="{FF2B5EF4-FFF2-40B4-BE49-F238E27FC236}">
-                <a16:creationId xmlns:a16="http://schemas.microsoft.com/office/drawing/2014/main" id="{369C9C37-E3A6-1824-2F9C-0F09402196C4}"/>
-              </a:ext>
-            </a:extLst>
-          </p:cNvPr>
-          <p:cNvSpPr/>
-          <p:nvPr/>
-        </p:nvSpPr>
-        <p:spPr>
-          <a:xfrm rot="10800000">
-            <a:off x="6503881" y="342005"/>
-            <a:ext cx="3076895" cy="842379"/>
-          </a:xfrm>
-          <a:prstGeom prst="roundRect">
-            <a:avLst>
-              <a:gd name="adj" fmla="val 25205"/>
-            </a:avLst>
-          </a:prstGeom>
-          <a:noFill/>
-          <a:ln w="28575">
-            <a:solidFill>
-              <a:schemeClr val="tx1"/>
-            </a:solidFill>
-            <a:prstDash val="solid"/>
-          </a:ln>
-        </p:spPr>
-        <p:style>
-          <a:lnRef idx="2">
-            <a:schemeClr val="accent1">
-              <a:shade val="50000"/>
-            </a:schemeClr>
-          </a:lnRef>
-          <a:fillRef idx="1">
-            <a:schemeClr val="accent1"/>
-          </a:fillRef>
-          <a:effectRef idx="0">
-            <a:schemeClr val="accent1"/>
-          </a:effectRef>
-          <a:fontRef idx="minor">
-            <a:schemeClr val="lt1"/>
-          </a:fontRef>
-        </p:style>
-        <p:txBody>
-          <a:bodyPr rtlCol="0" anchor="ctr"/>
-          <a:lstStyle/>
-          <a:p>
-            <a:pPr algn="ctr"/>
-            <a:endParaRPr lang="en-US"/>
-          </a:p>
-        </p:txBody>
-      </p:sp>
-      <p:sp>
-        <p:nvSpPr>
-          <p:cNvPr id="22" name="Rounded Rectangle 21">
-            <a:extLst>
-              <a:ext uri="{FF2B5EF4-FFF2-40B4-BE49-F238E27FC236}">
-                <a16:creationId xmlns:a16="http://schemas.microsoft.com/office/drawing/2014/main" id="{13F58CB5-1896-5305-0347-A17723674B6D}"/>
-              </a:ext>
-            </a:extLst>
-          </p:cNvPr>
-          <p:cNvSpPr/>
-          <p:nvPr/>
-        </p:nvSpPr>
-        <p:spPr>
-          <a:xfrm>
-            <a:off x="7584004" y="573242"/>
-            <a:ext cx="864095" cy="504056"/>
-          </a:xfrm>
-          <a:prstGeom prst="roundRect">
-            <a:avLst/>
-          </a:prstGeom>
-          <a:noFill/>
-          <a:ln w="28575">
-            <a:solidFill>
-              <a:schemeClr val="tx1"/>
-            </a:solidFill>
-            <a:prstDash val="solid"/>
-          </a:ln>
-        </p:spPr>
-        <p:style>
-          <a:lnRef idx="2">
-            <a:schemeClr val="accent1">
-              <a:shade val="50000"/>
-            </a:schemeClr>
-          </a:lnRef>
-          <a:fillRef idx="1">
-            <a:schemeClr val="accent1"/>
-          </a:fillRef>
-          <a:effectRef idx="0">
-            <a:schemeClr val="accent1"/>
-          </a:effectRef>
-          <a:fontRef idx="minor">
-            <a:schemeClr val="lt1"/>
-          </a:fontRef>
-        </p:style>
-        <p:txBody>
-          <a:bodyPr rtlCol="0" anchor="ctr"/>
-          <a:lstStyle/>
-          <a:p>
-            <a:pPr algn="ctr"/>
-            <a:r>
-              <a:rPr lang="en-US" sz="900" b="1" dirty="0" err="1">
-                <a:solidFill>
-                  <a:schemeClr val="tx1"/>
-                </a:solidFill>
-              </a:rPr>
-              <a:t>OpenStudio</a:t>
-            </a:r>
-            <a:r>
-              <a:rPr lang="en-US" sz="900" b="1" dirty="0">
-                <a:solidFill>
-                  <a:schemeClr val="tx1"/>
-                </a:solidFill>
-              </a:rPr>
-              <a:t> Model </a:t>
-            </a:r>
-            <a:br>
-              <a:rPr lang="en-US" sz="900" b="1" dirty="0">
-                <a:solidFill>
-                  <a:schemeClr val="tx1"/>
-                </a:solidFill>
-              </a:rPr>
-            </a:br>
-            <a:r>
-              <a:rPr lang="en-US" sz="900" b="1" dirty="0">
-                <a:solidFill>
-                  <a:schemeClr val="tx1"/>
-                </a:solidFill>
-              </a:rPr>
-              <a:t>(.</a:t>
-            </a:r>
-            <a:r>
-              <a:rPr lang="en-US" sz="900" b="1" dirty="0" err="1">
-                <a:solidFill>
-                  <a:schemeClr val="tx1"/>
-                </a:solidFill>
-              </a:rPr>
-              <a:t>osm</a:t>
-            </a:r>
-            <a:r>
-              <a:rPr lang="en-US" sz="900" b="1" dirty="0">
-                <a:solidFill>
-                  <a:schemeClr val="tx1"/>
-                </a:solidFill>
-              </a:rPr>
-              <a:t>)</a:t>
-            </a:r>
-          </a:p>
-        </p:txBody>
-      </p:sp>
-      <p:sp>
-        <p:nvSpPr>
-          <p:cNvPr id="23" name="Rounded Rectangle 22">
-            <a:extLst>
-              <a:ext uri="{FF2B5EF4-FFF2-40B4-BE49-F238E27FC236}">
-                <a16:creationId xmlns:a16="http://schemas.microsoft.com/office/drawing/2014/main" id="{CEF52992-28E8-F33A-EE54-9A02CAA5D7D5}"/>
-              </a:ext>
-            </a:extLst>
-          </p:cNvPr>
-          <p:cNvSpPr/>
-          <p:nvPr/>
-        </p:nvSpPr>
-        <p:spPr>
-          <a:xfrm>
-            <a:off x="6647900" y="573242"/>
-            <a:ext cx="755953" cy="504056"/>
-          </a:xfrm>
-          <a:prstGeom prst="roundRect">
-            <a:avLst/>
-          </a:prstGeom>
-          <a:noFill/>
-          <a:ln w="28575">
-            <a:solidFill>
-              <a:schemeClr val="tx1"/>
-            </a:solidFill>
-            <a:prstDash val="solid"/>
-          </a:ln>
-        </p:spPr>
-        <p:style>
-          <a:lnRef idx="2">
-            <a:schemeClr val="accent1">
-              <a:shade val="50000"/>
-            </a:schemeClr>
-          </a:lnRef>
-          <a:fillRef idx="1">
-            <a:schemeClr val="accent1"/>
-          </a:fillRef>
-          <a:effectRef idx="0">
-            <a:schemeClr val="accent1"/>
-          </a:effectRef>
-          <a:fontRef idx="minor">
-            <a:schemeClr val="lt1"/>
-          </a:fontRef>
-        </p:style>
-        <p:txBody>
-          <a:bodyPr rtlCol="0" anchor="ctr"/>
-          <a:lstStyle/>
-          <a:p>
-            <a:pPr algn="ctr"/>
-            <a:r>
-              <a:rPr lang="en-US" sz="900" b="1" dirty="0">
-                <a:solidFill>
-                  <a:schemeClr val="tx1"/>
-                </a:solidFill>
-              </a:rPr>
-              <a:t>Building Metadata (.parquet)</a:t>
-            </a:r>
-          </a:p>
-        </p:txBody>
-      </p:sp>
-      <p:sp>
-        <p:nvSpPr>
-          <p:cNvPr id="24" name="Rounded Rectangle 23">
-            <a:extLst>
-              <a:ext uri="{FF2B5EF4-FFF2-40B4-BE49-F238E27FC236}">
-                <a16:creationId xmlns:a16="http://schemas.microsoft.com/office/drawing/2014/main" id="{2250A50D-0F84-29F8-22DA-E7E669CA11B2}"/>
-              </a:ext>
-            </a:extLst>
-          </p:cNvPr>
-          <p:cNvSpPr/>
-          <p:nvPr/>
-        </p:nvSpPr>
-        <p:spPr>
-          <a:xfrm>
-            <a:off x="8664124" y="574133"/>
-            <a:ext cx="755957" cy="504056"/>
-          </a:xfrm>
-          <a:prstGeom prst="roundRect">
-            <a:avLst/>
-          </a:prstGeom>
-          <a:noFill/>
-          <a:ln w="28575">
-            <a:solidFill>
-              <a:schemeClr val="tx1"/>
-            </a:solidFill>
-            <a:prstDash val="solid"/>
-          </a:ln>
-        </p:spPr>
-        <p:style>
-          <a:lnRef idx="2">
-            <a:schemeClr val="accent1">
-              <a:shade val="50000"/>
-            </a:schemeClr>
-          </a:lnRef>
-          <a:fillRef idx="1">
-            <a:schemeClr val="accent1"/>
-          </a:fillRef>
-          <a:effectRef idx="0">
-            <a:schemeClr val="accent1"/>
-          </a:effectRef>
-          <a:fontRef idx="minor">
-            <a:schemeClr val="lt1"/>
-          </a:fontRef>
-        </p:style>
-        <p:txBody>
-          <a:bodyPr rtlCol="0" anchor="ctr"/>
-          <a:lstStyle/>
-          <a:p>
-            <a:pPr algn="ctr"/>
-            <a:r>
-              <a:rPr lang="en-US" sz="900" b="1" dirty="0">
-                <a:solidFill>
-                  <a:schemeClr val="tx1"/>
-                </a:solidFill>
-              </a:rPr>
-              <a:t>Building Schedules</a:t>
-            </a:r>
-            <a:br>
-              <a:rPr lang="en-US" sz="900" b="1" dirty="0">
-                <a:solidFill>
-                  <a:schemeClr val="tx1"/>
-                </a:solidFill>
-              </a:rPr>
-            </a:br>
-            <a:r>
-              <a:rPr lang="en-US" sz="900" b="1" dirty="0">
-                <a:solidFill>
-                  <a:schemeClr val="tx1"/>
-                </a:solidFill>
-              </a:rPr>
-              <a:t> (.csv)</a:t>
-            </a:r>
-          </a:p>
-        </p:txBody>
-      </p:sp>
-      <p:sp>
-        <p:nvSpPr>
-          <p:cNvPr id="33" name="Rounded Rectangle 32">
-            <a:extLst>
-              <a:ext uri="{FF2B5EF4-FFF2-40B4-BE49-F238E27FC236}">
-                <a16:creationId xmlns:a16="http://schemas.microsoft.com/office/drawing/2014/main" id="{F76D5F61-4F81-2884-0420-2637C297334F}"/>
-              </a:ext>
-            </a:extLst>
-          </p:cNvPr>
-          <p:cNvSpPr/>
-          <p:nvPr/>
-        </p:nvSpPr>
-        <p:spPr>
-          <a:xfrm>
-            <a:off x="4612230" y="569308"/>
-            <a:ext cx="1640656" cy="504056"/>
-          </a:xfrm>
-          <a:prstGeom prst="roundRect">
-            <a:avLst/>
-          </a:prstGeom>
-          <a:noFill/>
-          <a:ln w="28575">
-            <a:solidFill>
-              <a:schemeClr val="tx1"/>
-            </a:solidFill>
-            <a:prstDash val="solid"/>
-          </a:ln>
-        </p:spPr>
-        <p:style>
-          <a:lnRef idx="2">
-            <a:schemeClr val="accent1">
-              <a:shade val="50000"/>
-            </a:schemeClr>
-          </a:lnRef>
-          <a:fillRef idx="1">
-            <a:schemeClr val="accent1"/>
-          </a:fillRef>
-          <a:effectRef idx="0">
-            <a:schemeClr val="accent1"/>
-          </a:effectRef>
-          <a:fontRef idx="minor">
-            <a:schemeClr val="lt1"/>
-          </a:fontRef>
-        </p:style>
-        <p:txBody>
-          <a:bodyPr rtlCol="0" anchor="ctr"/>
-          <a:lstStyle/>
-          <a:p>
-            <a:pPr algn="ctr"/>
-            <a:r>
-              <a:rPr lang="en-US" sz="1200" b="1" dirty="0">
-                <a:solidFill>
-                  <a:schemeClr val="tx1"/>
-                </a:solidFill>
-              </a:rPr>
-              <a:t>Representative Building Selection</a:t>
-            </a:r>
-          </a:p>
-        </p:txBody>
-      </p:sp>
-      <p:sp>
-        <p:nvSpPr>
-          <p:cNvPr id="34" name="Rounded Rectangle 33">
-            <a:extLst>
-              <a:ext uri="{FF2B5EF4-FFF2-40B4-BE49-F238E27FC236}">
-                <a16:creationId xmlns:a16="http://schemas.microsoft.com/office/drawing/2014/main" id="{B288CFF4-AB1F-80F8-EDDC-2E443E2355FD}"/>
-              </a:ext>
-            </a:extLst>
-          </p:cNvPr>
-          <p:cNvSpPr/>
-          <p:nvPr/>
-        </p:nvSpPr>
-        <p:spPr>
-          <a:xfrm>
-            <a:off x="8618314" y="1530186"/>
-            <a:ext cx="962472" cy="504056"/>
-          </a:xfrm>
-          <a:prstGeom prst="roundRect">
-            <a:avLst/>
-          </a:prstGeom>
-          <a:noFill/>
-          <a:ln w="28575">
-            <a:solidFill>
-              <a:schemeClr val="tx1"/>
-            </a:solidFill>
-            <a:prstDash val="solid"/>
-          </a:ln>
-        </p:spPr>
-        <p:style>
-          <a:lnRef idx="2">
-            <a:schemeClr val="accent1">
-              <a:shade val="50000"/>
-            </a:schemeClr>
-          </a:lnRef>
-          <a:fillRef idx="1">
-            <a:schemeClr val="accent1"/>
-          </a:fillRef>
-          <a:effectRef idx="0">
-            <a:schemeClr val="accent1"/>
-          </a:effectRef>
-          <a:fontRef idx="minor">
-            <a:schemeClr val="lt1"/>
-          </a:fontRef>
-        </p:style>
-        <p:txBody>
-          <a:bodyPr rtlCol="0" anchor="ctr"/>
-          <a:lstStyle/>
-          <a:p>
-            <a:pPr algn="ctr"/>
-            <a:r>
-              <a:rPr lang="en-US" sz="1200" b="1" dirty="0">
-                <a:solidFill>
-                  <a:schemeClr val="tx1"/>
-                </a:solidFill>
-              </a:rPr>
-              <a:t>Weather </a:t>
-            </a:r>
-            <a:br>
-              <a:rPr lang="en-US" sz="1200" b="1" dirty="0">
-                <a:solidFill>
-                  <a:schemeClr val="tx1"/>
-                </a:solidFill>
-              </a:rPr>
-            </a:br>
-            <a:r>
-              <a:rPr lang="en-US" sz="1200" b="1" dirty="0">
-                <a:solidFill>
-                  <a:schemeClr val="tx1"/>
-                </a:solidFill>
-              </a:rPr>
-              <a:t>Database</a:t>
-            </a:r>
-          </a:p>
-        </p:txBody>
-      </p:sp>
-      <p:cxnSp>
-        <p:nvCxnSpPr>
-          <p:cNvPr id="35" name="Straight Arrow Connector 34">
-            <a:extLst>
-              <a:ext uri="{FF2B5EF4-FFF2-40B4-BE49-F238E27FC236}">
-                <a16:creationId xmlns:a16="http://schemas.microsoft.com/office/drawing/2014/main" id="{C7C35276-13BD-E7A4-3695-98178FCF7472}"/>
-              </a:ext>
-            </a:extLst>
-          </p:cNvPr>
-          <p:cNvCxnSpPr>
-            <a:cxnSpLocks/>
-            <a:endCxn id="33" idx="3"/>
-          </p:cNvCxnSpPr>
-          <p:nvPr/>
-        </p:nvCxnSpPr>
-        <p:spPr>
-          <a:xfrm flipH="1">
-            <a:off x="6252886" y="821336"/>
-            <a:ext cx="375565" cy="0"/>
-          </a:xfrm>
-          <a:prstGeom prst="straightConnector1">
-            <a:avLst/>
-          </a:prstGeom>
-          <a:ln w="28575">
-            <a:headEnd type="triangle" w="med" len="med"/>
-            <a:tailEnd type="none" w="med" len="med"/>
-          </a:ln>
-        </p:spPr>
-        <p:style>
-          <a:lnRef idx="1">
-            <a:schemeClr val="dk1"/>
-          </a:lnRef>
-          <a:fillRef idx="0">
-            <a:schemeClr val="dk1"/>
-          </a:fillRef>
-          <a:effectRef idx="0">
-            <a:schemeClr val="dk1"/>
-          </a:effectRef>
-          <a:fontRef idx="minor">
-            <a:schemeClr val="tx1"/>
-          </a:fontRef>
-        </p:style>
-      </p:cxnSp>
-      <p:cxnSp>
-        <p:nvCxnSpPr>
-          <p:cNvPr id="53" name="Straight Arrow Connector 52">
-            <a:extLst>
-              <a:ext uri="{FF2B5EF4-FFF2-40B4-BE49-F238E27FC236}">
-                <a16:creationId xmlns:a16="http://schemas.microsoft.com/office/drawing/2014/main" id="{527740D1-4F6E-4829-7012-8022CA124199}"/>
-              </a:ext>
-            </a:extLst>
-          </p:cNvPr>
-          <p:cNvCxnSpPr>
-            <a:cxnSpLocks/>
-            <a:stCxn id="34" idx="1"/>
-            <a:endCxn id="13" idx="3"/>
-          </p:cNvCxnSpPr>
-          <p:nvPr/>
-        </p:nvCxnSpPr>
-        <p:spPr>
-          <a:xfrm flipH="1">
-            <a:off x="7670466" y="1782214"/>
-            <a:ext cx="947848" cy="3510"/>
-          </a:xfrm>
-          <a:prstGeom prst="straightConnector1">
-            <a:avLst/>
-          </a:prstGeom>
-          <a:ln w="28575">
-            <a:tailEnd type="triangle"/>
-          </a:ln>
-        </p:spPr>
-        <p:style>
-          <a:lnRef idx="1">
-            <a:schemeClr val="dk1"/>
-          </a:lnRef>
-          <a:fillRef idx="0">
-            <a:schemeClr val="dk1"/>
-          </a:fillRef>
-          <a:effectRef idx="0">
-            <a:schemeClr val="dk1"/>
-          </a:effectRef>
-          <a:fontRef idx="minor">
-            <a:schemeClr val="tx1"/>
-          </a:fontRef>
-        </p:style>
-      </p:cxnSp>
-      <p:cxnSp>
-        <p:nvCxnSpPr>
-          <p:cNvPr id="55" name="Straight Arrow Connector 54">
-            <a:extLst>
-              <a:ext uri="{FF2B5EF4-FFF2-40B4-BE49-F238E27FC236}">
-                <a16:creationId xmlns:a16="http://schemas.microsoft.com/office/drawing/2014/main" id="{2246CB12-CF65-F12A-ED15-EB6AC5339DC4}"/>
-              </a:ext>
-            </a:extLst>
-          </p:cNvPr>
-          <p:cNvCxnSpPr>
-            <a:cxnSpLocks/>
-            <a:stCxn id="13" idx="2"/>
-            <a:endCxn id="62" idx="0"/>
-          </p:cNvCxnSpPr>
-          <p:nvPr/>
-        </p:nvCxnSpPr>
-        <p:spPr>
-          <a:xfrm flipH="1">
-            <a:off x="7257473" y="2198716"/>
-            <a:ext cx="1" cy="477118"/>
-          </a:xfrm>
-          <a:prstGeom prst="straightConnector1">
-            <a:avLst/>
-          </a:prstGeom>
-          <a:ln w="28575">
-            <a:tailEnd type="triangle"/>
-          </a:ln>
-        </p:spPr>
-        <p:style>
-          <a:lnRef idx="1">
-            <a:schemeClr val="dk1"/>
-          </a:lnRef>
-          <a:fillRef idx="0">
-            <a:schemeClr val="dk1"/>
-          </a:fillRef>
-          <a:effectRef idx="0">
-            <a:schemeClr val="dk1"/>
-          </a:effectRef>
-          <a:fontRef idx="minor">
-            <a:schemeClr val="tx1"/>
-          </a:fontRef>
-        </p:style>
-      </p:cxnSp>
-      <p:sp>
-        <p:nvSpPr>
-          <p:cNvPr id="62" name="Rounded Rectangle 61">
-            <a:extLst>
-              <a:ext uri="{FF2B5EF4-FFF2-40B4-BE49-F238E27FC236}">
-                <a16:creationId xmlns:a16="http://schemas.microsoft.com/office/drawing/2014/main" id="{099CF519-35B8-8B43-9F85-3C000AD28E81}"/>
-              </a:ext>
-            </a:extLst>
-          </p:cNvPr>
-          <p:cNvSpPr/>
-          <p:nvPr/>
-        </p:nvSpPr>
-        <p:spPr>
-          <a:xfrm>
-            <a:off x="5716035" y="2675834"/>
-            <a:ext cx="3082875" cy="504056"/>
-          </a:xfrm>
-          <a:prstGeom prst="roundRect">
-            <a:avLst/>
-          </a:prstGeom>
-          <a:noFill/>
-          <a:ln w="28575">
-            <a:solidFill>
-              <a:schemeClr val="tx1"/>
-            </a:solidFill>
-            <a:prstDash val="solid"/>
-          </a:ln>
-        </p:spPr>
-        <p:style>
-          <a:lnRef idx="2">
-            <a:schemeClr val="accent1">
-              <a:shade val="50000"/>
-            </a:schemeClr>
-          </a:lnRef>
-          <a:fillRef idx="1">
-            <a:schemeClr val="accent1"/>
-          </a:fillRef>
-          <a:effectRef idx="0">
-            <a:schemeClr val="accent1"/>
-          </a:effectRef>
-          <a:fontRef idx="minor">
-            <a:schemeClr val="lt1"/>
-          </a:fontRef>
-        </p:style>
-        <p:txBody>
-          <a:bodyPr rtlCol="0" anchor="ctr"/>
-          <a:lstStyle/>
-          <a:p>
-            <a:pPr algn="ctr"/>
-            <a:r>
-              <a:rPr lang="en-US" sz="1200" b="1" dirty="0" err="1">
-                <a:solidFill>
-                  <a:schemeClr val="tx1"/>
-                </a:solidFill>
-              </a:rPr>
-              <a:t>EnergyPlus</a:t>
-            </a:r>
-            <a:r>
-              <a:rPr lang="en-US" sz="1200" b="1" dirty="0">
-                <a:solidFill>
-                  <a:schemeClr val="tx1"/>
-                </a:solidFill>
-              </a:rPr>
-              <a:t> Simulations</a:t>
-            </a:r>
-          </a:p>
-        </p:txBody>
-      </p:sp>
-      <p:sp>
-        <p:nvSpPr>
-          <p:cNvPr id="75" name="Rounded Rectangle 74">
-            <a:extLst>
-              <a:ext uri="{FF2B5EF4-FFF2-40B4-BE49-F238E27FC236}">
-                <a16:creationId xmlns:a16="http://schemas.microsoft.com/office/drawing/2014/main" id="{692CA36F-4C29-57A7-026A-D2C7D31C5F28}"/>
-              </a:ext>
-            </a:extLst>
-          </p:cNvPr>
-          <p:cNvSpPr/>
-          <p:nvPr/>
-        </p:nvSpPr>
-        <p:spPr>
-          <a:xfrm>
-            <a:off x="6960096" y="3439188"/>
-            <a:ext cx="613930" cy="504056"/>
-          </a:xfrm>
-          <a:prstGeom prst="roundRect">
-            <a:avLst/>
-          </a:prstGeom>
-          <a:noFill/>
-          <a:ln w="28575">
-            <a:solidFill>
-              <a:schemeClr val="tx1"/>
-            </a:solidFill>
-            <a:prstDash val="solid"/>
-          </a:ln>
-        </p:spPr>
-        <p:style>
-          <a:lnRef idx="2">
-            <a:schemeClr val="accent1">
-              <a:shade val="50000"/>
-            </a:schemeClr>
-          </a:lnRef>
-          <a:fillRef idx="1">
-            <a:schemeClr val="accent1"/>
-          </a:fillRef>
-          <a:effectRef idx="0">
-            <a:schemeClr val="accent1"/>
-          </a:effectRef>
-          <a:fontRef idx="minor">
-            <a:schemeClr val="lt1"/>
-          </a:fontRef>
-        </p:style>
-        <p:txBody>
-          <a:bodyPr rtlCol="0" anchor="ctr"/>
-          <a:lstStyle/>
-          <a:p>
-            <a:pPr algn="ctr"/>
-            <a:r>
-              <a:rPr lang="en-US" sz="1200" b="1" dirty="0">
-                <a:solidFill>
-                  <a:schemeClr val="tx1"/>
-                </a:solidFill>
-              </a:rPr>
-              <a:t>Loads</a:t>
-            </a:r>
-          </a:p>
-        </p:txBody>
-      </p:sp>
-      <p:sp>
-        <p:nvSpPr>
-          <p:cNvPr id="91" name="Rounded Rectangle 90">
-            <a:extLst>
-              <a:ext uri="{FF2B5EF4-FFF2-40B4-BE49-F238E27FC236}">
-                <a16:creationId xmlns:a16="http://schemas.microsoft.com/office/drawing/2014/main" id="{B6B7DA5D-7347-A6E8-55CD-B679C3DBC836}"/>
-              </a:ext>
-            </a:extLst>
-          </p:cNvPr>
-          <p:cNvSpPr/>
-          <p:nvPr/>
-        </p:nvSpPr>
-        <p:spPr>
-          <a:xfrm>
-            <a:off x="7936539" y="3428993"/>
-            <a:ext cx="882302" cy="504056"/>
-          </a:xfrm>
-          <a:prstGeom prst="roundRect">
-            <a:avLst/>
-          </a:prstGeom>
-          <a:noFill/>
-          <a:ln w="28575">
-            <a:solidFill>
-              <a:schemeClr val="tx1"/>
-            </a:solidFill>
-            <a:prstDash val="sysDot"/>
-          </a:ln>
-        </p:spPr>
-        <p:style>
-          <a:lnRef idx="2">
-            <a:schemeClr val="accent1">
-              <a:shade val="50000"/>
-            </a:schemeClr>
-          </a:lnRef>
-          <a:fillRef idx="1">
-            <a:schemeClr val="accent1"/>
-          </a:fillRef>
-          <a:effectRef idx="0">
-            <a:schemeClr val="accent1"/>
-          </a:effectRef>
-          <a:fontRef idx="minor">
-            <a:schemeClr val="lt1"/>
-          </a:fontRef>
-        </p:style>
-        <p:txBody>
-          <a:bodyPr rtlCol="0" anchor="ctr"/>
-          <a:lstStyle/>
-          <a:p>
-            <a:pPr algn="ctr"/>
-            <a:r>
-              <a:rPr lang="en-US" sz="1200" b="1" dirty="0">
-                <a:solidFill>
-                  <a:schemeClr val="tx1"/>
-                </a:solidFill>
-              </a:rPr>
-              <a:t>Dynamics</a:t>
-            </a:r>
-            <a:br>
-              <a:rPr lang="en-US" sz="1200" b="1" dirty="0">
-                <a:solidFill>
-                  <a:schemeClr val="tx1"/>
-                </a:solidFill>
-              </a:rPr>
-            </a:br>
-            <a:r>
-              <a:rPr lang="en-US" sz="1200" b="1" dirty="0">
-                <a:solidFill>
-                  <a:schemeClr val="tx1"/>
-                </a:solidFill>
-              </a:rPr>
-              <a:t>Model</a:t>
-            </a:r>
-          </a:p>
-        </p:txBody>
-      </p:sp>
-      <p:sp>
-        <p:nvSpPr>
-          <p:cNvPr id="97" name="Parallelogram 96">
-            <a:extLst>
-              <a:ext uri="{FF2B5EF4-FFF2-40B4-BE49-F238E27FC236}">
-                <a16:creationId xmlns:a16="http://schemas.microsoft.com/office/drawing/2014/main" id="{3CBD4115-D9F4-408C-A1E3-E4AEEB4FBC7F}"/>
-              </a:ext>
-            </a:extLst>
-          </p:cNvPr>
-          <p:cNvSpPr/>
-          <p:nvPr/>
-        </p:nvSpPr>
-        <p:spPr>
-          <a:xfrm>
-            <a:off x="5735960" y="4365100"/>
-            <a:ext cx="3082881" cy="432048"/>
-          </a:xfrm>
-          <a:prstGeom prst="parallelogram">
-            <a:avLst/>
-          </a:prstGeom>
-          <a:noFill/>
-          <a:ln>
-            <a:solidFill>
-              <a:schemeClr val="tx1"/>
-            </a:solidFill>
-          </a:ln>
-        </p:spPr>
-        <p:style>
-          <a:lnRef idx="2">
-            <a:schemeClr val="accent1">
-              <a:shade val="50000"/>
-            </a:schemeClr>
-          </a:lnRef>
-          <a:fillRef idx="1">
-            <a:schemeClr val="accent1"/>
-          </a:fillRef>
-          <a:effectRef idx="0">
-            <a:schemeClr val="accent1"/>
-          </a:effectRef>
-          <a:fontRef idx="minor">
-            <a:schemeClr val="lt1"/>
-          </a:fontRef>
-        </p:style>
-        <p:txBody>
-          <a:bodyPr rtlCol="0" anchor="ctr"/>
-          <a:lstStyle/>
-          <a:p>
-            <a:pPr algn="ctr"/>
-            <a:r>
-              <a:rPr lang="en-US" b="1" dirty="0">
-                <a:solidFill>
-                  <a:schemeClr val="tx1"/>
-                </a:solidFill>
-              </a:rPr>
-              <a:t>CityLearn</a:t>
-            </a:r>
-          </a:p>
-        </p:txBody>
-      </p:sp>
-      <p:sp>
-        <p:nvSpPr>
-          <p:cNvPr id="111" name="Parallelogram 110">
-            <a:extLst>
-              <a:ext uri="{FF2B5EF4-FFF2-40B4-BE49-F238E27FC236}">
-                <a16:creationId xmlns:a16="http://schemas.microsoft.com/office/drawing/2014/main" id="{77672B89-1C6D-2963-7224-4AB776A9FD93}"/>
-              </a:ext>
-            </a:extLst>
-          </p:cNvPr>
-          <p:cNvSpPr/>
-          <p:nvPr/>
-        </p:nvSpPr>
-        <p:spPr>
-          <a:xfrm>
-            <a:off x="5735960" y="5193194"/>
-            <a:ext cx="3062950" cy="432048"/>
-          </a:xfrm>
-          <a:prstGeom prst="parallelogram">
-            <a:avLst/>
-          </a:prstGeom>
-          <a:noFill/>
-          <a:ln>
-            <a:solidFill>
-              <a:schemeClr val="tx1"/>
-            </a:solidFill>
-          </a:ln>
-        </p:spPr>
-        <p:style>
-          <a:lnRef idx="2">
-            <a:schemeClr val="accent1">
-              <a:shade val="50000"/>
-            </a:schemeClr>
-          </a:lnRef>
-          <a:fillRef idx="1">
-            <a:schemeClr val="accent1"/>
-          </a:fillRef>
-          <a:effectRef idx="0">
-            <a:schemeClr val="accent1"/>
-          </a:effectRef>
-          <a:fontRef idx="minor">
-            <a:schemeClr val="lt1"/>
-          </a:fontRef>
-        </p:style>
-        <p:txBody>
-          <a:bodyPr rtlCol="0" anchor="ctr"/>
-          <a:lstStyle/>
-          <a:p>
-            <a:pPr algn="ctr"/>
-            <a:r>
-              <a:rPr lang="en-US" b="1" dirty="0">
-                <a:solidFill>
-                  <a:schemeClr val="tx1"/>
-                </a:solidFill>
-              </a:rPr>
-              <a:t>KPIs</a:t>
-            </a:r>
-          </a:p>
-        </p:txBody>
-      </p:sp>
-      <p:cxnSp>
-        <p:nvCxnSpPr>
-          <p:cNvPr id="124" name="Straight Arrow Connector 123">
-            <a:extLst>
-              <a:ext uri="{FF2B5EF4-FFF2-40B4-BE49-F238E27FC236}">
-                <a16:creationId xmlns:a16="http://schemas.microsoft.com/office/drawing/2014/main" id="{E011DD27-8FD5-6164-051C-42E2C5DC21ED}"/>
-              </a:ext>
-            </a:extLst>
-          </p:cNvPr>
-          <p:cNvCxnSpPr>
-            <a:cxnSpLocks/>
-            <a:stCxn id="97" idx="4"/>
-            <a:endCxn id="111" idx="0"/>
-          </p:cNvCxnSpPr>
-          <p:nvPr/>
-        </p:nvCxnSpPr>
-        <p:spPr>
-          <a:xfrm flipH="1">
-            <a:off x="7267435" y="4797148"/>
-            <a:ext cx="9966" cy="396046"/>
-          </a:xfrm>
-          <a:prstGeom prst="straightConnector1">
-            <a:avLst/>
-          </a:prstGeom>
-          <a:ln w="28575">
-            <a:tailEnd type="triangle"/>
-          </a:ln>
-        </p:spPr>
-        <p:style>
-          <a:lnRef idx="1">
-            <a:schemeClr val="dk1"/>
-          </a:lnRef>
-          <a:fillRef idx="0">
-            <a:schemeClr val="dk1"/>
-          </a:fillRef>
-          <a:effectRef idx="0">
-            <a:schemeClr val="dk1"/>
-          </a:effectRef>
-          <a:fontRef idx="minor">
-            <a:schemeClr val="tx1"/>
-          </a:fontRef>
-        </p:style>
-      </p:cxnSp>
-      <p:sp>
-        <p:nvSpPr>
-          <p:cNvPr id="135" name="Rounded Rectangle 134">
-            <a:extLst>
-              <a:ext uri="{FF2B5EF4-FFF2-40B4-BE49-F238E27FC236}">
-                <a16:creationId xmlns:a16="http://schemas.microsoft.com/office/drawing/2014/main" id="{427AB17B-CC30-E769-EC0B-1185B6854D6C}"/>
-              </a:ext>
-            </a:extLst>
-          </p:cNvPr>
-          <p:cNvSpPr/>
-          <p:nvPr/>
-        </p:nvSpPr>
-        <p:spPr>
-          <a:xfrm>
-            <a:off x="5735961" y="3439188"/>
-            <a:ext cx="1108520" cy="493861"/>
-          </a:xfrm>
-          <a:prstGeom prst="roundRect">
-            <a:avLst/>
-          </a:prstGeom>
-          <a:noFill/>
-          <a:ln w="28575">
-            <a:solidFill>
-              <a:schemeClr val="tx1"/>
-            </a:solidFill>
-            <a:prstDash val="solid"/>
-          </a:ln>
-        </p:spPr>
-        <p:style>
-          <a:lnRef idx="2">
-            <a:schemeClr val="accent1">
-              <a:shade val="50000"/>
-            </a:schemeClr>
-          </a:lnRef>
-          <a:fillRef idx="1">
-            <a:schemeClr val="accent1"/>
-          </a:fillRef>
-          <a:effectRef idx="0">
-            <a:schemeClr val="accent1"/>
-          </a:effectRef>
-          <a:fontRef idx="minor">
-            <a:schemeClr val="lt1"/>
-          </a:fontRef>
-        </p:style>
-        <p:txBody>
-          <a:bodyPr rtlCol="0" anchor="ctr"/>
-          <a:lstStyle/>
-          <a:p>
-            <a:pPr algn="ctr"/>
-            <a:r>
-              <a:rPr lang="en-US" sz="1200" b="1" dirty="0">
-                <a:solidFill>
-                  <a:schemeClr val="tx1"/>
-                </a:solidFill>
-              </a:rPr>
-              <a:t>Systems</a:t>
-            </a:r>
-            <a:br>
-              <a:rPr lang="en-US" sz="1200" b="1" dirty="0">
-                <a:solidFill>
-                  <a:schemeClr val="tx1"/>
-                </a:solidFill>
-              </a:rPr>
-            </a:br>
-            <a:r>
-              <a:rPr lang="en-US" sz="1200" b="1" dirty="0">
-                <a:solidFill>
-                  <a:schemeClr val="tx1"/>
-                </a:solidFill>
-              </a:rPr>
-              <a:t>Specifications</a:t>
-            </a:r>
-          </a:p>
-        </p:txBody>
-      </p:sp>
-      <p:sp>
-        <p:nvSpPr>
-          <p:cNvPr id="140" name="Rounded Rectangle 139">
-            <a:extLst>
-              <a:ext uri="{FF2B5EF4-FFF2-40B4-BE49-F238E27FC236}">
-                <a16:creationId xmlns:a16="http://schemas.microsoft.com/office/drawing/2014/main" id="{810F7E2D-8E6B-EEED-D906-1E347B25489F}"/>
-              </a:ext>
-            </a:extLst>
-          </p:cNvPr>
-          <p:cNvSpPr/>
-          <p:nvPr/>
-        </p:nvSpPr>
-        <p:spPr>
-          <a:xfrm>
-            <a:off x="4612235" y="1530186"/>
-            <a:ext cx="1640656" cy="504056"/>
-          </a:xfrm>
-          <a:prstGeom prst="roundRect">
-            <a:avLst/>
-          </a:prstGeom>
-          <a:noFill/>
-          <a:ln w="28575">
-            <a:solidFill>
-              <a:schemeClr val="tx1"/>
-            </a:solidFill>
-            <a:prstDash val="sysDot"/>
-          </a:ln>
-        </p:spPr>
-        <p:style>
-          <a:lnRef idx="2">
-            <a:schemeClr val="accent1">
-              <a:shade val="50000"/>
-            </a:schemeClr>
-          </a:lnRef>
-          <a:fillRef idx="1">
-            <a:schemeClr val="accent1"/>
-          </a:fillRef>
-          <a:effectRef idx="0">
-            <a:schemeClr val="accent1"/>
-          </a:effectRef>
-          <a:fontRef idx="minor">
-            <a:schemeClr val="lt1"/>
-          </a:fontRef>
-        </p:style>
-        <p:txBody>
-          <a:bodyPr rtlCol="0" anchor="ctr"/>
-          <a:lstStyle/>
-          <a:p>
-            <a:pPr algn="ctr"/>
-            <a:r>
-              <a:rPr lang="en-US" sz="1200" b="1" dirty="0">
-                <a:solidFill>
-                  <a:schemeClr val="tx1"/>
-                </a:solidFill>
-              </a:rPr>
-              <a:t>Representative</a:t>
-            </a:r>
-            <a:br>
-              <a:rPr lang="en-US" sz="1200" b="1" dirty="0">
-                <a:solidFill>
-                  <a:schemeClr val="tx1"/>
-                </a:solidFill>
-              </a:rPr>
-            </a:br>
-            <a:r>
-              <a:rPr lang="en-US" sz="1200" b="1" dirty="0">
-                <a:solidFill>
-                  <a:schemeClr val="tx1"/>
-                </a:solidFill>
-              </a:rPr>
-              <a:t>Thermostat Setpoints</a:t>
-            </a:r>
-          </a:p>
-        </p:txBody>
-      </p:sp>
-      <p:cxnSp>
-        <p:nvCxnSpPr>
-          <p:cNvPr id="146" name="Straight Arrow Connector 145">
-            <a:extLst>
-              <a:ext uri="{FF2B5EF4-FFF2-40B4-BE49-F238E27FC236}">
-                <a16:creationId xmlns:a16="http://schemas.microsoft.com/office/drawing/2014/main" id="{80088855-FF0C-7255-1B0A-5E4A81CEE8AD}"/>
-              </a:ext>
-            </a:extLst>
-          </p:cNvPr>
-          <p:cNvCxnSpPr>
-            <a:cxnSpLocks/>
-            <a:stCxn id="140" idx="3"/>
-            <a:endCxn id="13" idx="1"/>
-          </p:cNvCxnSpPr>
-          <p:nvPr/>
-        </p:nvCxnSpPr>
-        <p:spPr>
-          <a:xfrm>
-            <a:off x="6252891" y="1782214"/>
-            <a:ext cx="591590" cy="3510"/>
-          </a:xfrm>
-          <a:prstGeom prst="straightConnector1">
-            <a:avLst/>
-          </a:prstGeom>
-          <a:ln w="28575">
-            <a:tailEnd type="triangle"/>
-          </a:ln>
-        </p:spPr>
-        <p:style>
-          <a:lnRef idx="1">
-            <a:schemeClr val="dk1"/>
-          </a:lnRef>
-          <a:fillRef idx="0">
-            <a:schemeClr val="dk1"/>
-          </a:fillRef>
-          <a:effectRef idx="0">
-            <a:schemeClr val="dk1"/>
-          </a:effectRef>
-          <a:fontRef idx="minor">
-            <a:schemeClr val="tx1"/>
-          </a:fontRef>
-        </p:style>
-      </p:cxnSp>
-      <p:cxnSp>
-        <p:nvCxnSpPr>
-          <p:cNvPr id="174" name="Straight Arrow Connector 173">
-            <a:extLst>
-              <a:ext uri="{FF2B5EF4-FFF2-40B4-BE49-F238E27FC236}">
-                <a16:creationId xmlns:a16="http://schemas.microsoft.com/office/drawing/2014/main" id="{FFE3F5EE-8540-8F00-0373-C3A15D678437}"/>
-              </a:ext>
-            </a:extLst>
-          </p:cNvPr>
-          <p:cNvCxnSpPr>
-            <a:cxnSpLocks/>
-            <a:stCxn id="62" idx="2"/>
-            <a:endCxn id="75" idx="0"/>
-          </p:cNvCxnSpPr>
-          <p:nvPr/>
-        </p:nvCxnSpPr>
-        <p:spPr>
-          <a:xfrm>
-            <a:off x="7257473" y="3179890"/>
-            <a:ext cx="9588" cy="259298"/>
-          </a:xfrm>
-          <a:prstGeom prst="straightConnector1">
-            <a:avLst/>
-          </a:prstGeom>
-          <a:ln w="28575">
-            <a:tailEnd type="triangle"/>
-          </a:ln>
-        </p:spPr>
-        <p:style>
-          <a:lnRef idx="1">
-            <a:schemeClr val="dk1"/>
-          </a:lnRef>
-          <a:fillRef idx="0">
-            <a:schemeClr val="dk1"/>
-          </a:fillRef>
-          <a:effectRef idx="0">
-            <a:schemeClr val="dk1"/>
-          </a:effectRef>
-          <a:fontRef idx="minor">
-            <a:schemeClr val="tx1"/>
-          </a:fontRef>
-        </p:style>
-      </p:cxnSp>
-      <p:cxnSp>
-        <p:nvCxnSpPr>
-          <p:cNvPr id="205" name="Straight Arrow Connector 204">
-            <a:extLst>
-              <a:ext uri="{FF2B5EF4-FFF2-40B4-BE49-F238E27FC236}">
-                <a16:creationId xmlns:a16="http://schemas.microsoft.com/office/drawing/2014/main" id="{D0E7D5D4-18E1-5DE2-C373-E505231F1A81}"/>
-              </a:ext>
-            </a:extLst>
-          </p:cNvPr>
-          <p:cNvCxnSpPr>
-            <a:cxnSpLocks/>
-            <a:stCxn id="75" idx="2"/>
-            <a:endCxn id="97" idx="0"/>
-          </p:cNvCxnSpPr>
-          <p:nvPr/>
-        </p:nvCxnSpPr>
-        <p:spPr>
-          <a:xfrm>
-            <a:off x="7267061" y="3943244"/>
-            <a:ext cx="10340" cy="421856"/>
-          </a:xfrm>
-          <a:prstGeom prst="straightConnector1">
-            <a:avLst/>
-          </a:prstGeom>
-          <a:ln w="28575">
-            <a:tailEnd type="triangle"/>
-          </a:ln>
-        </p:spPr>
-        <p:style>
-          <a:lnRef idx="1">
-            <a:schemeClr val="dk1"/>
-          </a:lnRef>
-          <a:fillRef idx="0">
-            <a:schemeClr val="dk1"/>
-          </a:fillRef>
-          <a:effectRef idx="0">
-            <a:schemeClr val="dk1"/>
-          </a:effectRef>
-          <a:fontRef idx="minor">
-            <a:schemeClr val="tx1"/>
-          </a:fontRef>
-        </p:style>
-      </p:cxnSp>
-      <p:cxnSp>
-        <p:nvCxnSpPr>
-          <p:cNvPr id="213" name="Straight Arrow Connector 212">
-            <a:extLst>
-              <a:ext uri="{FF2B5EF4-FFF2-40B4-BE49-F238E27FC236}">
-                <a16:creationId xmlns:a16="http://schemas.microsoft.com/office/drawing/2014/main" id="{18D93CFF-1E9F-27FB-59B8-3A9151F6E50D}"/>
-              </a:ext>
-            </a:extLst>
-          </p:cNvPr>
-          <p:cNvCxnSpPr>
-            <a:cxnSpLocks/>
-            <a:stCxn id="135" idx="2"/>
-          </p:cNvCxnSpPr>
-          <p:nvPr/>
-        </p:nvCxnSpPr>
-        <p:spPr>
-          <a:xfrm>
-            <a:off x="6290221" y="3933049"/>
-            <a:ext cx="2588" cy="449320"/>
-          </a:xfrm>
-          <a:prstGeom prst="straightConnector1">
-            <a:avLst/>
-          </a:prstGeom>
-          <a:ln w="28575">
-            <a:tailEnd type="triangle"/>
-          </a:ln>
-        </p:spPr>
-        <p:style>
-          <a:lnRef idx="1">
-            <a:schemeClr val="dk1"/>
-          </a:lnRef>
-          <a:fillRef idx="0">
-            <a:schemeClr val="dk1"/>
-          </a:fillRef>
-          <a:effectRef idx="0">
-            <a:schemeClr val="dk1"/>
-          </a:effectRef>
-          <a:fontRef idx="minor">
-            <a:schemeClr val="tx1"/>
-          </a:fontRef>
-        </p:style>
-      </p:cxnSp>
-      <p:cxnSp>
-        <p:nvCxnSpPr>
-          <p:cNvPr id="215" name="Straight Arrow Connector 214">
-            <a:extLst>
-              <a:ext uri="{FF2B5EF4-FFF2-40B4-BE49-F238E27FC236}">
-                <a16:creationId xmlns:a16="http://schemas.microsoft.com/office/drawing/2014/main" id="{AE9AF2D4-6B63-959B-8694-CB6BF9BC25E5}"/>
-              </a:ext>
-            </a:extLst>
-          </p:cNvPr>
-          <p:cNvCxnSpPr>
-            <a:cxnSpLocks/>
-            <a:stCxn id="91" idx="2"/>
-          </p:cNvCxnSpPr>
-          <p:nvPr/>
-        </p:nvCxnSpPr>
-        <p:spPr>
-          <a:xfrm>
-            <a:off x="8377690" y="3933049"/>
-            <a:ext cx="1" cy="432048"/>
-          </a:xfrm>
-          <a:prstGeom prst="straightConnector1">
-            <a:avLst/>
-          </a:prstGeom>
-          <a:ln w="28575">
-            <a:tailEnd type="triangle"/>
-          </a:ln>
-        </p:spPr>
-        <p:style>
-          <a:lnRef idx="1">
-            <a:schemeClr val="dk1"/>
-          </a:lnRef>
-          <a:fillRef idx="0">
-            <a:schemeClr val="dk1"/>
-          </a:fillRef>
-          <a:effectRef idx="0">
-            <a:schemeClr val="dk1"/>
-          </a:effectRef>
-          <a:fontRef idx="minor">
-            <a:schemeClr val="tx1"/>
-          </a:fontRef>
-        </p:style>
-      </p:cxnSp>
-      <p:grpSp>
-        <p:nvGrpSpPr>
-          <p:cNvPr id="223" name="Group 222">
-            <a:extLst>
-              <a:ext uri="{FF2B5EF4-FFF2-40B4-BE49-F238E27FC236}">
-                <a16:creationId xmlns:a16="http://schemas.microsoft.com/office/drawing/2014/main" id="{004616CF-586C-922A-69BC-33AC36D7A008}"/>
-              </a:ext>
-            </a:extLst>
-          </p:cNvPr>
-          <p:cNvGrpSpPr>
-            <a:grpSpLocks noChangeAspect="1"/>
-          </p:cNvGrpSpPr>
-          <p:nvPr/>
-        </p:nvGrpSpPr>
-        <p:grpSpPr>
-          <a:xfrm>
-            <a:off x="4483066" y="4220868"/>
-            <a:ext cx="777240" cy="802716"/>
-            <a:chOff x="6937314" y="2943131"/>
-            <a:chExt cx="597585" cy="617173"/>
-          </a:xfrm>
-          <a:noFill/>
-        </p:grpSpPr>
-        <p:sp>
-          <p:nvSpPr>
-            <p:cNvPr id="224" name="Oval 223">
-              <a:extLst>
-                <a:ext uri="{FF2B5EF4-FFF2-40B4-BE49-F238E27FC236}">
-                  <a16:creationId xmlns:a16="http://schemas.microsoft.com/office/drawing/2014/main" id="{B59D2803-77B6-AD1F-7EEC-14E5957A1051}"/>
-                </a:ext>
-              </a:extLst>
-            </p:cNvPr>
-            <p:cNvSpPr/>
-            <p:nvPr/>
-          </p:nvSpPr>
-          <p:spPr>
-            <a:xfrm>
-              <a:off x="6975940" y="2943131"/>
-              <a:ext cx="525923" cy="525923"/>
-            </a:xfrm>
-            <a:prstGeom prst="ellipse">
-              <a:avLst/>
-            </a:prstGeom>
-            <a:grpFill/>
-            <a:ln w="28575">
-              <a:solidFill>
-                <a:schemeClr val="tx1"/>
-              </a:solidFill>
-              <a:prstDash val="solid"/>
-            </a:ln>
-          </p:spPr>
-          <p:style>
-            <a:lnRef idx="2">
-              <a:schemeClr val="accent1">
-                <a:shade val="50000"/>
-              </a:schemeClr>
-            </a:lnRef>
-            <a:fillRef idx="1">
-              <a:schemeClr val="accent1"/>
-            </a:fillRef>
-            <a:effectRef idx="0">
-              <a:schemeClr val="accent1"/>
-            </a:effectRef>
-            <a:fontRef idx="minor">
-              <a:schemeClr val="lt1"/>
-            </a:fontRef>
-          </p:style>
-          <p:txBody>
-            <a:bodyPr rtlCol="0" anchor="ctr"/>
-            <a:lstStyle/>
-            <a:p>
-              <a:pPr algn="ctr"/>
-              <a:endParaRPr lang="en-US" dirty="0"/>
-            </a:p>
-          </p:txBody>
-        </p:sp>
-        <p:sp>
-          <p:nvSpPr>
-            <p:cNvPr id="225" name="TextBox 224">
-              <a:extLst>
-                <a:ext uri="{FF2B5EF4-FFF2-40B4-BE49-F238E27FC236}">
-                  <a16:creationId xmlns:a16="http://schemas.microsoft.com/office/drawing/2014/main" id="{00FE9146-01B6-967B-C1F3-B14D35216BCE}"/>
-                </a:ext>
-              </a:extLst>
-            </p:cNvPr>
-            <p:cNvSpPr txBox="1"/>
-            <p:nvPr/>
-          </p:nvSpPr>
-          <p:spPr>
-            <a:xfrm>
-              <a:off x="6937314" y="3013747"/>
-              <a:ext cx="597585" cy="546557"/>
-            </a:xfrm>
-            <a:prstGeom prst="rect">
-              <a:avLst/>
-            </a:prstGeom>
-            <a:grpFill/>
-            <a:ln>
-              <a:noFill/>
-              <a:prstDash val="solid"/>
-            </a:ln>
-          </p:spPr>
-          <p:txBody>
-            <a:bodyPr wrap="square" rtlCol="0">
-              <a:spAutoFit/>
-            </a:bodyPr>
-            <a:lstStyle/>
-            <a:p>
-              <a:pPr algn="ctr"/>
-              <a:r>
-                <a:rPr lang="en-US" sz="1200" b="1" dirty="0"/>
-                <a:t>Control</a:t>
-              </a:r>
-              <a:br>
-                <a:rPr lang="en-US" sz="1200" b="1" dirty="0"/>
-              </a:br>
-              <a:r>
-                <a:rPr lang="en-US" sz="1200" b="1" dirty="0"/>
-                <a:t>Agent(s)</a:t>
-              </a:r>
-            </a:p>
-          </p:txBody>
-        </p:sp>
-      </p:grpSp>
-      <p:cxnSp>
-        <p:nvCxnSpPr>
-          <p:cNvPr id="254" name="Straight Arrow Connector 253">
-            <a:extLst>
-              <a:ext uri="{FF2B5EF4-FFF2-40B4-BE49-F238E27FC236}">
-                <a16:creationId xmlns:a16="http://schemas.microsoft.com/office/drawing/2014/main" id="{4978A571-EFFF-1E48-89B9-E254764834FC}"/>
-              </a:ext>
-            </a:extLst>
-          </p:cNvPr>
-          <p:cNvCxnSpPr>
-            <a:cxnSpLocks/>
-            <a:endCxn id="97" idx="5"/>
-          </p:cNvCxnSpPr>
-          <p:nvPr/>
-        </p:nvCxnSpPr>
-        <p:spPr>
-          <a:xfrm>
-            <a:off x="5217338" y="4581124"/>
-            <a:ext cx="572628" cy="0"/>
-          </a:xfrm>
-          <a:prstGeom prst="straightConnector1">
-            <a:avLst/>
-          </a:prstGeom>
-          <a:ln w="28575">
-            <a:headEnd type="triangle" w="med" len="med"/>
-            <a:tailEnd type="triangle" w="med" len="med"/>
-          </a:ln>
-        </p:spPr>
-        <p:style>
-          <a:lnRef idx="1">
-            <a:schemeClr val="dk1"/>
-          </a:lnRef>
-          <a:fillRef idx="0">
-            <a:schemeClr val="dk1"/>
-          </a:fillRef>
-          <a:effectRef idx="0">
-            <a:schemeClr val="dk1"/>
-          </a:effectRef>
-          <a:fontRef idx="minor">
-            <a:schemeClr val="tx1"/>
-          </a:fontRef>
-        </p:style>
-      </p:cxnSp>
-      <p:cxnSp>
-        <p:nvCxnSpPr>
-          <p:cNvPr id="266" name="Straight Arrow Connector 265">
-            <a:extLst>
-              <a:ext uri="{FF2B5EF4-FFF2-40B4-BE49-F238E27FC236}">
-                <a16:creationId xmlns:a16="http://schemas.microsoft.com/office/drawing/2014/main" id="{12C4AD9F-69D2-087C-96B3-DBD6C198F922}"/>
-              </a:ext>
-            </a:extLst>
-          </p:cNvPr>
-          <p:cNvCxnSpPr>
-            <a:cxnSpLocks/>
-            <a:stCxn id="75" idx="3"/>
-            <a:endCxn id="91" idx="1"/>
-          </p:cNvCxnSpPr>
-          <p:nvPr/>
-        </p:nvCxnSpPr>
-        <p:spPr>
-          <a:xfrm flipV="1">
-            <a:off x="7574026" y="3681021"/>
-            <a:ext cx="362513" cy="10195"/>
-          </a:xfrm>
-          <a:prstGeom prst="straightConnector1">
-            <a:avLst/>
-          </a:prstGeom>
-          <a:ln w="28575">
-            <a:tailEnd type="triangle"/>
-          </a:ln>
-        </p:spPr>
-        <p:style>
-          <a:lnRef idx="1">
-            <a:schemeClr val="dk1"/>
-          </a:lnRef>
-          <a:fillRef idx="0">
-            <a:schemeClr val="dk1"/>
-          </a:fillRef>
-          <a:effectRef idx="0">
-            <a:schemeClr val="dk1"/>
-          </a:effectRef>
-          <a:fontRef idx="minor">
-            <a:schemeClr val="tx1"/>
-          </a:fontRef>
-        </p:style>
-      </p:cxnSp>
-      <p:sp>
-        <p:nvSpPr>
-          <p:cNvPr id="270" name="TextBox 269">
-            <a:extLst>
-              <a:ext uri="{FF2B5EF4-FFF2-40B4-BE49-F238E27FC236}">
-                <a16:creationId xmlns:a16="http://schemas.microsoft.com/office/drawing/2014/main" id="{3DCCB8A5-7387-7B69-172E-DAA0C375708F}"/>
-              </a:ext>
-            </a:extLst>
-          </p:cNvPr>
-          <p:cNvSpPr txBox="1"/>
-          <p:nvPr/>
-        </p:nvSpPr>
-        <p:spPr>
-          <a:xfrm>
-            <a:off x="7446664" y="308729"/>
-            <a:ext cx="1138773" cy="276999"/>
-          </a:xfrm>
-          <a:prstGeom prst="rect">
-            <a:avLst/>
-          </a:prstGeom>
-          <a:noFill/>
-        </p:spPr>
-        <p:txBody>
-          <a:bodyPr wrap="none" rtlCol="0">
-            <a:spAutoFit/>
-          </a:bodyPr>
-          <a:lstStyle/>
-          <a:p>
-            <a:r>
-              <a:rPr lang="en-US" sz="1200" b="1" dirty="0">
-                <a:solidFill>
-                  <a:srgbClr val="C00000"/>
-                </a:solidFill>
-              </a:rPr>
-              <a:t>EULP Database</a:t>
-            </a:r>
-          </a:p>
-        </p:txBody>
-      </p:sp>
-      <p:sp>
-        <p:nvSpPr>
-          <p:cNvPr id="275" name="TextBox 274">
-            <a:extLst>
-              <a:ext uri="{FF2B5EF4-FFF2-40B4-BE49-F238E27FC236}">
-                <a16:creationId xmlns:a16="http://schemas.microsoft.com/office/drawing/2014/main" id="{D30CCAD0-4072-9983-C400-3D101213FC8E}"/>
-              </a:ext>
-            </a:extLst>
-          </p:cNvPr>
-          <p:cNvSpPr txBox="1"/>
-          <p:nvPr/>
-        </p:nvSpPr>
-        <p:spPr>
-          <a:xfrm>
-            <a:off x="1023059" y="363047"/>
-            <a:ext cx="1449820" cy="1077218"/>
-          </a:xfrm>
-          <a:prstGeom prst="rect">
-            <a:avLst/>
-          </a:prstGeom>
-          <a:noFill/>
-        </p:spPr>
-        <p:txBody>
-          <a:bodyPr wrap="none" rtlCol="0">
-            <a:spAutoFit/>
-          </a:bodyPr>
-          <a:lstStyle/>
-          <a:p>
-            <a:pPr algn="r"/>
-            <a:r>
-              <a:rPr lang="en-US" sz="1600" b="1" dirty="0"/>
-              <a:t>Phase 1</a:t>
-            </a:r>
-            <a:br>
-              <a:rPr lang="en-US" sz="1600" b="1" dirty="0"/>
-            </a:br>
-            <a:r>
-              <a:rPr lang="en-US" sz="1600" dirty="0"/>
-              <a:t>Neighborhood</a:t>
-            </a:r>
-            <a:br>
-              <a:rPr lang="en-US" sz="1600" dirty="0"/>
-            </a:br>
-            <a:r>
-              <a:rPr lang="en-US" sz="1600" dirty="0"/>
-              <a:t> Design &amp;</a:t>
-            </a:r>
-          </a:p>
-          <a:p>
-            <a:pPr algn="r"/>
-            <a:r>
-              <a:rPr lang="en-US" sz="1600" dirty="0"/>
-              <a:t>Data Collection</a:t>
-            </a:r>
-          </a:p>
-        </p:txBody>
-      </p:sp>
-      <p:sp>
-        <p:nvSpPr>
-          <p:cNvPr id="276" name="TextBox 275">
-            <a:extLst>
-              <a:ext uri="{FF2B5EF4-FFF2-40B4-BE49-F238E27FC236}">
-                <a16:creationId xmlns:a16="http://schemas.microsoft.com/office/drawing/2014/main" id="{4EA72FA4-D2CA-AB19-EB04-6AF6A06A05C0}"/>
-              </a:ext>
-            </a:extLst>
-          </p:cNvPr>
-          <p:cNvSpPr txBox="1"/>
-          <p:nvPr/>
-        </p:nvSpPr>
-        <p:spPr>
-          <a:xfrm>
-            <a:off x="954191" y="2833481"/>
-            <a:ext cx="1518043" cy="1077218"/>
-          </a:xfrm>
-          <a:prstGeom prst="rect">
-            <a:avLst/>
-          </a:prstGeom>
-          <a:noFill/>
-        </p:spPr>
-        <p:txBody>
-          <a:bodyPr wrap="none" rtlCol="0">
-            <a:spAutoFit/>
-          </a:bodyPr>
-          <a:lstStyle/>
-          <a:p>
-            <a:pPr algn="r"/>
-            <a:r>
-              <a:rPr lang="en-US" sz="1600" b="1" dirty="0"/>
-              <a:t>Phase 2</a:t>
-            </a:r>
-            <a:br>
-              <a:rPr lang="en-US" sz="1600" b="1" dirty="0"/>
-            </a:br>
-            <a:r>
-              <a:rPr lang="en-US" sz="1600" dirty="0"/>
-              <a:t>Load Simulation</a:t>
-            </a:r>
-          </a:p>
-          <a:p>
-            <a:pPr algn="r"/>
-            <a:r>
-              <a:rPr lang="en-US" sz="1600" dirty="0"/>
-              <a:t>&amp;</a:t>
-            </a:r>
-            <a:r>
-              <a:rPr lang="en-US" sz="1600" b="1" dirty="0"/>
-              <a:t> </a:t>
-            </a:r>
-            <a:r>
-              <a:rPr lang="en-US" sz="1600" dirty="0"/>
-              <a:t>Dataset</a:t>
-            </a:r>
-          </a:p>
-          <a:p>
-            <a:pPr algn="r"/>
-            <a:r>
-              <a:rPr lang="en-US" sz="1600" dirty="0"/>
-              <a:t>Preparation</a:t>
-            </a:r>
-          </a:p>
-        </p:txBody>
-      </p:sp>
-      <p:sp>
-        <p:nvSpPr>
-          <p:cNvPr id="277" name="TextBox 276">
-            <a:extLst>
-              <a:ext uri="{FF2B5EF4-FFF2-40B4-BE49-F238E27FC236}">
-                <a16:creationId xmlns:a16="http://schemas.microsoft.com/office/drawing/2014/main" id="{40DB006A-9260-C592-AAC4-FFED39BB7B8C}"/>
-              </a:ext>
-            </a:extLst>
-          </p:cNvPr>
-          <p:cNvSpPr txBox="1"/>
-          <p:nvPr/>
-        </p:nvSpPr>
-        <p:spPr>
-          <a:xfrm>
-            <a:off x="1260182" y="4399457"/>
-            <a:ext cx="1214050" cy="1077218"/>
-          </a:xfrm>
-          <a:prstGeom prst="rect">
-            <a:avLst/>
-          </a:prstGeom>
-          <a:noFill/>
-        </p:spPr>
-        <p:txBody>
-          <a:bodyPr wrap="none" rtlCol="0">
-            <a:spAutoFit/>
-          </a:bodyPr>
-          <a:lstStyle/>
-          <a:p>
-            <a:pPr algn="r"/>
-            <a:r>
-              <a:rPr lang="en-US" sz="1600" b="1" dirty="0"/>
-              <a:t>Phase 3</a:t>
-            </a:r>
-            <a:br>
-              <a:rPr lang="en-US" sz="1600" b="1" dirty="0"/>
-            </a:br>
-            <a:r>
-              <a:rPr lang="en-US" sz="1600" dirty="0"/>
-              <a:t>Control</a:t>
-            </a:r>
-          </a:p>
-          <a:p>
-            <a:pPr algn="r"/>
-            <a:r>
-              <a:rPr lang="en-US" sz="1600" dirty="0"/>
-              <a:t>Simulation</a:t>
-            </a:r>
-            <a:br>
-              <a:rPr lang="en-US" sz="1600" dirty="0"/>
-            </a:br>
-            <a:r>
-              <a:rPr lang="en-US" sz="1600" dirty="0"/>
-              <a:t>&amp; Reporting</a:t>
-            </a:r>
-          </a:p>
-        </p:txBody>
-      </p:sp>
-      <p:pic>
-        <p:nvPicPr>
-          <p:cNvPr id="9" name="Picture 8" descr="Logo, company name&#10;&#10;Description automatically generated">
-            <a:extLst>
-              <a:ext uri="{FF2B5EF4-FFF2-40B4-BE49-F238E27FC236}">
-                <a16:creationId xmlns:a16="http://schemas.microsoft.com/office/drawing/2014/main" id="{10142BE9-4AF7-06AE-5962-1B0F6B953C3B}"/>
-              </a:ext>
-            </a:extLst>
-          </p:cNvPr>
-          <p:cNvPicPr>
-            <a:picLocks noChangeAspect="1"/>
-          </p:cNvPicPr>
-          <p:nvPr/>
-        </p:nvPicPr>
-        <p:blipFill>
-          <a:blip r:embed="rId2">
-            <a:extLst>
-              <a:ext uri="{28A0092B-C50C-407E-A947-70E740481C1C}">
-                <a14:useLocalDpi xmlns:a14="http://schemas.microsoft.com/office/drawing/2010/main" val="0"/>
-              </a:ext>
-              <a:ext uri="{837473B0-CC2E-450A-ABE3-18F120FF3D39}">
-                <a1611:picAttrSrcUrl xmlns:a1611="http://schemas.microsoft.com/office/drawing/2016/11/main" r:id="rId3"/>
-              </a:ext>
-            </a:extLst>
-          </a:blip>
-          <a:stretch>
-            <a:fillRect/>
-          </a:stretch>
-        </p:blipFill>
-        <p:spPr>
-          <a:xfrm>
-            <a:off x="11356365" y="252879"/>
-            <a:ext cx="464842" cy="220335"/>
-          </a:xfrm>
-          <a:prstGeom prst="rect">
-            <a:avLst/>
-          </a:prstGeom>
-        </p:spPr>
-      </p:pic>
-      <p:pic>
-        <p:nvPicPr>
-          <p:cNvPr id="13" name="Picture 12" descr="Shape&#10;&#10;Description automatically generated with low confidence">
-            <a:extLst>
-              <a:ext uri="{FF2B5EF4-FFF2-40B4-BE49-F238E27FC236}">
-                <a16:creationId xmlns:a16="http://schemas.microsoft.com/office/drawing/2014/main" id="{F912ADC7-0E78-602A-1CED-B009B5CFA180}"/>
-              </a:ext>
-            </a:extLst>
-          </p:cNvPr>
-          <p:cNvPicPr>
-            <a:picLocks noChangeAspect="1"/>
-          </p:cNvPicPr>
-          <p:nvPr/>
-        </p:nvPicPr>
-        <p:blipFill>
-          <a:blip r:embed="rId4">
-            <a:extLst>
-              <a:ext uri="{28A0092B-C50C-407E-A947-70E740481C1C}">
-                <a14:useLocalDpi xmlns:a14="http://schemas.microsoft.com/office/drawing/2010/main" val="0"/>
-              </a:ext>
-            </a:extLst>
-          </a:blip>
-          <a:stretch>
-            <a:fillRect/>
-          </a:stretch>
-        </p:blipFill>
-        <p:spPr>
-          <a:xfrm>
-            <a:off x="6844481" y="1372731"/>
-            <a:ext cx="825985" cy="825985"/>
-          </a:xfrm>
-          <a:prstGeom prst="rect">
-            <a:avLst/>
-          </a:prstGeom>
-        </p:spPr>
-      </p:pic>
-      <p:cxnSp>
-        <p:nvCxnSpPr>
-          <p:cNvPr id="14" name="Straight Arrow Connector 13">
-            <a:extLst>
-              <a:ext uri="{FF2B5EF4-FFF2-40B4-BE49-F238E27FC236}">
-                <a16:creationId xmlns:a16="http://schemas.microsoft.com/office/drawing/2014/main" id="{0E3EA4B3-D710-8B8E-FB02-158A401CAF06}"/>
-              </a:ext>
-            </a:extLst>
-          </p:cNvPr>
-          <p:cNvCxnSpPr>
-            <a:cxnSpLocks/>
-            <a:endCxn id="13" idx="0"/>
-          </p:cNvCxnSpPr>
-          <p:nvPr/>
-        </p:nvCxnSpPr>
-        <p:spPr>
-          <a:xfrm>
-            <a:off x="7257474" y="1187602"/>
-            <a:ext cx="0" cy="185129"/>
-          </a:xfrm>
-          <a:prstGeom prst="straightConnector1">
-            <a:avLst/>
-          </a:prstGeom>
-          <a:ln w="28575">
-            <a:tailEnd type="triangle"/>
-          </a:ln>
-        </p:spPr>
-        <p:style>
-          <a:lnRef idx="1">
-            <a:schemeClr val="dk1"/>
-          </a:lnRef>
-          <a:fillRef idx="0">
-            <a:schemeClr val="dk1"/>
-          </a:fillRef>
-          <a:effectRef idx="0">
-            <a:schemeClr val="dk1"/>
-          </a:effectRef>
-          <a:fontRef idx="minor">
-            <a:schemeClr val="tx1"/>
-          </a:fontRef>
-        </p:style>
-      </p:cxnSp>
-      <p:sp>
-        <p:nvSpPr>
-          <p:cNvPr id="43" name="Rounded Rectangle 42">
-            <a:extLst>
-              <a:ext uri="{FF2B5EF4-FFF2-40B4-BE49-F238E27FC236}">
-                <a16:creationId xmlns:a16="http://schemas.microsoft.com/office/drawing/2014/main" id="{59EB3848-D5B2-E09D-399E-5E0DCD24EE39}"/>
-              </a:ext>
-            </a:extLst>
-          </p:cNvPr>
-          <p:cNvSpPr/>
-          <p:nvPr/>
-        </p:nvSpPr>
-        <p:spPr>
-          <a:xfrm>
-            <a:off x="2611538" y="512413"/>
-            <a:ext cx="1640656" cy="612331"/>
-          </a:xfrm>
-          <a:prstGeom prst="roundRect">
-            <a:avLst/>
-          </a:prstGeom>
-          <a:solidFill>
-            <a:schemeClr val="accent1">
-              <a:lumMod val="60000"/>
-              <a:lumOff val="40000"/>
-            </a:schemeClr>
-          </a:solidFill>
-          <a:ln w="28575">
-            <a:solidFill>
-              <a:schemeClr val="tx1"/>
-            </a:solidFill>
-            <a:prstDash val="solid"/>
-          </a:ln>
-        </p:spPr>
-        <p:style>
-          <a:lnRef idx="2">
-            <a:schemeClr val="accent1">
-              <a:shade val="50000"/>
-            </a:schemeClr>
-          </a:lnRef>
-          <a:fillRef idx="1">
-            <a:schemeClr val="accent1"/>
-          </a:fillRef>
-          <a:effectRef idx="0">
-            <a:schemeClr val="accent1"/>
-          </a:effectRef>
-          <a:fontRef idx="minor">
-            <a:schemeClr val="lt1"/>
-          </a:fontRef>
-        </p:style>
-        <p:txBody>
-          <a:bodyPr rtlCol="0" anchor="ctr"/>
-          <a:lstStyle/>
-          <a:p>
-            <a:pPr algn="ctr"/>
-            <a:r>
-              <a:rPr lang="en-US" sz="1200" b="1" dirty="0">
-                <a:solidFill>
-                  <a:schemeClr val="tx1"/>
-                </a:solidFill>
-              </a:rPr>
-              <a:t>Designer Option 1</a:t>
-            </a:r>
-          </a:p>
-          <a:p>
-            <a:pPr marL="171450" indent="-171450">
-              <a:buFont typeface="Arial" panose="020B0604020202020204" pitchFamily="34" charset="0"/>
-              <a:buChar char="•"/>
-            </a:pPr>
-            <a:r>
-              <a:rPr lang="en-US" sz="1200" dirty="0">
-                <a:solidFill>
-                  <a:schemeClr val="tx1"/>
-                </a:solidFill>
-              </a:rPr>
-              <a:t>Building Metadata</a:t>
-            </a:r>
-          </a:p>
-          <a:p>
-            <a:pPr marL="171450" indent="-171450">
-              <a:buFont typeface="Arial" panose="020B0604020202020204" pitchFamily="34" charset="0"/>
-              <a:buChar char="•"/>
-            </a:pPr>
-            <a:r>
-              <a:rPr lang="en-US" sz="1200" dirty="0">
-                <a:solidFill>
-                  <a:schemeClr val="tx1"/>
-                </a:solidFill>
-              </a:rPr>
-              <a:t>Building Count</a:t>
-            </a:r>
-          </a:p>
-        </p:txBody>
-      </p:sp>
-      <p:cxnSp>
-        <p:nvCxnSpPr>
-          <p:cNvPr id="46" name="Straight Arrow Connector 45">
-            <a:extLst>
-              <a:ext uri="{FF2B5EF4-FFF2-40B4-BE49-F238E27FC236}">
-                <a16:creationId xmlns:a16="http://schemas.microsoft.com/office/drawing/2014/main" id="{C42CE6B1-55DD-D430-CD71-92F1D9C53578}"/>
-              </a:ext>
-            </a:extLst>
-          </p:cNvPr>
-          <p:cNvCxnSpPr>
-            <a:cxnSpLocks/>
-            <a:stCxn id="33" idx="1"/>
-            <a:endCxn id="43" idx="3"/>
-          </p:cNvCxnSpPr>
-          <p:nvPr/>
-        </p:nvCxnSpPr>
-        <p:spPr>
-          <a:xfrm flipH="1" flipV="1">
-            <a:off x="4252194" y="818579"/>
-            <a:ext cx="360036" cy="2757"/>
-          </a:xfrm>
-          <a:prstGeom prst="straightConnector1">
-            <a:avLst/>
-          </a:prstGeom>
-          <a:ln w="28575">
-            <a:prstDash val="sysDot"/>
-            <a:headEnd type="triangle" w="med" len="med"/>
-            <a:tailEnd type="none" w="med" len="med"/>
-          </a:ln>
-        </p:spPr>
-        <p:style>
-          <a:lnRef idx="1">
-            <a:schemeClr val="dk1"/>
-          </a:lnRef>
-          <a:fillRef idx="0">
-            <a:schemeClr val="dk1"/>
-          </a:fillRef>
-          <a:effectRef idx="0">
-            <a:schemeClr val="dk1"/>
-          </a:effectRef>
-          <a:fontRef idx="minor">
-            <a:schemeClr val="tx1"/>
-          </a:fontRef>
-        </p:style>
-      </p:cxnSp>
-      <p:sp>
-        <p:nvSpPr>
-          <p:cNvPr id="49" name="Rounded Rectangle 48">
-            <a:extLst>
-              <a:ext uri="{FF2B5EF4-FFF2-40B4-BE49-F238E27FC236}">
-                <a16:creationId xmlns:a16="http://schemas.microsoft.com/office/drawing/2014/main" id="{35EC4D1D-9CDB-657A-2120-C65E5B61C7BF}"/>
-              </a:ext>
-            </a:extLst>
-          </p:cNvPr>
-          <p:cNvSpPr/>
-          <p:nvPr/>
-        </p:nvSpPr>
-        <p:spPr>
-          <a:xfrm>
-            <a:off x="2605788" y="3386581"/>
-            <a:ext cx="1640656" cy="612331"/>
-          </a:xfrm>
-          <a:prstGeom prst="roundRect">
-            <a:avLst/>
-          </a:prstGeom>
-          <a:solidFill>
-            <a:schemeClr val="accent1">
-              <a:lumMod val="60000"/>
-              <a:lumOff val="40000"/>
-            </a:schemeClr>
-          </a:solidFill>
-          <a:ln w="28575">
-            <a:solidFill>
-              <a:schemeClr val="tx1"/>
-            </a:solidFill>
-            <a:prstDash val="solid"/>
-          </a:ln>
-        </p:spPr>
-        <p:style>
-          <a:lnRef idx="2">
-            <a:schemeClr val="accent1">
-              <a:shade val="50000"/>
-            </a:schemeClr>
-          </a:lnRef>
-          <a:fillRef idx="1">
-            <a:schemeClr val="accent1"/>
-          </a:fillRef>
-          <a:effectRef idx="0">
-            <a:schemeClr val="accent1"/>
-          </a:effectRef>
-          <a:fontRef idx="minor">
-            <a:schemeClr val="lt1"/>
-          </a:fontRef>
-        </p:style>
-        <p:txBody>
-          <a:bodyPr rtlCol="0" anchor="ctr"/>
-          <a:lstStyle/>
-          <a:p>
-            <a:pPr algn="ctr"/>
-            <a:r>
-              <a:rPr lang="en-US" sz="1200" b="1" dirty="0">
-                <a:solidFill>
-                  <a:schemeClr val="tx1"/>
-                </a:solidFill>
-              </a:rPr>
-              <a:t>Designer Option 2</a:t>
-            </a:r>
-          </a:p>
-          <a:p>
-            <a:pPr marL="171450" indent="-171450">
-              <a:buFont typeface="Arial" panose="020B0604020202020204" pitchFamily="34" charset="0"/>
-              <a:buChar char="•"/>
-            </a:pPr>
-            <a:r>
-              <a:rPr lang="en-US" sz="1200" dirty="0">
-                <a:solidFill>
-                  <a:schemeClr val="tx1"/>
-                </a:solidFill>
-              </a:rPr>
-              <a:t>DER Availability</a:t>
-            </a:r>
-          </a:p>
-          <a:p>
-            <a:pPr marL="171450" indent="-171450">
-              <a:buFont typeface="Arial" panose="020B0604020202020204" pitchFamily="34" charset="0"/>
-              <a:buChar char="•"/>
-            </a:pPr>
-            <a:r>
-              <a:rPr lang="en-US" sz="1200" dirty="0">
-                <a:solidFill>
-                  <a:schemeClr val="tx1"/>
-                </a:solidFill>
-              </a:rPr>
-              <a:t>System Sizing</a:t>
-            </a:r>
-          </a:p>
-        </p:txBody>
-      </p:sp>
-      <p:cxnSp>
-        <p:nvCxnSpPr>
-          <p:cNvPr id="57" name="Straight Arrow Connector 56">
-            <a:extLst>
-              <a:ext uri="{FF2B5EF4-FFF2-40B4-BE49-F238E27FC236}">
-                <a16:creationId xmlns:a16="http://schemas.microsoft.com/office/drawing/2014/main" id="{1BFE49BE-8650-0AA8-4380-4D0371D35AE4}"/>
-              </a:ext>
-            </a:extLst>
-          </p:cNvPr>
-          <p:cNvCxnSpPr>
-            <a:cxnSpLocks/>
-            <a:stCxn id="135" idx="1"/>
-            <a:endCxn id="49" idx="3"/>
-          </p:cNvCxnSpPr>
-          <p:nvPr/>
-        </p:nvCxnSpPr>
-        <p:spPr>
-          <a:xfrm flipH="1">
-            <a:off x="4246444" y="3686119"/>
-            <a:ext cx="1489517" cy="6628"/>
-          </a:xfrm>
-          <a:prstGeom prst="straightConnector1">
-            <a:avLst/>
-          </a:prstGeom>
-          <a:ln w="28575">
-            <a:prstDash val="sysDot"/>
-            <a:headEnd type="triangle" w="med" len="med"/>
-            <a:tailEnd type="none" w="med" len="med"/>
-          </a:ln>
-        </p:spPr>
-        <p:style>
-          <a:lnRef idx="1">
-            <a:schemeClr val="dk1"/>
-          </a:lnRef>
-          <a:fillRef idx="0">
-            <a:schemeClr val="dk1"/>
-          </a:fillRef>
-          <a:effectRef idx="0">
-            <a:schemeClr val="dk1"/>
-          </a:effectRef>
-          <a:fontRef idx="minor">
-            <a:schemeClr val="tx1"/>
-          </a:fontRef>
-        </p:style>
-      </p:cxnSp>
-      <p:sp>
-        <p:nvSpPr>
-          <p:cNvPr id="72" name="Rounded Rectangle 71">
-            <a:extLst>
-              <a:ext uri="{FF2B5EF4-FFF2-40B4-BE49-F238E27FC236}">
-                <a16:creationId xmlns:a16="http://schemas.microsoft.com/office/drawing/2014/main" id="{3FCC2018-36E9-93C2-D3B1-CC2EC2FF77E2}"/>
-              </a:ext>
-            </a:extLst>
-          </p:cNvPr>
-          <p:cNvSpPr/>
-          <p:nvPr/>
-        </p:nvSpPr>
-        <p:spPr>
-          <a:xfrm>
-            <a:off x="2618250" y="4252471"/>
-            <a:ext cx="1640656" cy="612331"/>
-          </a:xfrm>
-          <a:prstGeom prst="roundRect">
-            <a:avLst/>
-          </a:prstGeom>
-          <a:solidFill>
-            <a:schemeClr val="accent1">
-              <a:lumMod val="60000"/>
-              <a:lumOff val="40000"/>
-            </a:schemeClr>
-          </a:solidFill>
-          <a:ln w="28575">
-            <a:solidFill>
-              <a:schemeClr val="tx1"/>
-            </a:solidFill>
-            <a:prstDash val="solid"/>
-          </a:ln>
-        </p:spPr>
-        <p:style>
-          <a:lnRef idx="2">
-            <a:schemeClr val="accent1">
-              <a:shade val="50000"/>
-            </a:schemeClr>
-          </a:lnRef>
-          <a:fillRef idx="1">
-            <a:schemeClr val="accent1"/>
-          </a:fillRef>
-          <a:effectRef idx="0">
-            <a:schemeClr val="accent1"/>
-          </a:effectRef>
-          <a:fontRef idx="minor">
-            <a:schemeClr val="lt1"/>
-          </a:fontRef>
-        </p:style>
-        <p:txBody>
-          <a:bodyPr rtlCol="0" anchor="ctr"/>
-          <a:lstStyle/>
-          <a:p>
-            <a:pPr algn="ctr"/>
-            <a:r>
-              <a:rPr lang="en-US" sz="1200" b="1" dirty="0">
-                <a:solidFill>
-                  <a:schemeClr val="tx1"/>
-                </a:solidFill>
-              </a:rPr>
-              <a:t>Designer Option 4</a:t>
-            </a:r>
-          </a:p>
-          <a:p>
-            <a:pPr marL="171450" indent="-171450">
-              <a:buFont typeface="Arial" panose="020B0604020202020204" pitchFamily="34" charset="0"/>
-              <a:buChar char="•"/>
-            </a:pPr>
-            <a:r>
-              <a:rPr lang="en-US" sz="1200" dirty="0">
-                <a:solidFill>
-                  <a:schemeClr val="tx1"/>
-                </a:solidFill>
-              </a:rPr>
-              <a:t>Control Algorithm</a:t>
-            </a:r>
-          </a:p>
-        </p:txBody>
-      </p:sp>
-      <p:cxnSp>
-        <p:nvCxnSpPr>
-          <p:cNvPr id="74" name="Straight Arrow Connector 73">
-            <a:extLst>
-              <a:ext uri="{FF2B5EF4-FFF2-40B4-BE49-F238E27FC236}">
-                <a16:creationId xmlns:a16="http://schemas.microsoft.com/office/drawing/2014/main" id="{59E30A26-4392-5624-0EB6-D5FD2603E8B0}"/>
-              </a:ext>
-            </a:extLst>
-          </p:cNvPr>
-          <p:cNvCxnSpPr>
-            <a:cxnSpLocks/>
-            <a:stCxn id="224" idx="2"/>
-            <a:endCxn id="72" idx="3"/>
-          </p:cNvCxnSpPr>
-          <p:nvPr/>
-        </p:nvCxnSpPr>
-        <p:spPr>
-          <a:xfrm flipH="1" flipV="1">
-            <a:off x="4258906" y="4558637"/>
-            <a:ext cx="274398" cy="4248"/>
-          </a:xfrm>
-          <a:prstGeom prst="straightConnector1">
-            <a:avLst/>
-          </a:prstGeom>
-          <a:ln w="28575">
-            <a:prstDash val="sysDot"/>
-            <a:headEnd type="triangle" w="med" len="med"/>
-            <a:tailEnd type="none" w="med" len="med"/>
-          </a:ln>
-        </p:spPr>
-        <p:style>
-          <a:lnRef idx="1">
-            <a:schemeClr val="dk1"/>
-          </a:lnRef>
-          <a:fillRef idx="0">
-            <a:schemeClr val="dk1"/>
-          </a:fillRef>
-          <a:effectRef idx="0">
-            <a:schemeClr val="dk1"/>
-          </a:effectRef>
-          <a:fontRef idx="minor">
-            <a:schemeClr val="tx1"/>
-          </a:fontRef>
-        </p:style>
-      </p:cxnSp>
-      <p:sp>
-        <p:nvSpPr>
-          <p:cNvPr id="92" name="Rounded Rectangle 91">
-            <a:extLst>
-              <a:ext uri="{FF2B5EF4-FFF2-40B4-BE49-F238E27FC236}">
-                <a16:creationId xmlns:a16="http://schemas.microsoft.com/office/drawing/2014/main" id="{881393E7-E7B2-C8DC-2D6E-46389E4F6E3F}"/>
-              </a:ext>
-            </a:extLst>
-          </p:cNvPr>
-          <p:cNvSpPr/>
-          <p:nvPr/>
-        </p:nvSpPr>
-        <p:spPr>
-          <a:xfrm>
-            <a:off x="2618250" y="5109921"/>
-            <a:ext cx="1640656" cy="612331"/>
-          </a:xfrm>
-          <a:prstGeom prst="roundRect">
-            <a:avLst/>
-          </a:prstGeom>
-          <a:solidFill>
-            <a:schemeClr val="accent1">
-              <a:lumMod val="60000"/>
-              <a:lumOff val="40000"/>
-            </a:schemeClr>
-          </a:solidFill>
-          <a:ln w="28575">
-            <a:solidFill>
-              <a:schemeClr val="tx1"/>
-            </a:solidFill>
-            <a:prstDash val="solid"/>
-          </a:ln>
-        </p:spPr>
-        <p:style>
-          <a:lnRef idx="2">
-            <a:schemeClr val="accent1">
-              <a:shade val="50000"/>
-            </a:schemeClr>
-          </a:lnRef>
-          <a:fillRef idx="1">
-            <a:schemeClr val="accent1"/>
-          </a:fillRef>
-          <a:effectRef idx="0">
-            <a:schemeClr val="accent1"/>
-          </a:effectRef>
-          <a:fontRef idx="minor">
-            <a:schemeClr val="lt1"/>
-          </a:fontRef>
-        </p:style>
-        <p:txBody>
-          <a:bodyPr rtlCol="0" anchor="ctr"/>
-          <a:lstStyle/>
-          <a:p>
-            <a:pPr algn="ctr"/>
-            <a:r>
-              <a:rPr lang="en-US" sz="1200" b="1" dirty="0">
-                <a:solidFill>
-                  <a:schemeClr val="tx1"/>
-                </a:solidFill>
-              </a:rPr>
-              <a:t>Designer Option 5</a:t>
-            </a:r>
-          </a:p>
-          <a:p>
-            <a:pPr marL="171450" indent="-171450">
-              <a:buFont typeface="Arial" panose="020B0604020202020204" pitchFamily="34" charset="0"/>
-              <a:buChar char="•"/>
-            </a:pPr>
-            <a:r>
-              <a:rPr lang="en-US" sz="1200" dirty="0">
-                <a:solidFill>
-                  <a:schemeClr val="tx1"/>
-                </a:solidFill>
-              </a:rPr>
-              <a:t>KPI Selection</a:t>
-            </a:r>
-          </a:p>
-        </p:txBody>
-      </p:sp>
-      <p:cxnSp>
-        <p:nvCxnSpPr>
-          <p:cNvPr id="93" name="Straight Arrow Connector 92">
-            <a:extLst>
-              <a:ext uri="{FF2B5EF4-FFF2-40B4-BE49-F238E27FC236}">
-                <a16:creationId xmlns:a16="http://schemas.microsoft.com/office/drawing/2014/main" id="{55D2C185-2317-901F-E4AC-2AD5484B597E}"/>
-              </a:ext>
-            </a:extLst>
-          </p:cNvPr>
-          <p:cNvCxnSpPr>
-            <a:cxnSpLocks/>
-            <a:stCxn id="111" idx="5"/>
-            <a:endCxn id="92" idx="3"/>
-          </p:cNvCxnSpPr>
-          <p:nvPr/>
-        </p:nvCxnSpPr>
-        <p:spPr>
-          <a:xfrm flipH="1">
-            <a:off x="4258906" y="5409218"/>
-            <a:ext cx="1531060" cy="6869"/>
-          </a:xfrm>
-          <a:prstGeom prst="straightConnector1">
-            <a:avLst/>
-          </a:prstGeom>
-          <a:ln w="28575">
-            <a:prstDash val="sysDot"/>
-            <a:headEnd type="triangle" w="med" len="med"/>
-            <a:tailEnd type="none" w="med" len="med"/>
-          </a:ln>
-        </p:spPr>
-        <p:style>
-          <a:lnRef idx="1">
-            <a:schemeClr val="dk1"/>
-          </a:lnRef>
-          <a:fillRef idx="0">
-            <a:schemeClr val="dk1"/>
-          </a:fillRef>
-          <a:effectRef idx="0">
-            <a:schemeClr val="dk1"/>
-          </a:effectRef>
-          <a:fontRef idx="minor">
-            <a:schemeClr val="tx1"/>
-          </a:fontRef>
-        </p:style>
-      </p:cxnSp>
-      <p:sp>
-        <p:nvSpPr>
-          <p:cNvPr id="100" name="Rounded Rectangle 99">
-            <a:extLst>
-              <a:ext uri="{FF2B5EF4-FFF2-40B4-BE49-F238E27FC236}">
-                <a16:creationId xmlns:a16="http://schemas.microsoft.com/office/drawing/2014/main" id="{183687B7-9E75-C5E2-5BD7-B878A12B208F}"/>
-              </a:ext>
-            </a:extLst>
-          </p:cNvPr>
-          <p:cNvSpPr/>
-          <p:nvPr/>
-        </p:nvSpPr>
-        <p:spPr>
-          <a:xfrm>
-            <a:off x="9867951" y="3374855"/>
-            <a:ext cx="1640656" cy="612331"/>
-          </a:xfrm>
-          <a:prstGeom prst="roundRect">
-            <a:avLst/>
-          </a:prstGeom>
-          <a:solidFill>
-            <a:schemeClr val="accent1">
-              <a:lumMod val="60000"/>
-              <a:lumOff val="40000"/>
-            </a:schemeClr>
-          </a:solidFill>
-          <a:ln w="28575">
-            <a:solidFill>
-              <a:schemeClr val="tx1"/>
-            </a:solidFill>
-            <a:prstDash val="solid"/>
-          </a:ln>
-        </p:spPr>
-        <p:style>
-          <a:lnRef idx="2">
-            <a:schemeClr val="accent1">
-              <a:shade val="50000"/>
-            </a:schemeClr>
-          </a:lnRef>
-          <a:fillRef idx="1">
-            <a:schemeClr val="accent1"/>
-          </a:fillRef>
-          <a:effectRef idx="0">
-            <a:schemeClr val="accent1"/>
-          </a:effectRef>
-          <a:fontRef idx="minor">
-            <a:schemeClr val="lt1"/>
-          </a:fontRef>
-        </p:style>
-        <p:txBody>
-          <a:bodyPr rtlCol="0" anchor="ctr"/>
-          <a:lstStyle/>
-          <a:p>
-            <a:pPr algn="ctr"/>
-            <a:r>
-              <a:rPr lang="en-US" sz="1200" b="1" dirty="0">
-                <a:solidFill>
-                  <a:schemeClr val="tx1"/>
-                </a:solidFill>
-              </a:rPr>
-              <a:t>Designer Option 3</a:t>
-            </a:r>
-          </a:p>
-          <a:p>
-            <a:pPr marL="171450" indent="-171450">
-              <a:buFont typeface="Arial" panose="020B0604020202020204" pitchFamily="34" charset="0"/>
-              <a:buChar char="•"/>
-            </a:pPr>
-            <a:r>
-              <a:rPr lang="en-US" sz="1200" dirty="0">
-                <a:solidFill>
-                  <a:schemeClr val="tx1"/>
-                </a:solidFill>
-              </a:rPr>
-              <a:t>Model Type</a:t>
-            </a:r>
-          </a:p>
-        </p:txBody>
-      </p:sp>
-      <p:cxnSp>
-        <p:nvCxnSpPr>
-          <p:cNvPr id="101" name="Straight Arrow Connector 100">
-            <a:extLst>
-              <a:ext uri="{FF2B5EF4-FFF2-40B4-BE49-F238E27FC236}">
-                <a16:creationId xmlns:a16="http://schemas.microsoft.com/office/drawing/2014/main" id="{E546CBAB-FFAB-BEFC-B4C3-91AED4FB8420}"/>
-              </a:ext>
-            </a:extLst>
-          </p:cNvPr>
-          <p:cNvCxnSpPr>
-            <a:cxnSpLocks/>
-            <a:stCxn id="91" idx="3"/>
-            <a:endCxn id="100" idx="1"/>
-          </p:cNvCxnSpPr>
-          <p:nvPr/>
-        </p:nvCxnSpPr>
-        <p:spPr>
-          <a:xfrm>
-            <a:off x="8818841" y="3681021"/>
-            <a:ext cx="1049110" cy="0"/>
-          </a:xfrm>
-          <a:prstGeom prst="straightConnector1">
-            <a:avLst/>
-          </a:prstGeom>
-          <a:ln w="28575">
-            <a:prstDash val="sysDot"/>
-            <a:headEnd type="triangle" w="med" len="med"/>
-            <a:tailEnd type="none" w="med" len="med"/>
-          </a:ln>
-        </p:spPr>
-        <p:style>
-          <a:lnRef idx="1">
-            <a:schemeClr val="dk1"/>
-          </a:lnRef>
-          <a:fillRef idx="0">
-            <a:schemeClr val="dk1"/>
-          </a:fillRef>
-          <a:effectRef idx="0">
-            <a:schemeClr val="dk1"/>
-          </a:effectRef>
-          <a:fontRef idx="minor">
-            <a:schemeClr val="tx1"/>
-          </a:fontRef>
-        </p:style>
-      </p:cxnSp>
-    </p:spTree>
-    <p:extLst>
-      <p:ext uri="{BB962C8B-B14F-4D97-AF65-F5344CB8AC3E}">
-        <p14:creationId xmlns:p14="http://schemas.microsoft.com/office/powerpoint/2010/main" val="4025712641"/>
-      </p:ext>
-    </p:extLst>
-  </p:cSld>
-  <p:clrMapOvr>
-    <a:masterClrMapping/>
-  </p:clrMapOvr>
-</p:sld>
-</file>
-
-<file path=ppt/slides/slide9.xml><?xml version="1.0" encoding="utf-8"?>
-<p:sld xmlns:a="http://schemas.openxmlformats.org/drawingml/2006/main" xmlns:r="http://schemas.openxmlformats.org/officeDocument/2006/relationships" xmlns:p="http://schemas.openxmlformats.org/presentationml/2006/main">
-  <p:cSld>
-    <p:spTree>
-      <p:nvGrpSpPr>
-        <p:cNvPr id="1" name=""/>
-        <p:cNvGrpSpPr/>
-        <p:nvPr/>
-      </p:nvGrpSpPr>
-      <p:grpSpPr>
-        <a:xfrm>
-          <a:off x="0" y="0"/>
-          <a:ext cx="0" cy="0"/>
-          <a:chOff x="0" y="0"/>
-          <a:chExt cx="0" cy="0"/>
-        </a:xfrm>
-      </p:grpSpPr>
-      <p:pic>
-        <p:nvPicPr>
-          <p:cNvPr id="2" name="Picture 1">
-            <a:extLst>
-              <a:ext uri="{FF2B5EF4-FFF2-40B4-BE49-F238E27FC236}">
-                <a16:creationId xmlns:a16="http://schemas.microsoft.com/office/drawing/2014/main" id="{AE666E81-A703-8369-1FD1-C4046468FA34}"/>
-              </a:ext>
-            </a:extLst>
-          </p:cNvPr>
-          <p:cNvPicPr>
-            <a:picLocks noChangeAspect="1"/>
-          </p:cNvPicPr>
-          <p:nvPr/>
-        </p:nvPicPr>
-        <p:blipFill>
-          <a:blip r:embed="rId2"/>
-          <a:stretch>
-            <a:fillRect/>
-          </a:stretch>
-        </p:blipFill>
-        <p:spPr>
-          <a:xfrm>
-            <a:off x="2209800" y="1343949"/>
-            <a:ext cx="7772400" cy="4170102"/>
-          </a:xfrm>
-          <a:prstGeom prst="rect">
-            <a:avLst/>
-          </a:prstGeom>
-        </p:spPr>
-      </p:pic>
-    </p:spTree>
-    <p:extLst>
-      <p:ext uri="{BB962C8B-B14F-4D97-AF65-F5344CB8AC3E}">
-        <p14:creationId xmlns:p14="http://schemas.microsoft.com/office/powerpoint/2010/main" val="2663083143"/>
       </p:ext>
     </p:extLst>
   </p:cSld>

--- a/assets/images/citylearn_systems.pptx
+++ b/assets/images/citylearn_systems.pptx
@@ -259,7 +259,7 @@
           <a:p>
             <a:fld id="{C375809C-1078-40E5-8D78-A06230988E2D}" type="datetimeFigureOut">
               <a:rPr lang="en-US" smtClean="0"/>
-              <a:t>4/17/24</a:t>
+              <a:t>5/6/24</a:t>
             </a:fld>
             <a:endParaRPr lang="en-US"/>
           </a:p>
@@ -437,7 +437,7 @@
             <a:fld id="{2B843C7C-BC90-49F1-B4F6-A48532280559}" type="datetimeFigureOut">
               <a:rPr lang="de-DE" smtClean="0"/>
               <a:pPr/>
-              <a:t>17.04.24</a:t>
+              <a:t>06.05.24</a:t>
             </a:fld>
             <a:endParaRPr lang="de-DE"/>
           </a:p>
@@ -17544,6 +17544,48 @@
           <a:chExt cx="0" cy="0"/>
         </a:xfrm>
       </p:grpSpPr>
+      <p:sp>
+        <p:nvSpPr>
+          <p:cNvPr id="70" name="TextBox 69">
+            <a:extLst>
+              <a:ext uri="{FF2B5EF4-FFF2-40B4-BE49-F238E27FC236}">
+                <a16:creationId xmlns:a16="http://schemas.microsoft.com/office/drawing/2014/main" id="{057B4661-7D2D-90EF-4D97-96662B43DC24}"/>
+              </a:ext>
+            </a:extLst>
+          </p:cNvPr>
+          <p:cNvSpPr txBox="1"/>
+          <p:nvPr/>
+        </p:nvSpPr>
+        <p:spPr>
+          <a:xfrm>
+            <a:off x="3461910" y="58139"/>
+            <a:ext cx="1444503" cy="492443"/>
+          </a:xfrm>
+          <a:prstGeom prst="rect">
+            <a:avLst/>
+          </a:prstGeom>
+          <a:noFill/>
+        </p:spPr>
+        <p:txBody>
+          <a:bodyPr wrap="square" rtlCol="0">
+            <a:spAutoFit/>
+          </a:bodyPr>
+          <a:lstStyle/>
+          <a:p>
+            <a:r>
+              <a:rPr lang="en-US" sz="1300" b="1" dirty="0"/>
+              <a:t>Unlimited Supply/</a:t>
+            </a:r>
+            <a:br>
+              <a:rPr lang="en-US" sz="1300" b="1" dirty="0"/>
+            </a:br>
+            <a:r>
+              <a:rPr lang="en-US" sz="1300" b="1" dirty="0"/>
+              <a:t>Power Outage</a:t>
+            </a:r>
+          </a:p>
+        </p:txBody>
+      </p:sp>
       <p:grpSp>
         <p:nvGrpSpPr>
           <p:cNvPr id="6" name="Group 5">
@@ -21105,48 +21147,6 @@
           </a:fontRef>
         </p:style>
       </p:cxnSp>
-      <p:sp>
-        <p:nvSpPr>
-          <p:cNvPr id="70" name="TextBox 69">
-            <a:extLst>
-              <a:ext uri="{FF2B5EF4-FFF2-40B4-BE49-F238E27FC236}">
-                <a16:creationId xmlns:a16="http://schemas.microsoft.com/office/drawing/2014/main" id="{057B4661-7D2D-90EF-4D97-96662B43DC24}"/>
-              </a:ext>
-            </a:extLst>
-          </p:cNvPr>
-          <p:cNvSpPr txBox="1"/>
-          <p:nvPr/>
-        </p:nvSpPr>
-        <p:spPr>
-          <a:xfrm>
-            <a:off x="3461910" y="58139"/>
-            <a:ext cx="1444503" cy="492443"/>
-          </a:xfrm>
-          <a:prstGeom prst="rect">
-            <a:avLst/>
-          </a:prstGeom>
-          <a:noFill/>
-        </p:spPr>
-        <p:txBody>
-          <a:bodyPr wrap="square" rtlCol="0">
-            <a:spAutoFit/>
-          </a:bodyPr>
-          <a:lstStyle/>
-          <a:p>
-            <a:r>
-              <a:rPr lang="en-US" sz="1300" b="1" dirty="0"/>
-              <a:t>Unlimited Supply/</a:t>
-            </a:r>
-            <a:br>
-              <a:rPr lang="en-US" sz="1300" b="1" dirty="0"/>
-            </a:br>
-            <a:r>
-              <a:rPr lang="en-US" sz="1300" b="1" dirty="0"/>
-              <a:t>Power Outage</a:t>
-            </a:r>
-          </a:p>
-        </p:txBody>
-      </p:sp>
       <p:pic>
         <p:nvPicPr>
           <p:cNvPr id="71" name="Picture 70" descr="A person measuring his head&#10;&#10;Description automatically generated">
